--- a/Apache Solr教學介紹.pptx
+++ b/Apache Solr教學介紹.pptx
@@ -4,6 +4,9 @@
   <p:sldMasterIdLst>
     <p:sldMasterId id="2147483678" r:id="rId1"/>
   </p:sldMasterIdLst>
+  <p:notesMasterIdLst>
+    <p:notesMasterId r:id="rId27"/>
+  </p:notesMasterIdLst>
   <p:sldIdLst>
     <p:sldId id="261" r:id="rId2"/>
     <p:sldId id="257" r:id="rId3"/>
@@ -22,7 +25,14 @@
     <p:sldId id="272" r:id="rId16"/>
     <p:sldId id="273" r:id="rId17"/>
     <p:sldId id="274" r:id="rId18"/>
-    <p:sldId id="263" r:id="rId19"/>
+    <p:sldId id="277" r:id="rId19"/>
+    <p:sldId id="275" r:id="rId20"/>
+    <p:sldId id="276" r:id="rId21"/>
+    <p:sldId id="278" r:id="rId22"/>
+    <p:sldId id="279" r:id="rId23"/>
+    <p:sldId id="280" r:id="rId24"/>
+    <p:sldId id="281" r:id="rId25"/>
+    <p:sldId id="263" r:id="rId26"/>
   </p:sldIdLst>
   <p:sldSz cx="9144000" cy="6858000" type="screen4x3"/>
   <p:notesSz cx="6858000" cy="9144000"/>
@@ -243,6 +253,817 @@
     </p:ext>
   </p:extLst>
 </p:presentation>
+</file>
+
+<file path=ppt/notesMasters/notesMaster1.xml><?xml version="1.0" encoding="utf-8"?>
+<p:notesMaster xmlns:a="http://schemas.openxmlformats.org/drawingml/2006/main" xmlns:r="http://schemas.openxmlformats.org/officeDocument/2006/relationships" xmlns:p="http://schemas.openxmlformats.org/presentationml/2006/main">
+  <p:cSld>
+    <p:bg>
+      <p:bgRef idx="1001">
+        <a:schemeClr val="bg1"/>
+      </p:bgRef>
+    </p:bg>
+    <p:spTree>
+      <p:nvGrpSpPr>
+        <p:cNvPr id="1" name=""/>
+        <p:cNvGrpSpPr/>
+        <p:nvPr/>
+      </p:nvGrpSpPr>
+      <p:grpSpPr>
+        <a:xfrm>
+          <a:off x="0" y="0"/>
+          <a:ext cx="0" cy="0"/>
+          <a:chOff x="0" y="0"/>
+          <a:chExt cx="0" cy="0"/>
+        </a:xfrm>
+      </p:grpSpPr>
+      <p:sp>
+        <p:nvSpPr>
+          <p:cNvPr id="2" name="頁首版面配置區 1"/>
+          <p:cNvSpPr>
+            <a:spLocks noGrp="1"/>
+          </p:cNvSpPr>
+          <p:nvPr>
+            <p:ph type="hdr" sz="quarter"/>
+          </p:nvPr>
+        </p:nvSpPr>
+        <p:spPr>
+          <a:xfrm>
+            <a:off x="0" y="0"/>
+            <a:ext cx="2971800" cy="458788"/>
+          </a:xfrm>
+          <a:prstGeom prst="rect">
+            <a:avLst/>
+          </a:prstGeom>
+        </p:spPr>
+        <p:txBody>
+          <a:bodyPr vert="horz" lIns="91440" tIns="45720" rIns="91440" bIns="45720" rtlCol="0"/>
+          <a:lstStyle>
+            <a:lvl1pPr algn="l">
+              <a:defRPr sz="1200"/>
+            </a:lvl1pPr>
+          </a:lstStyle>
+          <a:p>
+            <a:endParaRPr lang="zh-TW" altLang="en-US"/>
+          </a:p>
+        </p:txBody>
+      </p:sp>
+      <p:sp>
+        <p:nvSpPr>
+          <p:cNvPr id="3" name="日期版面配置區 2"/>
+          <p:cNvSpPr>
+            <a:spLocks noGrp="1"/>
+          </p:cNvSpPr>
+          <p:nvPr>
+            <p:ph type="dt" idx="1"/>
+          </p:nvPr>
+        </p:nvSpPr>
+        <p:spPr>
+          <a:xfrm>
+            <a:off x="3884613" y="0"/>
+            <a:ext cx="2971800" cy="458788"/>
+          </a:xfrm>
+          <a:prstGeom prst="rect">
+            <a:avLst/>
+          </a:prstGeom>
+        </p:spPr>
+        <p:txBody>
+          <a:bodyPr vert="horz" lIns="91440" tIns="45720" rIns="91440" bIns="45720" rtlCol="0"/>
+          <a:lstStyle>
+            <a:lvl1pPr algn="r">
+              <a:defRPr sz="1200"/>
+            </a:lvl1pPr>
+          </a:lstStyle>
+          <a:p>
+            <a:fld id="{DAE92086-B5A0-44E7-9A35-7172FAEAC015}" type="datetimeFigureOut">
+              <a:rPr lang="zh-TW" altLang="en-US" smtClean="0"/>
+              <a:t>2014/12/16</a:t>
+            </a:fld>
+            <a:endParaRPr lang="zh-TW" altLang="en-US"/>
+          </a:p>
+        </p:txBody>
+      </p:sp>
+      <p:sp>
+        <p:nvSpPr>
+          <p:cNvPr id="4" name="投影片圖像版面配置區 3"/>
+          <p:cNvSpPr>
+            <a:spLocks noGrp="1" noRot="1" noChangeAspect="1"/>
+          </p:cNvSpPr>
+          <p:nvPr>
+            <p:ph type="sldImg" idx="2"/>
+          </p:nvPr>
+        </p:nvSpPr>
+        <p:spPr>
+          <a:xfrm>
+            <a:off x="1371600" y="1143000"/>
+            <a:ext cx="4114800" cy="3086100"/>
+          </a:xfrm>
+          <a:prstGeom prst="rect">
+            <a:avLst/>
+          </a:prstGeom>
+          <a:noFill/>
+          <a:ln w="12700">
+            <a:solidFill>
+              <a:prstClr val="black"/>
+            </a:solidFill>
+          </a:ln>
+        </p:spPr>
+        <p:txBody>
+          <a:bodyPr vert="horz" lIns="91440" tIns="45720" rIns="91440" bIns="45720" rtlCol="0" anchor="ctr"/>
+          <a:lstStyle/>
+          <a:p>
+            <a:endParaRPr lang="zh-TW" altLang="en-US"/>
+          </a:p>
+        </p:txBody>
+      </p:sp>
+      <p:sp>
+        <p:nvSpPr>
+          <p:cNvPr id="5" name="備忘稿版面配置區 4"/>
+          <p:cNvSpPr>
+            <a:spLocks noGrp="1"/>
+          </p:cNvSpPr>
+          <p:nvPr>
+            <p:ph type="body" sz="quarter" idx="3"/>
+          </p:nvPr>
+        </p:nvSpPr>
+        <p:spPr>
+          <a:xfrm>
+            <a:off x="685800" y="4400550"/>
+            <a:ext cx="5486400" cy="3600450"/>
+          </a:xfrm>
+          <a:prstGeom prst="rect">
+            <a:avLst/>
+          </a:prstGeom>
+        </p:spPr>
+        <p:txBody>
+          <a:bodyPr vert="horz" lIns="91440" tIns="45720" rIns="91440" bIns="45720" rtlCol="0"/>
+          <a:lstStyle/>
+          <a:p>
+            <a:pPr lvl="0"/>
+            <a:r>
+              <a:rPr lang="zh-TW" altLang="en-US" smtClean="0"/>
+              <a:t>按一下以編輯母片文字樣式</a:t>
+            </a:r>
+          </a:p>
+          <a:p>
+            <a:pPr lvl="1"/>
+            <a:r>
+              <a:rPr lang="zh-TW" altLang="en-US" smtClean="0"/>
+              <a:t>第二層</a:t>
+            </a:r>
+          </a:p>
+          <a:p>
+            <a:pPr lvl="2"/>
+            <a:r>
+              <a:rPr lang="zh-TW" altLang="en-US" smtClean="0"/>
+              <a:t>第三層</a:t>
+            </a:r>
+          </a:p>
+          <a:p>
+            <a:pPr lvl="3"/>
+            <a:r>
+              <a:rPr lang="zh-TW" altLang="en-US" smtClean="0"/>
+              <a:t>第四層</a:t>
+            </a:r>
+          </a:p>
+          <a:p>
+            <a:pPr lvl="4"/>
+            <a:r>
+              <a:rPr lang="zh-TW" altLang="en-US" smtClean="0"/>
+              <a:t>第五層</a:t>
+            </a:r>
+            <a:endParaRPr lang="zh-TW" altLang="en-US"/>
+          </a:p>
+        </p:txBody>
+      </p:sp>
+      <p:sp>
+        <p:nvSpPr>
+          <p:cNvPr id="6" name="頁尾版面配置區 5"/>
+          <p:cNvSpPr>
+            <a:spLocks noGrp="1"/>
+          </p:cNvSpPr>
+          <p:nvPr>
+            <p:ph type="ftr" sz="quarter" idx="4"/>
+          </p:nvPr>
+        </p:nvSpPr>
+        <p:spPr>
+          <a:xfrm>
+            <a:off x="0" y="8685213"/>
+            <a:ext cx="2971800" cy="458787"/>
+          </a:xfrm>
+          <a:prstGeom prst="rect">
+            <a:avLst/>
+          </a:prstGeom>
+        </p:spPr>
+        <p:txBody>
+          <a:bodyPr vert="horz" lIns="91440" tIns="45720" rIns="91440" bIns="45720" rtlCol="0" anchor="b"/>
+          <a:lstStyle>
+            <a:lvl1pPr algn="l">
+              <a:defRPr sz="1200"/>
+            </a:lvl1pPr>
+          </a:lstStyle>
+          <a:p>
+            <a:endParaRPr lang="zh-TW" altLang="en-US"/>
+          </a:p>
+        </p:txBody>
+      </p:sp>
+      <p:sp>
+        <p:nvSpPr>
+          <p:cNvPr id="7" name="投影片編號版面配置區 6"/>
+          <p:cNvSpPr>
+            <a:spLocks noGrp="1"/>
+          </p:cNvSpPr>
+          <p:nvPr>
+            <p:ph type="sldNum" sz="quarter" idx="5"/>
+          </p:nvPr>
+        </p:nvSpPr>
+        <p:spPr>
+          <a:xfrm>
+            <a:off x="3884613" y="8685213"/>
+            <a:ext cx="2971800" cy="458787"/>
+          </a:xfrm>
+          <a:prstGeom prst="rect">
+            <a:avLst/>
+          </a:prstGeom>
+        </p:spPr>
+        <p:txBody>
+          <a:bodyPr vert="horz" lIns="91440" tIns="45720" rIns="91440" bIns="45720" rtlCol="0" anchor="b"/>
+          <a:lstStyle>
+            <a:lvl1pPr algn="r">
+              <a:defRPr sz="1200"/>
+            </a:lvl1pPr>
+          </a:lstStyle>
+          <a:p>
+            <a:fld id="{E3316D5A-C5B1-4E60-9EF0-58EE0751611D}" type="slidenum">
+              <a:rPr lang="zh-TW" altLang="en-US" smtClean="0"/>
+              <a:t>‹#›</a:t>
+            </a:fld>
+            <a:endParaRPr lang="zh-TW" altLang="en-US"/>
+          </a:p>
+        </p:txBody>
+      </p:sp>
+    </p:spTree>
+    <p:extLst>
+      <p:ext uri="{BB962C8B-B14F-4D97-AF65-F5344CB8AC3E}">
+        <p14:creationId xmlns:p14="http://schemas.microsoft.com/office/powerpoint/2010/main" val="2751244722"/>
+      </p:ext>
+    </p:extLst>
+  </p:cSld>
+  <p:clrMap bg1="lt1" tx1="dk1" bg2="lt2" tx2="dk2" accent1="accent1" accent2="accent2" accent3="accent3" accent4="accent4" accent5="accent5" accent6="accent6" hlink="hlink" folHlink="folHlink"/>
+  <p:notesStyle>
+    <a:lvl1pPr marL="0" algn="l" defTabSz="914400" rtl="0" eaLnBrk="1" latinLnBrk="0" hangingPunct="1">
+      <a:defRPr sz="1200" kern="1200">
+        <a:solidFill>
+          <a:schemeClr val="tx1"/>
+        </a:solidFill>
+        <a:latin typeface="+mn-lt"/>
+        <a:ea typeface="+mn-ea"/>
+        <a:cs typeface="+mn-cs"/>
+      </a:defRPr>
+    </a:lvl1pPr>
+    <a:lvl2pPr marL="457200" algn="l" defTabSz="914400" rtl="0" eaLnBrk="1" latinLnBrk="0" hangingPunct="1">
+      <a:defRPr sz="1200" kern="1200">
+        <a:solidFill>
+          <a:schemeClr val="tx1"/>
+        </a:solidFill>
+        <a:latin typeface="+mn-lt"/>
+        <a:ea typeface="+mn-ea"/>
+        <a:cs typeface="+mn-cs"/>
+      </a:defRPr>
+    </a:lvl2pPr>
+    <a:lvl3pPr marL="914400" algn="l" defTabSz="914400" rtl="0" eaLnBrk="1" latinLnBrk="0" hangingPunct="1">
+      <a:defRPr sz="1200" kern="1200">
+        <a:solidFill>
+          <a:schemeClr val="tx1"/>
+        </a:solidFill>
+        <a:latin typeface="+mn-lt"/>
+        <a:ea typeface="+mn-ea"/>
+        <a:cs typeface="+mn-cs"/>
+      </a:defRPr>
+    </a:lvl3pPr>
+    <a:lvl4pPr marL="1371600" algn="l" defTabSz="914400" rtl="0" eaLnBrk="1" latinLnBrk="0" hangingPunct="1">
+      <a:defRPr sz="1200" kern="1200">
+        <a:solidFill>
+          <a:schemeClr val="tx1"/>
+        </a:solidFill>
+        <a:latin typeface="+mn-lt"/>
+        <a:ea typeface="+mn-ea"/>
+        <a:cs typeface="+mn-cs"/>
+      </a:defRPr>
+    </a:lvl4pPr>
+    <a:lvl5pPr marL="1828800" algn="l" defTabSz="914400" rtl="0" eaLnBrk="1" latinLnBrk="0" hangingPunct="1">
+      <a:defRPr sz="1200" kern="1200">
+        <a:solidFill>
+          <a:schemeClr val="tx1"/>
+        </a:solidFill>
+        <a:latin typeface="+mn-lt"/>
+        <a:ea typeface="+mn-ea"/>
+        <a:cs typeface="+mn-cs"/>
+      </a:defRPr>
+    </a:lvl5pPr>
+    <a:lvl6pPr marL="2286000" algn="l" defTabSz="914400" rtl="0" eaLnBrk="1" latinLnBrk="0" hangingPunct="1">
+      <a:defRPr sz="1200" kern="1200">
+        <a:solidFill>
+          <a:schemeClr val="tx1"/>
+        </a:solidFill>
+        <a:latin typeface="+mn-lt"/>
+        <a:ea typeface="+mn-ea"/>
+        <a:cs typeface="+mn-cs"/>
+      </a:defRPr>
+    </a:lvl6pPr>
+    <a:lvl7pPr marL="2743200" algn="l" defTabSz="914400" rtl="0" eaLnBrk="1" latinLnBrk="0" hangingPunct="1">
+      <a:defRPr sz="1200" kern="1200">
+        <a:solidFill>
+          <a:schemeClr val="tx1"/>
+        </a:solidFill>
+        <a:latin typeface="+mn-lt"/>
+        <a:ea typeface="+mn-ea"/>
+        <a:cs typeface="+mn-cs"/>
+      </a:defRPr>
+    </a:lvl7pPr>
+    <a:lvl8pPr marL="3200400" algn="l" defTabSz="914400" rtl="0" eaLnBrk="1" latinLnBrk="0" hangingPunct="1">
+      <a:defRPr sz="1200" kern="1200">
+        <a:solidFill>
+          <a:schemeClr val="tx1"/>
+        </a:solidFill>
+        <a:latin typeface="+mn-lt"/>
+        <a:ea typeface="+mn-ea"/>
+        <a:cs typeface="+mn-cs"/>
+      </a:defRPr>
+    </a:lvl8pPr>
+    <a:lvl9pPr marL="3657600" algn="l" defTabSz="914400" rtl="0" eaLnBrk="1" latinLnBrk="0" hangingPunct="1">
+      <a:defRPr sz="1200" kern="1200">
+        <a:solidFill>
+          <a:schemeClr val="tx1"/>
+        </a:solidFill>
+        <a:latin typeface="+mn-lt"/>
+        <a:ea typeface="+mn-ea"/>
+        <a:cs typeface="+mn-cs"/>
+      </a:defRPr>
+    </a:lvl9pPr>
+  </p:notesStyle>
+</p:notesMaster>
+</file>
+
+<file path=ppt/notesSlides/notesSlide1.xml><?xml version="1.0" encoding="utf-8"?>
+<p:notes xmlns:a="http://schemas.openxmlformats.org/drawingml/2006/main" xmlns:r="http://schemas.openxmlformats.org/officeDocument/2006/relationships" xmlns:p="http://schemas.openxmlformats.org/presentationml/2006/main">
+  <p:cSld>
+    <p:spTree>
+      <p:nvGrpSpPr>
+        <p:cNvPr id="1" name=""/>
+        <p:cNvGrpSpPr/>
+        <p:nvPr/>
+      </p:nvGrpSpPr>
+      <p:grpSpPr>
+        <a:xfrm>
+          <a:off x="0" y="0"/>
+          <a:ext cx="0" cy="0"/>
+          <a:chOff x="0" y="0"/>
+          <a:chExt cx="0" cy="0"/>
+        </a:xfrm>
+      </p:grpSpPr>
+      <p:sp>
+        <p:nvSpPr>
+          <p:cNvPr id="2" name="投影片圖像版面配置區 1"/>
+          <p:cNvSpPr>
+            <a:spLocks noGrp="1" noRot="1" noChangeAspect="1"/>
+          </p:cNvSpPr>
+          <p:nvPr>
+            <p:ph type="sldImg"/>
+          </p:nvPr>
+        </p:nvSpPr>
+        <p:spPr/>
+      </p:sp>
+      <p:sp>
+        <p:nvSpPr>
+          <p:cNvPr id="3" name="備忘稿版面配置區 2"/>
+          <p:cNvSpPr>
+            <a:spLocks noGrp="1"/>
+          </p:cNvSpPr>
+          <p:nvPr>
+            <p:ph type="body" idx="1"/>
+          </p:nvPr>
+        </p:nvSpPr>
+        <p:spPr/>
+        <p:txBody>
+          <a:bodyPr/>
+          <a:lstStyle/>
+          <a:p>
+            <a:r>
+              <a:rPr lang="zh-TW" altLang="en-US" dirty="0" smtClean="0"/>
+              <a:t>參考內容：</a:t>
+            </a:r>
+            <a:r>
+              <a:rPr lang="en-US" altLang="zh-TW" dirty="0" smtClean="0"/>
+              <a:t>https://www.evernote.com/view/notebook/fc73e225-c2be-45ca-8cde-88ab4e57a922?locale=zh_TW#st=p&amp;n=fc73e225-c2be-45ca-8cde-88ab4e57a922</a:t>
+            </a:r>
+            <a:endParaRPr lang="zh-TW" altLang="en-US" dirty="0"/>
+          </a:p>
+        </p:txBody>
+      </p:sp>
+      <p:sp>
+        <p:nvSpPr>
+          <p:cNvPr id="4" name="投影片編號版面配置區 3"/>
+          <p:cNvSpPr>
+            <a:spLocks noGrp="1"/>
+          </p:cNvSpPr>
+          <p:nvPr>
+            <p:ph type="sldNum" sz="quarter" idx="10"/>
+          </p:nvPr>
+        </p:nvSpPr>
+        <p:spPr/>
+        <p:txBody>
+          <a:bodyPr/>
+          <a:lstStyle/>
+          <a:p>
+            <a:fld id="{E3316D5A-C5B1-4E60-9EF0-58EE0751611D}" type="slidenum">
+              <a:rPr lang="zh-TW" altLang="en-US" smtClean="0"/>
+              <a:t>1</a:t>
+            </a:fld>
+            <a:endParaRPr lang="zh-TW" altLang="en-US"/>
+          </a:p>
+        </p:txBody>
+      </p:sp>
+    </p:spTree>
+    <p:extLst>
+      <p:ext uri="{BB962C8B-B14F-4D97-AF65-F5344CB8AC3E}">
+        <p14:creationId xmlns:p14="http://schemas.microsoft.com/office/powerpoint/2010/main" val="1741847223"/>
+      </p:ext>
+    </p:extLst>
+  </p:cSld>
+  <p:clrMapOvr>
+    <a:masterClrMapping/>
+  </p:clrMapOvr>
+</p:notes>
+</file>
+
+<file path=ppt/notesSlides/notesSlide2.xml><?xml version="1.0" encoding="utf-8"?>
+<p:notes xmlns:a="http://schemas.openxmlformats.org/drawingml/2006/main" xmlns:r="http://schemas.openxmlformats.org/officeDocument/2006/relationships" xmlns:p="http://schemas.openxmlformats.org/presentationml/2006/main">
+  <p:cSld>
+    <p:spTree>
+      <p:nvGrpSpPr>
+        <p:cNvPr id="1" name=""/>
+        <p:cNvGrpSpPr/>
+        <p:nvPr/>
+      </p:nvGrpSpPr>
+      <p:grpSpPr>
+        <a:xfrm>
+          <a:off x="0" y="0"/>
+          <a:ext cx="0" cy="0"/>
+          <a:chOff x="0" y="0"/>
+          <a:chExt cx="0" cy="0"/>
+        </a:xfrm>
+      </p:grpSpPr>
+      <p:sp>
+        <p:nvSpPr>
+          <p:cNvPr id="2" name="投影片圖像版面配置區 1"/>
+          <p:cNvSpPr>
+            <a:spLocks noGrp="1" noRot="1" noChangeAspect="1"/>
+          </p:cNvSpPr>
+          <p:nvPr>
+            <p:ph type="sldImg"/>
+          </p:nvPr>
+        </p:nvSpPr>
+        <p:spPr/>
+      </p:sp>
+      <p:sp>
+        <p:nvSpPr>
+          <p:cNvPr id="3" name="備忘稿版面配置區 2"/>
+          <p:cNvSpPr>
+            <a:spLocks noGrp="1"/>
+          </p:cNvSpPr>
+          <p:nvPr>
+            <p:ph type="body" idx="1"/>
+          </p:nvPr>
+        </p:nvSpPr>
+        <p:spPr/>
+        <p:txBody>
+          <a:bodyPr/>
+          <a:lstStyle/>
+          <a:p>
+            <a:pPr marL="0" marR="0" indent="0" algn="l" defTabSz="914400" rtl="0" eaLnBrk="1" fontAlgn="auto" latinLnBrk="0" hangingPunct="1">
+              <a:lnSpc>
+                <a:spcPct val="100000"/>
+              </a:lnSpc>
+              <a:spcBef>
+                <a:spcPts val="0"/>
+              </a:spcBef>
+              <a:spcAft>
+                <a:spcPts val="0"/>
+              </a:spcAft>
+              <a:buClrTx/>
+              <a:buSzTx/>
+              <a:buFontTx/>
+              <a:buNone/>
+              <a:tabLst/>
+              <a:defRPr/>
+            </a:pPr>
+            <a:r>
+              <a:rPr lang="en-US" altLang="zh-TW" dirty="0" smtClean="0"/>
+              <a:t>main.css</a:t>
+            </a:r>
+            <a:r>
+              <a:rPr lang="zh-TW" altLang="en-US" dirty="0" smtClean="0"/>
+              <a:t>：全網站樣板 </a:t>
+            </a:r>
+            <a:r>
+              <a:rPr lang="en-US" altLang="zh-TW" dirty="0" smtClean="0"/>
+              <a:t>(</a:t>
+            </a:r>
+            <a:r>
+              <a:rPr lang="en-US" altLang="zh-TW" dirty="0" err="1" smtClean="0"/>
+              <a:t>css</a:t>
+            </a:r>
+            <a:r>
+              <a:rPr lang="en-US" altLang="zh-TW" dirty="0" smtClean="0"/>
+              <a:t>)</a:t>
+            </a:r>
+          </a:p>
+          <a:p>
+            <a:endParaRPr lang="zh-TW" altLang="en-US" dirty="0"/>
+          </a:p>
+        </p:txBody>
+      </p:sp>
+      <p:sp>
+        <p:nvSpPr>
+          <p:cNvPr id="4" name="投影片編號版面配置區 3"/>
+          <p:cNvSpPr>
+            <a:spLocks noGrp="1"/>
+          </p:cNvSpPr>
+          <p:nvPr>
+            <p:ph type="sldNum" sz="quarter" idx="10"/>
+          </p:nvPr>
+        </p:nvSpPr>
+        <p:spPr/>
+        <p:txBody>
+          <a:bodyPr/>
+          <a:lstStyle/>
+          <a:p>
+            <a:fld id="{E3316D5A-C5B1-4E60-9EF0-58EE0751611D}" type="slidenum">
+              <a:rPr lang="zh-TW" altLang="en-US" smtClean="0"/>
+              <a:t>21</a:t>
+            </a:fld>
+            <a:endParaRPr lang="zh-TW" altLang="en-US"/>
+          </a:p>
+        </p:txBody>
+      </p:sp>
+    </p:spTree>
+    <p:extLst>
+      <p:ext uri="{BB962C8B-B14F-4D97-AF65-F5344CB8AC3E}">
+        <p14:creationId xmlns:p14="http://schemas.microsoft.com/office/powerpoint/2010/main" val="2510913667"/>
+      </p:ext>
+    </p:extLst>
+  </p:cSld>
+  <p:clrMapOvr>
+    <a:masterClrMapping/>
+  </p:clrMapOvr>
+</p:notes>
+</file>
+
+<file path=ppt/notesSlides/notesSlide3.xml><?xml version="1.0" encoding="utf-8"?>
+<p:notes xmlns:a="http://schemas.openxmlformats.org/drawingml/2006/main" xmlns:r="http://schemas.openxmlformats.org/officeDocument/2006/relationships" xmlns:p="http://schemas.openxmlformats.org/presentationml/2006/main">
+  <p:cSld>
+    <p:spTree>
+      <p:nvGrpSpPr>
+        <p:cNvPr id="1" name=""/>
+        <p:cNvGrpSpPr/>
+        <p:nvPr/>
+      </p:nvGrpSpPr>
+      <p:grpSpPr>
+        <a:xfrm>
+          <a:off x="0" y="0"/>
+          <a:ext cx="0" cy="0"/>
+          <a:chOff x="0" y="0"/>
+          <a:chExt cx="0" cy="0"/>
+        </a:xfrm>
+      </p:grpSpPr>
+      <p:sp>
+        <p:nvSpPr>
+          <p:cNvPr id="2" name="投影片圖像版面配置區 1"/>
+          <p:cNvSpPr>
+            <a:spLocks noGrp="1" noRot="1" noChangeAspect="1"/>
+          </p:cNvSpPr>
+          <p:nvPr>
+            <p:ph type="sldImg"/>
+          </p:nvPr>
+        </p:nvSpPr>
+        <p:spPr/>
+      </p:sp>
+      <p:sp>
+        <p:nvSpPr>
+          <p:cNvPr id="3" name="備忘稿版面配置區 2"/>
+          <p:cNvSpPr>
+            <a:spLocks noGrp="1"/>
+          </p:cNvSpPr>
+          <p:nvPr>
+            <p:ph type="body" idx="1"/>
+          </p:nvPr>
+        </p:nvSpPr>
+        <p:spPr/>
+        <p:txBody>
+          <a:bodyPr/>
+          <a:lstStyle/>
+          <a:p>
+            <a:pPr marL="0" marR="0" indent="0" algn="l" defTabSz="914400" rtl="0" eaLnBrk="1" fontAlgn="auto" latinLnBrk="0" hangingPunct="1">
+              <a:lnSpc>
+                <a:spcPct val="100000"/>
+              </a:lnSpc>
+              <a:spcBef>
+                <a:spcPts val="0"/>
+              </a:spcBef>
+              <a:spcAft>
+                <a:spcPts val="0"/>
+              </a:spcAft>
+              <a:buClrTx/>
+              <a:buSzTx/>
+              <a:buFontTx/>
+              <a:buNone/>
+              <a:tabLst/>
+              <a:defRPr/>
+            </a:pPr>
+            <a:r>
+              <a:rPr lang="en-US" altLang="zh-TW" dirty="0" smtClean="0"/>
+              <a:t>main.css</a:t>
+            </a:r>
+            <a:r>
+              <a:rPr lang="zh-TW" altLang="en-US" dirty="0" smtClean="0"/>
+              <a:t>：全網站樣板 </a:t>
+            </a:r>
+            <a:r>
+              <a:rPr lang="en-US" altLang="zh-TW" dirty="0" smtClean="0"/>
+              <a:t>(</a:t>
+            </a:r>
+            <a:r>
+              <a:rPr lang="en-US" altLang="zh-TW" dirty="0" err="1" smtClean="0"/>
+              <a:t>css</a:t>
+            </a:r>
+            <a:r>
+              <a:rPr lang="en-US" altLang="zh-TW" dirty="0" smtClean="0"/>
+              <a:t>)</a:t>
+            </a:r>
+          </a:p>
+          <a:p>
+            <a:endParaRPr lang="zh-TW" altLang="en-US" dirty="0"/>
+          </a:p>
+        </p:txBody>
+      </p:sp>
+      <p:sp>
+        <p:nvSpPr>
+          <p:cNvPr id="4" name="投影片編號版面配置區 3"/>
+          <p:cNvSpPr>
+            <a:spLocks noGrp="1"/>
+          </p:cNvSpPr>
+          <p:nvPr>
+            <p:ph type="sldNum" sz="quarter" idx="10"/>
+          </p:nvPr>
+        </p:nvSpPr>
+        <p:spPr/>
+        <p:txBody>
+          <a:bodyPr/>
+          <a:lstStyle/>
+          <a:p>
+            <a:fld id="{E3316D5A-C5B1-4E60-9EF0-58EE0751611D}" type="slidenum">
+              <a:rPr lang="zh-TW" altLang="en-US" smtClean="0"/>
+              <a:t>22</a:t>
+            </a:fld>
+            <a:endParaRPr lang="zh-TW" altLang="en-US"/>
+          </a:p>
+        </p:txBody>
+      </p:sp>
+    </p:spTree>
+    <p:extLst>
+      <p:ext uri="{BB962C8B-B14F-4D97-AF65-F5344CB8AC3E}">
+        <p14:creationId xmlns:p14="http://schemas.microsoft.com/office/powerpoint/2010/main" val="69338822"/>
+      </p:ext>
+    </p:extLst>
+  </p:cSld>
+  <p:clrMapOvr>
+    <a:masterClrMapping/>
+  </p:clrMapOvr>
+</p:notes>
+</file>
+
+<file path=ppt/notesSlides/notesSlide4.xml><?xml version="1.0" encoding="utf-8"?>
+<p:notes xmlns:a="http://schemas.openxmlformats.org/drawingml/2006/main" xmlns:r="http://schemas.openxmlformats.org/officeDocument/2006/relationships" xmlns:p="http://schemas.openxmlformats.org/presentationml/2006/main">
+  <p:cSld>
+    <p:spTree>
+      <p:nvGrpSpPr>
+        <p:cNvPr id="1" name=""/>
+        <p:cNvGrpSpPr/>
+        <p:nvPr/>
+      </p:nvGrpSpPr>
+      <p:grpSpPr>
+        <a:xfrm>
+          <a:off x="0" y="0"/>
+          <a:ext cx="0" cy="0"/>
+          <a:chOff x="0" y="0"/>
+          <a:chExt cx="0" cy="0"/>
+        </a:xfrm>
+      </p:grpSpPr>
+      <p:sp>
+        <p:nvSpPr>
+          <p:cNvPr id="2" name="投影片圖像版面配置區 1"/>
+          <p:cNvSpPr>
+            <a:spLocks noGrp="1" noRot="1" noChangeAspect="1"/>
+          </p:cNvSpPr>
+          <p:nvPr>
+            <p:ph type="sldImg"/>
+          </p:nvPr>
+        </p:nvSpPr>
+        <p:spPr/>
+      </p:sp>
+      <p:sp>
+        <p:nvSpPr>
+          <p:cNvPr id="3" name="備忘稿版面配置區 2"/>
+          <p:cNvSpPr>
+            <a:spLocks noGrp="1"/>
+          </p:cNvSpPr>
+          <p:nvPr>
+            <p:ph type="body" idx="1"/>
+          </p:nvPr>
+        </p:nvSpPr>
+        <p:spPr/>
+        <p:txBody>
+          <a:bodyPr/>
+          <a:lstStyle/>
+          <a:p>
+            <a:pPr marL="0" marR="0" indent="0" algn="l" defTabSz="914400" rtl="0" eaLnBrk="1" fontAlgn="auto" latinLnBrk="0" hangingPunct="1">
+              <a:lnSpc>
+                <a:spcPct val="100000"/>
+              </a:lnSpc>
+              <a:spcBef>
+                <a:spcPts val="0"/>
+              </a:spcBef>
+              <a:spcAft>
+                <a:spcPts val="0"/>
+              </a:spcAft>
+              <a:buClrTx/>
+              <a:buSzTx/>
+              <a:buFontTx/>
+              <a:buNone/>
+              <a:tabLst/>
+              <a:defRPr/>
+            </a:pPr>
+            <a:r>
+              <a:rPr lang="en-US" altLang="zh-TW" dirty="0" smtClean="0"/>
+              <a:t>main.css</a:t>
+            </a:r>
+            <a:r>
+              <a:rPr lang="zh-TW" altLang="en-US" dirty="0" smtClean="0"/>
+              <a:t>：全網站樣板 </a:t>
+            </a:r>
+            <a:r>
+              <a:rPr lang="en-US" altLang="zh-TW" dirty="0" smtClean="0"/>
+              <a:t>(</a:t>
+            </a:r>
+            <a:r>
+              <a:rPr lang="en-US" altLang="zh-TW" dirty="0" err="1" smtClean="0"/>
+              <a:t>css</a:t>
+            </a:r>
+            <a:r>
+              <a:rPr lang="en-US" altLang="zh-TW" dirty="0" smtClean="0"/>
+              <a:t>)</a:t>
+            </a:r>
+          </a:p>
+          <a:p>
+            <a:endParaRPr lang="zh-TW" altLang="en-US" dirty="0"/>
+          </a:p>
+        </p:txBody>
+      </p:sp>
+      <p:sp>
+        <p:nvSpPr>
+          <p:cNvPr id="4" name="投影片編號版面配置區 3"/>
+          <p:cNvSpPr>
+            <a:spLocks noGrp="1"/>
+          </p:cNvSpPr>
+          <p:nvPr>
+            <p:ph type="sldNum" sz="quarter" idx="10"/>
+          </p:nvPr>
+        </p:nvSpPr>
+        <p:spPr/>
+        <p:txBody>
+          <a:bodyPr/>
+          <a:lstStyle/>
+          <a:p>
+            <a:fld id="{E3316D5A-C5B1-4E60-9EF0-58EE0751611D}" type="slidenum">
+              <a:rPr lang="zh-TW" altLang="en-US" smtClean="0"/>
+              <a:t>23</a:t>
+            </a:fld>
+            <a:endParaRPr lang="zh-TW" altLang="en-US"/>
+          </a:p>
+        </p:txBody>
+      </p:sp>
+    </p:spTree>
+    <p:extLst>
+      <p:ext uri="{BB962C8B-B14F-4D97-AF65-F5344CB8AC3E}">
+        <p14:creationId xmlns:p14="http://schemas.microsoft.com/office/powerpoint/2010/main" val="4075558899"/>
+      </p:ext>
+    </p:extLst>
+  </p:cSld>
+  <p:clrMapOvr>
+    <a:masterClrMapping/>
+  </p:clrMapOvr>
+</p:notes>
 </file>
 
 <file path=ppt/slideLayouts/slideLayout1.xml><?xml version="1.0" encoding="utf-8"?>
@@ -4086,7 +4907,7 @@
           </p:nvPr>
         </p:nvPicPr>
         <p:blipFill>
-          <a:blip r:embed="rId2"/>
+          <a:blip r:embed="rId3"/>
           <a:srcRect t="8835" b="8835"/>
           <a:stretch>
             <a:fillRect/>
@@ -4108,6 +4929,13 @@
   <p:clrMapOvr>
     <a:masterClrMapping/>
   </p:clrMapOvr>
+  <p:timing>
+    <p:tnLst>
+      <p:par>
+        <p:cTn id="1" dur="indefinite" restart="never" nodeType="tmRoot"/>
+      </p:par>
+    </p:tnLst>
+  </p:timing>
 </p:sld>
 </file>
 
@@ -4825,6 +5653,13 @@
   <p:clrMapOvr>
     <a:masterClrMapping/>
   </p:clrMapOvr>
+  <p:timing>
+    <p:tnLst>
+      <p:par>
+        <p:cTn id="1" dur="indefinite" restart="never" nodeType="tmRoot"/>
+      </p:par>
+    </p:tnLst>
+  </p:timing>
 </p:sld>
 </file>
 
@@ -5081,6 +5916,13 @@
   <p:clrMapOvr>
     <a:masterClrMapping/>
   </p:clrMapOvr>
+  <p:timing>
+    <p:tnLst>
+      <p:par>
+        <p:cTn id="1" dur="indefinite" restart="never" nodeType="tmRoot"/>
+      </p:par>
+    </p:tnLst>
+  </p:timing>
 </p:sld>
 </file>
 
@@ -5140,7 +5982,9 @@
         </p:nvSpPr>
         <p:spPr/>
         <p:txBody>
-          <a:bodyPr/>
+          <a:bodyPr>
+            <a:normAutofit lnSpcReduction="10000"/>
+          </a:bodyPr>
           <a:lstStyle/>
           <a:p>
             <a:r>
@@ -5328,6 +6172,27 @@
               <a:rPr lang="zh-TW" altLang="en-US" dirty="0" smtClean="0"/>
               <a:t>：是否允許多值</a:t>
             </a:r>
+            <a:endParaRPr lang="en-US" altLang="zh-TW" dirty="0" smtClean="0"/>
+          </a:p>
+          <a:p>
+            <a:r>
+              <a:rPr lang="zh-TW" altLang="en-US" dirty="0"/>
+              <a:t>如果</a:t>
+            </a:r>
+            <a:r>
+              <a:rPr lang="en-US" altLang="zh-TW" dirty="0"/>
+              <a:t>Solr</a:t>
+            </a:r>
+            <a:r>
+              <a:rPr lang="zh-TW" altLang="en-US" dirty="0"/>
+              <a:t>啟動中，修改過後需要重新啟動</a:t>
+            </a:r>
+            <a:r>
+              <a:rPr lang="en-US" altLang="zh-TW" dirty="0"/>
+              <a:t>Solr</a:t>
+            </a:r>
+          </a:p>
+          <a:p>
             <a:endParaRPr lang="zh-TW" altLang="en-US" dirty="0"/>
           </a:p>
         </p:txBody>
@@ -5399,6 +6264,13 @@
   <p:clrMapOvr>
     <a:masterClrMapping/>
   </p:clrMapOvr>
+  <p:timing>
+    <p:tnLst>
+      <p:par>
+        <p:cTn id="1" dur="indefinite" restart="never" nodeType="tmRoot"/>
+      </p:par>
+    </p:tnLst>
+  </p:timing>
 </p:sld>
 </file>
 
@@ -5523,6 +6395,36 @@
           <a:p>
             <a:r>
               <a:rPr lang="zh-TW" altLang="en-US" dirty="0" smtClean="0"/>
+              <a:t>修改標題</a:t>
+            </a:r>
+            <a:endParaRPr lang="en-US" altLang="zh-TW" dirty="0" smtClean="0"/>
+          </a:p>
+          <a:p>
+            <a:pPr lvl="1"/>
+            <a:r>
+              <a:rPr lang="en-US" altLang="zh-TW" dirty="0" smtClean="0"/>
+              <a:t>&lt;</a:t>
+            </a:r>
+            <a:r>
+              <a:rPr lang="en-US" altLang="zh-TW" dirty="0" err="1"/>
+              <a:t>str</a:t>
+            </a:r>
+            <a:r>
+              <a:rPr lang="en-US" altLang="zh-TW" dirty="0"/>
+              <a:t> name="title"&gt;Apache Solr IR Practice&lt;/</a:t>
+            </a:r>
+            <a:r>
+              <a:rPr lang="en-US" altLang="zh-TW" dirty="0" err="1"/>
+              <a:t>str</a:t>
+            </a:r>
+            <a:r>
+              <a:rPr lang="en-US" altLang="zh-TW" dirty="0"/>
+              <a:t>&gt;</a:t>
+            </a:r>
+          </a:p>
+          <a:p>
+            <a:r>
+              <a:rPr lang="zh-TW" altLang="en-US" dirty="0" smtClean="0"/>
               <a:t>修改資料</a:t>
             </a:r>
             <a:endParaRPr lang="en-US" altLang="zh-TW" dirty="0" smtClean="0"/>
@@ -5592,9 +6494,29 @@
               <a:t>str</a:t>
             </a:r>
             <a:r>
+              <a:rPr lang="en-US" altLang="zh-TW" dirty="0" smtClean="0"/>
+              <a:t>&gt;</a:t>
+            </a:r>
+          </a:p>
+          <a:p>
+            <a:r>
+              <a:rPr lang="zh-TW" altLang="en-US" dirty="0"/>
+              <a:t>如果</a:t>
+            </a:r>
+            <a:r>
               <a:rPr lang="en-US" altLang="zh-TW" dirty="0"/>
-              <a:t>&gt;</a:t>
-            </a:r>
+              <a:t>Solr</a:t>
+            </a:r>
+            <a:r>
+              <a:rPr lang="zh-TW" altLang="en-US" dirty="0"/>
+              <a:t>啟動中，修改過後需要重新啟動</a:t>
+            </a:r>
+            <a:r>
+              <a:rPr lang="en-US" altLang="zh-TW" dirty="0"/>
+              <a:t>Solr</a:t>
+            </a:r>
+          </a:p>
+          <a:p>
             <a:endParaRPr lang="en-US" altLang="zh-TW" dirty="0" smtClean="0"/>
           </a:p>
         </p:txBody>
@@ -5666,6 +6588,13 @@
   <p:clrMapOvr>
     <a:masterClrMapping/>
   </p:clrMapOvr>
+  <p:timing>
+    <p:tnLst>
+      <p:par>
+        <p:cTn id="1" dur="indefinite" restart="never" nodeType="tmRoot"/>
+      </p:par>
+    </p:tnLst>
+  </p:timing>
 </p:sld>
 </file>
 
@@ -5890,10 +6819,6 @@
             <a:pPr lvl="1"/>
             <a:endParaRPr lang="en-US" altLang="zh-TW" dirty="0" smtClean="0"/>
           </a:p>
-          <a:p>
-            <a:pPr lvl="1"/>
-            <a:endParaRPr lang="en-US" altLang="zh-TW" dirty="0" smtClean="0"/>
-          </a:p>
         </p:txBody>
       </p:sp>
       <p:sp>
@@ -5964,6 +6889,13 @@
   <p:clrMapOvr>
     <a:masterClrMapping/>
   </p:clrMapOvr>
+  <p:timing>
+    <p:tnLst>
+      <p:par>
+        <p:cTn id="1" dur="indefinite" restart="never" nodeType="tmRoot"/>
+      </p:par>
+    </p:tnLst>
+  </p:timing>
 </p:sld>
 </file>
 
@@ -6167,6 +7099,13 @@
   <p:clrMapOvr>
     <a:masterClrMapping/>
   </p:clrMapOvr>
+  <p:timing>
+    <p:tnLst>
+      <p:par>
+        <p:cTn id="1" dur="indefinite" restart="never" nodeType="tmRoot"/>
+      </p:par>
+    </p:tnLst>
+  </p:timing>
 </p:sld>
 </file>
 
@@ -6375,6 +7314,13 @@
   <p:clrMapOvr>
     <a:masterClrMapping/>
   </p:clrMapOvr>
+  <p:timing>
+    <p:tnLst>
+      <p:par>
+        <p:cTn id="1" dur="indefinite" restart="never" nodeType="tmRoot"/>
+      </p:par>
+    </p:tnLst>
+  </p:timing>
 </p:sld>
 </file>
 
@@ -6438,6 +7384,21 @@
           <a:lstStyle/>
           <a:p>
             <a:r>
+              <a:rPr lang="zh-TW" altLang="en-US" dirty="0" smtClean="0"/>
+              <a:t>必須是要</a:t>
+            </a:r>
+            <a:r>
+              <a:rPr lang="en-US" altLang="zh-TW" dirty="0" smtClean="0"/>
+              <a:t>Solr</a:t>
+            </a:r>
+            <a:r>
+              <a:rPr lang="zh-TW" altLang="en-US" dirty="0" smtClean="0"/>
+              <a:t>啟動狀態下</a:t>
+            </a:r>
+            <a:endParaRPr lang="en-US" altLang="zh-TW" dirty="0" smtClean="0"/>
+          </a:p>
+          <a:p>
+            <a:r>
               <a:rPr lang="en-US" altLang="zh-TW" dirty="0" smtClean="0"/>
               <a:t>[Solr]\</a:t>
             </a:r>
@@ -6516,7 +7477,7 @@
               <a:t>ENTER</a:t>
             </a:r>
             <a:r>
-              <a:rPr lang="zh-TW" altLang="en-US" smtClean="0"/>
+              <a:rPr lang="zh-TW" altLang="en-US" dirty="0" smtClean="0"/>
               <a:t>關閉視窗</a:t>
             </a:r>
             <a:endParaRPr lang="zh-TW" altLang="en-US" dirty="0"/>
@@ -6575,6 +7536,13 @@
   <p:clrMapOvr>
     <a:masterClrMapping/>
   </p:clrMapOvr>
+  <p:timing>
+    <p:tnLst>
+      <p:par>
+        <p:cTn id="1" dur="indefinite" restart="never" nodeType="tmRoot"/>
+      </p:par>
+    </p:tnLst>
+  </p:timing>
 </p:sld>
 </file>
 
@@ -6612,7 +7580,7 @@
           <a:p>
             <a:r>
               <a:rPr lang="zh-TW" altLang="en-US" dirty="0" smtClean="0"/>
-              <a:t>參考資料</a:t>
+              <a:t>開啟網頁</a:t>
             </a:r>
             <a:endParaRPr lang="zh-TW" altLang="en-US" dirty="0"/>
           </a:p>
@@ -6634,80 +7602,45 @@
           <a:lstStyle/>
           <a:p>
             <a:r>
+              <a:rPr lang="en-US" altLang="zh-TW" dirty="0" smtClean="0"/>
+              <a:t>[Solr]\</a:t>
+            </a:r>
+            <a:r>
               <a:rPr lang="zh-TW" altLang="en-US" dirty="0"/>
-              <a:t>張錦堂（</a:t>
+              <a:t>教學</a:t>
             </a:r>
             <a:r>
               <a:rPr lang="en-US" altLang="zh-TW" dirty="0"/>
-              <a:t>2011</a:t>
+              <a:t>\STEP 5. </a:t>
             </a:r>
             <a:r>
               <a:rPr lang="zh-TW" altLang="en-US" dirty="0"/>
-              <a:t>年</a:t>
+              <a:t>匯入資料</a:t>
             </a:r>
             <a:r>
               <a:rPr lang="en-US" altLang="zh-TW" dirty="0"/>
-              <a:t>10</a:t>
-            </a:r>
-            <a:r>
-              <a:rPr lang="zh-TW" altLang="en-US" dirty="0"/>
-              <a:t>月</a:t>
+              <a:t>\open </a:t>
+            </a:r>
+            <a:r>
+              <a:rPr lang="en-US" altLang="zh-TW" dirty="0" err="1" smtClean="0"/>
+              <a:t>solr</a:t>
+            </a:r>
+            <a:r>
+              <a:rPr lang="en-US" altLang="zh-TW" dirty="0" smtClean="0"/>
+              <a:t> webpage.bat</a:t>
+            </a:r>
+          </a:p>
+          <a:p>
+            <a:pPr lvl="1"/>
+            <a:r>
+              <a:rPr lang="zh-TW" altLang="en-US" dirty="0" smtClean="0"/>
+              <a:t>開啟網頁 </a:t>
             </a:r>
             <a:r>
               <a:rPr lang="en-US" altLang="zh-TW" dirty="0"/>
-              <a:t>27</a:t>
-            </a:r>
-            <a:r>
-              <a:rPr lang="zh-TW" altLang="en-US" dirty="0"/>
-              <a:t>日）。全文檢索伺服器</a:t>
-            </a:r>
-            <a:r>
-              <a:rPr lang="en-US" altLang="zh-TW" dirty="0"/>
-              <a:t>Solr</a:t>
-            </a:r>
-            <a:r>
-              <a:rPr lang="zh-TW" altLang="en-US" dirty="0"/>
-              <a:t>初探。</a:t>
-            </a:r>
-            <a:r>
-              <a:rPr lang="zh-TW" altLang="en-US" i="1" dirty="0"/>
-              <a:t>中央研究院計算中心通訊電子報</a:t>
-            </a:r>
-            <a:r>
-              <a:rPr lang="zh-TW" altLang="en-US" dirty="0"/>
-              <a:t>。上網日期：</a:t>
-            </a:r>
-            <a:r>
-              <a:rPr lang="en-US" altLang="zh-TW" dirty="0"/>
-              <a:t>2014</a:t>
-            </a:r>
-            <a:r>
-              <a:rPr lang="zh-TW" altLang="en-US" dirty="0"/>
-              <a:t>年</a:t>
-            </a:r>
-            <a:r>
-              <a:rPr lang="en-US" altLang="zh-TW" dirty="0"/>
-              <a:t>12</a:t>
-            </a:r>
-            <a:r>
-              <a:rPr lang="zh-TW" altLang="en-US" dirty="0"/>
-              <a:t>月</a:t>
-            </a:r>
-            <a:r>
-              <a:rPr lang="en-US" altLang="zh-TW" dirty="0"/>
-              <a:t>15</a:t>
-            </a:r>
-            <a:r>
-              <a:rPr lang="zh-TW" altLang="en-US" dirty="0"/>
-              <a:t>日，檢自：</a:t>
-            </a:r>
-            <a:r>
-              <a:rPr lang="en-US" altLang="zh-TW" dirty="0"/>
-              <a:t>http://newsletter.ascc.sinica.edu.tw/news/read_news.php?nid=2288</a:t>
-            </a:r>
-          </a:p>
-          <a:p>
-            <a:endParaRPr lang="zh-TW" altLang="en-US" dirty="0"/>
+              <a:t>http://localhost:8983/solr/browse</a:t>
+            </a:r>
+            <a:endParaRPr lang="en-US" altLang="zh-TW" dirty="0" smtClean="0"/>
           </a:p>
         </p:txBody>
       </p:sp>
@@ -6734,16 +7667,244 @@
           </a:p>
         </p:txBody>
       </p:sp>
+      <p:sp>
+        <p:nvSpPr>
+          <p:cNvPr id="5" name="文字版面配置區 4"/>
+          <p:cNvSpPr>
+            <a:spLocks noGrp="1"/>
+          </p:cNvSpPr>
+          <p:nvPr>
+            <p:ph type="body" sz="quarter" idx="13"/>
+          </p:nvPr>
+        </p:nvSpPr>
+        <p:spPr/>
+        <p:txBody>
+          <a:bodyPr/>
+          <a:lstStyle/>
+          <a:p>
+            <a:r>
+              <a:rPr lang="en-US" altLang="zh-TW" dirty="0"/>
+              <a:t>STEP 5. </a:t>
+            </a:r>
+            <a:r>
+              <a:rPr lang="zh-TW" altLang="en-US" dirty="0"/>
+              <a:t>匯入資料</a:t>
+            </a:r>
+          </a:p>
+        </p:txBody>
+      </p:sp>
     </p:spTree>
     <p:extLst>
       <p:ext uri="{BB962C8B-B14F-4D97-AF65-F5344CB8AC3E}">
-        <p14:creationId xmlns:p14="http://schemas.microsoft.com/office/powerpoint/2010/main" val="3578304659"/>
+        <p14:creationId xmlns:p14="http://schemas.microsoft.com/office/powerpoint/2010/main" val="736296535"/>
       </p:ext>
     </p:extLst>
   </p:cSld>
   <p:clrMapOvr>
     <a:masterClrMapping/>
   </p:clrMapOvr>
+  <p:timing>
+    <p:tnLst>
+      <p:par>
+        <p:cTn id="1" dur="indefinite" restart="never" nodeType="tmRoot"/>
+      </p:par>
+    </p:tnLst>
+  </p:timing>
+</p:sld>
+</file>
+
+<file path=ppt/slides/slide19.xml><?xml version="1.0" encoding="utf-8"?>
+<p:sld xmlns:a="http://schemas.openxmlformats.org/drawingml/2006/main" xmlns:r="http://schemas.openxmlformats.org/officeDocument/2006/relationships" xmlns:p="http://schemas.openxmlformats.org/presentationml/2006/main">
+  <p:cSld>
+    <p:spTree>
+      <p:nvGrpSpPr>
+        <p:cNvPr id="1" name=""/>
+        <p:cNvGrpSpPr/>
+        <p:nvPr/>
+      </p:nvGrpSpPr>
+      <p:grpSpPr>
+        <a:xfrm>
+          <a:off x="0" y="0"/>
+          <a:ext cx="0" cy="0"/>
+          <a:chOff x="0" y="0"/>
+          <a:chExt cx="0" cy="0"/>
+        </a:xfrm>
+      </p:grpSpPr>
+      <p:sp>
+        <p:nvSpPr>
+          <p:cNvPr id="2" name="標題 1"/>
+          <p:cNvSpPr>
+            <a:spLocks noGrp="1"/>
+          </p:cNvSpPr>
+          <p:nvPr>
+            <p:ph type="title"/>
+          </p:nvPr>
+        </p:nvSpPr>
+        <p:spPr/>
+        <p:txBody>
+          <a:bodyPr/>
+          <a:lstStyle/>
+          <a:p>
+            <a:r>
+              <a:rPr lang="zh-TW" altLang="en-US" dirty="0" smtClean="0"/>
+              <a:t>清空資料</a:t>
+            </a:r>
+            <a:endParaRPr lang="zh-TW" altLang="en-US" dirty="0"/>
+          </a:p>
+        </p:txBody>
+      </p:sp>
+      <p:sp>
+        <p:nvSpPr>
+          <p:cNvPr id="3" name="內容版面配置區 2"/>
+          <p:cNvSpPr>
+            <a:spLocks noGrp="1"/>
+          </p:cNvSpPr>
+          <p:nvPr>
+            <p:ph idx="1"/>
+          </p:nvPr>
+        </p:nvSpPr>
+        <p:spPr/>
+        <p:txBody>
+          <a:bodyPr/>
+          <a:lstStyle/>
+          <a:p>
+            <a:r>
+              <a:rPr lang="en-US" altLang="zh-TW" dirty="0" smtClean="0"/>
+              <a:t>[Solr]\</a:t>
+            </a:r>
+            <a:r>
+              <a:rPr lang="zh-TW" altLang="en-US" dirty="0"/>
+              <a:t>教學</a:t>
+            </a:r>
+            <a:r>
+              <a:rPr lang="en-US" altLang="zh-TW" dirty="0"/>
+              <a:t>\STEP 5. </a:t>
+            </a:r>
+            <a:r>
+              <a:rPr lang="zh-TW" altLang="en-US" dirty="0"/>
+              <a:t>匯入資料</a:t>
+            </a:r>
+            <a:r>
+              <a:rPr lang="en-US" altLang="zh-TW" dirty="0"/>
+              <a:t>\delete_all_data.bat</a:t>
+            </a:r>
+            <a:endParaRPr lang="en-US" altLang="zh-TW" dirty="0" smtClean="0"/>
+          </a:p>
+          <a:p>
+            <a:pPr lvl="1"/>
+            <a:r>
+              <a:rPr lang="zh-TW" altLang="en-US" dirty="0" smtClean="0"/>
+              <a:t>指令：</a:t>
+            </a:r>
+            <a:endParaRPr lang="en-US" altLang="zh-TW" dirty="0" smtClean="0"/>
+          </a:p>
+          <a:p>
+            <a:pPr lvl="2"/>
+            <a:r>
+              <a:rPr lang="en-US" altLang="zh-TW" dirty="0" smtClean="0"/>
+              <a:t>cd [Solr]\example\</a:t>
+            </a:r>
+            <a:r>
+              <a:rPr lang="en-US" altLang="zh-TW" dirty="0" err="1" smtClean="0"/>
+              <a:t>exampledocs</a:t>
+            </a:r>
+            <a:endParaRPr lang="en-US" altLang="zh-TW" dirty="0" smtClean="0"/>
+          </a:p>
+          <a:p>
+            <a:pPr lvl="2"/>
+            <a:r>
+              <a:rPr lang="en-US" altLang="zh-TW" dirty="0"/>
+              <a:t>java -</a:t>
+            </a:r>
+            <a:r>
+              <a:rPr lang="en-US" altLang="zh-TW" dirty="0" err="1"/>
+              <a:t>Ddata</a:t>
+            </a:r>
+            <a:r>
+              <a:rPr lang="en-US" altLang="zh-TW" dirty="0"/>
+              <a:t>=</a:t>
+            </a:r>
+            <a:r>
+              <a:rPr lang="en-US" altLang="zh-TW" dirty="0" err="1"/>
+              <a:t>args</a:t>
+            </a:r>
+            <a:r>
+              <a:rPr lang="en-US" altLang="zh-TW" dirty="0"/>
+              <a:t> -jar post.jar "&lt;delete&gt;&lt;query&gt;*:*&lt;/query&gt;&lt;/delete</a:t>
+            </a:r>
+            <a:r>
+              <a:rPr lang="en-US" altLang="zh-TW" dirty="0" smtClean="0"/>
+              <a:t>&gt;"</a:t>
+            </a:r>
+          </a:p>
+        </p:txBody>
+      </p:sp>
+      <p:sp>
+        <p:nvSpPr>
+          <p:cNvPr id="4" name="投影片編號版面配置區 3"/>
+          <p:cNvSpPr>
+            <a:spLocks noGrp="1"/>
+          </p:cNvSpPr>
+          <p:nvPr>
+            <p:ph type="sldNum" sz="quarter" idx="12"/>
+          </p:nvPr>
+        </p:nvSpPr>
+        <p:spPr/>
+        <p:txBody>
+          <a:bodyPr/>
+          <a:lstStyle/>
+          <a:p>
+            <a:fld id="{A0CF5734-5191-4A1A-B94E-B3464C9CF480}" type="slidenum">
+              <a:rPr lang="zh-TW" altLang="en-US" smtClean="0"/>
+              <a:t>19</a:t>
+            </a:fld>
+            <a:endParaRPr lang="zh-TW" altLang="en-US" dirty="0"/>
+          </a:p>
+        </p:txBody>
+      </p:sp>
+      <p:sp>
+        <p:nvSpPr>
+          <p:cNvPr id="5" name="文字版面配置區 4"/>
+          <p:cNvSpPr>
+            <a:spLocks noGrp="1"/>
+          </p:cNvSpPr>
+          <p:nvPr>
+            <p:ph type="body" sz="quarter" idx="13"/>
+          </p:nvPr>
+        </p:nvSpPr>
+        <p:spPr/>
+        <p:txBody>
+          <a:bodyPr/>
+          <a:lstStyle/>
+          <a:p>
+            <a:r>
+              <a:rPr lang="en-US" altLang="zh-TW" dirty="0"/>
+              <a:t>STEP 5. </a:t>
+            </a:r>
+            <a:r>
+              <a:rPr lang="zh-TW" altLang="en-US" dirty="0"/>
+              <a:t>匯入資料</a:t>
+            </a:r>
+          </a:p>
+        </p:txBody>
+      </p:sp>
+    </p:spTree>
+    <p:extLst>
+      <p:ext uri="{BB962C8B-B14F-4D97-AF65-F5344CB8AC3E}">
+        <p14:creationId xmlns:p14="http://schemas.microsoft.com/office/powerpoint/2010/main" val="3566993121"/>
+      </p:ext>
+    </p:extLst>
+  </p:cSld>
+  <p:clrMapOvr>
+    <a:masterClrMapping/>
+  </p:clrMapOvr>
+  <p:timing>
+    <p:tnLst>
+      <p:par>
+        <p:cTn id="1" dur="indefinite" restart="never" nodeType="tmRoot"/>
+      </p:par>
+    </p:tnLst>
+  </p:timing>
 </p:sld>
 </file>
 
@@ -6872,6 +8033,1451 @@
   <p:clrMapOvr>
     <a:masterClrMapping/>
   </p:clrMapOvr>
+  <p:timing>
+    <p:tnLst>
+      <p:par>
+        <p:cTn id="1" dur="indefinite" restart="never" nodeType="tmRoot"/>
+      </p:par>
+    </p:tnLst>
+  </p:timing>
+</p:sld>
+</file>
+
+<file path=ppt/slides/slide20.xml><?xml version="1.0" encoding="utf-8"?>
+<p:sld xmlns:a="http://schemas.openxmlformats.org/drawingml/2006/main" xmlns:r="http://schemas.openxmlformats.org/officeDocument/2006/relationships" xmlns:p="http://schemas.openxmlformats.org/presentationml/2006/main">
+  <p:cSld>
+    <p:spTree>
+      <p:nvGrpSpPr>
+        <p:cNvPr id="1" name=""/>
+        <p:cNvGrpSpPr/>
+        <p:nvPr/>
+      </p:nvGrpSpPr>
+      <p:grpSpPr>
+        <a:xfrm>
+          <a:off x="0" y="0"/>
+          <a:ext cx="0" cy="0"/>
+          <a:chOff x="0" y="0"/>
+          <a:chExt cx="0" cy="0"/>
+        </a:xfrm>
+      </p:grpSpPr>
+      <p:sp>
+        <p:nvSpPr>
+          <p:cNvPr id="2" name="標題 1"/>
+          <p:cNvSpPr>
+            <a:spLocks noGrp="1"/>
+          </p:cNvSpPr>
+          <p:nvPr>
+            <p:ph type="title"/>
+          </p:nvPr>
+        </p:nvSpPr>
+        <p:spPr/>
+        <p:txBody>
+          <a:bodyPr/>
+          <a:lstStyle/>
+          <a:p>
+            <a:r>
+              <a:rPr lang="en-US" altLang="zh-TW" dirty="0"/>
+              <a:t>STEP 6. </a:t>
+            </a:r>
+            <a:r>
+              <a:rPr lang="zh-TW" altLang="en-US" dirty="0"/>
+              <a:t>修改版面指導</a:t>
+            </a:r>
+          </a:p>
+        </p:txBody>
+      </p:sp>
+      <p:sp>
+        <p:nvSpPr>
+          <p:cNvPr id="3" name="內容版面配置區 2"/>
+          <p:cNvSpPr>
+            <a:spLocks noGrp="1"/>
+          </p:cNvSpPr>
+          <p:nvPr>
+            <p:ph idx="1"/>
+          </p:nvPr>
+        </p:nvSpPr>
+        <p:spPr/>
+        <p:txBody>
+          <a:bodyPr/>
+          <a:lstStyle/>
+          <a:p>
+            <a:r>
+              <a:rPr lang="en-US" altLang="zh-TW" dirty="0" smtClean="0"/>
+              <a:t>[Solr]\</a:t>
+            </a:r>
+            <a:r>
+              <a:rPr lang="zh-TW" altLang="en-US" dirty="0"/>
+              <a:t>教學</a:t>
+            </a:r>
+            <a:r>
+              <a:rPr lang="en-US" altLang="zh-TW" dirty="0"/>
+              <a:t>\STEP 6. </a:t>
+            </a:r>
+            <a:r>
+              <a:rPr lang="zh-TW" altLang="en-US" dirty="0"/>
+              <a:t>修改版面指導</a:t>
+            </a:r>
+            <a:r>
+              <a:rPr lang="en-US" altLang="zh-TW" dirty="0"/>
+              <a:t>\open velocity.bat</a:t>
+            </a:r>
+            <a:endParaRPr lang="en-US" altLang="zh-TW" dirty="0" smtClean="0"/>
+          </a:p>
+          <a:p>
+            <a:pPr lvl="1"/>
+            <a:r>
+              <a:rPr lang="zh-TW" altLang="en-US" dirty="0" smtClean="0"/>
+              <a:t>資料夾位置：</a:t>
+            </a:r>
+            <a:r>
+              <a:rPr lang="en-US" altLang="zh-TW" dirty="0" smtClean="0"/>
+              <a:t>[Solr]\example\</a:t>
+            </a:r>
+            <a:r>
+              <a:rPr lang="en-US" altLang="zh-TW" dirty="0" err="1" smtClean="0"/>
+              <a:t>solr</a:t>
+            </a:r>
+            <a:r>
+              <a:rPr lang="en-US" altLang="zh-TW" dirty="0" smtClean="0"/>
+              <a:t>\collection1\</a:t>
+            </a:r>
+            <a:r>
+              <a:rPr lang="en-US" altLang="zh-TW" dirty="0" err="1" smtClean="0"/>
+              <a:t>conf</a:t>
+            </a:r>
+            <a:r>
+              <a:rPr lang="en-US" altLang="zh-TW" dirty="0" smtClean="0"/>
+              <a:t>\velocity</a:t>
+            </a:r>
+          </a:p>
+          <a:p>
+            <a:r>
+              <a:rPr lang="en-US" altLang="zh-TW" dirty="0" smtClean="0"/>
+              <a:t>Velocity</a:t>
+            </a:r>
+            <a:r>
+              <a:rPr lang="zh-TW" altLang="en-US" dirty="0" smtClean="0"/>
+              <a:t>樣板語言</a:t>
+            </a:r>
+            <a:endParaRPr lang="en-US" altLang="zh-TW" dirty="0" smtClean="0"/>
+          </a:p>
+          <a:p>
+            <a:pPr lvl="1"/>
+            <a:r>
+              <a:rPr lang="en-US" altLang="zh-TW" dirty="0" smtClean="0"/>
+              <a:t>Apache </a:t>
+            </a:r>
+            <a:r>
+              <a:rPr lang="en-US" altLang="zh-TW" dirty="0"/>
+              <a:t>Velocity Project</a:t>
+            </a:r>
+            <a:br>
+              <a:rPr lang="en-US" altLang="zh-TW" dirty="0"/>
+            </a:br>
+            <a:r>
+              <a:rPr lang="en-US" altLang="zh-TW" dirty="0"/>
+              <a:t>https://velocity.apache.org/engine/releases/velocity-1.5/user-guide.html</a:t>
+            </a:r>
+            <a:endParaRPr lang="en-US" altLang="zh-TW" dirty="0" smtClean="0"/>
+          </a:p>
+          <a:p>
+            <a:pPr lvl="1"/>
+            <a:r>
+              <a:rPr lang="zh-TW" altLang="en-US" dirty="0" smtClean="0"/>
+              <a:t>專注於顯示資料使用的樣板語言</a:t>
+            </a:r>
+            <a:endParaRPr lang="en-US" altLang="zh-TW" dirty="0" smtClean="0"/>
+          </a:p>
+          <a:p>
+            <a:pPr lvl="1"/>
+            <a:r>
+              <a:rPr lang="en-US" altLang="zh-TW" dirty="0" smtClean="0"/>
+              <a:t>Velocity</a:t>
+            </a:r>
+            <a:r>
+              <a:rPr lang="zh-TW" altLang="en-US" dirty="0" smtClean="0"/>
+              <a:t>：以 </a:t>
+            </a:r>
+            <a:r>
+              <a:rPr lang="en-US" altLang="zh-TW" dirty="0" smtClean="0"/>
+              <a:t>#</a:t>
+            </a:r>
+            <a:r>
+              <a:rPr lang="zh-TW" altLang="en-US" dirty="0" smtClean="0"/>
+              <a:t>開頭</a:t>
+            </a:r>
+            <a:endParaRPr lang="en-US" altLang="zh-TW" dirty="0" smtClean="0"/>
+          </a:p>
+          <a:p>
+            <a:pPr lvl="1"/>
+            <a:r>
+              <a:rPr lang="zh-TW" altLang="en-US" dirty="0" smtClean="0"/>
+              <a:t>一般程式語言：</a:t>
+            </a:r>
+            <a:r>
+              <a:rPr lang="en-US" altLang="zh-TW" dirty="0" smtClean="0"/>
+              <a:t>HTML/CSS/JavaScript</a:t>
+            </a:r>
+          </a:p>
+          <a:p>
+            <a:pPr lvl="1"/>
+            <a:endParaRPr lang="zh-TW" altLang="en-US" dirty="0"/>
+          </a:p>
+        </p:txBody>
+      </p:sp>
+      <p:sp>
+        <p:nvSpPr>
+          <p:cNvPr id="4" name="投影片編號版面配置區 3"/>
+          <p:cNvSpPr>
+            <a:spLocks noGrp="1"/>
+          </p:cNvSpPr>
+          <p:nvPr>
+            <p:ph type="sldNum" sz="quarter" idx="12"/>
+          </p:nvPr>
+        </p:nvSpPr>
+        <p:spPr/>
+        <p:txBody>
+          <a:bodyPr/>
+          <a:lstStyle/>
+          <a:p>
+            <a:fld id="{A0CF5734-5191-4A1A-B94E-B3464C9CF480}" type="slidenum">
+              <a:rPr lang="zh-TW" altLang="en-US" smtClean="0"/>
+              <a:t>20</a:t>
+            </a:fld>
+            <a:endParaRPr lang="zh-TW" altLang="en-US" dirty="0"/>
+          </a:p>
+        </p:txBody>
+      </p:sp>
+      <p:sp>
+        <p:nvSpPr>
+          <p:cNvPr id="5" name="文字版面配置區 4"/>
+          <p:cNvSpPr>
+            <a:spLocks noGrp="1"/>
+          </p:cNvSpPr>
+          <p:nvPr>
+            <p:ph type="body" sz="quarter" idx="13"/>
+          </p:nvPr>
+        </p:nvSpPr>
+        <p:spPr/>
+        <p:txBody>
+          <a:bodyPr/>
+          <a:lstStyle/>
+          <a:p>
+            <a:endParaRPr lang="zh-TW" altLang="en-US" dirty="0"/>
+          </a:p>
+        </p:txBody>
+      </p:sp>
+      <p:pic>
+        <p:nvPicPr>
+          <p:cNvPr id="7170" name="Picture 2" descr="QR code"/>
+          <p:cNvPicPr>
+            <a:picLocks noChangeAspect="1" noChangeArrowheads="1"/>
+          </p:cNvPicPr>
+          <p:nvPr/>
+        </p:nvPicPr>
+        <p:blipFill>
+          <a:blip r:embed="rId2">
+            <a:extLst>
+              <a:ext uri="{28A0092B-C50C-407E-A947-70E740481C1C}">
+                <a14:useLocalDpi xmlns:a14="http://schemas.microsoft.com/office/drawing/2010/main" val="0"/>
+              </a:ext>
+            </a:extLst>
+          </a:blip>
+          <a:srcRect/>
+          <a:stretch>
+            <a:fillRect/>
+          </a:stretch>
+        </p:blipFill>
+        <p:spPr bwMode="auto">
+          <a:xfrm>
+            <a:off x="7456863" y="3517900"/>
+            <a:ext cx="952500" cy="952500"/>
+          </a:xfrm>
+          <a:prstGeom prst="rect">
+            <a:avLst/>
+          </a:prstGeom>
+          <a:noFill/>
+          <a:extLst>
+            <a:ext uri="{909E8E84-426E-40DD-AFC4-6F175D3DCCD1}">
+              <a14:hiddenFill xmlns:a14="http://schemas.microsoft.com/office/drawing/2010/main">
+                <a:solidFill>
+                  <a:srgbClr val="FFFFFF"/>
+                </a:solidFill>
+              </a14:hiddenFill>
+            </a:ext>
+          </a:extLst>
+        </p:spPr>
+      </p:pic>
+    </p:spTree>
+    <p:extLst>
+      <p:ext uri="{BB962C8B-B14F-4D97-AF65-F5344CB8AC3E}">
+        <p14:creationId xmlns:p14="http://schemas.microsoft.com/office/powerpoint/2010/main" val="401937341"/>
+      </p:ext>
+    </p:extLst>
+  </p:cSld>
+  <p:clrMapOvr>
+    <a:masterClrMapping/>
+  </p:clrMapOvr>
+  <p:timing>
+    <p:tnLst>
+      <p:par>
+        <p:cTn id="1" dur="indefinite" restart="never" nodeType="tmRoot"/>
+      </p:par>
+    </p:tnLst>
+  </p:timing>
+</p:sld>
+</file>
+
+<file path=ppt/slides/slide21.xml><?xml version="1.0" encoding="utf-8"?>
+<p:sld xmlns:a="http://schemas.openxmlformats.org/drawingml/2006/main" xmlns:r="http://schemas.openxmlformats.org/officeDocument/2006/relationships" xmlns:p="http://schemas.openxmlformats.org/presentationml/2006/main">
+  <p:cSld>
+    <p:spTree>
+      <p:nvGrpSpPr>
+        <p:cNvPr id="1" name=""/>
+        <p:cNvGrpSpPr/>
+        <p:nvPr/>
+      </p:nvGrpSpPr>
+      <p:grpSpPr>
+        <a:xfrm>
+          <a:off x="0" y="0"/>
+          <a:ext cx="0" cy="0"/>
+          <a:chOff x="0" y="0"/>
+          <a:chExt cx="0" cy="0"/>
+        </a:xfrm>
+      </p:grpSpPr>
+      <p:sp>
+        <p:nvSpPr>
+          <p:cNvPr id="2" name="標題 1"/>
+          <p:cNvSpPr>
+            <a:spLocks noGrp="1"/>
+          </p:cNvSpPr>
+          <p:nvPr>
+            <p:ph type="title"/>
+          </p:nvPr>
+        </p:nvSpPr>
+        <p:spPr/>
+        <p:txBody>
+          <a:bodyPr/>
+          <a:lstStyle/>
+          <a:p>
+            <a:r>
+              <a:rPr lang="zh-TW" altLang="en-US" dirty="0" smtClean="0"/>
+              <a:t>重要的</a:t>
+            </a:r>
+            <a:r>
+              <a:rPr lang="en-US" altLang="zh-TW" dirty="0" err="1" smtClean="0"/>
+              <a:t>vm</a:t>
+            </a:r>
+            <a:r>
+              <a:rPr lang="zh-TW" altLang="en-US" dirty="0" smtClean="0"/>
+              <a:t>檔案</a:t>
+            </a:r>
+            <a:endParaRPr lang="zh-TW" altLang="en-US" dirty="0"/>
+          </a:p>
+        </p:txBody>
+      </p:sp>
+      <p:sp>
+        <p:nvSpPr>
+          <p:cNvPr id="3" name="內容版面配置區 2"/>
+          <p:cNvSpPr>
+            <a:spLocks noGrp="1"/>
+          </p:cNvSpPr>
+          <p:nvPr>
+            <p:ph idx="1"/>
+          </p:nvPr>
+        </p:nvSpPr>
+        <p:spPr/>
+        <p:txBody>
+          <a:bodyPr>
+            <a:normAutofit/>
+          </a:bodyPr>
+          <a:lstStyle/>
+          <a:p>
+            <a:r>
+              <a:rPr lang="en-US" altLang="zh-TW" dirty="0" smtClean="0"/>
+              <a:t>head.vm</a:t>
+            </a:r>
+            <a:r>
+              <a:rPr lang="zh-TW" altLang="en-US" dirty="0" smtClean="0"/>
+              <a:t>：載入</a:t>
+            </a:r>
+            <a:r>
+              <a:rPr lang="en-US" altLang="zh-TW" dirty="0" smtClean="0"/>
+              <a:t>JavaScript / CSS</a:t>
+            </a:r>
+            <a:endParaRPr lang="en-US" altLang="zh-TW" dirty="0"/>
+          </a:p>
+          <a:p>
+            <a:r>
+              <a:rPr lang="en-US" altLang="zh-TW" dirty="0" smtClean="0"/>
+              <a:t>menu.vm</a:t>
+            </a:r>
+            <a:r>
+              <a:rPr lang="zh-TW" altLang="en-US" dirty="0" smtClean="0"/>
+              <a:t>：選單</a:t>
+            </a:r>
+            <a:endParaRPr lang="en-US" altLang="zh-TW" dirty="0" smtClean="0"/>
+          </a:p>
+          <a:p>
+            <a:r>
+              <a:rPr lang="en-US" altLang="zh-TW" dirty="0" smtClean="0"/>
+              <a:t>header.vm</a:t>
+            </a:r>
+            <a:r>
+              <a:rPr lang="zh-TW" altLang="en-US" dirty="0" smtClean="0"/>
+              <a:t>：標頭</a:t>
+            </a:r>
+            <a:endParaRPr lang="en-US" altLang="zh-TW" dirty="0" smtClean="0"/>
+          </a:p>
+          <a:p>
+            <a:r>
+              <a:rPr lang="en-US" altLang="zh-TW" dirty="0" smtClean="0"/>
+              <a:t>query_form.vm</a:t>
+            </a:r>
+            <a:r>
+              <a:rPr lang="zh-TW" altLang="en-US" dirty="0" smtClean="0"/>
+              <a:t>：檢索欄位</a:t>
+            </a:r>
+            <a:endParaRPr lang="en-US" altLang="zh-TW" dirty="0" smtClean="0"/>
+          </a:p>
+          <a:p>
+            <a:r>
+              <a:rPr lang="en-US" altLang="zh-TW" dirty="0" smtClean="0"/>
+              <a:t>facet_fields.vm</a:t>
+            </a:r>
+            <a:r>
+              <a:rPr lang="zh-TW" altLang="en-US" dirty="0" smtClean="0"/>
+              <a:t>：層面檢索</a:t>
+            </a:r>
+            <a:endParaRPr lang="en-US" altLang="zh-TW" dirty="0" smtClean="0"/>
+          </a:p>
+          <a:p>
+            <a:r>
+              <a:rPr lang="en-US" altLang="zh-TW" dirty="0" smtClean="0"/>
+              <a:t>richtext_doc.vm</a:t>
+            </a:r>
+            <a:r>
+              <a:rPr lang="zh-TW" altLang="en-US" dirty="0" smtClean="0"/>
+              <a:t>：顯示結果</a:t>
+            </a:r>
+            <a:endParaRPr lang="en-US" altLang="zh-TW" dirty="0" smtClean="0"/>
+          </a:p>
+          <a:p>
+            <a:pPr lvl="1"/>
+            <a:r>
+              <a:rPr lang="en-US" altLang="zh-TW" dirty="0" smtClean="0"/>
+              <a:t>richtext_fields.vm</a:t>
+            </a:r>
+            <a:r>
+              <a:rPr lang="zh-TW" altLang="en-US" dirty="0"/>
+              <a:t>：顯示</a:t>
+            </a:r>
+            <a:r>
+              <a:rPr lang="zh-TW" altLang="en-US" dirty="0" smtClean="0"/>
+              <a:t>結果記錄</a:t>
+            </a:r>
+            <a:endParaRPr lang="en-US" altLang="zh-TW" dirty="0"/>
+          </a:p>
+          <a:p>
+            <a:pPr lvl="1"/>
+            <a:r>
+              <a:rPr lang="en-US" altLang="zh-TW" dirty="0" smtClean="0"/>
+              <a:t>richtext_similar.vm</a:t>
+            </a:r>
+            <a:r>
+              <a:rPr lang="zh-TW" altLang="en-US" dirty="0"/>
+              <a:t>：</a:t>
+            </a:r>
+            <a:r>
+              <a:rPr lang="zh-TW" altLang="en-US" dirty="0" smtClean="0"/>
+              <a:t>顯示相關記錄</a:t>
+            </a:r>
+            <a:endParaRPr lang="en-US" altLang="zh-TW" dirty="0"/>
+          </a:p>
+          <a:p>
+            <a:r>
+              <a:rPr lang="en-US" altLang="zh-TW" dirty="0" smtClean="0"/>
+              <a:t>footer.vm</a:t>
+            </a:r>
+            <a:r>
+              <a:rPr lang="zh-TW" altLang="en-US" dirty="0" smtClean="0"/>
+              <a:t>：結尾</a:t>
+            </a:r>
+            <a:endParaRPr lang="zh-TW" altLang="en-US" dirty="0"/>
+          </a:p>
+        </p:txBody>
+      </p:sp>
+      <p:sp>
+        <p:nvSpPr>
+          <p:cNvPr id="4" name="投影片編號版面配置區 3"/>
+          <p:cNvSpPr>
+            <a:spLocks noGrp="1"/>
+          </p:cNvSpPr>
+          <p:nvPr>
+            <p:ph type="sldNum" sz="quarter" idx="12"/>
+          </p:nvPr>
+        </p:nvSpPr>
+        <p:spPr/>
+        <p:txBody>
+          <a:bodyPr/>
+          <a:lstStyle/>
+          <a:p>
+            <a:fld id="{A0CF5734-5191-4A1A-B94E-B3464C9CF480}" type="slidenum">
+              <a:rPr lang="zh-TW" altLang="en-US" smtClean="0"/>
+              <a:t>21</a:t>
+            </a:fld>
+            <a:endParaRPr lang="zh-TW" altLang="en-US" dirty="0"/>
+          </a:p>
+        </p:txBody>
+      </p:sp>
+      <p:sp>
+        <p:nvSpPr>
+          <p:cNvPr id="5" name="文字版面配置區 4"/>
+          <p:cNvSpPr>
+            <a:spLocks noGrp="1"/>
+          </p:cNvSpPr>
+          <p:nvPr>
+            <p:ph type="body" sz="quarter" idx="13"/>
+          </p:nvPr>
+        </p:nvSpPr>
+        <p:spPr/>
+        <p:txBody>
+          <a:bodyPr/>
+          <a:lstStyle/>
+          <a:p>
+            <a:r>
+              <a:rPr lang="en-US" altLang="zh-TW" dirty="0"/>
+              <a:t>STEP 6. </a:t>
+            </a:r>
+            <a:r>
+              <a:rPr lang="zh-TW" altLang="en-US" dirty="0"/>
+              <a:t>修改版面指導</a:t>
+            </a:r>
+          </a:p>
+        </p:txBody>
+      </p:sp>
+    </p:spTree>
+    <p:extLst>
+      <p:ext uri="{BB962C8B-B14F-4D97-AF65-F5344CB8AC3E}">
+        <p14:creationId xmlns:p14="http://schemas.microsoft.com/office/powerpoint/2010/main" val="2887558703"/>
+      </p:ext>
+    </p:extLst>
+  </p:cSld>
+  <p:clrMapOvr>
+    <a:masterClrMapping/>
+  </p:clrMapOvr>
+  <p:timing>
+    <p:tnLst>
+      <p:par>
+        <p:cTn id="1" dur="indefinite" restart="never" nodeType="tmRoot"/>
+      </p:par>
+    </p:tnLst>
+  </p:timing>
+</p:sld>
+</file>
+
+<file path=ppt/slides/slide22.xml><?xml version="1.0" encoding="utf-8"?>
+<p:sld xmlns:a="http://schemas.openxmlformats.org/drawingml/2006/main" xmlns:r="http://schemas.openxmlformats.org/officeDocument/2006/relationships" xmlns:p="http://schemas.openxmlformats.org/presentationml/2006/main">
+  <p:cSld>
+    <p:spTree>
+      <p:nvGrpSpPr>
+        <p:cNvPr id="1" name=""/>
+        <p:cNvGrpSpPr/>
+        <p:nvPr/>
+      </p:nvGrpSpPr>
+      <p:grpSpPr>
+        <a:xfrm>
+          <a:off x="0" y="0"/>
+          <a:ext cx="0" cy="0"/>
+          <a:chOff x="0" y="0"/>
+          <a:chExt cx="0" cy="0"/>
+        </a:xfrm>
+      </p:grpSpPr>
+      <p:sp>
+        <p:nvSpPr>
+          <p:cNvPr id="2" name="標題 1"/>
+          <p:cNvSpPr>
+            <a:spLocks noGrp="1"/>
+          </p:cNvSpPr>
+          <p:nvPr>
+            <p:ph type="title"/>
+          </p:nvPr>
+        </p:nvSpPr>
+        <p:spPr/>
+        <p:txBody>
+          <a:bodyPr/>
+          <a:lstStyle/>
+          <a:p>
+            <a:r>
+              <a:rPr lang="zh-TW" altLang="en-US" dirty="0" smtClean="0"/>
+              <a:t>重要的</a:t>
+            </a:r>
+            <a:r>
+              <a:rPr lang="en-US" altLang="zh-TW" dirty="0" smtClean="0"/>
+              <a:t>CSS</a:t>
+            </a:r>
+            <a:r>
+              <a:rPr lang="zh-TW" altLang="en-US" dirty="0" smtClean="0"/>
+              <a:t>檔案</a:t>
+            </a:r>
+            <a:endParaRPr lang="zh-TW" altLang="en-US" dirty="0"/>
+          </a:p>
+        </p:txBody>
+      </p:sp>
+      <p:sp>
+        <p:nvSpPr>
+          <p:cNvPr id="3" name="內容版面配置區 2"/>
+          <p:cNvSpPr>
+            <a:spLocks noGrp="1"/>
+          </p:cNvSpPr>
+          <p:nvPr>
+            <p:ph idx="1"/>
+          </p:nvPr>
+        </p:nvSpPr>
+        <p:spPr/>
+        <p:txBody>
+          <a:bodyPr/>
+          <a:lstStyle/>
+          <a:p>
+            <a:r>
+              <a:rPr lang="en-US" altLang="zh-TW" dirty="0" smtClean="0"/>
+              <a:t>CSS</a:t>
+            </a:r>
+            <a:r>
+              <a:rPr lang="zh-TW" altLang="en-US" dirty="0" smtClean="0"/>
+              <a:t>：設定網頁樣式的程式語言</a:t>
+            </a:r>
+            <a:endParaRPr lang="en-US" altLang="zh-TW" dirty="0" smtClean="0"/>
+          </a:p>
+          <a:p>
+            <a:r>
+              <a:rPr lang="en-US" altLang="zh-TW" dirty="0" smtClean="0"/>
+              <a:t>main.css</a:t>
+            </a:r>
+            <a:r>
+              <a:rPr lang="zh-TW" altLang="en-US" dirty="0" smtClean="0"/>
+              <a:t>：主要控制網站的</a:t>
+            </a:r>
+            <a:r>
+              <a:rPr lang="en-US" altLang="zh-TW" dirty="0" smtClean="0"/>
+              <a:t>CSS</a:t>
+            </a:r>
+            <a:r>
+              <a:rPr lang="zh-TW" altLang="en-US" dirty="0" smtClean="0"/>
+              <a:t>檔案</a:t>
+            </a:r>
+            <a:endParaRPr lang="en-US" altLang="zh-TW" dirty="0" smtClean="0"/>
+          </a:p>
+          <a:p>
+            <a:endParaRPr lang="en-US" altLang="zh-TW" dirty="0"/>
+          </a:p>
+          <a:p>
+            <a:r>
+              <a:rPr lang="zh-TW" altLang="en-US" dirty="0" smtClean="0"/>
+              <a:t>教學用</a:t>
+            </a:r>
+            <a:r>
+              <a:rPr lang="en-US" altLang="zh-TW" dirty="0" smtClean="0"/>
+              <a:t>Solr</a:t>
+            </a:r>
+            <a:r>
+              <a:rPr lang="zh-TW" altLang="en-US" dirty="0" smtClean="0"/>
+              <a:t>額外採用了</a:t>
+            </a:r>
+            <a:r>
+              <a:rPr lang="en-US" altLang="zh-TW" dirty="0" smtClean="0"/>
+              <a:t>Semantic UI</a:t>
+            </a:r>
+            <a:r>
+              <a:rPr lang="zh-TW" altLang="en-US" dirty="0" smtClean="0"/>
+              <a:t>作為設計工具庫</a:t>
+            </a:r>
+            <a:endParaRPr lang="en-US" altLang="zh-TW" dirty="0" smtClean="0"/>
+          </a:p>
+          <a:p>
+            <a:pPr lvl="1"/>
+            <a:r>
+              <a:rPr lang="zh-TW" altLang="en-US" dirty="0" smtClean="0"/>
+              <a:t>使用教學 </a:t>
+            </a:r>
+            <a:r>
+              <a:rPr lang="en-US" altLang="zh-TW" dirty="0" smtClean="0"/>
+              <a:t>http</a:t>
+            </a:r>
+            <a:r>
+              <a:rPr lang="en-US" altLang="zh-TW" dirty="0"/>
+              <a:t>://semantic-ui.com/</a:t>
+            </a:r>
+            <a:endParaRPr lang="zh-TW" altLang="en-US" dirty="0"/>
+          </a:p>
+        </p:txBody>
+      </p:sp>
+      <p:sp>
+        <p:nvSpPr>
+          <p:cNvPr id="4" name="投影片編號版面配置區 3"/>
+          <p:cNvSpPr>
+            <a:spLocks noGrp="1"/>
+          </p:cNvSpPr>
+          <p:nvPr>
+            <p:ph type="sldNum" sz="quarter" idx="12"/>
+          </p:nvPr>
+        </p:nvSpPr>
+        <p:spPr/>
+        <p:txBody>
+          <a:bodyPr/>
+          <a:lstStyle/>
+          <a:p>
+            <a:fld id="{A0CF5734-5191-4A1A-B94E-B3464C9CF480}" type="slidenum">
+              <a:rPr lang="zh-TW" altLang="en-US" smtClean="0"/>
+              <a:t>22</a:t>
+            </a:fld>
+            <a:endParaRPr lang="zh-TW" altLang="en-US" dirty="0"/>
+          </a:p>
+        </p:txBody>
+      </p:sp>
+      <p:sp>
+        <p:nvSpPr>
+          <p:cNvPr id="5" name="文字版面配置區 4"/>
+          <p:cNvSpPr>
+            <a:spLocks noGrp="1"/>
+          </p:cNvSpPr>
+          <p:nvPr>
+            <p:ph type="body" sz="quarter" idx="13"/>
+          </p:nvPr>
+        </p:nvSpPr>
+        <p:spPr/>
+        <p:txBody>
+          <a:bodyPr/>
+          <a:lstStyle/>
+          <a:p>
+            <a:r>
+              <a:rPr lang="en-US" altLang="zh-TW" dirty="0"/>
+              <a:t>STEP 6. </a:t>
+            </a:r>
+            <a:r>
+              <a:rPr lang="zh-TW" altLang="en-US" dirty="0"/>
+              <a:t>修改版面指導</a:t>
+            </a:r>
+          </a:p>
+        </p:txBody>
+      </p:sp>
+      <p:pic>
+        <p:nvPicPr>
+          <p:cNvPr id="8194" name="Picture 2" descr="QR code"/>
+          <p:cNvPicPr>
+            <a:picLocks noChangeAspect="1" noChangeArrowheads="1"/>
+          </p:cNvPicPr>
+          <p:nvPr/>
+        </p:nvPicPr>
+        <p:blipFill>
+          <a:blip r:embed="rId3">
+            <a:extLst>
+              <a:ext uri="{28A0092B-C50C-407E-A947-70E740481C1C}">
+                <a14:useLocalDpi xmlns:a14="http://schemas.microsoft.com/office/drawing/2010/main" val="0"/>
+              </a:ext>
+            </a:extLst>
+          </a:blip>
+          <a:srcRect/>
+          <a:stretch>
+            <a:fillRect/>
+          </a:stretch>
+        </p:blipFill>
+        <p:spPr bwMode="auto">
+          <a:xfrm>
+            <a:off x="7413625" y="3622323"/>
+            <a:ext cx="952500" cy="952500"/>
+          </a:xfrm>
+          <a:prstGeom prst="rect">
+            <a:avLst/>
+          </a:prstGeom>
+          <a:noFill/>
+          <a:extLst>
+            <a:ext uri="{909E8E84-426E-40DD-AFC4-6F175D3DCCD1}">
+              <a14:hiddenFill xmlns:a14="http://schemas.microsoft.com/office/drawing/2010/main">
+                <a:solidFill>
+                  <a:srgbClr val="FFFFFF"/>
+                </a:solidFill>
+              </a14:hiddenFill>
+            </a:ext>
+          </a:extLst>
+        </p:spPr>
+      </p:pic>
+    </p:spTree>
+    <p:extLst>
+      <p:ext uri="{BB962C8B-B14F-4D97-AF65-F5344CB8AC3E}">
+        <p14:creationId xmlns:p14="http://schemas.microsoft.com/office/powerpoint/2010/main" val="1498898213"/>
+      </p:ext>
+    </p:extLst>
+  </p:cSld>
+  <p:clrMapOvr>
+    <a:masterClrMapping/>
+  </p:clrMapOvr>
+  <p:timing>
+    <p:tnLst>
+      <p:par>
+        <p:cTn id="1" dur="indefinite" restart="never" nodeType="tmRoot"/>
+      </p:par>
+    </p:tnLst>
+  </p:timing>
+</p:sld>
+</file>
+
+<file path=ppt/slides/slide23.xml><?xml version="1.0" encoding="utf-8"?>
+<p:sld xmlns:a="http://schemas.openxmlformats.org/drawingml/2006/main" xmlns:r="http://schemas.openxmlformats.org/officeDocument/2006/relationships" xmlns:p="http://schemas.openxmlformats.org/presentationml/2006/main">
+  <p:cSld>
+    <p:spTree>
+      <p:nvGrpSpPr>
+        <p:cNvPr id="1" name=""/>
+        <p:cNvGrpSpPr/>
+        <p:nvPr/>
+      </p:nvGrpSpPr>
+      <p:grpSpPr>
+        <a:xfrm>
+          <a:off x="0" y="0"/>
+          <a:ext cx="0" cy="0"/>
+          <a:chOff x="0" y="0"/>
+          <a:chExt cx="0" cy="0"/>
+        </a:xfrm>
+      </p:grpSpPr>
+      <p:sp>
+        <p:nvSpPr>
+          <p:cNvPr id="2" name="標題 1"/>
+          <p:cNvSpPr>
+            <a:spLocks noGrp="1"/>
+          </p:cNvSpPr>
+          <p:nvPr>
+            <p:ph type="title"/>
+          </p:nvPr>
+        </p:nvSpPr>
+        <p:spPr/>
+        <p:txBody>
+          <a:bodyPr/>
+          <a:lstStyle/>
+          <a:p>
+            <a:r>
+              <a:rPr lang="zh-TW" altLang="en-US" dirty="0" smtClean="0"/>
+              <a:t>其他檔案位置</a:t>
+            </a:r>
+            <a:endParaRPr lang="zh-TW" altLang="en-US" dirty="0"/>
+          </a:p>
+        </p:txBody>
+      </p:sp>
+      <p:sp>
+        <p:nvSpPr>
+          <p:cNvPr id="3" name="內容版面配置區 2"/>
+          <p:cNvSpPr>
+            <a:spLocks noGrp="1"/>
+          </p:cNvSpPr>
+          <p:nvPr>
+            <p:ph idx="1"/>
+          </p:nvPr>
+        </p:nvSpPr>
+        <p:spPr/>
+        <p:txBody>
+          <a:bodyPr/>
+          <a:lstStyle/>
+          <a:p>
+            <a:r>
+              <a:rPr lang="en-US" altLang="zh-TW" dirty="0"/>
+              <a:t>[Solr]\</a:t>
+            </a:r>
+            <a:r>
+              <a:rPr lang="zh-TW" altLang="en-US" dirty="0"/>
+              <a:t>教學</a:t>
+            </a:r>
+            <a:r>
+              <a:rPr lang="en-US" altLang="zh-TW" dirty="0"/>
+              <a:t>\STEP 6. </a:t>
+            </a:r>
+            <a:r>
+              <a:rPr lang="zh-TW" altLang="en-US" dirty="0"/>
+              <a:t>修改版面指導</a:t>
+            </a:r>
+            <a:r>
+              <a:rPr lang="en-US" altLang="zh-TW" dirty="0"/>
+              <a:t>\open </a:t>
+            </a:r>
+            <a:r>
+              <a:rPr lang="en-US" altLang="zh-TW" dirty="0" smtClean="0"/>
+              <a:t>webapp.bat</a:t>
+            </a:r>
+            <a:endParaRPr lang="en-US" altLang="zh-TW" dirty="0"/>
+          </a:p>
+          <a:p>
+            <a:pPr lvl="1"/>
+            <a:r>
+              <a:rPr lang="zh-TW" altLang="en-US" dirty="0"/>
+              <a:t>資料夾位置：</a:t>
+            </a:r>
+            <a:r>
+              <a:rPr lang="en-US" altLang="zh-TW" dirty="0"/>
+              <a:t>[Solr]\</a:t>
+            </a:r>
+            <a:r>
+              <a:rPr lang="en-US" altLang="zh-TW" dirty="0" smtClean="0"/>
+              <a:t>example\</a:t>
+            </a:r>
+            <a:r>
+              <a:rPr lang="en-US" altLang="zh-TW" dirty="0" err="1" smtClean="0"/>
+              <a:t>solr-webapp</a:t>
+            </a:r>
+            <a:r>
+              <a:rPr lang="en-US" altLang="zh-TW" dirty="0" smtClean="0"/>
+              <a:t>\</a:t>
+            </a:r>
+            <a:r>
+              <a:rPr lang="en-US" altLang="zh-TW" dirty="0" err="1" smtClean="0"/>
+              <a:t>webapp</a:t>
+            </a:r>
+            <a:endParaRPr lang="en-US" altLang="zh-TW" dirty="0" smtClean="0"/>
+          </a:p>
+          <a:p>
+            <a:r>
+              <a:rPr lang="zh-TW" altLang="en-US" dirty="0" smtClean="0"/>
+              <a:t>檔案位置與網址的關係：以</a:t>
+            </a:r>
+            <a:r>
+              <a:rPr lang="en-US" altLang="zh-TW" dirty="0" smtClean="0"/>
+              <a:t>library-logo-small.png</a:t>
+            </a:r>
+            <a:r>
+              <a:rPr lang="zh-TW" altLang="en-US" dirty="0" smtClean="0"/>
+              <a:t>為例</a:t>
+            </a:r>
+            <a:endParaRPr lang="en-US" altLang="zh-TW" dirty="0" smtClean="0"/>
+          </a:p>
+          <a:p>
+            <a:pPr lvl="1"/>
+            <a:r>
+              <a:rPr lang="zh-TW" altLang="en-US" dirty="0" smtClean="0"/>
+              <a:t>檔案位置：</a:t>
+            </a:r>
+            <a:r>
+              <a:rPr lang="en-US" altLang="zh-TW" dirty="0" smtClean="0"/>
+              <a:t>[Solr</a:t>
+            </a:r>
+            <a:r>
+              <a:rPr lang="en-US" altLang="zh-TW" dirty="0"/>
+              <a:t>]\</a:t>
+            </a:r>
+            <a:r>
+              <a:rPr lang="en-US" altLang="zh-TW" dirty="0" smtClean="0"/>
+              <a:t>example\</a:t>
+            </a:r>
+            <a:r>
+              <a:rPr lang="en-US" altLang="zh-TW" dirty="0" err="1" smtClean="0"/>
+              <a:t>solr-webapp</a:t>
+            </a:r>
+            <a:r>
+              <a:rPr lang="en-US" altLang="zh-TW" dirty="0" smtClean="0"/>
+              <a:t>\</a:t>
+            </a:r>
+            <a:r>
+              <a:rPr lang="en-US" altLang="zh-TW" dirty="0" err="1" smtClean="0"/>
+              <a:t>webapp</a:t>
+            </a:r>
+            <a:r>
+              <a:rPr lang="en-US" altLang="zh-TW" dirty="0" smtClean="0">
+                <a:solidFill>
+                  <a:srgbClr val="FF0000"/>
+                </a:solidFill>
+              </a:rPr>
+              <a:t>\</a:t>
+            </a:r>
+            <a:r>
+              <a:rPr lang="en-US" altLang="zh-TW" dirty="0" err="1" smtClean="0">
+                <a:solidFill>
+                  <a:srgbClr val="FF0000"/>
+                </a:solidFill>
+              </a:rPr>
+              <a:t>img</a:t>
+            </a:r>
+            <a:r>
+              <a:rPr lang="en-US" altLang="zh-TW" dirty="0" smtClean="0">
+                <a:solidFill>
+                  <a:srgbClr val="FF0000"/>
+                </a:solidFill>
+              </a:rPr>
+              <a:t>\library-logo-small.png</a:t>
+            </a:r>
+          </a:p>
+          <a:p>
+            <a:pPr lvl="1"/>
+            <a:r>
+              <a:rPr lang="zh-TW" altLang="en-US" dirty="0" smtClean="0"/>
+              <a:t>網址：</a:t>
+            </a:r>
+            <a:r>
+              <a:rPr lang="en-US" altLang="zh-TW" dirty="0"/>
+              <a:t>http://localhost:8983/solr</a:t>
+            </a:r>
+            <a:r>
+              <a:rPr lang="en-US" altLang="zh-TW" dirty="0">
+                <a:solidFill>
+                  <a:srgbClr val="FF0000"/>
+                </a:solidFill>
+              </a:rPr>
+              <a:t>/img/library-logo-small.png</a:t>
+            </a:r>
+          </a:p>
+          <a:p>
+            <a:endParaRPr lang="zh-TW" altLang="en-US" dirty="0"/>
+          </a:p>
+        </p:txBody>
+      </p:sp>
+      <p:sp>
+        <p:nvSpPr>
+          <p:cNvPr id="4" name="投影片編號版面配置區 3"/>
+          <p:cNvSpPr>
+            <a:spLocks noGrp="1"/>
+          </p:cNvSpPr>
+          <p:nvPr>
+            <p:ph type="sldNum" sz="quarter" idx="12"/>
+          </p:nvPr>
+        </p:nvSpPr>
+        <p:spPr/>
+        <p:txBody>
+          <a:bodyPr/>
+          <a:lstStyle/>
+          <a:p>
+            <a:fld id="{A0CF5734-5191-4A1A-B94E-B3464C9CF480}" type="slidenum">
+              <a:rPr lang="zh-TW" altLang="en-US" smtClean="0"/>
+              <a:t>23</a:t>
+            </a:fld>
+            <a:endParaRPr lang="zh-TW" altLang="en-US" dirty="0"/>
+          </a:p>
+        </p:txBody>
+      </p:sp>
+      <p:sp>
+        <p:nvSpPr>
+          <p:cNvPr id="5" name="文字版面配置區 4"/>
+          <p:cNvSpPr>
+            <a:spLocks noGrp="1"/>
+          </p:cNvSpPr>
+          <p:nvPr>
+            <p:ph type="body" sz="quarter" idx="13"/>
+          </p:nvPr>
+        </p:nvSpPr>
+        <p:spPr/>
+        <p:txBody>
+          <a:bodyPr/>
+          <a:lstStyle/>
+          <a:p>
+            <a:r>
+              <a:rPr lang="en-US" altLang="zh-TW" dirty="0"/>
+              <a:t>STEP 6. </a:t>
+            </a:r>
+            <a:r>
+              <a:rPr lang="zh-TW" altLang="en-US" dirty="0"/>
+              <a:t>修改版面指導</a:t>
+            </a:r>
+          </a:p>
+        </p:txBody>
+      </p:sp>
+    </p:spTree>
+    <p:extLst>
+      <p:ext uri="{BB962C8B-B14F-4D97-AF65-F5344CB8AC3E}">
+        <p14:creationId xmlns:p14="http://schemas.microsoft.com/office/powerpoint/2010/main" val="3310800221"/>
+      </p:ext>
+    </p:extLst>
+  </p:cSld>
+  <p:clrMapOvr>
+    <a:masterClrMapping/>
+  </p:clrMapOvr>
+  <p:timing>
+    <p:tnLst>
+      <p:par>
+        <p:cTn id="1" dur="indefinite" restart="never" nodeType="tmRoot"/>
+      </p:par>
+    </p:tnLst>
+  </p:timing>
+</p:sld>
+</file>
+
+<file path=ppt/slides/slide24.xml><?xml version="1.0" encoding="utf-8"?>
+<p:sld xmlns:a="http://schemas.openxmlformats.org/drawingml/2006/main" xmlns:r="http://schemas.openxmlformats.org/officeDocument/2006/relationships" xmlns:p="http://schemas.openxmlformats.org/presentationml/2006/main">
+  <p:cSld>
+    <p:spTree>
+      <p:nvGrpSpPr>
+        <p:cNvPr id="1" name=""/>
+        <p:cNvGrpSpPr/>
+        <p:nvPr/>
+      </p:nvGrpSpPr>
+      <p:grpSpPr>
+        <a:xfrm>
+          <a:off x="0" y="0"/>
+          <a:ext cx="0" cy="0"/>
+          <a:chOff x="0" y="0"/>
+          <a:chExt cx="0" cy="0"/>
+        </a:xfrm>
+      </p:grpSpPr>
+      <p:sp>
+        <p:nvSpPr>
+          <p:cNvPr id="2" name="標題 1"/>
+          <p:cNvSpPr>
+            <a:spLocks noGrp="1"/>
+          </p:cNvSpPr>
+          <p:nvPr>
+            <p:ph type="title"/>
+          </p:nvPr>
+        </p:nvSpPr>
+        <p:spPr/>
+        <p:txBody>
+          <a:bodyPr/>
+          <a:lstStyle/>
+          <a:p>
+            <a:r>
+              <a:rPr lang="zh-TW" altLang="en-US" dirty="0" smtClean="0"/>
+              <a:t>作業說明</a:t>
+            </a:r>
+            <a:endParaRPr lang="zh-TW" altLang="en-US" dirty="0"/>
+          </a:p>
+        </p:txBody>
+      </p:sp>
+      <p:sp>
+        <p:nvSpPr>
+          <p:cNvPr id="6" name="文字版面配置區 5"/>
+          <p:cNvSpPr>
+            <a:spLocks noGrp="1"/>
+          </p:cNvSpPr>
+          <p:nvPr>
+            <p:ph type="body" idx="1"/>
+          </p:nvPr>
+        </p:nvSpPr>
+        <p:spPr/>
+        <p:txBody>
+          <a:bodyPr/>
+          <a:lstStyle/>
+          <a:p>
+            <a:r>
+              <a:rPr lang="zh-TW" altLang="en-US" dirty="0" smtClean="0"/>
+              <a:t>建制</a:t>
+            </a:r>
+            <a:r>
+              <a:rPr lang="en-US" altLang="zh-TW" dirty="0" smtClean="0"/>
+              <a:t>500</a:t>
+            </a:r>
+            <a:r>
+              <a:rPr lang="zh-TW" altLang="en-US" dirty="0" smtClean="0"/>
+              <a:t>筆資料</a:t>
+            </a:r>
+            <a:endParaRPr lang="zh-TW" altLang="en-US" dirty="0"/>
+          </a:p>
+        </p:txBody>
+      </p:sp>
+      <p:sp>
+        <p:nvSpPr>
+          <p:cNvPr id="7" name="內容版面配置區 6"/>
+          <p:cNvSpPr>
+            <a:spLocks noGrp="1"/>
+          </p:cNvSpPr>
+          <p:nvPr>
+            <p:ph sz="half" idx="2"/>
+          </p:nvPr>
+        </p:nvSpPr>
+        <p:spPr/>
+        <p:txBody>
+          <a:bodyPr/>
+          <a:lstStyle/>
+          <a:p>
+            <a:r>
+              <a:rPr lang="zh-TW" altLang="en-US" dirty="0" smtClean="0"/>
+              <a:t>使用其他資料庫蒐集資料！</a:t>
+            </a:r>
+            <a:endParaRPr lang="zh-TW" altLang="en-US" dirty="0"/>
+          </a:p>
+        </p:txBody>
+      </p:sp>
+      <p:sp>
+        <p:nvSpPr>
+          <p:cNvPr id="8" name="文字版面配置區 7"/>
+          <p:cNvSpPr>
+            <a:spLocks noGrp="1"/>
+          </p:cNvSpPr>
+          <p:nvPr>
+            <p:ph type="body" sz="quarter" idx="3"/>
+          </p:nvPr>
+        </p:nvSpPr>
+        <p:spPr/>
+        <p:txBody>
+          <a:bodyPr/>
+          <a:lstStyle/>
+          <a:p>
+            <a:r>
+              <a:rPr lang="zh-TW" altLang="en-US" dirty="0" smtClean="0"/>
+              <a:t>修改版面</a:t>
+            </a:r>
+            <a:endParaRPr lang="zh-TW" altLang="en-US" dirty="0"/>
+          </a:p>
+        </p:txBody>
+      </p:sp>
+      <p:sp>
+        <p:nvSpPr>
+          <p:cNvPr id="9" name="內容版面配置區 8"/>
+          <p:cNvSpPr>
+            <a:spLocks noGrp="1"/>
+          </p:cNvSpPr>
+          <p:nvPr>
+            <p:ph sz="quarter" idx="4"/>
+          </p:nvPr>
+        </p:nvSpPr>
+        <p:spPr/>
+        <p:txBody>
+          <a:bodyPr/>
+          <a:lstStyle/>
+          <a:p>
+            <a:r>
+              <a:rPr lang="zh-TW" altLang="en-US" dirty="0"/>
+              <a:t>顯示欄位</a:t>
+            </a:r>
+            <a:endParaRPr lang="en-US" altLang="zh-TW" dirty="0" smtClean="0"/>
+          </a:p>
+          <a:p>
+            <a:r>
+              <a:rPr lang="zh-TW" altLang="en-US" dirty="0" smtClean="0"/>
+              <a:t>網站標題文字與圖片</a:t>
+            </a:r>
+            <a:endParaRPr lang="en-US" altLang="zh-TW" dirty="0" smtClean="0"/>
+          </a:p>
+        </p:txBody>
+      </p:sp>
+      <p:sp>
+        <p:nvSpPr>
+          <p:cNvPr id="4" name="投影片編號版面配置區 3"/>
+          <p:cNvSpPr>
+            <a:spLocks noGrp="1"/>
+          </p:cNvSpPr>
+          <p:nvPr>
+            <p:ph type="sldNum" sz="quarter" idx="12"/>
+          </p:nvPr>
+        </p:nvSpPr>
+        <p:spPr/>
+        <p:txBody>
+          <a:bodyPr/>
+          <a:lstStyle/>
+          <a:p>
+            <a:fld id="{A0CF5734-5191-4A1A-B94E-B3464C9CF480}" type="slidenum">
+              <a:rPr lang="zh-TW" altLang="en-US" smtClean="0"/>
+              <a:t>24</a:t>
+            </a:fld>
+            <a:endParaRPr lang="zh-TW" altLang="en-US" dirty="0"/>
+          </a:p>
+        </p:txBody>
+      </p:sp>
+    </p:spTree>
+    <p:extLst>
+      <p:ext uri="{BB962C8B-B14F-4D97-AF65-F5344CB8AC3E}">
+        <p14:creationId xmlns:p14="http://schemas.microsoft.com/office/powerpoint/2010/main" val="2094418237"/>
+      </p:ext>
+    </p:extLst>
+  </p:cSld>
+  <p:clrMapOvr>
+    <a:masterClrMapping/>
+  </p:clrMapOvr>
+  <p:timing>
+    <p:tnLst>
+      <p:par>
+        <p:cTn id="1" dur="indefinite" restart="never" nodeType="tmRoot"/>
+      </p:par>
+    </p:tnLst>
+  </p:timing>
+</p:sld>
+</file>
+
+<file path=ppt/slides/slide25.xml><?xml version="1.0" encoding="utf-8"?>
+<p:sld xmlns:a="http://schemas.openxmlformats.org/drawingml/2006/main" xmlns:r="http://schemas.openxmlformats.org/officeDocument/2006/relationships" xmlns:p="http://schemas.openxmlformats.org/presentationml/2006/main">
+  <p:cSld>
+    <p:spTree>
+      <p:nvGrpSpPr>
+        <p:cNvPr id="1" name=""/>
+        <p:cNvGrpSpPr/>
+        <p:nvPr/>
+      </p:nvGrpSpPr>
+      <p:grpSpPr>
+        <a:xfrm>
+          <a:off x="0" y="0"/>
+          <a:ext cx="0" cy="0"/>
+          <a:chOff x="0" y="0"/>
+          <a:chExt cx="0" cy="0"/>
+        </a:xfrm>
+      </p:grpSpPr>
+      <p:sp>
+        <p:nvSpPr>
+          <p:cNvPr id="2" name="標題 1"/>
+          <p:cNvSpPr>
+            <a:spLocks noGrp="1"/>
+          </p:cNvSpPr>
+          <p:nvPr>
+            <p:ph type="title"/>
+          </p:nvPr>
+        </p:nvSpPr>
+        <p:spPr/>
+        <p:txBody>
+          <a:bodyPr/>
+          <a:lstStyle/>
+          <a:p>
+            <a:r>
+              <a:rPr lang="zh-TW" altLang="en-US" dirty="0" smtClean="0"/>
+              <a:t>參考資料</a:t>
+            </a:r>
+            <a:endParaRPr lang="zh-TW" altLang="en-US" dirty="0"/>
+          </a:p>
+        </p:txBody>
+      </p:sp>
+      <p:sp>
+        <p:nvSpPr>
+          <p:cNvPr id="3" name="內容版面配置區 2"/>
+          <p:cNvSpPr>
+            <a:spLocks noGrp="1"/>
+          </p:cNvSpPr>
+          <p:nvPr>
+            <p:ph idx="1"/>
+          </p:nvPr>
+        </p:nvSpPr>
+        <p:spPr/>
+        <p:txBody>
+          <a:bodyPr/>
+          <a:lstStyle/>
+          <a:p>
+            <a:r>
+              <a:rPr lang="zh-TW" altLang="en-US" dirty="0"/>
+              <a:t>張錦堂（</a:t>
+            </a:r>
+            <a:r>
+              <a:rPr lang="en-US" altLang="zh-TW" dirty="0"/>
+              <a:t>2011</a:t>
+            </a:r>
+            <a:r>
+              <a:rPr lang="zh-TW" altLang="en-US" dirty="0"/>
+              <a:t>年</a:t>
+            </a:r>
+            <a:r>
+              <a:rPr lang="en-US" altLang="zh-TW" dirty="0"/>
+              <a:t>10</a:t>
+            </a:r>
+            <a:r>
+              <a:rPr lang="zh-TW" altLang="en-US" dirty="0"/>
+              <a:t>月</a:t>
+            </a:r>
+            <a:r>
+              <a:rPr lang="en-US" altLang="zh-TW" dirty="0"/>
+              <a:t>27</a:t>
+            </a:r>
+            <a:r>
+              <a:rPr lang="zh-TW" altLang="en-US" dirty="0"/>
+              <a:t>日）。全文檢索伺服器</a:t>
+            </a:r>
+            <a:r>
+              <a:rPr lang="en-US" altLang="zh-TW" dirty="0"/>
+              <a:t>Solr</a:t>
+            </a:r>
+            <a:r>
+              <a:rPr lang="zh-TW" altLang="en-US" dirty="0"/>
+              <a:t>初探。</a:t>
+            </a:r>
+            <a:r>
+              <a:rPr lang="zh-TW" altLang="en-US" i="1" dirty="0"/>
+              <a:t>中央研究院計算中心通訊電子報</a:t>
+            </a:r>
+            <a:r>
+              <a:rPr lang="zh-TW" altLang="en-US" dirty="0"/>
+              <a:t>。上網日期：</a:t>
+            </a:r>
+            <a:r>
+              <a:rPr lang="en-US" altLang="zh-TW" dirty="0"/>
+              <a:t>2014</a:t>
+            </a:r>
+            <a:r>
+              <a:rPr lang="zh-TW" altLang="en-US" dirty="0"/>
+              <a:t>年</a:t>
+            </a:r>
+            <a:r>
+              <a:rPr lang="en-US" altLang="zh-TW" dirty="0"/>
+              <a:t>12</a:t>
+            </a:r>
+            <a:r>
+              <a:rPr lang="zh-TW" altLang="en-US" dirty="0"/>
+              <a:t>月</a:t>
+            </a:r>
+            <a:r>
+              <a:rPr lang="en-US" altLang="zh-TW" dirty="0"/>
+              <a:t>15</a:t>
+            </a:r>
+            <a:r>
+              <a:rPr lang="zh-TW" altLang="en-US" dirty="0"/>
+              <a:t>日，檢自：</a:t>
+            </a:r>
+            <a:r>
+              <a:rPr lang="en-US" altLang="zh-TW" dirty="0"/>
+              <a:t>http://</a:t>
+            </a:r>
+            <a:r>
+              <a:rPr lang="en-US" altLang="zh-TW" dirty="0" smtClean="0"/>
+              <a:t>newsletter.ascc.sinica.edu.tw/news/read_news.php?nid=2288</a:t>
+            </a:r>
+          </a:p>
+          <a:p>
+            <a:r>
+              <a:rPr lang="en-US" altLang="zh-TW" dirty="0"/>
+              <a:t>The Apache Software Foundation. (2007). Velocity User Guide. </a:t>
+            </a:r>
+            <a:r>
+              <a:rPr lang="en-US" altLang="zh-TW" i="1" dirty="0"/>
+              <a:t>Apache Velocity</a:t>
+            </a:r>
+            <a:r>
+              <a:rPr lang="en-US" altLang="zh-TW" dirty="0"/>
+              <a:t>. Retrieved December 16, 2014, from https://velocity.apache.org/engine/releases/velocity-1.5/user-guide.html</a:t>
+            </a:r>
+          </a:p>
+          <a:p>
+            <a:endParaRPr lang="en-US" altLang="zh-TW" dirty="0"/>
+          </a:p>
+          <a:p>
+            <a:endParaRPr lang="zh-TW" altLang="en-US" dirty="0"/>
+          </a:p>
+        </p:txBody>
+      </p:sp>
+      <p:sp>
+        <p:nvSpPr>
+          <p:cNvPr id="4" name="投影片編號版面配置區 3"/>
+          <p:cNvSpPr>
+            <a:spLocks noGrp="1"/>
+          </p:cNvSpPr>
+          <p:nvPr>
+            <p:ph type="sldNum" sz="quarter" idx="12"/>
+          </p:nvPr>
+        </p:nvSpPr>
+        <p:spPr/>
+        <p:txBody>
+          <a:bodyPr/>
+          <a:lstStyle/>
+          <a:p>
+            <a:fld id="{A0CF5734-5191-4A1A-B94E-B3464C9CF480}" type="slidenum">
+              <a:rPr lang="zh-TW" altLang="en-US" smtClean="0"/>
+              <a:t>25</a:t>
+            </a:fld>
+            <a:endParaRPr lang="zh-TW" altLang="en-US" dirty="0"/>
+          </a:p>
+        </p:txBody>
+      </p:sp>
+    </p:spTree>
+    <p:extLst>
+      <p:ext uri="{BB962C8B-B14F-4D97-AF65-F5344CB8AC3E}">
+        <p14:creationId xmlns:p14="http://schemas.microsoft.com/office/powerpoint/2010/main" val="3578304659"/>
+      </p:ext>
+    </p:extLst>
+  </p:cSld>
+  <p:clrMapOvr>
+    <a:masterClrMapping/>
+  </p:clrMapOvr>
+  <p:timing>
+    <p:tnLst>
+      <p:par>
+        <p:cTn id="1" dur="indefinite" restart="never" nodeType="tmRoot"/>
+      </p:par>
+    </p:tnLst>
+  </p:timing>
 </p:sld>
 </file>
 
@@ -7952,6 +10558,13 @@
   <p:clrMapOvr>
     <a:masterClrMapping/>
   </p:clrMapOvr>
+  <p:timing>
+    <p:tnLst>
+      <p:par>
+        <p:cTn id="1" dur="indefinite" restart="never" nodeType="tmRoot"/>
+      </p:par>
+    </p:tnLst>
+  </p:timing>
 </p:sld>
 </file>
 
@@ -8328,6 +10941,13 @@
   <p:clrMapOvr>
     <a:masterClrMapping/>
   </p:clrMapOvr>
+  <p:timing>
+    <p:tnLst>
+      <p:par>
+        <p:cTn id="1" dur="indefinite" restart="never" nodeType="tmRoot"/>
+      </p:par>
+    </p:tnLst>
+  </p:timing>
 </p:sld>
 </file>
 
@@ -8453,6 +11073,10 @@
             <a:r>
               <a:rPr lang="zh-TW" altLang="en-US" dirty="0" smtClean="0"/>
               <a:t>下載網址：</a:t>
+            </a:r>
+            <a:r>
+              <a:rPr lang="en-US" altLang="zh-TW" dirty="0"/>
+              <a:t>https://github.com/pulipulichen/ir-practice-solr/archive/master.zip</a:t>
             </a:r>
             <a:endParaRPr lang="en-US" altLang="zh-TW" dirty="0" smtClean="0"/>
           </a:p>
@@ -8594,6 +11218,47 @@
           </a:extLst>
         </p:spPr>
       </p:pic>
+      <p:pic>
+        <p:nvPicPr>
+          <p:cNvPr id="3074" name="Picture 2" descr="QR code"/>
+          <p:cNvPicPr>
+            <a:picLocks noChangeAspect="1" noChangeArrowheads="1"/>
+          </p:cNvPicPr>
+          <p:nvPr/>
+        </p:nvPicPr>
+        <p:blipFill>
+          <a:blip r:embed="rId3">
+            <a:extLst>
+              <a:ext uri="{28A0092B-C50C-407E-A947-70E740481C1C}">
+                <a14:useLocalDpi xmlns:a14="http://schemas.microsoft.com/office/drawing/2010/main" val="0"/>
+              </a:ext>
+            </a:extLst>
+          </a:blip>
+          <a:srcRect/>
+          <a:stretch>
+            <a:fillRect/>
+          </a:stretch>
+        </p:blipFill>
+        <p:spPr bwMode="auto">
+          <a:xfrm>
+            <a:off x="7456862" y="2328052"/>
+            <a:ext cx="952500" cy="952500"/>
+          </a:xfrm>
+          <a:prstGeom prst="rect">
+            <a:avLst/>
+          </a:prstGeom>
+          <a:noFill/>
+          <a:extLst>
+            <a:ext uri="{909E8E84-426E-40DD-AFC4-6F175D3DCCD1}">
+              <a14:hiddenFill xmlns:a14="http://schemas.microsoft.com/office/drawing/2010/main">
+                <a:solidFill>
+                  <a:srgbClr val="FFFFFF"/>
+                </a:solidFill>
+              </a14:hiddenFill>
+            </a:ext>
+          </a:extLst>
+        </p:spPr>
+      </p:pic>
     </p:spTree>
     <p:extLst>
       <p:ext uri="{BB962C8B-B14F-4D97-AF65-F5344CB8AC3E}">
@@ -8604,6 +11269,13 @@
   <p:clrMapOvr>
     <a:masterClrMapping/>
   </p:clrMapOvr>
+  <p:timing>
+    <p:tnLst>
+      <p:par>
+        <p:cTn id="1" dur="indefinite" restart="never" nodeType="tmRoot"/>
+      </p:par>
+    </p:tnLst>
+  </p:timing>
 </p:sld>
 </file>
 
@@ -8806,6 +11478,47 @@
           </a:p>
         </p:txBody>
       </p:sp>
+      <p:pic>
+        <p:nvPicPr>
+          <p:cNvPr id="6146" name="Picture 2" descr="QR code"/>
+          <p:cNvPicPr>
+            <a:picLocks noChangeAspect="1" noChangeArrowheads="1"/>
+          </p:cNvPicPr>
+          <p:nvPr/>
+        </p:nvPicPr>
+        <p:blipFill>
+          <a:blip r:embed="rId2">
+            <a:extLst>
+              <a:ext uri="{28A0092B-C50C-407E-A947-70E740481C1C}">
+                <a14:useLocalDpi xmlns:a14="http://schemas.microsoft.com/office/drawing/2010/main" val="0"/>
+              </a:ext>
+            </a:extLst>
+          </a:blip>
+          <a:srcRect/>
+          <a:stretch>
+            <a:fillRect/>
+          </a:stretch>
+        </p:blipFill>
+        <p:spPr bwMode="auto">
+          <a:xfrm>
+            <a:off x="7441103" y="1908175"/>
+            <a:ext cx="952500" cy="952500"/>
+          </a:xfrm>
+          <a:prstGeom prst="rect">
+            <a:avLst/>
+          </a:prstGeom>
+          <a:noFill/>
+          <a:extLst>
+            <a:ext uri="{909E8E84-426E-40DD-AFC4-6F175D3DCCD1}">
+              <a14:hiddenFill xmlns:a14="http://schemas.microsoft.com/office/drawing/2010/main">
+                <a:solidFill>
+                  <a:srgbClr val="FFFFFF"/>
+                </a:solidFill>
+              </a14:hiddenFill>
+            </a:ext>
+          </a:extLst>
+        </p:spPr>
+      </p:pic>
     </p:spTree>
     <p:extLst>
       <p:ext uri="{BB962C8B-B14F-4D97-AF65-F5344CB8AC3E}">
@@ -8816,6 +11529,13 @@
   <p:clrMapOvr>
     <a:masterClrMapping/>
   </p:clrMapOvr>
+  <p:timing>
+    <p:tnLst>
+      <p:par>
+        <p:cTn id="1" dur="indefinite" restart="never" nodeType="tmRoot"/>
+      </p:par>
+    </p:tnLst>
+  </p:timing>
 </p:sld>
 </file>
 
@@ -9592,6 +12312,13 @@
   <p:clrMapOvr>
     <a:masterClrMapping/>
   </p:clrMapOvr>
+  <p:timing>
+    <p:tnLst>
+      <p:par>
+        <p:cTn id="1" dur="indefinite" restart="never" nodeType="tmRoot"/>
+      </p:par>
+    </p:tnLst>
+  </p:timing>
 </p:sld>
 </file>
 
@@ -9876,4 +12603,265 @@
     </a:ext>
   </a:extLst>
 </a:theme>
+</file>
+
+<file path=ppt/theme/theme2.xml><?xml version="1.0" encoding="utf-8"?>
+<a:theme xmlns:a="http://schemas.openxmlformats.org/drawingml/2006/main" name="Office 佈景主題">
+  <a:themeElements>
+    <a:clrScheme name="Office">
+      <a:dk1>
+        <a:sysClr val="windowText" lastClr="000000"/>
+      </a:dk1>
+      <a:lt1>
+        <a:sysClr val="window" lastClr="FFFFFF"/>
+      </a:lt1>
+      <a:dk2>
+        <a:srgbClr val="44546A"/>
+      </a:dk2>
+      <a:lt2>
+        <a:srgbClr val="E7E6E6"/>
+      </a:lt2>
+      <a:accent1>
+        <a:srgbClr val="5B9BD5"/>
+      </a:accent1>
+      <a:accent2>
+        <a:srgbClr val="ED7D31"/>
+      </a:accent2>
+      <a:accent3>
+        <a:srgbClr val="A5A5A5"/>
+      </a:accent3>
+      <a:accent4>
+        <a:srgbClr val="FFC000"/>
+      </a:accent4>
+      <a:accent5>
+        <a:srgbClr val="4472C4"/>
+      </a:accent5>
+      <a:accent6>
+        <a:srgbClr val="70AD47"/>
+      </a:accent6>
+      <a:hlink>
+        <a:srgbClr val="0563C1"/>
+      </a:hlink>
+      <a:folHlink>
+        <a:srgbClr val="954F72"/>
+      </a:folHlink>
+    </a:clrScheme>
+    <a:fontScheme name="Office">
+      <a:majorFont>
+        <a:latin typeface="Calibri Light" panose="020F0302020204030204"/>
+        <a:ea typeface=""/>
+        <a:cs typeface=""/>
+        <a:font script="Jpan" typeface="ＭＳ Ｐゴシック"/>
+        <a:font script="Hang" typeface="맑은 고딕"/>
+        <a:font script="Hans" typeface="宋体"/>
+        <a:font script="Hant" typeface="新細明體"/>
+        <a:font script="Arab" typeface="Times New Roman"/>
+        <a:font script="Hebr" typeface="Times New Roman"/>
+        <a:font script="Thai" typeface="Angsana New"/>
+        <a:font script="Ethi" typeface="Nyala"/>
+        <a:font script="Beng" typeface="Vrinda"/>
+        <a:font script="Gujr" typeface="Shruti"/>
+        <a:font script="Khmr" typeface="MoolBoran"/>
+        <a:font script="Knda" typeface="Tunga"/>
+        <a:font script="Guru" typeface="Raavi"/>
+        <a:font script="Cans" typeface="Euphemia"/>
+        <a:font script="Cher" typeface="Plantagenet Cherokee"/>
+        <a:font script="Yiii" typeface="Microsoft Yi Baiti"/>
+        <a:font script="Tibt" typeface="Microsoft Himalaya"/>
+        <a:font script="Thaa" typeface="MV Boli"/>
+        <a:font script="Deva" typeface="Mangal"/>
+        <a:font script="Telu" typeface="Gautami"/>
+        <a:font script="Taml" typeface="Latha"/>
+        <a:font script="Syrc" typeface="Estrangelo Edessa"/>
+        <a:font script="Orya" typeface="Kalinga"/>
+        <a:font script="Mlym" typeface="Kartika"/>
+        <a:font script="Laoo" typeface="DokChampa"/>
+        <a:font script="Sinh" typeface="Iskoola Pota"/>
+        <a:font script="Mong" typeface="Mongolian Baiti"/>
+        <a:font script="Viet" typeface="Times New Roman"/>
+        <a:font script="Uigh" typeface="Microsoft Uighur"/>
+        <a:font script="Geor" typeface="Sylfaen"/>
+      </a:majorFont>
+      <a:minorFont>
+        <a:latin typeface="Calibri" panose="020F0502020204030204"/>
+        <a:ea typeface=""/>
+        <a:cs typeface=""/>
+        <a:font script="Jpan" typeface="ＭＳ Ｐゴシック"/>
+        <a:font script="Hang" typeface="맑은 고딕"/>
+        <a:font script="Hans" typeface="宋体"/>
+        <a:font script="Hant" typeface="新細明體"/>
+        <a:font script="Arab" typeface="Arial"/>
+        <a:font script="Hebr" typeface="Arial"/>
+        <a:font script="Thai" typeface="Cordia New"/>
+        <a:font script="Ethi" typeface="Nyala"/>
+        <a:font script="Beng" typeface="Vrinda"/>
+        <a:font script="Gujr" typeface="Shruti"/>
+        <a:font script="Khmr" typeface="DaunPenh"/>
+        <a:font script="Knda" typeface="Tunga"/>
+        <a:font script="Guru" typeface="Raavi"/>
+        <a:font script="Cans" typeface="Euphemia"/>
+        <a:font script="Cher" typeface="Plantagenet Cherokee"/>
+        <a:font script="Yiii" typeface="Microsoft Yi Baiti"/>
+        <a:font script="Tibt" typeface="Microsoft Himalaya"/>
+        <a:font script="Thaa" typeface="MV Boli"/>
+        <a:font script="Deva" typeface="Mangal"/>
+        <a:font script="Telu" typeface="Gautami"/>
+        <a:font script="Taml" typeface="Latha"/>
+        <a:font script="Syrc" typeface="Estrangelo Edessa"/>
+        <a:font script="Orya" typeface="Kalinga"/>
+        <a:font script="Mlym" typeface="Kartika"/>
+        <a:font script="Laoo" typeface="DokChampa"/>
+        <a:font script="Sinh" typeface="Iskoola Pota"/>
+        <a:font script="Mong" typeface="Mongolian Baiti"/>
+        <a:font script="Viet" typeface="Arial"/>
+        <a:font script="Uigh" typeface="Microsoft Uighur"/>
+        <a:font script="Geor" typeface="Sylfaen"/>
+      </a:minorFont>
+    </a:fontScheme>
+    <a:fmtScheme name="Office">
+      <a:fillStyleLst>
+        <a:solidFill>
+          <a:schemeClr val="phClr"/>
+        </a:solidFill>
+        <a:gradFill rotWithShape="1">
+          <a:gsLst>
+            <a:gs pos="0">
+              <a:schemeClr val="phClr">
+                <a:lumMod val="110000"/>
+                <a:satMod val="105000"/>
+                <a:tint val="67000"/>
+              </a:schemeClr>
+            </a:gs>
+            <a:gs pos="50000">
+              <a:schemeClr val="phClr">
+                <a:lumMod val="105000"/>
+                <a:satMod val="103000"/>
+                <a:tint val="73000"/>
+              </a:schemeClr>
+            </a:gs>
+            <a:gs pos="100000">
+              <a:schemeClr val="phClr">
+                <a:lumMod val="105000"/>
+                <a:satMod val="109000"/>
+                <a:tint val="81000"/>
+              </a:schemeClr>
+            </a:gs>
+          </a:gsLst>
+          <a:lin ang="5400000" scaled="0"/>
+        </a:gradFill>
+        <a:gradFill rotWithShape="1">
+          <a:gsLst>
+            <a:gs pos="0">
+              <a:schemeClr val="phClr">
+                <a:satMod val="103000"/>
+                <a:lumMod val="102000"/>
+                <a:tint val="94000"/>
+              </a:schemeClr>
+            </a:gs>
+            <a:gs pos="50000">
+              <a:schemeClr val="phClr">
+                <a:satMod val="110000"/>
+                <a:lumMod val="100000"/>
+                <a:shade val="100000"/>
+              </a:schemeClr>
+            </a:gs>
+            <a:gs pos="100000">
+              <a:schemeClr val="phClr">
+                <a:lumMod val="99000"/>
+                <a:satMod val="120000"/>
+                <a:shade val="78000"/>
+              </a:schemeClr>
+            </a:gs>
+          </a:gsLst>
+          <a:lin ang="5400000" scaled="0"/>
+        </a:gradFill>
+      </a:fillStyleLst>
+      <a:lnStyleLst>
+        <a:ln w="6350" cap="flat" cmpd="sng" algn="ctr">
+          <a:solidFill>
+            <a:schemeClr val="phClr"/>
+          </a:solidFill>
+          <a:prstDash val="solid"/>
+          <a:miter lim="800000"/>
+        </a:ln>
+        <a:ln w="12700" cap="flat" cmpd="sng" algn="ctr">
+          <a:solidFill>
+            <a:schemeClr val="phClr"/>
+          </a:solidFill>
+          <a:prstDash val="solid"/>
+          <a:miter lim="800000"/>
+        </a:ln>
+        <a:ln w="19050" cap="flat" cmpd="sng" algn="ctr">
+          <a:solidFill>
+            <a:schemeClr val="phClr"/>
+          </a:solidFill>
+          <a:prstDash val="solid"/>
+          <a:miter lim="800000"/>
+        </a:ln>
+      </a:lnStyleLst>
+      <a:effectStyleLst>
+        <a:effectStyle>
+          <a:effectLst/>
+        </a:effectStyle>
+        <a:effectStyle>
+          <a:effectLst/>
+        </a:effectStyle>
+        <a:effectStyle>
+          <a:effectLst>
+            <a:outerShdw blurRad="57150" dist="19050" dir="5400000" algn="ctr" rotWithShape="0">
+              <a:srgbClr val="000000">
+                <a:alpha val="63000"/>
+              </a:srgbClr>
+            </a:outerShdw>
+          </a:effectLst>
+        </a:effectStyle>
+      </a:effectStyleLst>
+      <a:bgFillStyleLst>
+        <a:solidFill>
+          <a:schemeClr val="phClr"/>
+        </a:solidFill>
+        <a:solidFill>
+          <a:schemeClr val="phClr">
+            <a:tint val="95000"/>
+            <a:satMod val="170000"/>
+          </a:schemeClr>
+        </a:solidFill>
+        <a:gradFill rotWithShape="1">
+          <a:gsLst>
+            <a:gs pos="0">
+              <a:schemeClr val="phClr">
+                <a:tint val="93000"/>
+                <a:satMod val="150000"/>
+                <a:shade val="98000"/>
+                <a:lumMod val="102000"/>
+              </a:schemeClr>
+            </a:gs>
+            <a:gs pos="50000">
+              <a:schemeClr val="phClr">
+                <a:tint val="98000"/>
+                <a:satMod val="130000"/>
+                <a:shade val="90000"/>
+                <a:lumMod val="103000"/>
+              </a:schemeClr>
+            </a:gs>
+            <a:gs pos="100000">
+              <a:schemeClr val="phClr">
+                <a:shade val="63000"/>
+                <a:satMod val="120000"/>
+              </a:schemeClr>
+            </a:gs>
+          </a:gsLst>
+          <a:lin ang="5400000" scaled="0"/>
+        </a:gradFill>
+      </a:bgFillStyleLst>
+    </a:fmtScheme>
+  </a:themeElements>
+  <a:objectDefaults/>
+  <a:extraClrSchemeLst/>
+  <a:extLst>
+    <a:ext uri="{05A4C25C-085E-4340-85A3-A5531E510DB2}">
+      <thm15:themeFamily xmlns:thm15="http://schemas.microsoft.com/office/thememl/2012/main" name="Office Theme" id="{62F939B6-93AF-4DB8-9C6B-D6C7DFDC589F}" vid="{4A3C46E8-61CC-4603-A589-7422A47A8E4A}"/>
+    </a:ext>
+  </a:extLst>
+</a:theme>
 </file>
--- a/Apache Solr教學介紹.pptx
+++ b/Apache Solr教學介紹.pptx
@@ -45,14 +45,14 @@
     <p:sldId id="314" r:id="rId36"/>
     <p:sldId id="275" r:id="rId37"/>
     <p:sldId id="299" r:id="rId38"/>
-    <p:sldId id="305" r:id="rId39"/>
-    <p:sldId id="306" r:id="rId40"/>
-    <p:sldId id="316" r:id="rId41"/>
-    <p:sldId id="343" r:id="rId42"/>
-    <p:sldId id="346" r:id="rId43"/>
-    <p:sldId id="303" r:id="rId44"/>
-    <p:sldId id="344" r:id="rId45"/>
-    <p:sldId id="304" r:id="rId46"/>
+    <p:sldId id="303" r:id="rId39"/>
+    <p:sldId id="344" r:id="rId40"/>
+    <p:sldId id="304" r:id="rId41"/>
+    <p:sldId id="346" r:id="rId42"/>
+    <p:sldId id="305" r:id="rId43"/>
+    <p:sldId id="306" r:id="rId44"/>
+    <p:sldId id="316" r:id="rId45"/>
+    <p:sldId id="343" r:id="rId46"/>
     <p:sldId id="307" r:id="rId47"/>
     <p:sldId id="271" r:id="rId48"/>
     <p:sldId id="315" r:id="rId49"/>
@@ -1730,7 +1730,7 @@
           <a:p>
             <a:fld id="{E3316D5A-C5B1-4E60-9EF0-58EE0751611D}" type="slidenum">
               <a:rPr lang="zh-TW" altLang="en-US" smtClean="0"/>
-              <a:t>43</a:t>
+              <a:t>38</a:t>
             </a:fld>
             <a:endParaRPr lang="zh-TW" altLang="en-US"/>
           </a:p>
@@ -1814,7 +1814,7 @@
           <a:p>
             <a:fld id="{E3316D5A-C5B1-4E60-9EF0-58EE0751611D}" type="slidenum">
               <a:rPr lang="zh-TW" altLang="en-US" smtClean="0"/>
-              <a:t>45</a:t>
+              <a:t>40</a:t>
             </a:fld>
             <a:endParaRPr lang="zh-TW" altLang="en-US"/>
           </a:p>
@@ -7079,6 +7079,291 @@
           </a:p>
         </p:txBody>
       </p:sp>
+      <p:grpSp>
+        <p:nvGrpSpPr>
+          <p:cNvPr id="6" name="群組 5"/>
+          <p:cNvGrpSpPr/>
+          <p:nvPr/>
+        </p:nvGrpSpPr>
+        <p:grpSpPr>
+          <a:xfrm>
+            <a:off x="5981700" y="4726773"/>
+            <a:ext cx="1748444" cy="1219201"/>
+            <a:chOff x="6896100" y="476293"/>
+            <a:chExt cx="1748444" cy="1219201"/>
+          </a:xfrm>
+        </p:grpSpPr>
+        <p:sp>
+          <p:nvSpPr>
+            <p:cNvPr id="7" name="圓角矩形 6"/>
+            <p:cNvSpPr/>
+            <p:nvPr/>
+          </p:nvSpPr>
+          <p:spPr>
+            <a:xfrm>
+              <a:off x="6896100" y="929639"/>
+              <a:ext cx="1021253" cy="493467"/>
+            </a:xfrm>
+            <a:prstGeom prst="roundRect">
+              <a:avLst/>
+            </a:prstGeom>
+            <a:ln/>
+          </p:spPr>
+          <p:style>
+            <a:lnRef idx="0">
+              <a:schemeClr val="accent1"/>
+            </a:lnRef>
+            <a:fillRef idx="3">
+              <a:schemeClr val="accent1"/>
+            </a:fillRef>
+            <a:effectRef idx="3">
+              <a:schemeClr val="accent1"/>
+            </a:effectRef>
+            <a:fontRef idx="minor">
+              <a:schemeClr val="lt1"/>
+            </a:fontRef>
+          </p:style>
+          <p:txBody>
+            <a:bodyPr rot="0" spcFirstLastPara="0" vertOverflow="overflow" horzOverflow="overflow" vert="horz" wrap="square" lIns="91440" tIns="45720" rIns="91440" bIns="45720" numCol="1" spcCol="0" rtlCol="0" fromWordArt="0" anchor="ctr" anchorCtr="0" forceAA="0" compatLnSpc="1">
+              <a:prstTxWarp prst="textNoShape">
+                <a:avLst/>
+              </a:prstTxWarp>
+              <a:noAutofit/>
+            </a:bodyPr>
+            <a:lstStyle/>
+            <a:p>
+              <a:r>
+                <a:rPr lang="zh-TW" altLang="en-US" sz="1800" b="1" dirty="0" smtClean="0"/>
+                <a:t>實作</a:t>
+              </a:r>
+              <a:r>
+                <a:rPr lang="en-US" altLang="zh-TW" sz="1800" b="1" dirty="0" smtClean="0"/>
+                <a:t>!</a:t>
+              </a:r>
+              <a:endParaRPr lang="zh-TW" altLang="en-US" sz="1800" b="1" dirty="0"/>
+            </a:p>
+          </p:txBody>
+        </p:sp>
+        <p:pic>
+          <p:nvPicPr>
+            <p:cNvPr id="8" name="Picture 2" descr="man,black,account,male,person,people,profile,human,member,user"/>
+            <p:cNvPicPr>
+              <a:picLocks noChangeAspect="1" noChangeArrowheads="1"/>
+            </p:cNvPicPr>
+            <p:nvPr/>
+          </p:nvPicPr>
+          <p:blipFill>
+            <a:blip r:embed="rId4">
+              <a:extLst>
+                <a:ext uri="{28A0092B-C50C-407E-A947-70E740481C1C}">
+                  <a14:useLocalDpi xmlns:a14="http://schemas.microsoft.com/office/drawing/2010/main" val="0"/>
+                </a:ext>
+              </a:extLst>
+            </a:blip>
+            <a:srcRect/>
+            <a:stretch>
+              <a:fillRect/>
+            </a:stretch>
+          </p:blipFill>
+          <p:spPr bwMode="auto">
+            <a:xfrm>
+              <a:off x="7425344" y="476293"/>
+              <a:ext cx="1219200" cy="1219201"/>
+            </a:xfrm>
+            <a:prstGeom prst="rect">
+              <a:avLst/>
+            </a:prstGeom>
+            <a:noFill/>
+            <a:extLst>
+              <a:ext uri="{909E8E84-426E-40DD-AFC4-6F175D3DCCD1}">
+                <a14:hiddenFill xmlns:a14="http://schemas.microsoft.com/office/drawing/2010/main">
+                  <a:solidFill>
+                    <a:srgbClr val="FFFFFF"/>
+                  </a:solidFill>
+                </a14:hiddenFill>
+              </a:ext>
+            </a:extLst>
+          </p:spPr>
+        </p:pic>
+      </p:grpSp>
+      <p:sp>
+        <p:nvSpPr>
+          <p:cNvPr id="10" name="文字方塊 9"/>
+          <p:cNvSpPr txBox="1"/>
+          <p:nvPr/>
+        </p:nvSpPr>
+        <p:spPr>
+          <a:xfrm>
+            <a:off x="4782393" y="5945974"/>
+            <a:ext cx="2947751" cy="369332"/>
+          </a:xfrm>
+          <a:prstGeom prst="rect">
+            <a:avLst/>
+          </a:prstGeom>
+          <a:noFill/>
+        </p:spPr>
+        <p:txBody>
+          <a:bodyPr wrap="square" rtlCol="0">
+            <a:spAutoFit/>
+          </a:bodyPr>
+          <a:lstStyle/>
+          <a:p>
+            <a:pPr algn="r"/>
+            <a:r>
+              <a:rPr lang="zh-TW" altLang="en-US" sz="1800" dirty="0" smtClean="0"/>
+              <a:t>這個步驟將在課堂實作！</a:t>
+            </a:r>
+            <a:endParaRPr lang="zh-TW" altLang="en-US" sz="1800" dirty="0" smtClean="0"/>
+          </a:p>
+        </p:txBody>
+      </p:sp>
+      <p:grpSp>
+        <p:nvGrpSpPr>
+          <p:cNvPr id="11" name="群組 10"/>
+          <p:cNvGrpSpPr/>
+          <p:nvPr/>
+        </p:nvGrpSpPr>
+        <p:grpSpPr>
+          <a:xfrm>
+            <a:off x="1536699" y="4726773"/>
+            <a:ext cx="1513264" cy="900897"/>
+            <a:chOff x="6896099" y="2328052"/>
+            <a:chExt cx="1513264" cy="900897"/>
+          </a:xfrm>
+        </p:grpSpPr>
+        <p:sp>
+          <p:nvSpPr>
+            <p:cNvPr id="12" name="圓角矩形 11"/>
+            <p:cNvSpPr/>
+            <p:nvPr/>
+          </p:nvSpPr>
+          <p:spPr>
+            <a:xfrm>
+              <a:off x="6896099" y="2531766"/>
+              <a:ext cx="1021253" cy="493467"/>
+            </a:xfrm>
+            <a:prstGeom prst="roundRect">
+              <a:avLst/>
+            </a:prstGeom>
+            <a:solidFill>
+              <a:schemeClr val="bg2">
+                <a:lumMod val="50000"/>
+              </a:schemeClr>
+            </a:solidFill>
+            <a:ln/>
+          </p:spPr>
+          <p:style>
+            <a:lnRef idx="0">
+              <a:schemeClr val="accent1"/>
+            </a:lnRef>
+            <a:fillRef idx="3">
+              <a:schemeClr val="accent1"/>
+            </a:fillRef>
+            <a:effectRef idx="3">
+              <a:schemeClr val="accent1"/>
+            </a:effectRef>
+            <a:fontRef idx="minor">
+              <a:schemeClr val="lt1"/>
+            </a:fontRef>
+          </p:style>
+          <p:txBody>
+            <a:bodyPr rot="0" spcFirstLastPara="0" vertOverflow="overflow" horzOverflow="overflow" vert="horz" wrap="square" lIns="91440" tIns="45720" rIns="91440" bIns="45720" numCol="1" spcCol="0" rtlCol="0" fromWordArt="0" anchor="ctr" anchorCtr="0" forceAA="0" compatLnSpc="1">
+              <a:prstTxWarp prst="textNoShape">
+                <a:avLst/>
+              </a:prstTxWarp>
+              <a:noAutofit/>
+            </a:bodyPr>
+            <a:lstStyle/>
+            <a:p>
+              <a:r>
+                <a:rPr lang="en-US" altLang="zh-TW" sz="1800" b="1" dirty="0" smtClean="0"/>
+                <a:t>BAT</a:t>
+              </a:r>
+              <a:endParaRPr lang="zh-TW" altLang="en-US" sz="1800" b="1" dirty="0"/>
+            </a:p>
+          </p:txBody>
+        </p:sp>
+        <p:pic>
+          <p:nvPicPr>
+            <p:cNvPr id="13" name="Picture 2" descr="bat"/>
+            <p:cNvPicPr>
+              <a:picLocks noChangeAspect="1" noChangeArrowheads="1"/>
+            </p:cNvPicPr>
+            <p:nvPr/>
+          </p:nvPicPr>
+          <p:blipFill>
+            <a:blip r:embed="rId5">
+              <a:extLst>
+                <a:ext uri="{28A0092B-C50C-407E-A947-70E740481C1C}">
+                  <a14:useLocalDpi xmlns:a14="http://schemas.microsoft.com/office/drawing/2010/main" val="0"/>
+                </a:ext>
+              </a:extLst>
+            </a:blip>
+            <a:srcRect/>
+            <a:stretch>
+              <a:fillRect/>
+            </a:stretch>
+          </p:blipFill>
+          <p:spPr bwMode="auto">
+            <a:xfrm>
+              <a:off x="7508467" y="2328052"/>
+              <a:ext cx="900896" cy="900897"/>
+            </a:xfrm>
+            <a:prstGeom prst="rect">
+              <a:avLst/>
+            </a:prstGeom>
+            <a:noFill/>
+            <a:extLst>
+              <a:ext uri="{909E8E84-426E-40DD-AFC4-6F175D3DCCD1}">
+                <a14:hiddenFill xmlns:a14="http://schemas.microsoft.com/office/drawing/2010/main">
+                  <a:solidFill>
+                    <a:srgbClr val="FFFFFF"/>
+                  </a:solidFill>
+                </a14:hiddenFill>
+              </a:ext>
+            </a:extLst>
+          </p:spPr>
+        </p:pic>
+      </p:grpSp>
+      <p:sp>
+        <p:nvSpPr>
+          <p:cNvPr id="14" name="文字方塊 13"/>
+          <p:cNvSpPr txBox="1"/>
+          <p:nvPr/>
+        </p:nvSpPr>
+        <p:spPr>
+          <a:xfrm>
+            <a:off x="337393" y="5592389"/>
+            <a:ext cx="2947751" cy="646331"/>
+          </a:xfrm>
+          <a:prstGeom prst="rect">
+            <a:avLst/>
+          </a:prstGeom>
+          <a:noFill/>
+        </p:spPr>
+        <p:txBody>
+          <a:bodyPr wrap="square" rtlCol="0">
+            <a:spAutoFit/>
+          </a:bodyPr>
+          <a:lstStyle/>
+          <a:p>
+            <a:pPr algn="r"/>
+            <a:r>
+              <a:rPr lang="zh-TW" altLang="en-US" sz="1800" dirty="0" smtClean="0"/>
+              <a:t>這個鏈結是批次檔！</a:t>
+            </a:r>
+            <a:endParaRPr lang="en-US" altLang="zh-TW" sz="1800" dirty="0" smtClean="0"/>
+          </a:p>
+          <a:p>
+            <a:pPr algn="r"/>
+            <a:r>
+              <a:rPr lang="zh-TW" altLang="en-US" sz="1800" dirty="0" smtClean="0"/>
+              <a:t>點兩下執行即可</a:t>
+            </a:r>
+            <a:endParaRPr lang="zh-TW" altLang="en-US" sz="1800" dirty="0" smtClean="0"/>
+          </a:p>
+        </p:txBody>
+      </p:sp>
     </p:spTree>
     <p:extLst>
       <p:ext uri="{BB962C8B-B14F-4D97-AF65-F5344CB8AC3E}">
@@ -8436,20 +8721,12 @@
           <a:p>
             <a:pPr algn="ctr"/>
             <a:r>
-              <a:rPr lang="zh-TW" altLang="en-US" sz="1800" smtClean="0">
+              <a:rPr lang="zh-TW" altLang="en-US" sz="1800" dirty="0" smtClean="0">
                 <a:solidFill>
                   <a:srgbClr val="C00000"/>
                 </a:solidFill>
               </a:rPr>
-              <a:t>的時候了</a:t>
-            </a:r>
-            <a:r>
-              <a:rPr lang="zh-TW" altLang="en-US" sz="1800" dirty="0" smtClean="0">
-                <a:solidFill>
-                  <a:srgbClr val="C00000"/>
-                </a:solidFill>
-              </a:rPr>
-              <a:t>！</a:t>
+              <a:t>的時候了！</a:t>
             </a:r>
             <a:endParaRPr lang="zh-TW" altLang="en-US" sz="1800" dirty="0" smtClean="0">
               <a:solidFill>
@@ -9152,25 +9429,32 @@
           </a:p>
         </p:txBody>
       </p:sp>
-      <p:sp>
-        <p:nvSpPr>
-          <p:cNvPr id="8" name="內容版面配置區 7"/>
-          <p:cNvSpPr>
-            <a:spLocks noGrp="1"/>
-          </p:cNvSpPr>
+      <p:pic>
+        <p:nvPicPr>
+          <p:cNvPr id="13" name="內容版面配置區 12"/>
+          <p:cNvPicPr>
+            <a:picLocks noGrp="1" noChangeAspect="1"/>
+          </p:cNvPicPr>
           <p:nvPr>
             <p:ph sz="half" idx="2"/>
           </p:nvPr>
-        </p:nvSpPr>
-        <p:spPr/>
-        <p:txBody>
-          <a:bodyPr/>
-          <a:lstStyle/>
-          <a:p>
-            <a:endParaRPr lang="zh-TW" altLang="en-US"/>
-          </a:p>
-        </p:txBody>
-      </p:sp>
+        </p:nvPicPr>
+        <p:blipFill>
+          <a:blip r:embed="rId2"/>
+          <a:stretch>
+            <a:fillRect/>
+          </a:stretch>
+        </p:blipFill>
+        <p:spPr>
+          <a:xfrm>
+            <a:off x="4664075" y="2013431"/>
+            <a:ext cx="3702050" cy="3688389"/>
+          </a:xfrm>
+          <a:prstGeom prst="rect">
+            <a:avLst/>
+          </a:prstGeom>
+        </p:spPr>
+      </p:pic>
       <p:sp>
         <p:nvSpPr>
           <p:cNvPr id="4" name="投影片編號版面配置區 3"/>
@@ -9214,68 +9498,6 @@
               <a:t>STEP 1-4</a:t>
             </a:r>
             <a:endParaRPr lang="zh-TW" altLang="en-US" dirty="0"/>
-          </a:p>
-        </p:txBody>
-      </p:sp>
-      <p:sp>
-        <p:nvSpPr>
-          <p:cNvPr id="6" name="禁止標誌 5"/>
-          <p:cNvSpPr/>
-          <p:nvPr/>
-        </p:nvSpPr>
-        <p:spPr>
-          <a:xfrm>
-            <a:off x="6225702" y="797668"/>
-            <a:ext cx="2675107" cy="2315183"/>
-          </a:xfrm>
-          <a:prstGeom prst="noSmoking">
-            <a:avLst/>
-          </a:prstGeom>
-          <a:noFill/>
-          <a:ln w="38100">
-            <a:solidFill>
-              <a:srgbClr val="FF0000"/>
-            </a:solidFill>
-          </a:ln>
-          <a:effectLst>
-            <a:outerShdw blurRad="50800" dist="38100" dir="2700000" algn="tl" rotWithShape="0">
-              <a:prstClr val="black">
-                <a:alpha val="40000"/>
-              </a:prstClr>
-            </a:outerShdw>
-          </a:effectLst>
-        </p:spPr>
-        <p:style>
-          <a:lnRef idx="2">
-            <a:schemeClr val="accent1">
-              <a:shade val="50000"/>
-            </a:schemeClr>
-          </a:lnRef>
-          <a:fillRef idx="1">
-            <a:schemeClr val="accent1"/>
-          </a:fillRef>
-          <a:effectRef idx="0">
-            <a:schemeClr val="accent1"/>
-          </a:effectRef>
-          <a:fontRef idx="minor">
-            <a:schemeClr val="lt1"/>
-          </a:fontRef>
-        </p:style>
-        <p:txBody>
-          <a:bodyPr rot="0" spcFirstLastPara="0" vertOverflow="overflow" horzOverflow="overflow" vert="horz" wrap="square" lIns="91440" tIns="45720" rIns="91440" bIns="45720" numCol="1" spcCol="0" rtlCol="0" fromWordArt="0" anchor="ctr" anchorCtr="0" forceAA="0" compatLnSpc="1">
-            <a:prstTxWarp prst="textNoShape">
-              <a:avLst/>
-            </a:prstTxWarp>
-            <a:noAutofit/>
-          </a:bodyPr>
-          <a:lstStyle/>
-          <a:p>
-            <a:pPr algn="ctr"/>
-            <a:endParaRPr lang="zh-TW" altLang="en-US" sz="1800">
-              <a:solidFill>
-                <a:schemeClr val="tx1"/>
-              </a:solidFill>
-            </a:endParaRPr>
           </a:p>
         </p:txBody>
       </p:sp>
@@ -9290,7 +9512,7 @@
           </p:nvPr>
         </p:nvPicPr>
         <p:blipFill>
-          <a:blip r:embed="rId2"/>
+          <a:blip r:embed="rId3"/>
           <a:stretch>
             <a:fillRect/>
           </a:stretch>
@@ -9431,6 +9653,64 @@
           </a:p>
         </p:txBody>
       </p:sp>
+      <p:sp>
+        <p:nvSpPr>
+          <p:cNvPr id="14" name="圓角矩形 13"/>
+          <p:cNvSpPr/>
+          <p:nvPr/>
+        </p:nvSpPr>
+        <p:spPr>
+          <a:xfrm>
+            <a:off x="6410529" y="4346243"/>
+            <a:ext cx="661479" cy="896966"/>
+          </a:xfrm>
+          <a:prstGeom prst="roundRect">
+            <a:avLst/>
+          </a:prstGeom>
+          <a:noFill/>
+          <a:ln w="38100">
+            <a:solidFill>
+              <a:srgbClr val="FF0000"/>
+            </a:solidFill>
+          </a:ln>
+          <a:effectLst>
+            <a:outerShdw blurRad="50800" dist="38100" dir="2700000" algn="tl" rotWithShape="0">
+              <a:prstClr val="black">
+                <a:alpha val="40000"/>
+              </a:prstClr>
+            </a:outerShdw>
+          </a:effectLst>
+        </p:spPr>
+        <p:style>
+          <a:lnRef idx="2">
+            <a:schemeClr val="accent1">
+              <a:shade val="50000"/>
+            </a:schemeClr>
+          </a:lnRef>
+          <a:fillRef idx="1">
+            <a:schemeClr val="accent1"/>
+          </a:fillRef>
+          <a:effectRef idx="0">
+            <a:schemeClr val="accent1"/>
+          </a:effectRef>
+          <a:fontRef idx="minor">
+            <a:schemeClr val="lt1"/>
+          </a:fontRef>
+        </p:style>
+        <p:txBody>
+          <a:bodyPr rot="0" spcFirstLastPara="0" vertOverflow="overflow" horzOverflow="overflow" vert="horz" wrap="square" lIns="91440" tIns="45720" rIns="91440" bIns="45720" numCol="1" spcCol="0" rtlCol="0" fromWordArt="0" anchor="ctr" anchorCtr="0" forceAA="0" compatLnSpc="1">
+            <a:prstTxWarp prst="textNoShape">
+              <a:avLst/>
+            </a:prstTxWarp>
+            <a:noAutofit/>
+          </a:bodyPr>
+          <a:lstStyle/>
+          <a:p>
+            <a:pPr algn="ctr"/>
+            <a:endParaRPr lang="zh-TW" altLang="en-US"/>
+          </a:p>
+        </p:txBody>
+      </p:sp>
     </p:spTree>
     <p:extLst>
       <p:ext uri="{BB962C8B-B14F-4D97-AF65-F5344CB8AC3E}">
@@ -9549,7 +9829,11 @@
           <a:p>
             <a:r>
               <a:rPr lang="en-US" altLang="zh-TW" dirty="0" smtClean="0"/>
-              <a:t>1-2. </a:t>
+              <a:t>1-2</a:t>
+            </a:r>
+            <a:r>
+              <a:rPr lang="en-US" altLang="zh-TW" dirty="0" smtClean="0"/>
+              <a:t>. </a:t>
             </a:r>
             <a:r>
               <a:rPr lang="zh-TW" altLang="en-US" dirty="0"/>
@@ -9563,14 +9847,24 @@
           <a:p>
             <a:pPr lvl="1"/>
             <a:r>
-              <a:rPr lang="en-US" altLang="zh-TW" u="sng" dirty="0">
+              <a:rPr lang="en-US" altLang="zh-TW" u="sng" dirty="0" smtClean="0">
                 <a:solidFill>
                   <a:schemeClr val="bg2">
                     <a:lumMod val="50000"/>
                   </a:schemeClr>
                 </a:solidFill>
               </a:rPr>
-              <a:t>[Solr</a:t>
+              <a:t>[</a:t>
+            </a:r>
+            <a:r>
+              <a:rPr lang="en-US" altLang="zh-TW" u="sng" dirty="0" err="1" smtClean="0">
+                <a:solidFill>
+                  <a:schemeClr val="bg2">
+                    <a:lumMod val="50000"/>
+                  </a:schemeClr>
+                </a:solidFill>
+              </a:rPr>
+              <a:t>solr</a:t>
             </a:r>
             <a:r>
               <a:rPr lang="en-US" altLang="zh-TW" u="sng" dirty="0" smtClean="0">
@@ -9882,6 +10176,53 @@
       </p:grpSpPr>
       <p:sp>
         <p:nvSpPr>
+          <p:cNvPr id="2" name="圓角矩形 1"/>
+          <p:cNvSpPr/>
+          <p:nvPr/>
+        </p:nvSpPr>
+        <p:spPr>
+          <a:xfrm>
+            <a:off x="5016500" y="940788"/>
+            <a:ext cx="2641600" cy="507012"/>
+          </a:xfrm>
+          <a:prstGeom prst="roundRect">
+            <a:avLst/>
+          </a:prstGeom>
+          <a:ln/>
+        </p:spPr>
+        <p:style>
+          <a:lnRef idx="1">
+            <a:schemeClr val="accent1"/>
+          </a:lnRef>
+          <a:fillRef idx="3">
+            <a:schemeClr val="accent1"/>
+          </a:fillRef>
+          <a:effectRef idx="2">
+            <a:schemeClr val="accent1"/>
+          </a:effectRef>
+          <a:fontRef idx="minor">
+            <a:schemeClr val="lt1"/>
+          </a:fontRef>
+        </p:style>
+        <p:txBody>
+          <a:bodyPr rot="0" spcFirstLastPara="0" vertOverflow="overflow" horzOverflow="overflow" vert="horz" wrap="square" lIns="91440" tIns="45720" rIns="91440" bIns="45720" numCol="1" spcCol="0" rtlCol="0" fromWordArt="0" anchor="ctr" anchorCtr="0" forceAA="0" compatLnSpc="1">
+            <a:prstTxWarp prst="textNoShape">
+              <a:avLst/>
+            </a:prstTxWarp>
+            <a:noAutofit/>
+          </a:bodyPr>
+          <a:lstStyle/>
+          <a:p>
+            <a:r>
+              <a:rPr lang="zh-TW" altLang="en-US" sz="1800" dirty="0" smtClean="0"/>
+              <a:t>請先下載並解壓縮吧</a:t>
+            </a:r>
+            <a:endParaRPr lang="zh-TW" altLang="en-US" sz="1800" dirty="0"/>
+          </a:p>
+        </p:txBody>
+      </p:sp>
+      <p:sp>
+        <p:nvSpPr>
           <p:cNvPr id="6" name="標題 5"/>
           <p:cNvSpPr>
             <a:spLocks noGrp="1"/>
@@ -10072,7 +10413,7 @@
         </p:blipFill>
         <p:spPr bwMode="auto">
           <a:xfrm>
-            <a:off x="7307753" y="4485393"/>
+            <a:off x="7307753" y="518159"/>
             <a:ext cx="1219200" cy="1219201"/>
           </a:xfrm>
           <a:prstGeom prst="rect">
@@ -12296,6 +12637,47 @@
           </p:spPr>
         </p:pic>
       </p:grpSp>
+      <p:pic>
+        <p:nvPicPr>
+          <p:cNvPr id="11" name="Picture 2" descr="150x150"/>
+          <p:cNvPicPr>
+            <a:picLocks noChangeAspect="1" noChangeArrowheads="1"/>
+          </p:cNvPicPr>
+          <p:nvPr/>
+        </p:nvPicPr>
+        <p:blipFill>
+          <a:blip r:embed="rId5">
+            <a:extLst>
+              <a:ext uri="{28A0092B-C50C-407E-A947-70E740481C1C}">
+                <a14:useLocalDpi xmlns:a14="http://schemas.microsoft.com/office/drawing/2010/main" val="0"/>
+              </a:ext>
+            </a:extLst>
+          </a:blip>
+          <a:srcRect/>
+          <a:stretch>
+            <a:fillRect/>
+          </a:stretch>
+        </p:blipFill>
+        <p:spPr bwMode="auto">
+          <a:xfrm>
+            <a:off x="3555114" y="4747906"/>
+            <a:ext cx="944356" cy="944356"/>
+          </a:xfrm>
+          <a:prstGeom prst="rect">
+            <a:avLst/>
+          </a:prstGeom>
+          <a:noFill/>
+          <a:extLst>
+            <a:ext uri="{909E8E84-426E-40DD-AFC4-6F175D3DCCD1}">
+              <a14:hiddenFill xmlns:a14="http://schemas.microsoft.com/office/drawing/2010/main">
+                <a:solidFill>
+                  <a:srgbClr val="FFFFFF"/>
+                </a:solidFill>
+              </a14:hiddenFill>
+            </a:ext>
+          </a:extLst>
+        </p:spPr>
+      </p:pic>
     </p:spTree>
     <p:extLst>
       <p:ext uri="{BB962C8B-B14F-4D97-AF65-F5344CB8AC3E}">
@@ -12383,73 +12765,12 @@
           <a:lstStyle/>
           <a:p>
             <a:r>
-              <a:rPr lang="en-US" altLang="zh-TW" dirty="0" smtClean="0"/>
-              <a:t>csv</a:t>
-            </a:r>
-            <a:r>
               <a:rPr lang="zh-TW" altLang="en-US" dirty="0" smtClean="0"/>
-              <a:t>檔案請用</a:t>
-            </a:r>
-            <a:r>
-              <a:rPr lang="en-US" altLang="zh-TW" dirty="0" smtClean="0"/>
-              <a:t>LibreOffice</a:t>
+              <a:t>將</a:t>
             </a:r>
             <a:r>
               <a:rPr lang="zh-TW" altLang="en-US" dirty="0" smtClean="0"/>
-              <a:t>開啟 </a:t>
-            </a:r>
-            <a:r>
-              <a:rPr lang="en-US" altLang="zh-TW" dirty="0" smtClean="0"/>
-              <a:t>(</a:t>
-            </a:r>
-            <a:r>
-              <a:rPr lang="zh-TW" altLang="en-US" dirty="0" smtClean="0"/>
-              <a:t>因為編碼為</a:t>
-            </a:r>
-            <a:r>
-              <a:rPr lang="en-US" altLang="zh-TW" dirty="0" smtClean="0"/>
-              <a:t>UTF-8)</a:t>
-            </a:r>
-          </a:p>
-          <a:p>
-            <a:pPr lvl="1"/>
-            <a:r>
-              <a:rPr lang="zh-TW" altLang="en-US" dirty="0" smtClean="0"/>
-              <a:t>請使用投影片開頭的</a:t>
-            </a:r>
-            <a:r>
-              <a:rPr lang="en-US" altLang="zh-TW" dirty="0" err="1" smtClean="0"/>
-              <a:t>LibreOfficePortable</a:t>
-            </a:r>
-            <a:r>
-              <a:rPr lang="zh-TW" altLang="en-US" dirty="0" smtClean="0"/>
-              <a:t>開啟</a:t>
-            </a:r>
-            <a:r>
-              <a:rPr lang="en-US" altLang="zh-TW" dirty="0" smtClean="0"/>
-              <a:t/>
-            </a:r>
-            <a:br>
-              <a:rPr lang="en-US" altLang="zh-TW" dirty="0" smtClean="0"/>
-            </a:br>
-            <a:r>
-              <a:rPr lang="en-US" altLang="zh-TW" dirty="0">
-                <a:hlinkClick r:id="rId2"/>
-              </a:rPr>
-              <a:t>http://</a:t>
-            </a:r>
-            <a:r>
-              <a:rPr lang="en-US" altLang="zh-TW" dirty="0" smtClean="0">
-                <a:hlinkClick r:id="rId2"/>
-              </a:rPr>
-              <a:t>j.mp/20150501lo</a:t>
-            </a:r>
-            <a:endParaRPr lang="en-US" altLang="zh-TW" dirty="0" smtClean="0"/>
-          </a:p>
-          <a:p>
-            <a:r>
-              <a:rPr lang="zh-TW" altLang="en-US" dirty="0" smtClean="0"/>
-              <a:t>將欄位名稱修改</a:t>
+              <a:t>欄位名稱修改</a:t>
             </a:r>
             <a:endParaRPr lang="en-US" altLang="zh-TW" dirty="0" smtClean="0"/>
           </a:p>
@@ -12738,7 +13059,7 @@
         </p:nvSpPr>
         <p:spPr>
           <a:xfrm>
-            <a:off x="3794125" y="4312590"/>
+            <a:off x="3794125" y="3486784"/>
             <a:ext cx="4572000" cy="1785104"/>
           </a:xfrm>
           <a:prstGeom prst="rect">
@@ -13831,6 +14152,47 @@
           </p:spPr>
         </p:pic>
       </p:grpSp>
+      <p:pic>
+        <p:nvPicPr>
+          <p:cNvPr id="12" name="Picture 2" descr="bat"/>
+          <p:cNvPicPr>
+            <a:picLocks noChangeAspect="1" noChangeArrowheads="1"/>
+          </p:cNvPicPr>
+          <p:nvPr/>
+        </p:nvPicPr>
+        <p:blipFill>
+          <a:blip r:embed="rId4">
+            <a:extLst>
+              <a:ext uri="{28A0092B-C50C-407E-A947-70E740481C1C}">
+                <a14:useLocalDpi xmlns:a14="http://schemas.microsoft.com/office/drawing/2010/main" val="0"/>
+              </a:ext>
+            </a:extLst>
+          </a:blip>
+          <a:srcRect/>
+          <a:stretch>
+            <a:fillRect/>
+          </a:stretch>
+        </p:blipFill>
+        <p:spPr bwMode="auto">
+          <a:xfrm>
+            <a:off x="355397" y="1845734"/>
+            <a:ext cx="666008" cy="666009"/>
+          </a:xfrm>
+          <a:prstGeom prst="rect">
+            <a:avLst/>
+          </a:prstGeom>
+          <a:noFill/>
+          <a:extLst>
+            <a:ext uri="{909E8E84-426E-40DD-AFC4-6F175D3DCCD1}">
+              <a14:hiddenFill xmlns:a14="http://schemas.microsoft.com/office/drawing/2010/main">
+                <a:solidFill>
+                  <a:srgbClr val="FFFFFF"/>
+                </a:solidFill>
+              </a14:hiddenFill>
+            </a:ext>
+          </a:extLst>
+        </p:spPr>
+      </p:pic>
     </p:spTree>
     <p:extLst>
       <p:ext uri="{BB962C8B-B14F-4D97-AF65-F5344CB8AC3E}">
@@ -17862,7 +18224,7 @@
       </p:grpSpPr>
       <p:pic>
         <p:nvPicPr>
-          <p:cNvPr id="8" name="圖片 7"/>
+          <p:cNvPr id="9" name="圖片 8"/>
           <p:cNvPicPr>
             <a:picLocks noChangeAspect="1"/>
           </p:cNvPicPr>
@@ -17876,8 +18238,8 @@
         </p:blipFill>
         <p:spPr>
           <a:xfrm>
-            <a:off x="2523066" y="2562015"/>
-            <a:ext cx="4487411" cy="3400297"/>
+            <a:off x="2586443" y="2459040"/>
+            <a:ext cx="4015564" cy="4000746"/>
           </a:xfrm>
           <a:prstGeom prst="rect">
             <a:avLst/>
@@ -17948,14 +18310,14 @@
               <a:t>[</a:t>
             </a:r>
             <a:r>
-              <a:rPr lang="en-US" altLang="zh-TW" u="sng" dirty="0">
+              <a:rPr lang="en-US" altLang="zh-TW" u="sng" dirty="0" err="1" smtClean="0">
                 <a:solidFill>
                   <a:schemeClr val="bg2">
                     <a:lumMod val="50000"/>
                   </a:schemeClr>
                 </a:solidFill>
               </a:rPr>
-              <a:t>Solr</a:t>
+              <a:t>solr</a:t>
             </a:r>
             <a:r>
               <a:rPr lang="en-US" altLang="zh-TW" u="sng" dirty="0" smtClean="0">
@@ -18031,8 +18393,8 @@
         </p:nvSpPr>
         <p:spPr>
           <a:xfrm>
-            <a:off x="3750553" y="3515088"/>
-            <a:ext cx="758758" cy="1107712"/>
+            <a:off x="4481376" y="3210288"/>
+            <a:ext cx="1112027" cy="1107712"/>
           </a:xfrm>
           <a:prstGeom prst="roundRect">
             <a:avLst/>
@@ -18081,6 +18443,47 @@
           </a:p>
         </p:txBody>
       </p:sp>
+      <p:pic>
+        <p:nvPicPr>
+          <p:cNvPr id="10" name="Picture 2" descr="crystal,xml"/>
+          <p:cNvPicPr>
+            <a:picLocks noChangeAspect="1" noChangeArrowheads="1"/>
+          </p:cNvPicPr>
+          <p:nvPr/>
+        </p:nvPicPr>
+        <p:blipFill>
+          <a:blip r:embed="rId3">
+            <a:extLst>
+              <a:ext uri="{28A0092B-C50C-407E-A947-70E740481C1C}">
+                <a14:useLocalDpi xmlns:a14="http://schemas.microsoft.com/office/drawing/2010/main" val="0"/>
+              </a:ext>
+            </a:extLst>
+          </a:blip>
+          <a:srcRect/>
+          <a:stretch>
+            <a:fillRect/>
+          </a:stretch>
+        </p:blipFill>
+        <p:spPr bwMode="auto">
+          <a:xfrm>
+            <a:off x="1637426" y="1668144"/>
+            <a:ext cx="719108" cy="719110"/>
+          </a:xfrm>
+          <a:prstGeom prst="rect">
+            <a:avLst/>
+          </a:prstGeom>
+          <a:noFill/>
+          <a:extLst>
+            <a:ext uri="{909E8E84-426E-40DD-AFC4-6F175D3DCCD1}">
+              <a14:hiddenFill xmlns:a14="http://schemas.microsoft.com/office/drawing/2010/main">
+                <a:solidFill>
+                  <a:srgbClr val="FFFFFF"/>
+                </a:solidFill>
+              </a14:hiddenFill>
+            </a:ext>
+          </a:extLst>
+        </p:spPr>
+      </p:pic>
     </p:spTree>
     <p:extLst>
       <p:ext uri="{BB962C8B-B14F-4D97-AF65-F5344CB8AC3E}">
@@ -18190,7 +18593,27 @@
                   </a:schemeClr>
                 </a:solidFill>
               </a:rPr>
-              <a:t>[Solr]\PRACTICE\2-4\add_data.bat</a:t>
+              <a:t>[</a:t>
+            </a:r>
+            <a:r>
+              <a:rPr lang="en-US" altLang="zh-TW" u="sng" dirty="0" err="1" smtClean="0">
+                <a:solidFill>
+                  <a:schemeClr val="bg2">
+                    <a:lumMod val="50000"/>
+                  </a:schemeClr>
+                </a:solidFill>
+              </a:rPr>
+              <a:t>solr</a:t>
+            </a:r>
+            <a:r>
+              <a:rPr lang="en-US" altLang="zh-TW" u="sng" dirty="0" smtClean="0">
+                <a:solidFill>
+                  <a:schemeClr val="bg2">
+                    <a:lumMod val="50000"/>
+                  </a:schemeClr>
+                </a:solidFill>
+              </a:rPr>
+              <a:t>]\PRACTICE\2-4\add_data.bat</a:t>
             </a:r>
           </a:p>
           <a:p>
@@ -18205,7 +18628,19 @@
             <a:pPr lvl="2"/>
             <a:r>
               <a:rPr lang="en-US" altLang="zh-TW" dirty="0" smtClean="0"/>
-              <a:t>cd [Solr]\example\</a:t>
+              <a:t>cd </a:t>
+            </a:r>
+            <a:r>
+              <a:rPr lang="en-US" altLang="zh-TW" dirty="0" smtClean="0"/>
+              <a:t>[</a:t>
+            </a:r>
+            <a:r>
+              <a:rPr lang="en-US" altLang="zh-TW" dirty="0" err="1" smtClean="0"/>
+              <a:t>solr</a:t>
+            </a:r>
+            <a:r>
+              <a:rPr lang="en-US" altLang="zh-TW" dirty="0" smtClean="0"/>
+              <a:t>]\example\</a:t>
             </a:r>
             <a:r>
               <a:rPr lang="en-US" altLang="zh-TW" dirty="0" err="1" smtClean="0"/>
@@ -18452,6 +18887,47 @@
           </p:spPr>
         </p:pic>
       </p:grpSp>
+      <p:pic>
+        <p:nvPicPr>
+          <p:cNvPr id="11" name="Picture 2" descr="bat"/>
+          <p:cNvPicPr>
+            <a:picLocks noChangeAspect="1" noChangeArrowheads="1"/>
+          </p:cNvPicPr>
+          <p:nvPr/>
+        </p:nvPicPr>
+        <p:blipFill>
+          <a:blip r:embed="rId4">
+            <a:extLst>
+              <a:ext uri="{28A0092B-C50C-407E-A947-70E740481C1C}">
+                <a14:useLocalDpi xmlns:a14="http://schemas.microsoft.com/office/drawing/2010/main" val="0"/>
+              </a:ext>
+            </a:extLst>
+          </a:blip>
+          <a:srcRect/>
+          <a:stretch>
+            <a:fillRect/>
+          </a:stretch>
+        </p:blipFill>
+        <p:spPr bwMode="auto">
+          <a:xfrm>
+            <a:off x="326707" y="2229010"/>
+            <a:ext cx="666008" cy="666009"/>
+          </a:xfrm>
+          <a:prstGeom prst="rect">
+            <a:avLst/>
+          </a:prstGeom>
+          <a:noFill/>
+          <a:extLst>
+            <a:ext uri="{909E8E84-426E-40DD-AFC4-6F175D3DCCD1}">
+              <a14:hiddenFill xmlns:a14="http://schemas.microsoft.com/office/drawing/2010/main">
+                <a:solidFill>
+                  <a:srgbClr val="FFFFFF"/>
+                </a:solidFill>
+              </a14:hiddenFill>
+            </a:ext>
+          </a:extLst>
+        </p:spPr>
+      </p:pic>
     </p:spTree>
     <p:extLst>
       <p:ext uri="{BB962C8B-B14F-4D97-AF65-F5344CB8AC3E}">
@@ -18910,7 +19386,19 @@
             <a:pPr lvl="2"/>
             <a:r>
               <a:rPr lang="en-US" altLang="zh-TW" dirty="0" smtClean="0"/>
-              <a:t>cd [Solr]\example\</a:t>
+              <a:t>cd </a:t>
+            </a:r>
+            <a:r>
+              <a:rPr lang="en-US" altLang="zh-TW" dirty="0" smtClean="0"/>
+              <a:t>[</a:t>
+            </a:r>
+            <a:r>
+              <a:rPr lang="en-US" altLang="zh-TW" dirty="0" err="1" smtClean="0"/>
+              <a:t>solr</a:t>
+            </a:r>
+            <a:r>
+              <a:rPr lang="en-US" altLang="zh-TW" dirty="0" smtClean="0"/>
+              <a:t>]\example\</a:t>
             </a:r>
             <a:r>
               <a:rPr lang="en-US" altLang="zh-TW" dirty="0" err="1" smtClean="0"/>
@@ -19027,6 +19515,47 @@
           <a:prstGeom prst="rect">
             <a:avLst/>
           </a:prstGeom>
+        </p:spPr>
+      </p:pic>
+      <p:pic>
+        <p:nvPicPr>
+          <p:cNvPr id="7" name="Picture 2" descr="bat"/>
+          <p:cNvPicPr>
+            <a:picLocks noChangeAspect="1" noChangeArrowheads="1"/>
+          </p:cNvPicPr>
+          <p:nvPr/>
+        </p:nvPicPr>
+        <p:blipFill>
+          <a:blip r:embed="rId3">
+            <a:extLst>
+              <a:ext uri="{28A0092B-C50C-407E-A947-70E740481C1C}">
+                <a14:useLocalDpi xmlns:a14="http://schemas.microsoft.com/office/drawing/2010/main" val="0"/>
+              </a:ext>
+            </a:extLst>
+          </a:blip>
+          <a:srcRect/>
+          <a:stretch>
+            <a:fillRect/>
+          </a:stretch>
+        </p:blipFill>
+        <p:spPr bwMode="auto">
+          <a:xfrm>
+            <a:off x="355397" y="1845734"/>
+            <a:ext cx="666008" cy="666009"/>
+          </a:xfrm>
+          <a:prstGeom prst="rect">
+            <a:avLst/>
+          </a:prstGeom>
+          <a:noFill/>
+          <a:extLst>
+            <a:ext uri="{909E8E84-426E-40DD-AFC4-6F175D3DCCD1}">
+              <a14:hiddenFill xmlns:a14="http://schemas.microsoft.com/office/drawing/2010/main">
+                <a:solidFill>
+                  <a:srgbClr val="FFFFFF"/>
+                </a:solidFill>
+              </a14:hiddenFill>
+            </a:ext>
+          </a:extLst>
         </p:spPr>
       </p:pic>
     </p:spTree>
@@ -19440,6 +19969,47 @@
           </p:spPr>
         </p:pic>
       </p:grpSp>
+      <p:pic>
+        <p:nvPicPr>
+          <p:cNvPr id="12" name="Picture 2" descr="bat"/>
+          <p:cNvPicPr>
+            <a:picLocks noChangeAspect="1" noChangeArrowheads="1"/>
+          </p:cNvPicPr>
+          <p:nvPr/>
+        </p:nvPicPr>
+        <p:blipFill>
+          <a:blip r:embed="rId4">
+            <a:extLst>
+              <a:ext uri="{28A0092B-C50C-407E-A947-70E740481C1C}">
+                <a14:useLocalDpi xmlns:a14="http://schemas.microsoft.com/office/drawing/2010/main" val="0"/>
+              </a:ext>
+            </a:extLst>
+          </a:blip>
+          <a:srcRect/>
+          <a:stretch>
+            <a:fillRect/>
+          </a:stretch>
+        </p:blipFill>
+        <p:spPr bwMode="auto">
+          <a:xfrm>
+            <a:off x="355397" y="1845734"/>
+            <a:ext cx="666008" cy="666009"/>
+          </a:xfrm>
+          <a:prstGeom prst="rect">
+            <a:avLst/>
+          </a:prstGeom>
+          <a:noFill/>
+          <a:extLst>
+            <a:ext uri="{909E8E84-426E-40DD-AFC4-6F175D3DCCD1}">
+              <a14:hiddenFill xmlns:a14="http://schemas.microsoft.com/office/drawing/2010/main">
+                <a:solidFill>
+                  <a:srgbClr val="FFFFFF"/>
+                </a:solidFill>
+              </a14:hiddenFill>
+            </a:ext>
+          </a:extLst>
+        </p:spPr>
+      </p:pic>
     </p:spTree>
     <p:extLst>
       <p:ext uri="{BB962C8B-B14F-4D97-AF65-F5344CB8AC3E}">
@@ -19487,62 +20057,350 @@
             <p:ph type="title"/>
           </p:nvPr>
         </p:nvSpPr>
+        <p:spPr/>
+        <p:txBody>
+          <a:bodyPr/>
+          <a:lstStyle/>
+          <a:p>
+            <a:r>
+              <a:rPr lang="en-US" altLang="zh-TW" dirty="0" smtClean="0"/>
+              <a:t>Part 2. </a:t>
+            </a:r>
+            <a:r>
+              <a:rPr lang="zh-TW" altLang="en-US" dirty="0" smtClean="0"/>
+              <a:t>實作</a:t>
+            </a:r>
+            <a:r>
+              <a:rPr lang="en-US" altLang="zh-TW" dirty="0" smtClean="0"/>
+              <a:t>!</a:t>
+            </a:r>
+            <a:endParaRPr lang="zh-TW" altLang="en-US" dirty="0"/>
+          </a:p>
+        </p:txBody>
+      </p:sp>
+      <p:sp>
+        <p:nvSpPr>
+          <p:cNvPr id="9" name="內容版面配置區 8"/>
+          <p:cNvSpPr>
+            <a:spLocks noGrp="1"/>
+          </p:cNvSpPr>
+          <p:nvPr>
+            <p:ph sz="half" idx="2"/>
+          </p:nvPr>
+        </p:nvSpPr>
         <p:spPr>
           <a:xfrm>
-            <a:off x="822960" y="357952"/>
-            <a:ext cx="7543800" cy="807721"/>
-          </a:xfrm>
+            <a:off x="4243388" y="838200"/>
+            <a:ext cx="4566285" cy="5291670"/>
+          </a:xfrm>
+          <a:solidFill>
+            <a:schemeClr val="bg1"/>
+          </a:solidFill>
         </p:spPr>
         <p:txBody>
-          <a:bodyPr/>
-          <a:lstStyle/>
-          <a:p>
+          <a:bodyPr>
+            <a:normAutofit/>
+          </a:bodyPr>
+          <a:lstStyle/>
+          <a:p>
+            <a:r>
+              <a:rPr lang="en-US" altLang="zh-TW" dirty="0"/>
+              <a:t>2-1. </a:t>
+            </a:r>
+            <a:r>
+              <a:rPr lang="zh-TW" altLang="en-US" dirty="0"/>
+              <a:t>資料準備</a:t>
+            </a:r>
+          </a:p>
+          <a:p>
+            <a:pPr lvl="1"/>
             <a:r>
               <a:rPr lang="zh-TW" altLang="en-US" dirty="0" smtClean="0"/>
-              <a:t>簡易檢索</a:t>
+              <a:t>使用預設資料</a:t>
             </a:r>
             <a:r>
               <a:rPr lang="en-US" altLang="zh-TW" dirty="0" smtClean="0"/>
-              <a:t>(</a:t>
+              <a:t/>
+            </a:r>
+            <a:br>
+              <a:rPr lang="en-US" altLang="zh-TW" dirty="0" smtClean="0"/>
+            </a:br>
+            <a:r>
+              <a:rPr lang="en-US" altLang="zh-TW" u="sng" dirty="0" smtClean="0">
+                <a:solidFill>
+                  <a:schemeClr val="bg2">
+                    <a:lumMod val="50000"/>
+                  </a:schemeClr>
+                </a:solidFill>
+              </a:rPr>
+              <a:t>[</a:t>
+            </a:r>
+            <a:r>
+              <a:rPr lang="en-US" altLang="zh-TW" u="sng" dirty="0" err="1">
+                <a:solidFill>
+                  <a:schemeClr val="bg2">
+                    <a:lumMod val="50000"/>
+                  </a:schemeClr>
+                </a:solidFill>
+              </a:rPr>
+              <a:t>solr</a:t>
+            </a:r>
+            <a:r>
+              <a:rPr lang="en-US" altLang="zh-TW" u="sng" dirty="0">
+                <a:solidFill>
+                  <a:schemeClr val="bg2">
+                    <a:lumMod val="50000"/>
+                  </a:schemeClr>
+                </a:solidFill>
+              </a:rPr>
+              <a:t>]/</a:t>
+            </a:r>
+            <a:r>
+              <a:rPr lang="en-US" altLang="zh-TW" u="sng" dirty="0" smtClean="0">
+                <a:solidFill>
+                  <a:schemeClr val="bg2">
+                    <a:lumMod val="50000"/>
+                  </a:schemeClr>
+                </a:solidFill>
+              </a:rPr>
+              <a:t>PRACTICE/2-1/data.csv</a:t>
+            </a:r>
+            <a:endParaRPr lang="en-US" altLang="zh-TW" u="sng" dirty="0">
+              <a:solidFill>
+                <a:schemeClr val="bg2">
+                  <a:lumMod val="50000"/>
+                </a:schemeClr>
+              </a:solidFill>
+            </a:endParaRPr>
+          </a:p>
+          <a:p>
+            <a:r>
+              <a:rPr lang="en-US" altLang="zh-TW" dirty="0"/>
+              <a:t>2-2. </a:t>
+            </a:r>
+            <a:r>
+              <a:rPr lang="zh-TW" altLang="en-US" dirty="0"/>
+              <a:t>設定</a:t>
+            </a:r>
+            <a:r>
+              <a:rPr lang="en-US" altLang="zh-TW" dirty="0"/>
+              <a:t>Solr</a:t>
+            </a:r>
+            <a:r>
+              <a:rPr lang="zh-TW" altLang="en-US" dirty="0"/>
+              <a:t>資料表</a:t>
+            </a:r>
+          </a:p>
+          <a:p>
+            <a:pPr lvl="1"/>
+            <a:r>
+              <a:rPr lang="en-US" altLang="zh-TW" u="sng" dirty="0">
+                <a:solidFill>
+                  <a:schemeClr val="bg2">
+                    <a:lumMod val="50000"/>
+                  </a:schemeClr>
+                </a:solidFill>
+              </a:rPr>
+              <a:t>[</a:t>
+            </a:r>
+            <a:r>
+              <a:rPr lang="en-US" altLang="zh-TW" u="sng" dirty="0" err="1">
+                <a:solidFill>
+                  <a:schemeClr val="bg2">
+                    <a:lumMod val="50000"/>
+                  </a:schemeClr>
+                </a:solidFill>
+              </a:rPr>
+              <a:t>solr</a:t>
+            </a:r>
+            <a:r>
+              <a:rPr lang="en-US" altLang="zh-TW" u="sng" dirty="0">
+                <a:solidFill>
+                  <a:schemeClr val="bg2">
+                    <a:lumMod val="50000"/>
+                  </a:schemeClr>
+                </a:solidFill>
+              </a:rPr>
+              <a:t>]\</a:t>
+            </a:r>
+            <a:r>
+              <a:rPr lang="en-US" altLang="zh-TW" u="sng" dirty="0" smtClean="0">
+                <a:solidFill>
+                  <a:schemeClr val="bg2">
+                    <a:lumMod val="50000"/>
+                  </a:schemeClr>
+                </a:solidFill>
+              </a:rPr>
+              <a:t>PRACTICE\2-2</a:t>
+            </a:r>
+            <a:br>
+              <a:rPr lang="en-US" altLang="zh-TW" u="sng" dirty="0" smtClean="0">
+                <a:solidFill>
+                  <a:schemeClr val="bg2">
+                    <a:lumMod val="50000"/>
+                  </a:schemeClr>
+                </a:solidFill>
+              </a:rPr>
+            </a:br>
+            <a:r>
+              <a:rPr lang="en-US" altLang="zh-TW" u="sng" dirty="0" smtClean="0">
+                <a:solidFill>
+                  <a:schemeClr val="bg2">
+                    <a:lumMod val="50000"/>
+                  </a:schemeClr>
+                </a:solidFill>
+              </a:rPr>
+              <a:t>\edit_schema.xml.bat</a:t>
+            </a:r>
+          </a:p>
+          <a:p>
+            <a:r>
+              <a:rPr lang="en-US" altLang="zh-TW" dirty="0" smtClean="0"/>
+              <a:t>2-3. </a:t>
+            </a:r>
+            <a:r>
+              <a:rPr lang="zh-TW" altLang="en-US" dirty="0"/>
+              <a:t>轉換匯入</a:t>
             </a:r>
             <a:r>
               <a:rPr lang="zh-TW" altLang="en-US" dirty="0" smtClean="0"/>
-              <a:t>首頁</a:t>
-            </a:r>
+              <a:t>指令</a:t>
+            </a:r>
+            <a:endParaRPr lang="en-US" altLang="zh-TW" dirty="0" smtClean="0"/>
+          </a:p>
+          <a:p>
+            <a:pPr lvl="1"/>
+            <a:r>
+              <a:rPr lang="en-US" altLang="zh-TW" dirty="0" smtClean="0">
+                <a:hlinkClick r:id="rId3"/>
+              </a:rPr>
+              <a:t>http</a:t>
+            </a:r>
+            <a:r>
+              <a:rPr lang="en-US" altLang="zh-TW" dirty="0">
+                <a:hlinkClick r:id="rId3"/>
+              </a:rPr>
+              <a:t>://j.mp/20150501convert</a:t>
+            </a:r>
+            <a:endParaRPr lang="en-US" altLang="zh-TW" dirty="0"/>
+          </a:p>
+          <a:p>
             <a:r>
               <a:rPr lang="en-US" altLang="zh-TW" dirty="0" smtClean="0"/>
-              <a:t>)</a:t>
-            </a:r>
-            <a:endParaRPr lang="zh-TW" altLang="en-US" dirty="0"/>
-          </a:p>
-        </p:txBody>
-      </p:sp>
-      <p:pic>
-        <p:nvPicPr>
-          <p:cNvPr id="6" name="內容版面配置區 5"/>
-          <p:cNvPicPr>
-            <a:picLocks noGrp="1" noChangeAspect="1"/>
-          </p:cNvPicPr>
-          <p:nvPr>
-            <p:ph idx="1"/>
-          </p:nvPr>
-        </p:nvPicPr>
-        <p:blipFill>
-          <a:blip r:embed="rId2"/>
-          <a:stretch>
-            <a:fillRect/>
-          </a:stretch>
-        </p:blipFill>
-        <p:spPr>
-          <a:xfrm>
-            <a:off x="1513377" y="2178449"/>
-            <a:ext cx="6161696" cy="4022725"/>
-          </a:xfrm>
-          <a:prstGeom prst="rect">
-            <a:avLst/>
-          </a:prstGeom>
-        </p:spPr>
-      </p:pic>
+              <a:t>2-4. </a:t>
+            </a:r>
+            <a:r>
+              <a:rPr lang="zh-TW" altLang="en-US" dirty="0"/>
+              <a:t>匯入</a:t>
+            </a:r>
+            <a:r>
+              <a:rPr lang="zh-TW" altLang="en-US" dirty="0" smtClean="0"/>
+              <a:t>資料</a:t>
+            </a:r>
+            <a:endParaRPr lang="en-US" altLang="zh-TW" dirty="0" smtClean="0"/>
+          </a:p>
+          <a:p>
+            <a:pPr lvl="1"/>
+            <a:r>
+              <a:rPr lang="en-US" altLang="zh-TW" u="sng" dirty="0" smtClean="0">
+                <a:solidFill>
+                  <a:schemeClr val="bg2">
+                    <a:lumMod val="50000"/>
+                  </a:schemeClr>
+                </a:solidFill>
+              </a:rPr>
+              <a:t>[</a:t>
+            </a:r>
+            <a:r>
+              <a:rPr lang="en-US" altLang="zh-TW" u="sng" dirty="0" err="1" smtClean="0">
+                <a:solidFill>
+                  <a:schemeClr val="bg2">
+                    <a:lumMod val="50000"/>
+                  </a:schemeClr>
+                </a:solidFill>
+              </a:rPr>
+              <a:t>solr</a:t>
+            </a:r>
+            <a:r>
+              <a:rPr lang="en-US" altLang="zh-TW" u="sng" dirty="0">
+                <a:solidFill>
+                  <a:schemeClr val="bg2">
+                    <a:lumMod val="50000"/>
+                  </a:schemeClr>
+                </a:solidFill>
+              </a:rPr>
+              <a:t>]\</a:t>
+            </a:r>
+            <a:r>
+              <a:rPr lang="en-US" altLang="zh-TW" u="sng" dirty="0" smtClean="0">
+                <a:solidFill>
+                  <a:schemeClr val="bg2">
+                    <a:lumMod val="50000"/>
+                  </a:schemeClr>
+                </a:solidFill>
+              </a:rPr>
+              <a:t>PRACTICE\2-4\add_data.bat</a:t>
+            </a:r>
+            <a:endParaRPr lang="en-US" altLang="zh-TW" u="sng" dirty="0">
+              <a:solidFill>
+                <a:schemeClr val="bg2">
+                  <a:lumMod val="50000"/>
+                </a:schemeClr>
+              </a:solidFill>
+            </a:endParaRPr>
+          </a:p>
+          <a:p>
+            <a:r>
+              <a:rPr lang="en-US" altLang="zh-TW" dirty="0" smtClean="0"/>
+              <a:t>2-5. </a:t>
+            </a:r>
+            <a:r>
+              <a:rPr lang="zh-TW" altLang="en-US" dirty="0"/>
+              <a:t>開啟網頁</a:t>
+            </a:r>
+          </a:p>
+          <a:p>
+            <a:pPr lvl="1"/>
+            <a:r>
+              <a:rPr lang="en-US" altLang="zh-TW" u="sng" dirty="0" smtClean="0">
+                <a:solidFill>
+                  <a:schemeClr val="bg2">
+                    <a:lumMod val="50000"/>
+                  </a:schemeClr>
+                </a:solidFill>
+              </a:rPr>
+              <a:t>[</a:t>
+            </a:r>
+            <a:r>
+              <a:rPr lang="en-US" altLang="zh-TW" u="sng" dirty="0" err="1" smtClean="0">
+                <a:solidFill>
+                  <a:schemeClr val="bg2">
+                    <a:lumMod val="50000"/>
+                  </a:schemeClr>
+                </a:solidFill>
+              </a:rPr>
+              <a:t>solr</a:t>
+            </a:r>
+            <a:r>
+              <a:rPr lang="en-US" altLang="zh-TW" u="sng" dirty="0" smtClean="0">
+                <a:solidFill>
+                  <a:schemeClr val="bg2">
+                    <a:lumMod val="50000"/>
+                  </a:schemeClr>
+                </a:solidFill>
+              </a:rPr>
+              <a:t>]\open_search_ui.bat</a:t>
+            </a:r>
+            <a:endParaRPr lang="en-US" altLang="zh-TW" u="sng" dirty="0">
+              <a:solidFill>
+                <a:schemeClr val="bg2">
+                  <a:lumMod val="50000"/>
+                </a:schemeClr>
+              </a:solidFill>
+            </a:endParaRPr>
+          </a:p>
+        </p:txBody>
+      </p:sp>
       <p:sp>
         <p:nvSpPr>
           <p:cNvPr id="4" name="投影片編號版面配置區 3"/>
@@ -19566,48 +20424,80 @@
           </a:p>
         </p:txBody>
       </p:sp>
-      <p:sp>
-        <p:nvSpPr>
-          <p:cNvPr id="7" name="圓角矩形 6"/>
-          <p:cNvSpPr/>
-          <p:nvPr/>
-        </p:nvSpPr>
-        <p:spPr>
+      <p:pic>
+        <p:nvPicPr>
+          <p:cNvPr id="11" name="Picture 2" descr="音乐, 听力, 歌曲, Mp3, 计算机, 男子, 男孩, 用户, 听着"/>
+          <p:cNvPicPr>
+            <a:picLocks noGrp="1" noChangeAspect="1" noChangeArrowheads="1"/>
+          </p:cNvPicPr>
+          <p:nvPr>
+            <p:ph sz="half" idx="1"/>
+          </p:nvPr>
+        </p:nvPicPr>
+        <p:blipFill>
+          <a:blip r:embed="rId4">
+            <a:extLst>
+              <a:ext uri="{28A0092B-C50C-407E-A947-70E740481C1C}">
+                <a14:useLocalDpi xmlns:a14="http://schemas.microsoft.com/office/drawing/2010/main" val="0"/>
+              </a:ext>
+            </a:extLst>
+          </a:blip>
+          <a:srcRect/>
+          <a:stretch>
+            <a:fillRect/>
+          </a:stretch>
+        </p:blipFill>
+        <p:spPr bwMode="auto">
           <a:xfrm>
-            <a:off x="1637202" y="3429000"/>
-            <a:ext cx="1391748" cy="2754313"/>
-          </a:xfrm>
-          <a:prstGeom prst="roundRect">
+            <a:off x="1004522" y="2156087"/>
+            <a:ext cx="2416419" cy="2722726"/>
+          </a:xfrm>
+          <a:prstGeom prst="rect">
             <a:avLst/>
           </a:prstGeom>
           <a:noFill/>
-          <a:ln w="38100">
-            <a:solidFill>
-              <a:srgbClr val="FF0000"/>
-            </a:solidFill>
-          </a:ln>
-          <a:effectLst>
-            <a:outerShdw blurRad="50800" dist="38100" dir="2700000" algn="tl" rotWithShape="0">
-              <a:prstClr val="black">
-                <a:alpha val="40000"/>
-              </a:prstClr>
-            </a:outerShdw>
-          </a:effectLst>
+          <a:extLst>
+            <a:ext uri="{909E8E84-426E-40DD-AFC4-6F175D3DCCD1}">
+              <a14:hiddenFill xmlns:a14="http://schemas.microsoft.com/office/drawing/2010/main">
+                <a:solidFill>
+                  <a:srgbClr val="FFFFFF"/>
+                </a:solidFill>
+              </a14:hiddenFill>
+            </a:ext>
+          </a:extLst>
+        </p:spPr>
+      </p:pic>
+      <p:sp>
+        <p:nvSpPr>
+          <p:cNvPr id="10" name="雲朵形圖說文字 9"/>
+          <p:cNvSpPr/>
+          <p:nvPr/>
+        </p:nvSpPr>
+        <p:spPr>
+          <a:xfrm>
+            <a:off x="509222" y="4547504"/>
+            <a:ext cx="1819073" cy="1429966"/>
+          </a:xfrm>
+          <a:prstGeom prst="cloudCallout">
+            <a:avLst>
+              <a:gd name="adj1" fmla="val 17976"/>
+              <a:gd name="adj2" fmla="val -86693"/>
+            </a:avLst>
+          </a:prstGeom>
+          <a:ln/>
         </p:spPr>
         <p:style>
           <a:lnRef idx="2">
-            <a:schemeClr val="accent1">
-              <a:shade val="50000"/>
-            </a:schemeClr>
+            <a:schemeClr val="accent3"/>
           </a:lnRef>
           <a:fillRef idx="1">
-            <a:schemeClr val="accent1"/>
+            <a:schemeClr val="lt1"/>
           </a:fillRef>
           <a:effectRef idx="0">
-            <a:schemeClr val="accent1"/>
+            <a:schemeClr val="accent3"/>
           </a:effectRef>
           <a:fontRef idx="minor">
-            <a:schemeClr val="lt1"/>
+            <a:schemeClr val="dk1"/>
           </a:fontRef>
         </p:style>
         <p:txBody>
@@ -19620,52 +20510,83 @@
           <a:lstStyle/>
           <a:p>
             <a:pPr algn="ctr"/>
-            <a:endParaRPr lang="zh-TW" altLang="en-US" sz="1800"/>
-          </a:p>
-        </p:txBody>
-      </p:sp>
-      <p:sp>
-        <p:nvSpPr>
-          <p:cNvPr id="10" name="圓角矩形 9"/>
-          <p:cNvSpPr/>
+            <a:endParaRPr lang="zh-TW" altLang="en-US"/>
+          </a:p>
+        </p:txBody>
+      </p:sp>
+      <p:pic>
+        <p:nvPicPr>
+          <p:cNvPr id="9218" name="Picture 2" descr="http://images.sodahead.com/polls/004172369/2419671582_Thinking_answer_103_xlarge.png"/>
+          <p:cNvPicPr>
+            <a:picLocks noChangeAspect="1" noChangeArrowheads="1"/>
+          </p:cNvPicPr>
           <p:nvPr/>
-        </p:nvSpPr>
-        <p:spPr>
+        </p:nvPicPr>
+        <p:blipFill>
+          <a:blip r:embed="rId5">
+            <a:extLst>
+              <a:ext uri="{28A0092B-C50C-407E-A947-70E740481C1C}">
+                <a14:useLocalDpi xmlns:a14="http://schemas.microsoft.com/office/drawing/2010/main" val="0"/>
+              </a:ext>
+            </a:extLst>
+          </a:blip>
+          <a:srcRect/>
+          <a:stretch>
+            <a:fillRect/>
+          </a:stretch>
+        </p:blipFill>
+        <p:spPr bwMode="auto">
           <a:xfrm>
-            <a:off x="3704127" y="2178449"/>
-            <a:ext cx="1048848" cy="200022"/>
-          </a:xfrm>
-          <a:prstGeom prst="roundRect">
+            <a:off x="904409" y="4768231"/>
+            <a:ext cx="1020883" cy="1384919"/>
+          </a:xfrm>
+          <a:prstGeom prst="rect">
             <a:avLst/>
           </a:prstGeom>
           <a:noFill/>
-          <a:ln w="38100">
+          <a:extLst>
+            <a:ext uri="{909E8E84-426E-40DD-AFC4-6F175D3DCCD1}">
+              <a14:hiddenFill xmlns:a14="http://schemas.microsoft.com/office/drawing/2010/main">
+                <a:solidFill>
+                  <a:srgbClr val="FFFFFF"/>
+                </a:solidFill>
+              </a14:hiddenFill>
+            </a:ext>
+          </a:extLst>
+        </p:spPr>
+      </p:pic>
+      <p:sp>
+        <p:nvSpPr>
+          <p:cNvPr id="5" name="橢圓 4"/>
+          <p:cNvSpPr/>
+          <p:nvPr/>
+        </p:nvSpPr>
+        <p:spPr>
+          <a:xfrm>
+            <a:off x="2212731" y="2047875"/>
+            <a:ext cx="661887" cy="409575"/>
+          </a:xfrm>
+          <a:prstGeom prst="ellipse">
+            <a:avLst/>
+          </a:prstGeom>
+          <a:ln>
             <a:solidFill>
-              <a:srgbClr val="FF0000"/>
+              <a:schemeClr val="bg1"/>
             </a:solidFill>
           </a:ln>
-          <a:effectLst>
-            <a:outerShdw blurRad="50800" dist="38100" dir="2700000" algn="tl" rotWithShape="0">
-              <a:prstClr val="black">
-                <a:alpha val="40000"/>
-              </a:prstClr>
-            </a:outerShdw>
-          </a:effectLst>
         </p:spPr>
         <p:style>
           <a:lnRef idx="2">
-            <a:schemeClr val="accent1">
-              <a:shade val="50000"/>
-            </a:schemeClr>
+            <a:schemeClr val="dk1"/>
           </a:lnRef>
           <a:fillRef idx="1">
-            <a:schemeClr val="accent1"/>
+            <a:schemeClr val="lt1"/>
           </a:fillRef>
           <a:effectRef idx="0">
-            <a:schemeClr val="accent1"/>
+            <a:schemeClr val="dk1"/>
           </a:effectRef>
           <a:fontRef idx="minor">
-            <a:schemeClr val="lt1"/>
+            <a:schemeClr val="dk1"/>
           </a:fontRef>
         </p:style>
         <p:txBody>
@@ -19684,46 +20605,36 @@
       </p:sp>
       <p:sp>
         <p:nvSpPr>
-          <p:cNvPr id="11" name="圓角矩形 10"/>
+          <p:cNvPr id="12" name="橢圓 11"/>
           <p:cNvSpPr/>
           <p:nvPr/>
         </p:nvSpPr>
         <p:spPr>
           <a:xfrm>
-            <a:off x="3361226" y="2931375"/>
-            <a:ext cx="2372823" cy="364276"/>
-          </a:xfrm>
-          <a:prstGeom prst="roundRect">
+            <a:off x="2566172" y="2317378"/>
+            <a:ext cx="661887" cy="409575"/>
+          </a:xfrm>
+          <a:prstGeom prst="ellipse">
             <a:avLst/>
           </a:prstGeom>
-          <a:noFill/>
-          <a:ln w="38100">
+          <a:ln>
             <a:solidFill>
-              <a:srgbClr val="FF0000"/>
+              <a:schemeClr val="bg1"/>
             </a:solidFill>
           </a:ln>
-          <a:effectLst>
-            <a:outerShdw blurRad="50800" dist="38100" dir="2700000" algn="tl" rotWithShape="0">
-              <a:prstClr val="black">
-                <a:alpha val="40000"/>
-              </a:prstClr>
-            </a:outerShdw>
-          </a:effectLst>
         </p:spPr>
         <p:style>
           <a:lnRef idx="2">
-            <a:schemeClr val="accent1">
-              <a:shade val="50000"/>
-            </a:schemeClr>
+            <a:schemeClr val="dk1"/>
           </a:lnRef>
           <a:fillRef idx="1">
-            <a:schemeClr val="accent1"/>
+            <a:schemeClr val="lt1"/>
           </a:fillRef>
           <a:effectRef idx="0">
-            <a:schemeClr val="accent1"/>
+            <a:schemeClr val="dk1"/>
           </a:effectRef>
           <a:fontRef idx="minor">
-            <a:schemeClr val="lt1"/>
+            <a:schemeClr val="dk1"/>
           </a:fontRef>
         </p:style>
         <p:txBody>
@@ -19742,46 +20653,36 @@
       </p:sp>
       <p:sp>
         <p:nvSpPr>
-          <p:cNvPr id="12" name="圓角矩形 11"/>
+          <p:cNvPr id="13" name="橢圓 12"/>
           <p:cNvSpPr/>
           <p:nvPr/>
         </p:nvSpPr>
         <p:spPr>
           <a:xfrm>
-            <a:off x="3042139" y="3948906"/>
-            <a:ext cx="2815736" cy="1156493"/>
-          </a:xfrm>
-          <a:prstGeom prst="roundRect">
+            <a:off x="2568320" y="2522165"/>
+            <a:ext cx="661887" cy="409575"/>
+          </a:xfrm>
+          <a:prstGeom prst="ellipse">
             <a:avLst/>
           </a:prstGeom>
-          <a:noFill/>
-          <a:ln w="38100">
+          <a:ln>
             <a:solidFill>
-              <a:srgbClr val="FF0000"/>
+              <a:schemeClr val="bg1"/>
             </a:solidFill>
           </a:ln>
-          <a:effectLst>
-            <a:outerShdw blurRad="50800" dist="38100" dir="2700000" algn="tl" rotWithShape="0">
-              <a:prstClr val="black">
-                <a:alpha val="40000"/>
-              </a:prstClr>
-            </a:outerShdw>
-          </a:effectLst>
         </p:spPr>
         <p:style>
           <a:lnRef idx="2">
-            <a:schemeClr val="accent1">
-              <a:shade val="50000"/>
-            </a:schemeClr>
+            <a:schemeClr val="dk1"/>
           </a:lnRef>
           <a:fillRef idx="1">
-            <a:schemeClr val="accent1"/>
+            <a:schemeClr val="lt1"/>
           </a:fillRef>
           <a:effectRef idx="0">
-            <a:schemeClr val="accent1"/>
+            <a:schemeClr val="dk1"/>
           </a:effectRef>
           <a:fontRef idx="minor">
-            <a:schemeClr val="lt1"/>
+            <a:schemeClr val="dk1"/>
           </a:fontRef>
         </p:style>
         <p:txBody>
@@ -19800,448 +20701,43 @@
       </p:sp>
       <p:sp>
         <p:nvSpPr>
-          <p:cNvPr id="13" name="圓角矩形圖說文字 12"/>
-          <p:cNvSpPr/>
+          <p:cNvPr id="3" name="文字方塊 2"/>
+          <p:cNvSpPr txBox="1"/>
           <p:nvPr/>
         </p:nvSpPr>
         <p:spPr>
           <a:xfrm>
-            <a:off x="2431120" y="1261147"/>
-            <a:ext cx="1472014" cy="691692"/>
-          </a:xfrm>
-          <a:prstGeom prst="wedgeRoundRectCallout">
-            <a:avLst>
-              <a:gd name="adj1" fmla="val 44552"/>
-              <a:gd name="adj2" fmla="val 73749"/>
-              <a:gd name="adj3" fmla="val 16667"/>
-            </a:avLst>
-          </a:prstGeom>
-          <a:ln/>
-        </p:spPr>
-        <p:style>
-          <a:lnRef idx="2">
-            <a:schemeClr val="accent2"/>
-          </a:lnRef>
-          <a:fillRef idx="1">
-            <a:schemeClr val="lt1"/>
-          </a:fillRef>
-          <a:effectRef idx="0">
-            <a:schemeClr val="accent2"/>
-          </a:effectRef>
-          <a:fontRef idx="minor">
-            <a:schemeClr val="dk1"/>
-          </a:fontRef>
-        </p:style>
-        <p:txBody>
-          <a:bodyPr rot="0" spcFirstLastPara="0" vertOverflow="overflow" horzOverflow="overflow" vert="horz" wrap="square" lIns="91440" tIns="45720" rIns="91440" bIns="45720" numCol="1" spcCol="0" rtlCol="0" fromWordArt="0" anchor="ctr" anchorCtr="0" forceAA="0" compatLnSpc="1">
-            <a:prstTxWarp prst="textNoShape">
-              <a:avLst/>
-            </a:prstTxWarp>
-            <a:noAutofit/>
-          </a:bodyPr>
-          <a:lstStyle/>
-          <a:p>
-            <a:pPr algn="ctr"/>
-            <a:r>
-              <a:rPr lang="zh-TW" altLang="en-US" sz="1800" dirty="0" smtClean="0"/>
-              <a:t>進階檢索</a:t>
-            </a:r>
-            <a:endParaRPr lang="zh-TW" altLang="en-US" sz="1800" dirty="0"/>
-          </a:p>
-        </p:txBody>
-      </p:sp>
-      <p:sp>
-        <p:nvSpPr>
-          <p:cNvPr id="14" name="圓角矩形圖說文字 13"/>
-          <p:cNvSpPr/>
-          <p:nvPr/>
-        </p:nvSpPr>
-        <p:spPr>
-          <a:xfrm>
-            <a:off x="6048557" y="2521578"/>
-            <a:ext cx="2140085" cy="691692"/>
-          </a:xfrm>
-          <a:prstGeom prst="wedgeRoundRectCallout">
-            <a:avLst>
-              <a:gd name="adj1" fmla="val -62263"/>
-              <a:gd name="adj2" fmla="val 24043"/>
-              <a:gd name="adj3" fmla="val 16667"/>
-            </a:avLst>
-          </a:prstGeom>
-          <a:ln/>
-        </p:spPr>
-        <p:style>
-          <a:lnRef idx="2">
-            <a:schemeClr val="accent2"/>
-          </a:lnRef>
-          <a:fillRef idx="1">
-            <a:schemeClr val="lt1"/>
-          </a:fillRef>
-          <a:effectRef idx="0">
-            <a:schemeClr val="accent2"/>
-          </a:effectRef>
-          <a:fontRef idx="minor">
-            <a:schemeClr val="dk1"/>
-          </a:fontRef>
-        </p:style>
-        <p:txBody>
-          <a:bodyPr rot="0" spcFirstLastPara="0" vertOverflow="overflow" horzOverflow="overflow" vert="horz" wrap="square" lIns="91440" tIns="45720" rIns="91440" bIns="45720" numCol="1" spcCol="0" rtlCol="0" fromWordArt="0" anchor="ctr" anchorCtr="0" forceAA="0" compatLnSpc="1">
-            <a:prstTxWarp prst="textNoShape">
-              <a:avLst/>
-            </a:prstTxWarp>
-            <a:noAutofit/>
-          </a:bodyPr>
-          <a:lstStyle/>
-          <a:p>
-            <a:pPr algn="ctr"/>
-            <a:r>
-              <a:rPr lang="zh-TW" altLang="en-US" sz="1800" dirty="0" smtClean="0"/>
-              <a:t>簡易檢索</a:t>
-            </a:r>
-            <a:endParaRPr lang="zh-TW" altLang="en-US" sz="1800" dirty="0"/>
-          </a:p>
-        </p:txBody>
-      </p:sp>
-      <p:sp>
-        <p:nvSpPr>
-          <p:cNvPr id="15" name="圓角矩形圖說文字 14"/>
-          <p:cNvSpPr/>
-          <p:nvPr/>
-        </p:nvSpPr>
-        <p:spPr>
-          <a:xfrm>
-            <a:off x="666751" y="2571502"/>
-            <a:ext cx="1666326" cy="552511"/>
-          </a:xfrm>
-          <a:prstGeom prst="wedgeRoundRectCallout">
-            <a:avLst>
-              <a:gd name="adj1" fmla="val 26098"/>
-              <a:gd name="adj2" fmla="val 99897"/>
-              <a:gd name="adj3" fmla="val 16667"/>
-            </a:avLst>
-          </a:prstGeom>
-          <a:ln/>
-        </p:spPr>
-        <p:style>
-          <a:lnRef idx="2">
-            <a:schemeClr val="accent2"/>
-          </a:lnRef>
-          <a:fillRef idx="1">
-            <a:schemeClr val="lt1"/>
-          </a:fillRef>
-          <a:effectRef idx="0">
-            <a:schemeClr val="accent2"/>
-          </a:effectRef>
-          <a:fontRef idx="minor">
-            <a:schemeClr val="dk1"/>
-          </a:fontRef>
-        </p:style>
-        <p:txBody>
-          <a:bodyPr rot="0" spcFirstLastPara="0" vertOverflow="overflow" horzOverflow="overflow" vert="horz" wrap="square" lIns="91440" tIns="45720" rIns="91440" bIns="45720" numCol="1" spcCol="0" rtlCol="0" fromWordArt="0" anchor="ctr" anchorCtr="0" forceAA="0" compatLnSpc="1">
-            <a:prstTxWarp prst="textNoShape">
-              <a:avLst/>
-            </a:prstTxWarp>
-            <a:noAutofit/>
-          </a:bodyPr>
-          <a:lstStyle/>
-          <a:p>
-            <a:pPr algn="ctr"/>
-            <a:r>
-              <a:rPr lang="en-US" altLang="zh-TW" sz="1800" dirty="0" smtClean="0"/>
-              <a:t>3-3. </a:t>
-            </a:r>
-            <a:r>
-              <a:rPr lang="zh-TW" altLang="en-US" sz="1800" dirty="0" smtClean="0"/>
-              <a:t>層面檢索</a:t>
-            </a:r>
-            <a:endParaRPr lang="zh-TW" altLang="en-US" sz="1800" dirty="0"/>
-          </a:p>
-        </p:txBody>
-      </p:sp>
-      <p:sp>
-        <p:nvSpPr>
-          <p:cNvPr id="16" name="圓角矩形圖說文字 15"/>
-          <p:cNvSpPr/>
-          <p:nvPr/>
-        </p:nvSpPr>
-        <p:spPr>
-          <a:xfrm>
-            <a:off x="6535135" y="4552888"/>
-            <a:ext cx="1874228" cy="552511"/>
-          </a:xfrm>
-          <a:prstGeom prst="wedgeRoundRectCallout">
-            <a:avLst>
-              <a:gd name="adj1" fmla="val -86808"/>
-              <a:gd name="adj2" fmla="val -15608"/>
-              <a:gd name="adj3" fmla="val 16667"/>
-            </a:avLst>
-          </a:prstGeom>
-          <a:ln/>
-        </p:spPr>
-        <p:style>
-          <a:lnRef idx="2">
-            <a:schemeClr val="accent2"/>
-          </a:lnRef>
-          <a:fillRef idx="1">
-            <a:schemeClr val="lt1"/>
-          </a:fillRef>
-          <a:effectRef idx="0">
-            <a:schemeClr val="accent2"/>
-          </a:effectRef>
-          <a:fontRef idx="minor">
-            <a:schemeClr val="dk1"/>
-          </a:fontRef>
-        </p:style>
-        <p:txBody>
-          <a:bodyPr rot="0" spcFirstLastPara="0" vertOverflow="overflow" horzOverflow="overflow" vert="horz" wrap="square" lIns="91440" tIns="45720" rIns="91440" bIns="45720" numCol="1" spcCol="0" rtlCol="0" fromWordArt="0" anchor="ctr" anchorCtr="0" forceAA="0" compatLnSpc="1">
-            <a:prstTxWarp prst="textNoShape">
-              <a:avLst/>
-            </a:prstTxWarp>
-            <a:noAutofit/>
-          </a:bodyPr>
-          <a:lstStyle/>
-          <a:p>
-            <a:pPr algn="ctr"/>
-            <a:r>
-              <a:rPr lang="en-US" altLang="zh-TW" sz="1800" dirty="0" smtClean="0"/>
-              <a:t>3-1. </a:t>
-            </a:r>
-            <a:r>
-              <a:rPr lang="zh-TW" altLang="en-US" sz="1800" dirty="0" smtClean="0"/>
-              <a:t>摘要欄位</a:t>
-            </a:r>
-            <a:endParaRPr lang="zh-TW" altLang="en-US" sz="1800" dirty="0"/>
-          </a:p>
-        </p:txBody>
-      </p:sp>
-      <p:sp>
-        <p:nvSpPr>
-          <p:cNvPr id="19" name="圓角矩形 18"/>
-          <p:cNvSpPr/>
-          <p:nvPr/>
-        </p:nvSpPr>
-        <p:spPr>
-          <a:xfrm>
-            <a:off x="3790583" y="2467429"/>
-            <a:ext cx="1957074" cy="374988"/>
-          </a:xfrm>
-          <a:prstGeom prst="roundRect">
+            <a:off x="1549228" y="2019090"/>
+            <a:ext cx="2498381" cy="369332"/>
+          </a:xfrm>
+          <a:prstGeom prst="rect">
             <a:avLst/>
           </a:prstGeom>
           <a:noFill/>
-          <a:ln w="38100">
-            <a:solidFill>
-              <a:srgbClr val="FF0000"/>
-            </a:solidFill>
-          </a:ln>
-          <a:effectLst>
-            <a:outerShdw blurRad="50800" dist="38100" dir="2700000" algn="tl" rotWithShape="0">
-              <a:prstClr val="black">
-                <a:alpha val="40000"/>
-              </a:prstClr>
-            </a:outerShdw>
-          </a:effectLst>
         </p:spPr>
-        <p:style>
-          <a:lnRef idx="2">
-            <a:schemeClr val="accent1">
-              <a:shade val="50000"/>
-            </a:schemeClr>
-          </a:lnRef>
-          <a:fillRef idx="1">
-            <a:schemeClr val="accent1"/>
-          </a:fillRef>
-          <a:effectRef idx="0">
-            <a:schemeClr val="accent1"/>
-          </a:effectRef>
-          <a:fontRef idx="minor">
-            <a:schemeClr val="lt1"/>
-          </a:fontRef>
-        </p:style>
-        <p:txBody>
-          <a:bodyPr rot="0" spcFirstLastPara="0" vertOverflow="overflow" horzOverflow="overflow" vert="horz" wrap="square" lIns="91440" tIns="45720" rIns="91440" bIns="45720" numCol="1" spcCol="0" rtlCol="0" fromWordArt="0" anchor="ctr" anchorCtr="0" forceAA="0" compatLnSpc="1">
-            <a:prstTxWarp prst="textNoShape">
-              <a:avLst/>
-            </a:prstTxWarp>
-            <a:noAutofit/>
+        <p:txBody>
+          <a:bodyPr wrap="square" rtlCol="0">
+            <a:spAutoFit/>
           </a:bodyPr>
           <a:lstStyle/>
           <a:p>
             <a:pPr algn="ctr"/>
-            <a:endParaRPr lang="zh-TW" altLang="en-US" sz="1800"/>
-          </a:p>
-        </p:txBody>
-      </p:sp>
-      <p:sp>
-        <p:nvSpPr>
-          <p:cNvPr id="20" name="圓角矩形圖說文字 19"/>
-          <p:cNvSpPr/>
-          <p:nvPr/>
-        </p:nvSpPr>
-        <p:spPr>
-          <a:xfrm>
-            <a:off x="5535967" y="1261147"/>
-            <a:ext cx="2140085" cy="691692"/>
-          </a:xfrm>
-          <a:prstGeom prst="wedgeRoundRectCallout">
-            <a:avLst>
-              <a:gd name="adj1" fmla="val -44221"/>
-              <a:gd name="adj2" fmla="val 141421"/>
-              <a:gd name="adj3" fmla="val 16667"/>
-            </a:avLst>
-          </a:prstGeom>
-          <a:ln/>
-        </p:spPr>
-        <p:style>
-          <a:lnRef idx="2">
-            <a:schemeClr val="accent2"/>
-          </a:lnRef>
-          <a:fillRef idx="1">
-            <a:schemeClr val="lt1"/>
-          </a:fillRef>
-          <a:effectRef idx="0">
-            <a:schemeClr val="accent2"/>
-          </a:effectRef>
-          <a:fontRef idx="minor">
-            <a:schemeClr val="dk1"/>
-          </a:fontRef>
-        </p:style>
-        <p:txBody>
-          <a:bodyPr rot="0" spcFirstLastPara="0" vertOverflow="overflow" horzOverflow="overflow" vert="horz" wrap="square" lIns="91440" tIns="45720" rIns="91440" bIns="45720" numCol="1" spcCol="0" rtlCol="0" fromWordArt="0" anchor="ctr" anchorCtr="0" forceAA="0" compatLnSpc="1">
-            <a:prstTxWarp prst="textNoShape">
-              <a:avLst/>
-            </a:prstTxWarp>
-            <a:noAutofit/>
-          </a:bodyPr>
-          <a:lstStyle/>
-          <a:p>
-            <a:pPr algn="ctr"/>
+            <a:r>
+              <a:rPr lang="zh-TW" altLang="en-US" sz="1800" dirty="0" smtClean="0"/>
+              <a:t>步驟好多啊</a:t>
+            </a:r>
             <a:r>
               <a:rPr lang="en-US" altLang="zh-TW" sz="1800" dirty="0" smtClean="0"/>
-              <a:t>3-3. </a:t>
-            </a:r>
-            <a:r>
-              <a:rPr lang="zh-TW" altLang="en-US" sz="1800" dirty="0" smtClean="0"/>
-              <a:t>網站標題</a:t>
-            </a:r>
-            <a:endParaRPr lang="zh-TW" altLang="en-US" sz="1800" dirty="0"/>
-          </a:p>
-        </p:txBody>
-      </p:sp>
-      <p:sp>
-        <p:nvSpPr>
-          <p:cNvPr id="17" name="圓角矩形 16"/>
-          <p:cNvSpPr/>
-          <p:nvPr/>
-        </p:nvSpPr>
-        <p:spPr>
-          <a:xfrm>
-            <a:off x="4752974" y="2178449"/>
-            <a:ext cx="651933" cy="200022"/>
-          </a:xfrm>
-          <a:prstGeom prst="roundRect">
-            <a:avLst/>
-          </a:prstGeom>
-          <a:noFill/>
-          <a:ln w="38100">
-            <a:solidFill>
-              <a:srgbClr val="FF0000"/>
-            </a:solidFill>
-          </a:ln>
-          <a:effectLst>
-            <a:outerShdw blurRad="50800" dist="38100" dir="2700000" algn="tl" rotWithShape="0">
-              <a:prstClr val="black">
-                <a:alpha val="40000"/>
-              </a:prstClr>
-            </a:outerShdw>
-          </a:effectLst>
-        </p:spPr>
-        <p:style>
-          <a:lnRef idx="2">
-            <a:schemeClr val="accent1">
-              <a:shade val="50000"/>
-            </a:schemeClr>
-          </a:lnRef>
-          <a:fillRef idx="1">
-            <a:schemeClr val="accent1"/>
-          </a:fillRef>
-          <a:effectRef idx="0">
-            <a:schemeClr val="accent1"/>
-          </a:effectRef>
-          <a:fontRef idx="minor">
-            <a:schemeClr val="lt1"/>
-          </a:fontRef>
-        </p:style>
-        <p:txBody>
-          <a:bodyPr rot="0" spcFirstLastPara="0" vertOverflow="overflow" horzOverflow="overflow" vert="horz" wrap="square" lIns="91440" tIns="45720" rIns="91440" bIns="45720" numCol="1" spcCol="0" rtlCol="0" fromWordArt="0" anchor="ctr" anchorCtr="0" forceAA="0" compatLnSpc="1">
-            <a:prstTxWarp prst="textNoShape">
-              <a:avLst/>
-            </a:prstTxWarp>
-            <a:noAutofit/>
-          </a:bodyPr>
-          <a:lstStyle/>
-          <a:p>
-            <a:pPr algn="ctr"/>
-            <a:endParaRPr lang="zh-TW" altLang="en-US" sz="1800"/>
-          </a:p>
-        </p:txBody>
-      </p:sp>
-      <p:sp>
-        <p:nvSpPr>
-          <p:cNvPr id="21" name="圓角矩形圖說文字 20"/>
-          <p:cNvSpPr/>
-          <p:nvPr/>
-        </p:nvSpPr>
-        <p:spPr>
-          <a:xfrm>
-            <a:off x="3938876" y="1261147"/>
-            <a:ext cx="1472014" cy="691692"/>
-          </a:xfrm>
-          <a:prstGeom prst="wedgeRoundRectCallout">
-            <a:avLst>
-              <a:gd name="adj1" fmla="val 29023"/>
-              <a:gd name="adj2" fmla="val 73749"/>
-              <a:gd name="adj3" fmla="val 16667"/>
-            </a:avLst>
-          </a:prstGeom>
-          <a:ln/>
-        </p:spPr>
-        <p:style>
-          <a:lnRef idx="2">
-            <a:schemeClr val="accent2"/>
-          </a:lnRef>
-          <a:fillRef idx="1">
-            <a:schemeClr val="lt1"/>
-          </a:fillRef>
-          <a:effectRef idx="0">
-            <a:schemeClr val="accent2"/>
-          </a:effectRef>
-          <a:fontRef idx="minor">
-            <a:schemeClr val="dk1"/>
-          </a:fontRef>
-        </p:style>
-        <p:txBody>
-          <a:bodyPr rot="0" spcFirstLastPara="0" vertOverflow="overflow" horzOverflow="overflow" vert="horz" wrap="square" lIns="91440" tIns="45720" rIns="91440" bIns="45720" numCol="1" spcCol="0" rtlCol="0" fromWordArt="0" anchor="ctr" anchorCtr="0" forceAA="0" compatLnSpc="1">
-            <a:prstTxWarp prst="textNoShape">
-              <a:avLst/>
-            </a:prstTxWarp>
-            <a:noAutofit/>
-          </a:bodyPr>
-          <a:lstStyle/>
-          <a:p>
-            <a:pPr algn="ctr"/>
-            <a:r>
-              <a:rPr lang="zh-TW" altLang="en-US" sz="1800" dirty="0" smtClean="0"/>
-              <a:t>管理介面</a:t>
-            </a:r>
-            <a:endParaRPr lang="zh-TW" altLang="en-US" sz="1800" dirty="0"/>
+              <a:t>…</a:t>
+            </a:r>
+            <a:endParaRPr lang="zh-TW" altLang="en-US" sz="1800" dirty="0" smtClean="0"/>
           </a:p>
         </p:txBody>
       </p:sp>
     </p:spTree>
     <p:extLst>
       <p:ext uri="{BB962C8B-B14F-4D97-AF65-F5344CB8AC3E}">
-        <p14:creationId xmlns:p14="http://schemas.microsoft.com/office/powerpoint/2010/main" val="1432130451"/>
+        <p14:creationId xmlns:p14="http://schemas.microsoft.com/office/powerpoint/2010/main" val="3988679280"/>
       </p:ext>
     </p:extLst>
   </p:cSld>
@@ -20277,379 +20773,6 @@
       </p:grpSpPr>
       <p:sp>
         <p:nvSpPr>
-          <p:cNvPr id="8" name="標題 7"/>
-          <p:cNvSpPr>
-            <a:spLocks noGrp="1"/>
-          </p:cNvSpPr>
-          <p:nvPr>
-            <p:ph type="title"/>
-          </p:nvPr>
-        </p:nvSpPr>
-        <p:spPr/>
-        <p:txBody>
-          <a:bodyPr/>
-          <a:lstStyle/>
-          <a:p>
-            <a:r>
-              <a:rPr lang="zh-TW" altLang="en-US" dirty="0" smtClean="0"/>
-              <a:t>詳細欄位</a:t>
-            </a:r>
-            <a:endParaRPr lang="zh-TW" altLang="en-US" dirty="0"/>
-          </a:p>
-        </p:txBody>
-      </p:sp>
-      <p:sp>
-        <p:nvSpPr>
-          <p:cNvPr id="9" name="內容版面配置區 8"/>
-          <p:cNvSpPr>
-            <a:spLocks noGrp="1"/>
-          </p:cNvSpPr>
-          <p:nvPr>
-            <p:ph idx="1"/>
-          </p:nvPr>
-        </p:nvSpPr>
-        <p:spPr/>
-        <p:txBody>
-          <a:bodyPr/>
-          <a:lstStyle/>
-          <a:p>
-            <a:endParaRPr lang="zh-TW" altLang="en-US"/>
-          </a:p>
-        </p:txBody>
-      </p:sp>
-      <p:sp>
-        <p:nvSpPr>
-          <p:cNvPr id="2" name="投影片編號版面配置區 1"/>
-          <p:cNvSpPr>
-            <a:spLocks noGrp="1"/>
-          </p:cNvSpPr>
-          <p:nvPr>
-            <p:ph type="sldNum" sz="quarter" idx="12"/>
-          </p:nvPr>
-        </p:nvSpPr>
-        <p:spPr/>
-        <p:txBody>
-          <a:bodyPr/>
-          <a:lstStyle/>
-          <a:p>
-            <a:fld id="{A0CF5734-5191-4A1A-B94E-B3464C9CF480}" type="slidenum">
-              <a:rPr lang="zh-TW" altLang="en-US" smtClean="0"/>
-              <a:t>39</a:t>
-            </a:fld>
-            <a:endParaRPr lang="zh-TW" altLang="en-US"/>
-          </a:p>
-        </p:txBody>
-      </p:sp>
-      <p:sp>
-        <p:nvSpPr>
-          <p:cNvPr id="10" name="文字版面配置區 9"/>
-          <p:cNvSpPr>
-            <a:spLocks noGrp="1"/>
-          </p:cNvSpPr>
-          <p:nvPr>
-            <p:ph type="body" sz="quarter" idx="13"/>
-          </p:nvPr>
-        </p:nvSpPr>
-        <p:spPr/>
-        <p:txBody>
-          <a:bodyPr/>
-          <a:lstStyle/>
-          <a:p>
-            <a:endParaRPr lang="zh-TW" altLang="en-US"/>
-          </a:p>
-        </p:txBody>
-      </p:sp>
-      <p:pic>
-        <p:nvPicPr>
-          <p:cNvPr id="3" name="圖片 2"/>
-          <p:cNvPicPr>
-            <a:picLocks noChangeAspect="1"/>
-          </p:cNvPicPr>
-          <p:nvPr/>
-        </p:nvPicPr>
-        <p:blipFill>
-          <a:blip r:embed="rId2"/>
-          <a:stretch>
-            <a:fillRect/>
-          </a:stretch>
-        </p:blipFill>
-        <p:spPr>
-          <a:xfrm>
-            <a:off x="1238250" y="1972859"/>
-            <a:ext cx="6610350" cy="4315632"/>
-          </a:xfrm>
-          <a:prstGeom prst="rect">
-            <a:avLst/>
-          </a:prstGeom>
-        </p:spPr>
-      </p:pic>
-      <p:sp>
-        <p:nvSpPr>
-          <p:cNvPr id="4" name="圓角矩形 3"/>
-          <p:cNvSpPr/>
-          <p:nvPr/>
-        </p:nvSpPr>
-        <p:spPr>
-          <a:xfrm>
-            <a:off x="1162051" y="4587875"/>
-            <a:ext cx="2524124" cy="1773238"/>
-          </a:xfrm>
-          <a:prstGeom prst="roundRect">
-            <a:avLst/>
-          </a:prstGeom>
-          <a:noFill/>
-          <a:ln w="38100">
-            <a:solidFill>
-              <a:srgbClr val="FF0000"/>
-            </a:solidFill>
-          </a:ln>
-          <a:effectLst>
-            <a:outerShdw blurRad="50800" dist="38100" dir="2700000" algn="tl" rotWithShape="0">
-              <a:prstClr val="black">
-                <a:alpha val="40000"/>
-              </a:prstClr>
-            </a:outerShdw>
-          </a:effectLst>
-        </p:spPr>
-        <p:style>
-          <a:lnRef idx="2">
-            <a:schemeClr val="accent1">
-              <a:shade val="50000"/>
-            </a:schemeClr>
-          </a:lnRef>
-          <a:fillRef idx="1">
-            <a:schemeClr val="accent1"/>
-          </a:fillRef>
-          <a:effectRef idx="0">
-            <a:schemeClr val="accent1"/>
-          </a:effectRef>
-          <a:fontRef idx="minor">
-            <a:schemeClr val="lt1"/>
-          </a:fontRef>
-        </p:style>
-        <p:txBody>
-          <a:bodyPr rot="0" spcFirstLastPara="0" vertOverflow="overflow" horzOverflow="overflow" vert="horz" wrap="square" lIns="91440" tIns="45720" rIns="91440" bIns="45720" numCol="1" spcCol="0" rtlCol="0" fromWordArt="0" anchor="ctr" anchorCtr="0" forceAA="0" compatLnSpc="1">
-            <a:prstTxWarp prst="textNoShape">
-              <a:avLst/>
-            </a:prstTxWarp>
-            <a:noAutofit/>
-          </a:bodyPr>
-          <a:lstStyle/>
-          <a:p>
-            <a:pPr algn="ctr"/>
-            <a:endParaRPr lang="zh-TW" altLang="en-US" sz="1800"/>
-          </a:p>
-        </p:txBody>
-      </p:sp>
-      <p:sp>
-        <p:nvSpPr>
-          <p:cNvPr id="5" name="圓角矩形 4"/>
-          <p:cNvSpPr/>
-          <p:nvPr/>
-        </p:nvSpPr>
-        <p:spPr>
-          <a:xfrm>
-            <a:off x="1162050" y="2949575"/>
-            <a:ext cx="3181349" cy="1638300"/>
-          </a:xfrm>
-          <a:prstGeom prst="roundRect">
-            <a:avLst/>
-          </a:prstGeom>
-          <a:noFill/>
-          <a:ln w="38100">
-            <a:solidFill>
-              <a:srgbClr val="FF0000"/>
-            </a:solidFill>
-          </a:ln>
-          <a:effectLst>
-            <a:outerShdw blurRad="50800" dist="38100" dir="2700000" algn="tl" rotWithShape="0">
-              <a:prstClr val="black">
-                <a:alpha val="40000"/>
-              </a:prstClr>
-            </a:outerShdw>
-          </a:effectLst>
-        </p:spPr>
-        <p:style>
-          <a:lnRef idx="2">
-            <a:schemeClr val="accent1">
-              <a:shade val="50000"/>
-            </a:schemeClr>
-          </a:lnRef>
-          <a:fillRef idx="1">
-            <a:schemeClr val="accent1"/>
-          </a:fillRef>
-          <a:effectRef idx="0">
-            <a:schemeClr val="accent1"/>
-          </a:effectRef>
-          <a:fontRef idx="minor">
-            <a:schemeClr val="lt1"/>
-          </a:fontRef>
-        </p:style>
-        <p:txBody>
-          <a:bodyPr rot="0" spcFirstLastPara="0" vertOverflow="overflow" horzOverflow="overflow" vert="horz" wrap="square" lIns="91440" tIns="45720" rIns="91440" bIns="45720" numCol="1" spcCol="0" rtlCol="0" fromWordArt="0" anchor="ctr" anchorCtr="0" forceAA="0" compatLnSpc="1">
-            <a:prstTxWarp prst="textNoShape">
-              <a:avLst/>
-            </a:prstTxWarp>
-            <a:noAutofit/>
-          </a:bodyPr>
-          <a:lstStyle/>
-          <a:p>
-            <a:pPr algn="ctr"/>
-            <a:endParaRPr lang="zh-TW" altLang="en-US" sz="1800"/>
-          </a:p>
-        </p:txBody>
-      </p:sp>
-      <p:sp>
-        <p:nvSpPr>
-          <p:cNvPr id="6" name="圓角矩形圖說文字 5"/>
-          <p:cNvSpPr/>
-          <p:nvPr/>
-        </p:nvSpPr>
-        <p:spPr>
-          <a:xfrm>
-            <a:off x="4731229" y="3358902"/>
-            <a:ext cx="1669571" cy="552511"/>
-          </a:xfrm>
-          <a:prstGeom prst="wedgeRoundRectCallout">
-            <a:avLst>
-              <a:gd name="adj1" fmla="val -74536"/>
-              <a:gd name="adj2" fmla="val -5264"/>
-              <a:gd name="adj3" fmla="val 16667"/>
-            </a:avLst>
-          </a:prstGeom>
-          <a:ln/>
-        </p:spPr>
-        <p:style>
-          <a:lnRef idx="2">
-            <a:schemeClr val="accent2"/>
-          </a:lnRef>
-          <a:fillRef idx="1">
-            <a:schemeClr val="lt1"/>
-          </a:fillRef>
-          <a:effectRef idx="0">
-            <a:schemeClr val="accent2"/>
-          </a:effectRef>
-          <a:fontRef idx="minor">
-            <a:schemeClr val="dk1"/>
-          </a:fontRef>
-        </p:style>
-        <p:txBody>
-          <a:bodyPr rot="0" spcFirstLastPara="0" vertOverflow="overflow" horzOverflow="overflow" vert="horz" wrap="square" lIns="91440" tIns="45720" rIns="91440" bIns="45720" numCol="1" spcCol="0" rtlCol="0" fromWordArt="0" anchor="ctr" anchorCtr="0" forceAA="0" compatLnSpc="1">
-            <a:prstTxWarp prst="textNoShape">
-              <a:avLst/>
-            </a:prstTxWarp>
-            <a:noAutofit/>
-          </a:bodyPr>
-          <a:lstStyle/>
-          <a:p>
-            <a:pPr algn="ctr"/>
-            <a:r>
-              <a:rPr lang="en-US" altLang="zh-TW" sz="1800" dirty="0" smtClean="0"/>
-              <a:t>3-2. </a:t>
-            </a:r>
-            <a:r>
-              <a:rPr lang="zh-TW" altLang="en-US" sz="1800" dirty="0" smtClean="0"/>
-              <a:t>詳細欄位</a:t>
-            </a:r>
-            <a:endParaRPr lang="zh-TW" altLang="en-US" sz="1800" dirty="0"/>
-          </a:p>
-        </p:txBody>
-      </p:sp>
-      <p:sp>
-        <p:nvSpPr>
-          <p:cNvPr id="7" name="圓角矩形圖說文字 6"/>
-          <p:cNvSpPr/>
-          <p:nvPr/>
-        </p:nvSpPr>
-        <p:spPr>
-          <a:xfrm>
-            <a:off x="4100431" y="5198238"/>
-            <a:ext cx="2024144" cy="552511"/>
-          </a:xfrm>
-          <a:prstGeom prst="wedgeRoundRectCallout">
-            <a:avLst>
-              <a:gd name="adj1" fmla="val -74536"/>
-              <a:gd name="adj2" fmla="val -5264"/>
-              <a:gd name="adj3" fmla="val 16667"/>
-            </a:avLst>
-          </a:prstGeom>
-          <a:ln/>
-        </p:spPr>
-        <p:style>
-          <a:lnRef idx="2">
-            <a:schemeClr val="accent2"/>
-          </a:lnRef>
-          <a:fillRef idx="1">
-            <a:schemeClr val="lt1"/>
-          </a:fillRef>
-          <a:effectRef idx="0">
-            <a:schemeClr val="accent2"/>
-          </a:effectRef>
-          <a:fontRef idx="minor">
-            <a:schemeClr val="dk1"/>
-          </a:fontRef>
-        </p:style>
-        <p:txBody>
-          <a:bodyPr rot="0" spcFirstLastPara="0" vertOverflow="overflow" horzOverflow="overflow" vert="horz" wrap="square" lIns="91440" tIns="45720" rIns="91440" bIns="45720" numCol="1" spcCol="0" rtlCol="0" fromWordArt="0" anchor="ctr" anchorCtr="0" forceAA="0" compatLnSpc="1">
-            <a:prstTxWarp prst="textNoShape">
-              <a:avLst/>
-            </a:prstTxWarp>
-            <a:noAutofit/>
-          </a:bodyPr>
-          <a:lstStyle/>
-          <a:p>
-            <a:pPr algn="ctr"/>
-            <a:r>
-              <a:rPr lang="en-US" altLang="zh-TW" sz="1800" dirty="0" smtClean="0"/>
-              <a:t>3-4. </a:t>
-            </a:r>
-            <a:r>
-              <a:rPr lang="zh-TW" altLang="en-US" sz="1800" dirty="0" smtClean="0"/>
-              <a:t>類似物件</a:t>
-            </a:r>
-            <a:endParaRPr lang="zh-TW" altLang="en-US" sz="1800" dirty="0"/>
-          </a:p>
-        </p:txBody>
-      </p:sp>
-    </p:spTree>
-    <p:extLst>
-      <p:ext uri="{BB962C8B-B14F-4D97-AF65-F5344CB8AC3E}">
-        <p14:creationId xmlns:p14="http://schemas.microsoft.com/office/powerpoint/2010/main" val="1013627697"/>
-      </p:ext>
-    </p:extLst>
-  </p:cSld>
-  <p:clrMapOvr>
-    <a:masterClrMapping/>
-  </p:clrMapOvr>
-  <p:timing>
-    <p:tnLst>
-      <p:par>
-        <p:cTn id="1" dur="indefinite" restart="never" nodeType="tmRoot"/>
-      </p:par>
-    </p:tnLst>
-  </p:timing>
-</p:sld>
-</file>
-
-<file path=ppt/slides/slide4.xml><?xml version="1.0" encoding="utf-8"?>
-<p:sld xmlns:a="http://schemas.openxmlformats.org/drawingml/2006/main" xmlns:r="http://schemas.openxmlformats.org/officeDocument/2006/relationships" xmlns:p="http://schemas.openxmlformats.org/presentationml/2006/main">
-  <p:cSld>
-    <p:spTree>
-      <p:nvGrpSpPr>
-        <p:cNvPr id="1" name=""/>
-        <p:cNvGrpSpPr/>
-        <p:nvPr/>
-      </p:nvGrpSpPr>
-      <p:grpSpPr>
-        <a:xfrm>
-          <a:off x="0" y="0"/>
-          <a:ext cx="0" cy="0"/>
-          <a:chOff x="0" y="0"/>
-          <a:chExt cx="0" cy="0"/>
-        </a:xfrm>
-      </p:grpSpPr>
-      <p:sp>
-        <p:nvSpPr>
           <p:cNvPr id="2" name="標題 1"/>
           <p:cNvSpPr>
             <a:spLocks noGrp="1"/>
@@ -20665,922 +20788,7 @@
           <a:p>
             <a:r>
               <a:rPr lang="zh-TW" altLang="en-US" dirty="0" smtClean="0"/>
-              <a:t>作業說明</a:t>
-            </a:r>
-            <a:endParaRPr lang="zh-TW" altLang="en-US" dirty="0"/>
-          </a:p>
-        </p:txBody>
-      </p:sp>
-      <p:sp>
-        <p:nvSpPr>
-          <p:cNvPr id="3" name="內容版面配置區 2"/>
-          <p:cNvSpPr>
-            <a:spLocks noGrp="1"/>
-          </p:cNvSpPr>
-          <p:nvPr>
-            <p:ph idx="1"/>
-          </p:nvPr>
-        </p:nvSpPr>
-        <p:spPr>
-          <a:xfrm>
-            <a:off x="822959" y="1845734"/>
-            <a:ext cx="7543801" cy="4345516"/>
-          </a:xfrm>
-        </p:spPr>
-        <p:txBody>
-          <a:bodyPr>
-            <a:normAutofit/>
-          </a:bodyPr>
-          <a:lstStyle/>
-          <a:p>
-            <a:r>
-              <a:rPr lang="zh-TW" altLang="en-US" dirty="0" smtClean="0"/>
-              <a:t>個人作業：</a:t>
-            </a:r>
-            <a:endParaRPr lang="en-US" altLang="zh-TW" dirty="0" smtClean="0"/>
-          </a:p>
-          <a:p>
-            <a:pPr lvl="1"/>
-            <a:r>
-              <a:rPr lang="zh-TW" altLang="en-US" dirty="0"/>
-              <a:t>請</a:t>
-            </a:r>
-            <a:r>
-              <a:rPr lang="zh-TW" altLang="en-US" dirty="0" smtClean="0"/>
-              <a:t>以隨身碟保存您的</a:t>
-            </a:r>
-            <a:r>
-              <a:rPr lang="en-US" altLang="zh-TW" dirty="0" smtClean="0"/>
-              <a:t>Solr</a:t>
-            </a:r>
-            <a:r>
-              <a:rPr lang="zh-TW" altLang="en-US" dirty="0" smtClean="0"/>
-              <a:t>系統</a:t>
-            </a:r>
-            <a:endParaRPr lang="en-US" altLang="zh-TW" dirty="0" smtClean="0"/>
-          </a:p>
-          <a:p>
-            <a:r>
-              <a:rPr lang="zh-TW" altLang="en-US" dirty="0" smtClean="0"/>
-              <a:t>完成等級：</a:t>
-            </a:r>
-            <a:endParaRPr lang="en-US" altLang="zh-TW" dirty="0" smtClean="0"/>
-          </a:p>
-          <a:p>
-            <a:pPr marL="658368" lvl="1" indent="-457200">
-              <a:buFont typeface="+mj-lt"/>
-              <a:buAutoNum type="arabicPeriod"/>
-            </a:pPr>
-            <a:r>
-              <a:rPr lang="zh-TW" altLang="en-US" dirty="0" smtClean="0"/>
-              <a:t>照講義地建置了</a:t>
-            </a:r>
-            <a:r>
-              <a:rPr lang="en-US" altLang="zh-TW" dirty="0" smtClean="0"/>
-              <a:t>Solr</a:t>
-            </a:r>
-            <a:r>
-              <a:rPr lang="zh-TW" altLang="en-US" dirty="0" smtClean="0"/>
-              <a:t>系統、匯入了資料與修改了網頁標題</a:t>
-            </a:r>
-            <a:endParaRPr lang="en-US" altLang="zh-TW" dirty="0" smtClean="0"/>
-          </a:p>
-          <a:p>
-            <a:pPr marL="658368" lvl="1" indent="-457200">
-              <a:buFont typeface="+mj-lt"/>
-              <a:buAutoNum type="arabicPeriod"/>
-            </a:pPr>
-            <a:r>
-              <a:rPr lang="zh-TW" altLang="en-US" dirty="0" smtClean="0"/>
-              <a:t>規劃主題建置資料，並且資料超過</a:t>
-            </a:r>
-            <a:r>
-              <a:rPr lang="en-US" altLang="zh-TW" dirty="0" smtClean="0"/>
-              <a:t>500</a:t>
-            </a:r>
-            <a:r>
-              <a:rPr lang="zh-TW" altLang="en-US" dirty="0" smtClean="0"/>
-              <a:t>筆以上</a:t>
-            </a:r>
-            <a:endParaRPr lang="en-US" altLang="zh-TW" dirty="0" smtClean="0"/>
-          </a:p>
-          <a:p>
-            <a:pPr marL="658368" lvl="1" indent="-457200">
-              <a:buFont typeface="+mj-lt"/>
-              <a:buAutoNum type="arabicPeriod"/>
-            </a:pPr>
-            <a:r>
-              <a:rPr lang="zh-TW" altLang="en-US" dirty="0" smtClean="0"/>
-              <a:t>修改了資料欄位與層面檢索</a:t>
-            </a:r>
-            <a:endParaRPr lang="en-US" altLang="zh-TW" dirty="0" smtClean="0"/>
-          </a:p>
-          <a:p>
-            <a:pPr marL="658368" lvl="1" indent="-457200">
-              <a:buFont typeface="+mj-lt"/>
-              <a:buAutoNum type="arabicPeriod"/>
-            </a:pPr>
-            <a:r>
-              <a:rPr lang="zh-TW" altLang="en-US" dirty="0" smtClean="0"/>
-              <a:t>大幅度地調整了系統版面</a:t>
-            </a:r>
-            <a:endParaRPr lang="en-US" altLang="zh-TW" dirty="0" smtClean="0"/>
-          </a:p>
-          <a:p>
-            <a:pPr marL="658368" lvl="1" indent="-457200">
-              <a:buFont typeface="+mj-lt"/>
-              <a:buAutoNum type="arabicPeriod"/>
-            </a:pPr>
-            <a:r>
-              <a:rPr lang="zh-TW" altLang="en-US" dirty="0" smtClean="0"/>
-              <a:t>找出講義沒提及的功能</a:t>
-            </a:r>
-            <a:endParaRPr lang="en-US" altLang="zh-TW" dirty="0" smtClean="0"/>
-          </a:p>
-          <a:p>
-            <a:r>
-              <a:rPr lang="zh-TW" altLang="en-US" dirty="0"/>
-              <a:t>作業呈現：</a:t>
-            </a:r>
-            <a:r>
-              <a:rPr lang="en-US" altLang="zh-TW" b="1" dirty="0">
-                <a:solidFill>
-                  <a:srgbClr val="FF0000"/>
-                </a:solidFill>
-              </a:rPr>
-              <a:t>5/22(</a:t>
-            </a:r>
-            <a:r>
-              <a:rPr lang="zh-TW" altLang="en-US" b="1" dirty="0">
-                <a:solidFill>
-                  <a:srgbClr val="FF0000"/>
-                </a:solidFill>
-              </a:rPr>
-              <a:t>五</a:t>
-            </a:r>
-            <a:r>
-              <a:rPr lang="en-US" altLang="zh-TW" b="1" dirty="0">
-                <a:solidFill>
-                  <a:srgbClr val="FF0000"/>
-                </a:solidFill>
-              </a:rPr>
-              <a:t>)</a:t>
-            </a:r>
-          </a:p>
-          <a:p>
-            <a:pPr lvl="1"/>
-            <a:r>
-              <a:rPr lang="zh-TW" altLang="en-US" dirty="0"/>
-              <a:t>以隨身碟儲存系統，帶到教師電腦來展示</a:t>
-            </a:r>
-            <a:endParaRPr lang="en-US" altLang="zh-TW" dirty="0"/>
-          </a:p>
-          <a:p>
-            <a:pPr lvl="1"/>
-            <a:r>
-              <a:rPr lang="zh-TW" altLang="en-US" dirty="0"/>
-              <a:t>展示重點：收錄資料主題、講義之外的系統</a:t>
-            </a:r>
-            <a:r>
-              <a:rPr lang="zh-TW" altLang="en-US" dirty="0" smtClean="0"/>
-              <a:t>調整</a:t>
-            </a:r>
-            <a:endParaRPr lang="zh-TW" altLang="en-US" dirty="0"/>
-          </a:p>
-        </p:txBody>
-      </p:sp>
-      <p:sp>
-        <p:nvSpPr>
-          <p:cNvPr id="4" name="投影片編號版面配置區 3"/>
-          <p:cNvSpPr>
-            <a:spLocks noGrp="1"/>
-          </p:cNvSpPr>
-          <p:nvPr>
-            <p:ph type="sldNum" sz="quarter" idx="12"/>
-          </p:nvPr>
-        </p:nvSpPr>
-        <p:spPr/>
-        <p:txBody>
-          <a:bodyPr/>
-          <a:lstStyle/>
-          <a:p>
-            <a:fld id="{A0CF5734-5191-4A1A-B94E-B3464C9CF480}" type="slidenum">
-              <a:rPr lang="zh-TW" altLang="en-US" smtClean="0"/>
-              <a:t>4</a:t>
-            </a:fld>
-            <a:endParaRPr lang="zh-TW" altLang="en-US" dirty="0"/>
-          </a:p>
-        </p:txBody>
-      </p:sp>
-    </p:spTree>
-    <p:extLst>
-      <p:ext uri="{BB962C8B-B14F-4D97-AF65-F5344CB8AC3E}">
-        <p14:creationId xmlns:p14="http://schemas.microsoft.com/office/powerpoint/2010/main" val="109055671"/>
-      </p:ext>
-    </p:extLst>
-  </p:cSld>
-  <p:clrMapOvr>
-    <a:masterClrMapping/>
-  </p:clrMapOvr>
-  <p:timing>
-    <p:tnLst>
-      <p:par>
-        <p:cTn id="1" dur="indefinite" restart="never" nodeType="tmRoot"/>
-      </p:par>
-    </p:tnLst>
-  </p:timing>
-</p:sld>
-</file>
-
-<file path=ppt/slides/slide40.xml><?xml version="1.0" encoding="utf-8"?>
-<p:sld xmlns:a="http://schemas.openxmlformats.org/drawingml/2006/main" xmlns:r="http://schemas.openxmlformats.org/officeDocument/2006/relationships" xmlns:p="http://schemas.openxmlformats.org/presentationml/2006/main">
-  <p:cSld>
-    <p:spTree>
-      <p:nvGrpSpPr>
-        <p:cNvPr id="1" name=""/>
-        <p:cNvGrpSpPr/>
-        <p:nvPr/>
-      </p:nvGrpSpPr>
-      <p:grpSpPr>
-        <a:xfrm>
-          <a:off x="0" y="0"/>
-          <a:ext cx="0" cy="0"/>
-          <a:chOff x="0" y="0"/>
-          <a:chExt cx="0" cy="0"/>
-        </a:xfrm>
-      </p:grpSpPr>
-      <p:sp>
-        <p:nvSpPr>
-          <p:cNvPr id="6" name="標題 5"/>
-          <p:cNvSpPr>
-            <a:spLocks noGrp="1"/>
-          </p:cNvSpPr>
-          <p:nvPr>
-            <p:ph type="title"/>
-          </p:nvPr>
-        </p:nvSpPr>
-        <p:spPr/>
-        <p:txBody>
-          <a:bodyPr/>
-          <a:lstStyle/>
-          <a:p>
-            <a:r>
-              <a:rPr lang="zh-TW" altLang="en-US" dirty="0" smtClean="0"/>
-              <a:t>進階檢索</a:t>
-            </a:r>
-            <a:endParaRPr lang="zh-TW" altLang="en-US" dirty="0"/>
-          </a:p>
-        </p:txBody>
-      </p:sp>
-      <p:sp>
-        <p:nvSpPr>
-          <p:cNvPr id="7" name="內容版面配置區 6"/>
-          <p:cNvSpPr>
-            <a:spLocks noGrp="1"/>
-          </p:cNvSpPr>
-          <p:nvPr>
-            <p:ph idx="1"/>
-          </p:nvPr>
-        </p:nvSpPr>
-        <p:spPr/>
-        <p:txBody>
-          <a:bodyPr/>
-          <a:lstStyle/>
-          <a:p>
-            <a:endParaRPr lang="zh-TW" altLang="en-US"/>
-          </a:p>
-        </p:txBody>
-      </p:sp>
-      <p:sp>
-        <p:nvSpPr>
-          <p:cNvPr id="2" name="投影片編號版面配置區 1"/>
-          <p:cNvSpPr>
-            <a:spLocks noGrp="1"/>
-          </p:cNvSpPr>
-          <p:nvPr>
-            <p:ph type="sldNum" sz="quarter" idx="12"/>
-          </p:nvPr>
-        </p:nvSpPr>
-        <p:spPr/>
-        <p:txBody>
-          <a:bodyPr/>
-          <a:lstStyle/>
-          <a:p>
-            <a:fld id="{A0CF5734-5191-4A1A-B94E-B3464C9CF480}" type="slidenum">
-              <a:rPr lang="zh-TW" altLang="en-US" smtClean="0"/>
-              <a:t>40</a:t>
-            </a:fld>
-            <a:endParaRPr lang="zh-TW" altLang="en-US"/>
-          </a:p>
-        </p:txBody>
-      </p:sp>
-      <p:sp>
-        <p:nvSpPr>
-          <p:cNvPr id="8" name="文字版面配置區 7"/>
-          <p:cNvSpPr>
-            <a:spLocks noGrp="1"/>
-          </p:cNvSpPr>
-          <p:nvPr>
-            <p:ph type="body" sz="quarter" idx="13"/>
-          </p:nvPr>
-        </p:nvSpPr>
-        <p:spPr/>
-        <p:txBody>
-          <a:bodyPr/>
-          <a:lstStyle/>
-          <a:p>
-            <a:endParaRPr lang="zh-TW" altLang="en-US"/>
-          </a:p>
-        </p:txBody>
-      </p:sp>
-      <p:pic>
-        <p:nvPicPr>
-          <p:cNvPr id="3" name="圖片 2"/>
-          <p:cNvPicPr>
-            <a:picLocks noChangeAspect="1"/>
-          </p:cNvPicPr>
-          <p:nvPr/>
-        </p:nvPicPr>
-        <p:blipFill>
-          <a:blip r:embed="rId2"/>
-          <a:stretch>
-            <a:fillRect/>
-          </a:stretch>
-        </p:blipFill>
-        <p:spPr>
-          <a:xfrm>
-            <a:off x="957943" y="1725600"/>
-            <a:ext cx="7228114" cy="4718946"/>
-          </a:xfrm>
-          <a:prstGeom prst="rect">
-            <a:avLst/>
-          </a:prstGeom>
-        </p:spPr>
-      </p:pic>
-      <p:sp>
-        <p:nvSpPr>
-          <p:cNvPr id="4" name="圓角矩形 3"/>
-          <p:cNvSpPr/>
-          <p:nvPr/>
-        </p:nvSpPr>
-        <p:spPr>
-          <a:xfrm>
-            <a:off x="1901371" y="2659044"/>
-            <a:ext cx="1741716" cy="1494972"/>
-          </a:xfrm>
-          <a:prstGeom prst="roundRect">
-            <a:avLst/>
-          </a:prstGeom>
-          <a:noFill/>
-          <a:ln w="38100">
-            <a:solidFill>
-              <a:srgbClr val="FF0000"/>
-            </a:solidFill>
-          </a:ln>
-          <a:effectLst>
-            <a:outerShdw blurRad="50800" dist="38100" dir="2700000" algn="tl" rotWithShape="0">
-              <a:prstClr val="black">
-                <a:alpha val="40000"/>
-              </a:prstClr>
-            </a:outerShdw>
-          </a:effectLst>
-        </p:spPr>
-        <p:style>
-          <a:lnRef idx="2">
-            <a:schemeClr val="accent1">
-              <a:shade val="50000"/>
-            </a:schemeClr>
-          </a:lnRef>
-          <a:fillRef idx="1">
-            <a:schemeClr val="accent1"/>
-          </a:fillRef>
-          <a:effectRef idx="0">
-            <a:schemeClr val="accent1"/>
-          </a:effectRef>
-          <a:fontRef idx="minor">
-            <a:schemeClr val="lt1"/>
-          </a:fontRef>
-        </p:style>
-        <p:txBody>
-          <a:bodyPr rot="0" spcFirstLastPara="0" vertOverflow="overflow" horzOverflow="overflow" vert="horz" wrap="square" lIns="91440" tIns="45720" rIns="91440" bIns="45720" numCol="1" spcCol="0" rtlCol="0" fromWordArt="0" anchor="ctr" anchorCtr="0" forceAA="0" compatLnSpc="1">
-            <a:prstTxWarp prst="textNoShape">
-              <a:avLst/>
-            </a:prstTxWarp>
-            <a:noAutofit/>
-          </a:bodyPr>
-          <a:lstStyle/>
-          <a:p>
-            <a:pPr algn="ctr"/>
-            <a:endParaRPr lang="zh-TW" altLang="en-US" sz="1800"/>
-          </a:p>
-        </p:txBody>
-      </p:sp>
-      <p:sp>
-        <p:nvSpPr>
-          <p:cNvPr id="5" name="圓角矩形圖說文字 4"/>
-          <p:cNvSpPr/>
-          <p:nvPr/>
-        </p:nvSpPr>
-        <p:spPr>
-          <a:xfrm>
-            <a:off x="417584" y="1902797"/>
-            <a:ext cx="2311101" cy="552511"/>
-          </a:xfrm>
-          <a:prstGeom prst="wedgeRoundRectCallout">
-            <a:avLst>
-              <a:gd name="adj1" fmla="val 24692"/>
-              <a:gd name="adj2" fmla="val 107696"/>
-              <a:gd name="adj3" fmla="val 16667"/>
-            </a:avLst>
-          </a:prstGeom>
-          <a:ln/>
-        </p:spPr>
-        <p:style>
-          <a:lnRef idx="2">
-            <a:schemeClr val="accent2"/>
-          </a:lnRef>
-          <a:fillRef idx="1">
-            <a:schemeClr val="lt1"/>
-          </a:fillRef>
-          <a:effectRef idx="0">
-            <a:schemeClr val="accent2"/>
-          </a:effectRef>
-          <a:fontRef idx="minor">
-            <a:schemeClr val="dk1"/>
-          </a:fontRef>
-        </p:style>
-        <p:txBody>
-          <a:bodyPr rot="0" spcFirstLastPara="0" vertOverflow="overflow" horzOverflow="overflow" vert="horz" wrap="square" lIns="91440" tIns="45720" rIns="91440" bIns="45720" numCol="1" spcCol="0" rtlCol="0" fromWordArt="0" anchor="ctr" anchorCtr="0" forceAA="0" compatLnSpc="1">
-            <a:prstTxWarp prst="textNoShape">
-              <a:avLst/>
-            </a:prstTxWarp>
-            <a:noAutofit/>
-          </a:bodyPr>
-          <a:lstStyle/>
-          <a:p>
-            <a:pPr algn="ctr"/>
-            <a:r>
-              <a:rPr lang="en-US" altLang="zh-TW" sz="1800" dirty="0" smtClean="0"/>
-              <a:t>3-1. </a:t>
-            </a:r>
-            <a:r>
-              <a:rPr lang="zh-TW" altLang="en-US" sz="1800" dirty="0" smtClean="0"/>
-              <a:t>進階檢索欄位</a:t>
-            </a:r>
-            <a:endParaRPr lang="zh-TW" altLang="en-US" sz="1800" dirty="0"/>
-          </a:p>
-        </p:txBody>
-      </p:sp>
-    </p:spTree>
-    <p:extLst>
-      <p:ext uri="{BB962C8B-B14F-4D97-AF65-F5344CB8AC3E}">
-        <p14:creationId xmlns:p14="http://schemas.microsoft.com/office/powerpoint/2010/main" val="2819086100"/>
-      </p:ext>
-    </p:extLst>
-  </p:cSld>
-  <p:clrMapOvr>
-    <a:masterClrMapping/>
-  </p:clrMapOvr>
-  <p:timing>
-    <p:tnLst>
-      <p:par>
-        <p:cTn id="1" dur="indefinite" restart="never" nodeType="tmRoot"/>
-      </p:par>
-    </p:tnLst>
-  </p:timing>
-</p:sld>
-</file>
-
-<file path=ppt/slides/slide41.xml><?xml version="1.0" encoding="utf-8"?>
-<p:sld xmlns:a="http://schemas.openxmlformats.org/drawingml/2006/main" xmlns:r="http://schemas.openxmlformats.org/officeDocument/2006/relationships" xmlns:p="http://schemas.openxmlformats.org/presentationml/2006/main">
-  <p:cSld>
-    <p:spTree>
-      <p:nvGrpSpPr>
-        <p:cNvPr id="1" name=""/>
-        <p:cNvGrpSpPr/>
-        <p:nvPr/>
-      </p:nvGrpSpPr>
-      <p:grpSpPr>
-        <a:xfrm>
-          <a:off x="0" y="0"/>
-          <a:ext cx="0" cy="0"/>
-          <a:chOff x="0" y="0"/>
-          <a:chExt cx="0" cy="0"/>
-        </a:xfrm>
-      </p:grpSpPr>
-      <p:sp>
-        <p:nvSpPr>
-          <p:cNvPr id="4" name="標題 3"/>
-          <p:cNvSpPr>
-            <a:spLocks noGrp="1"/>
-          </p:cNvSpPr>
-          <p:nvPr>
-            <p:ph type="title"/>
-          </p:nvPr>
-        </p:nvSpPr>
-        <p:spPr/>
-        <p:txBody>
-          <a:bodyPr/>
-          <a:lstStyle/>
-          <a:p>
-            <a:r>
-              <a:rPr lang="en-US" altLang="zh-TW" dirty="0" smtClean="0"/>
-              <a:t>Solr</a:t>
-            </a:r>
-            <a:r>
-              <a:rPr lang="zh-TW" altLang="en-US" dirty="0" smtClean="0"/>
-              <a:t>管理介面</a:t>
-            </a:r>
-            <a:endParaRPr lang="zh-TW" altLang="en-US" dirty="0"/>
-          </a:p>
-        </p:txBody>
-      </p:sp>
-      <p:sp>
-        <p:nvSpPr>
-          <p:cNvPr id="2" name="投影片編號版面配置區 1"/>
-          <p:cNvSpPr>
-            <a:spLocks noGrp="1"/>
-          </p:cNvSpPr>
-          <p:nvPr>
-            <p:ph type="sldNum" sz="quarter" idx="12"/>
-          </p:nvPr>
-        </p:nvSpPr>
-        <p:spPr/>
-        <p:txBody>
-          <a:bodyPr/>
-          <a:lstStyle/>
-          <a:p>
-            <a:fld id="{A0CF5734-5191-4A1A-B94E-B3464C9CF480}" type="slidenum">
-              <a:rPr lang="zh-TW" altLang="en-US" smtClean="0"/>
-              <a:t>41</a:t>
-            </a:fld>
-            <a:endParaRPr lang="zh-TW" altLang="en-US"/>
-          </a:p>
-        </p:txBody>
-      </p:sp>
-      <p:sp>
-        <p:nvSpPr>
-          <p:cNvPr id="6" name="文字版面配置區 5"/>
-          <p:cNvSpPr>
-            <a:spLocks noGrp="1"/>
-          </p:cNvSpPr>
-          <p:nvPr>
-            <p:ph type="body" sz="quarter" idx="13"/>
-          </p:nvPr>
-        </p:nvSpPr>
-        <p:spPr/>
-        <p:txBody>
-          <a:bodyPr/>
-          <a:lstStyle/>
-          <a:p>
-            <a:endParaRPr lang="zh-TW" altLang="en-US"/>
-          </a:p>
-        </p:txBody>
-      </p:sp>
-      <p:pic>
-        <p:nvPicPr>
-          <p:cNvPr id="7" name="內容版面配置區 6"/>
-          <p:cNvPicPr>
-            <a:picLocks noGrp="1" noChangeAspect="1"/>
-          </p:cNvPicPr>
-          <p:nvPr>
-            <p:ph idx="1"/>
-          </p:nvPr>
-        </p:nvPicPr>
-        <p:blipFill>
-          <a:blip r:embed="rId2"/>
-          <a:stretch>
-            <a:fillRect/>
-          </a:stretch>
-        </p:blipFill>
-        <p:spPr>
-          <a:xfrm>
-            <a:off x="1537897" y="1846263"/>
-            <a:ext cx="6112656" cy="4022725"/>
-          </a:xfrm>
-          <a:prstGeom prst="rect">
-            <a:avLst/>
-          </a:prstGeom>
-        </p:spPr>
-      </p:pic>
-    </p:spTree>
-    <p:extLst>
-      <p:ext uri="{BB962C8B-B14F-4D97-AF65-F5344CB8AC3E}">
-        <p14:creationId xmlns:p14="http://schemas.microsoft.com/office/powerpoint/2010/main" val="1073457802"/>
-      </p:ext>
-    </p:extLst>
-  </p:cSld>
-  <p:clrMapOvr>
-    <a:masterClrMapping/>
-  </p:clrMapOvr>
-</p:sld>
-</file>
-
-<file path=ppt/slides/slide42.xml><?xml version="1.0" encoding="utf-8"?>
-<p:sld xmlns:a="http://schemas.openxmlformats.org/drawingml/2006/main" xmlns:r="http://schemas.openxmlformats.org/officeDocument/2006/relationships" xmlns:p="http://schemas.openxmlformats.org/presentationml/2006/main">
-  <p:cSld>
-    <p:spTree>
-      <p:nvGrpSpPr>
-        <p:cNvPr id="1" name=""/>
-        <p:cNvGrpSpPr/>
-        <p:nvPr/>
-      </p:nvGrpSpPr>
-      <p:grpSpPr>
-        <a:xfrm>
-          <a:off x="0" y="0"/>
-          <a:ext cx="0" cy="0"/>
-          <a:chOff x="0" y="0"/>
-          <a:chExt cx="0" cy="0"/>
-        </a:xfrm>
-      </p:grpSpPr>
-      <p:sp>
-        <p:nvSpPr>
-          <p:cNvPr id="6" name="標題 5"/>
-          <p:cNvSpPr>
-            <a:spLocks noGrp="1"/>
-          </p:cNvSpPr>
-          <p:nvPr>
-            <p:ph type="title"/>
-          </p:nvPr>
-        </p:nvSpPr>
-        <p:spPr/>
-        <p:txBody>
-          <a:bodyPr/>
-          <a:lstStyle/>
-          <a:p>
-            <a:r>
-              <a:rPr lang="en-US" altLang="zh-TW" dirty="0" smtClean="0"/>
-              <a:t>Solr</a:t>
-            </a:r>
-            <a:r>
-              <a:rPr lang="zh-TW" altLang="en-US" dirty="0" smtClean="0"/>
-              <a:t>核心設定檔</a:t>
-            </a:r>
-            <a:endParaRPr lang="zh-TW" altLang="en-US" dirty="0"/>
-          </a:p>
-        </p:txBody>
-      </p:sp>
-      <p:sp>
-        <p:nvSpPr>
-          <p:cNvPr id="7" name="文字版面配置區 6"/>
-          <p:cNvSpPr>
-            <a:spLocks noGrp="1"/>
-          </p:cNvSpPr>
-          <p:nvPr>
-            <p:ph type="body" idx="1"/>
-          </p:nvPr>
-        </p:nvSpPr>
-        <p:spPr/>
-        <p:txBody>
-          <a:bodyPr/>
-          <a:lstStyle/>
-          <a:p>
-            <a:endParaRPr lang="zh-TW" altLang="en-US"/>
-          </a:p>
-        </p:txBody>
-      </p:sp>
-      <p:sp>
-        <p:nvSpPr>
-          <p:cNvPr id="8" name="內容版面配置區 7"/>
-          <p:cNvSpPr>
-            <a:spLocks noGrp="1"/>
-          </p:cNvSpPr>
-          <p:nvPr>
-            <p:ph sz="half" idx="2"/>
-          </p:nvPr>
-        </p:nvSpPr>
-        <p:spPr/>
-        <p:txBody>
-          <a:bodyPr/>
-          <a:lstStyle/>
-          <a:p>
-            <a:endParaRPr lang="zh-TW" altLang="en-US"/>
-          </a:p>
-        </p:txBody>
-      </p:sp>
-      <p:sp>
-        <p:nvSpPr>
-          <p:cNvPr id="9" name="文字版面配置區 8"/>
-          <p:cNvSpPr>
-            <a:spLocks noGrp="1"/>
-          </p:cNvSpPr>
-          <p:nvPr>
-            <p:ph type="body" sz="quarter" idx="3"/>
-          </p:nvPr>
-        </p:nvSpPr>
-        <p:spPr/>
-        <p:txBody>
-          <a:bodyPr/>
-          <a:lstStyle/>
-          <a:p>
-            <a:endParaRPr lang="zh-TW" altLang="en-US"/>
-          </a:p>
-        </p:txBody>
-      </p:sp>
-      <p:sp>
-        <p:nvSpPr>
-          <p:cNvPr id="10" name="內容版面配置區 9"/>
-          <p:cNvSpPr>
-            <a:spLocks noGrp="1"/>
-          </p:cNvSpPr>
-          <p:nvPr>
-            <p:ph sz="quarter" idx="4"/>
-          </p:nvPr>
-        </p:nvSpPr>
-        <p:spPr/>
-        <p:txBody>
-          <a:bodyPr/>
-          <a:lstStyle/>
-          <a:p>
-            <a:endParaRPr lang="zh-TW" altLang="en-US"/>
-          </a:p>
-        </p:txBody>
-      </p:sp>
-      <p:sp>
-        <p:nvSpPr>
-          <p:cNvPr id="4" name="投影片編號版面配置區 3"/>
-          <p:cNvSpPr>
-            <a:spLocks noGrp="1"/>
-          </p:cNvSpPr>
-          <p:nvPr>
-            <p:ph type="sldNum" sz="quarter" idx="12"/>
-          </p:nvPr>
-        </p:nvSpPr>
-        <p:spPr/>
-        <p:txBody>
-          <a:bodyPr/>
-          <a:lstStyle/>
-          <a:p>
-            <a:fld id="{A0CF5734-5191-4A1A-B94E-B3464C9CF480}" type="slidenum">
-              <a:rPr lang="zh-TW" altLang="en-US" smtClean="0"/>
-              <a:t>42</a:t>
-            </a:fld>
-            <a:endParaRPr lang="zh-TW" altLang="en-US" dirty="0"/>
-          </a:p>
-        </p:txBody>
-      </p:sp>
-      <p:sp>
-        <p:nvSpPr>
-          <p:cNvPr id="11" name="禁止標誌 10"/>
-          <p:cNvSpPr/>
-          <p:nvPr/>
-        </p:nvSpPr>
-        <p:spPr>
-          <a:xfrm>
-            <a:off x="7040071" y="404602"/>
-            <a:ext cx="1804524" cy="1375646"/>
-          </a:xfrm>
-          <a:prstGeom prst="noSmoking">
-            <a:avLst/>
-          </a:prstGeom>
-          <a:noFill/>
-          <a:ln w="38100">
-            <a:solidFill>
-              <a:srgbClr val="FF0000"/>
-            </a:solidFill>
-          </a:ln>
-          <a:effectLst>
-            <a:outerShdw blurRad="50800" dist="38100" dir="2700000" algn="tl" rotWithShape="0">
-              <a:prstClr val="black">
-                <a:alpha val="40000"/>
-              </a:prstClr>
-            </a:outerShdw>
-          </a:effectLst>
-        </p:spPr>
-        <p:style>
-          <a:lnRef idx="2">
-            <a:schemeClr val="accent1">
-              <a:shade val="50000"/>
-            </a:schemeClr>
-          </a:lnRef>
-          <a:fillRef idx="1">
-            <a:schemeClr val="accent1"/>
-          </a:fillRef>
-          <a:effectRef idx="0">
-            <a:schemeClr val="accent1"/>
-          </a:effectRef>
-          <a:fontRef idx="minor">
-            <a:schemeClr val="lt1"/>
-          </a:fontRef>
-        </p:style>
-        <p:txBody>
-          <a:bodyPr rot="0" spcFirstLastPara="0" vertOverflow="overflow" horzOverflow="overflow" vert="horz" wrap="square" lIns="91440" tIns="45720" rIns="91440" bIns="45720" numCol="1" spcCol="0" rtlCol="0" fromWordArt="0" anchor="ctr" anchorCtr="0" forceAA="0" compatLnSpc="1">
-            <a:prstTxWarp prst="textNoShape">
-              <a:avLst/>
-            </a:prstTxWarp>
-            <a:noAutofit/>
-          </a:bodyPr>
-          <a:lstStyle/>
-          <a:p>
-            <a:pPr algn="ctr"/>
-            <a:endParaRPr lang="zh-TW" altLang="en-US" sz="1800">
-              <a:solidFill>
-                <a:schemeClr val="tx1"/>
-              </a:solidFill>
-            </a:endParaRPr>
-          </a:p>
-        </p:txBody>
-      </p:sp>
-    </p:spTree>
-    <p:extLst>
-      <p:ext uri="{BB962C8B-B14F-4D97-AF65-F5344CB8AC3E}">
-        <p14:creationId xmlns:p14="http://schemas.microsoft.com/office/powerpoint/2010/main" val="2182575255"/>
-      </p:ext>
-    </p:extLst>
-  </p:cSld>
-  <p:clrMapOvr>
-    <a:masterClrMapping/>
-  </p:clrMapOvr>
-</p:sld>
-</file>
-
-<file path=ppt/slides/slide43.xml><?xml version="1.0" encoding="utf-8"?>
-<p:sld xmlns:a="http://schemas.openxmlformats.org/drawingml/2006/main" xmlns:r="http://schemas.openxmlformats.org/officeDocument/2006/relationships" xmlns:p="http://schemas.openxmlformats.org/presentationml/2006/main">
-  <p:cSld>
-    <p:spTree>
-      <p:nvGrpSpPr>
-        <p:cNvPr id="1" name=""/>
-        <p:cNvGrpSpPr/>
-        <p:nvPr/>
-      </p:nvGrpSpPr>
-      <p:grpSpPr>
-        <a:xfrm>
-          <a:off x="0" y="0"/>
-          <a:ext cx="0" cy="0"/>
-          <a:chOff x="0" y="0"/>
-          <a:chExt cx="0" cy="0"/>
-        </a:xfrm>
-      </p:grpSpPr>
-      <p:sp>
-        <p:nvSpPr>
-          <p:cNvPr id="2" name="標題 1"/>
-          <p:cNvSpPr>
-            <a:spLocks noGrp="1"/>
-          </p:cNvSpPr>
-          <p:nvPr>
-            <p:ph type="title"/>
-          </p:nvPr>
-        </p:nvSpPr>
-        <p:spPr/>
-        <p:txBody>
-          <a:bodyPr/>
-          <a:lstStyle/>
-          <a:p>
-            <a:r>
-              <a:rPr lang="en-US" altLang="zh-TW" dirty="0" smtClean="0"/>
-              <a:t>Part 2. </a:t>
-            </a:r>
-            <a:r>
-              <a:rPr lang="zh-TW" altLang="en-US" dirty="0" smtClean="0"/>
-              <a:t>實作</a:t>
-            </a:r>
-            <a:r>
-              <a:rPr lang="en-US" altLang="zh-TW" dirty="0" smtClean="0"/>
-              <a:t>!</a:t>
-            </a:r>
-            <a:endParaRPr lang="zh-TW" altLang="en-US" dirty="0"/>
-          </a:p>
-        </p:txBody>
-      </p:sp>
-      <p:sp>
-        <p:nvSpPr>
-          <p:cNvPr id="9" name="內容版面配置區 8"/>
-          <p:cNvSpPr>
-            <a:spLocks noGrp="1"/>
-          </p:cNvSpPr>
-          <p:nvPr>
-            <p:ph sz="half" idx="2"/>
-          </p:nvPr>
-        </p:nvSpPr>
-        <p:spPr>
-          <a:xfrm>
-            <a:off x="4243388" y="838200"/>
-            <a:ext cx="4566285" cy="5291670"/>
-          </a:xfrm>
-          <a:solidFill>
-            <a:schemeClr val="bg1"/>
-          </a:solidFill>
-        </p:spPr>
-        <p:txBody>
-          <a:bodyPr>
-            <a:normAutofit/>
-          </a:bodyPr>
-          <a:lstStyle/>
-          <a:p>
-            <a:r>
-              <a:rPr lang="en-US" altLang="zh-TW" dirty="0"/>
-              <a:t>2-1. </a:t>
-            </a:r>
-            <a:r>
-              <a:rPr lang="zh-TW" altLang="en-US" dirty="0"/>
-              <a:t>資料準備</a:t>
-            </a:r>
-          </a:p>
-          <a:p>
-            <a:pPr lvl="1"/>
-            <a:r>
-              <a:rPr lang="zh-TW" altLang="en-US" dirty="0" smtClean="0"/>
-              <a:t>使用預設資料</a:t>
+              <a:t>思考問題：</a:t>
             </a:r>
             <a:r>
               <a:rPr lang="en-US" altLang="zh-TW" dirty="0" smtClean="0"/>
@@ -21589,662 +20797,6 @@
             <a:br>
               <a:rPr lang="en-US" altLang="zh-TW" dirty="0" smtClean="0"/>
             </a:br>
-            <a:r>
-              <a:rPr lang="en-US" altLang="zh-TW" u="sng" dirty="0" smtClean="0">
-                <a:solidFill>
-                  <a:schemeClr val="bg2">
-                    <a:lumMod val="50000"/>
-                  </a:schemeClr>
-                </a:solidFill>
-              </a:rPr>
-              <a:t>[</a:t>
-            </a:r>
-            <a:r>
-              <a:rPr lang="en-US" altLang="zh-TW" u="sng" dirty="0" err="1">
-                <a:solidFill>
-                  <a:schemeClr val="bg2">
-                    <a:lumMod val="50000"/>
-                  </a:schemeClr>
-                </a:solidFill>
-              </a:rPr>
-              <a:t>solr</a:t>
-            </a:r>
-            <a:r>
-              <a:rPr lang="en-US" altLang="zh-TW" u="sng" dirty="0">
-                <a:solidFill>
-                  <a:schemeClr val="bg2">
-                    <a:lumMod val="50000"/>
-                  </a:schemeClr>
-                </a:solidFill>
-              </a:rPr>
-              <a:t>]/</a:t>
-            </a:r>
-            <a:r>
-              <a:rPr lang="en-US" altLang="zh-TW" u="sng" dirty="0" smtClean="0">
-                <a:solidFill>
-                  <a:schemeClr val="bg2">
-                    <a:lumMod val="50000"/>
-                  </a:schemeClr>
-                </a:solidFill>
-              </a:rPr>
-              <a:t>PRACTICE/2-1/data.csv</a:t>
-            </a:r>
-            <a:endParaRPr lang="en-US" altLang="zh-TW" u="sng" dirty="0">
-              <a:solidFill>
-                <a:schemeClr val="bg2">
-                  <a:lumMod val="50000"/>
-                </a:schemeClr>
-              </a:solidFill>
-            </a:endParaRPr>
-          </a:p>
-          <a:p>
-            <a:r>
-              <a:rPr lang="en-US" altLang="zh-TW" dirty="0"/>
-              <a:t>2-2. </a:t>
-            </a:r>
-            <a:r>
-              <a:rPr lang="zh-TW" altLang="en-US" dirty="0"/>
-              <a:t>設定</a:t>
-            </a:r>
-            <a:r>
-              <a:rPr lang="en-US" altLang="zh-TW" dirty="0"/>
-              <a:t>Solr</a:t>
-            </a:r>
-            <a:r>
-              <a:rPr lang="zh-TW" altLang="en-US" dirty="0"/>
-              <a:t>資料表</a:t>
-            </a:r>
-          </a:p>
-          <a:p>
-            <a:pPr lvl="1"/>
-            <a:r>
-              <a:rPr lang="en-US" altLang="zh-TW" u="sng" dirty="0">
-                <a:solidFill>
-                  <a:schemeClr val="bg2">
-                    <a:lumMod val="50000"/>
-                  </a:schemeClr>
-                </a:solidFill>
-              </a:rPr>
-              <a:t>[</a:t>
-            </a:r>
-            <a:r>
-              <a:rPr lang="en-US" altLang="zh-TW" u="sng" dirty="0" err="1">
-                <a:solidFill>
-                  <a:schemeClr val="bg2">
-                    <a:lumMod val="50000"/>
-                  </a:schemeClr>
-                </a:solidFill>
-              </a:rPr>
-              <a:t>solr</a:t>
-            </a:r>
-            <a:r>
-              <a:rPr lang="en-US" altLang="zh-TW" u="sng" dirty="0">
-                <a:solidFill>
-                  <a:schemeClr val="bg2">
-                    <a:lumMod val="50000"/>
-                  </a:schemeClr>
-                </a:solidFill>
-              </a:rPr>
-              <a:t>]\</a:t>
-            </a:r>
-            <a:r>
-              <a:rPr lang="en-US" altLang="zh-TW" u="sng" dirty="0" smtClean="0">
-                <a:solidFill>
-                  <a:schemeClr val="bg2">
-                    <a:lumMod val="50000"/>
-                  </a:schemeClr>
-                </a:solidFill>
-              </a:rPr>
-              <a:t>PRACTICE\2-2</a:t>
-            </a:r>
-            <a:br>
-              <a:rPr lang="en-US" altLang="zh-TW" u="sng" dirty="0" smtClean="0">
-                <a:solidFill>
-                  <a:schemeClr val="bg2">
-                    <a:lumMod val="50000"/>
-                  </a:schemeClr>
-                </a:solidFill>
-              </a:rPr>
-            </a:br>
-            <a:r>
-              <a:rPr lang="en-US" altLang="zh-TW" u="sng" dirty="0" smtClean="0">
-                <a:solidFill>
-                  <a:schemeClr val="bg2">
-                    <a:lumMod val="50000"/>
-                  </a:schemeClr>
-                </a:solidFill>
-              </a:rPr>
-              <a:t>\edit_schema.xml.bat</a:t>
-            </a:r>
-          </a:p>
-          <a:p>
-            <a:r>
-              <a:rPr lang="en-US" altLang="zh-TW" dirty="0" smtClean="0"/>
-              <a:t>2-3. </a:t>
-            </a:r>
-            <a:r>
-              <a:rPr lang="zh-TW" altLang="en-US" dirty="0"/>
-              <a:t>轉換匯入</a:t>
-            </a:r>
-            <a:r>
-              <a:rPr lang="zh-TW" altLang="en-US" dirty="0" smtClean="0"/>
-              <a:t>指令</a:t>
-            </a:r>
-            <a:endParaRPr lang="en-US" altLang="zh-TW" dirty="0" smtClean="0"/>
-          </a:p>
-          <a:p>
-            <a:pPr lvl="1"/>
-            <a:r>
-              <a:rPr lang="en-US" altLang="zh-TW" dirty="0" smtClean="0">
-                <a:hlinkClick r:id="rId3"/>
-              </a:rPr>
-              <a:t>http</a:t>
-            </a:r>
-            <a:r>
-              <a:rPr lang="en-US" altLang="zh-TW" dirty="0">
-                <a:hlinkClick r:id="rId3"/>
-              </a:rPr>
-              <a:t>://j.mp/20150501convert</a:t>
-            </a:r>
-            <a:endParaRPr lang="en-US" altLang="zh-TW" dirty="0"/>
-          </a:p>
-          <a:p>
-            <a:r>
-              <a:rPr lang="en-US" altLang="zh-TW" dirty="0" smtClean="0"/>
-              <a:t>2-4. </a:t>
-            </a:r>
-            <a:r>
-              <a:rPr lang="zh-TW" altLang="en-US" dirty="0"/>
-              <a:t>匯入</a:t>
-            </a:r>
-            <a:r>
-              <a:rPr lang="zh-TW" altLang="en-US" dirty="0" smtClean="0"/>
-              <a:t>資料</a:t>
-            </a:r>
-            <a:endParaRPr lang="en-US" altLang="zh-TW" dirty="0" smtClean="0"/>
-          </a:p>
-          <a:p>
-            <a:pPr lvl="1"/>
-            <a:r>
-              <a:rPr lang="en-US" altLang="zh-TW" u="sng" dirty="0" smtClean="0">
-                <a:solidFill>
-                  <a:schemeClr val="bg2">
-                    <a:lumMod val="50000"/>
-                  </a:schemeClr>
-                </a:solidFill>
-              </a:rPr>
-              <a:t>[</a:t>
-            </a:r>
-            <a:r>
-              <a:rPr lang="en-US" altLang="zh-TW" u="sng" dirty="0">
-                <a:solidFill>
-                  <a:schemeClr val="bg2">
-                    <a:lumMod val="50000"/>
-                  </a:schemeClr>
-                </a:solidFill>
-              </a:rPr>
-              <a:t>Solr]\</a:t>
-            </a:r>
-            <a:r>
-              <a:rPr lang="en-US" altLang="zh-TW" u="sng" dirty="0" smtClean="0">
-                <a:solidFill>
-                  <a:schemeClr val="bg2">
-                    <a:lumMod val="50000"/>
-                  </a:schemeClr>
-                </a:solidFill>
-              </a:rPr>
-              <a:t>PRACTICE\2-4\add_data.bat</a:t>
-            </a:r>
-            <a:endParaRPr lang="en-US" altLang="zh-TW" u="sng" dirty="0">
-              <a:solidFill>
-                <a:schemeClr val="bg2">
-                  <a:lumMod val="50000"/>
-                </a:schemeClr>
-              </a:solidFill>
-            </a:endParaRPr>
-          </a:p>
-          <a:p>
-            <a:r>
-              <a:rPr lang="en-US" altLang="zh-TW" dirty="0" smtClean="0"/>
-              <a:t>2-5. </a:t>
-            </a:r>
-            <a:r>
-              <a:rPr lang="zh-TW" altLang="en-US" dirty="0"/>
-              <a:t>開啟網頁</a:t>
-            </a:r>
-          </a:p>
-          <a:p>
-            <a:pPr lvl="1"/>
-            <a:r>
-              <a:rPr lang="en-US" altLang="zh-TW" u="sng" dirty="0">
-                <a:solidFill>
-                  <a:schemeClr val="bg2">
-                    <a:lumMod val="50000"/>
-                  </a:schemeClr>
-                </a:solidFill>
-              </a:rPr>
-              <a:t>[Solr</a:t>
-            </a:r>
-            <a:r>
-              <a:rPr lang="en-US" altLang="zh-TW" u="sng" dirty="0" smtClean="0">
-                <a:solidFill>
-                  <a:schemeClr val="bg2">
-                    <a:lumMod val="50000"/>
-                  </a:schemeClr>
-                </a:solidFill>
-              </a:rPr>
-              <a:t>]\open_search_ui.bat</a:t>
-            </a:r>
-            <a:endParaRPr lang="en-US" altLang="zh-TW" u="sng" dirty="0">
-              <a:solidFill>
-                <a:schemeClr val="bg2">
-                  <a:lumMod val="50000"/>
-                </a:schemeClr>
-              </a:solidFill>
-            </a:endParaRPr>
-          </a:p>
-        </p:txBody>
-      </p:sp>
-      <p:sp>
-        <p:nvSpPr>
-          <p:cNvPr id="4" name="投影片編號版面配置區 3"/>
-          <p:cNvSpPr>
-            <a:spLocks noGrp="1"/>
-          </p:cNvSpPr>
-          <p:nvPr>
-            <p:ph type="sldNum" sz="quarter" idx="12"/>
-          </p:nvPr>
-        </p:nvSpPr>
-        <p:spPr/>
-        <p:txBody>
-          <a:bodyPr/>
-          <a:lstStyle/>
-          <a:p>
-            <a:fld id="{A0CF5734-5191-4A1A-B94E-B3464C9CF480}" type="slidenum">
-              <a:rPr lang="zh-TW" altLang="en-US" smtClean="0"/>
-              <a:t>43</a:t>
-            </a:fld>
-            <a:endParaRPr lang="zh-TW" altLang="en-US" dirty="0"/>
-          </a:p>
-        </p:txBody>
-      </p:sp>
-      <p:pic>
-        <p:nvPicPr>
-          <p:cNvPr id="11" name="Picture 2" descr="音乐, 听力, 歌曲, Mp3, 计算机, 男子, 男孩, 用户, 听着"/>
-          <p:cNvPicPr>
-            <a:picLocks noGrp="1" noChangeAspect="1" noChangeArrowheads="1"/>
-          </p:cNvPicPr>
-          <p:nvPr>
-            <p:ph sz="half" idx="1"/>
-          </p:nvPr>
-        </p:nvPicPr>
-        <p:blipFill>
-          <a:blip r:embed="rId4">
-            <a:extLst>
-              <a:ext uri="{28A0092B-C50C-407E-A947-70E740481C1C}">
-                <a14:useLocalDpi xmlns:a14="http://schemas.microsoft.com/office/drawing/2010/main" val="0"/>
-              </a:ext>
-            </a:extLst>
-          </a:blip>
-          <a:srcRect/>
-          <a:stretch>
-            <a:fillRect/>
-          </a:stretch>
-        </p:blipFill>
-        <p:spPr bwMode="auto">
-          <a:xfrm>
-            <a:off x="1004522" y="2156087"/>
-            <a:ext cx="2416419" cy="2722726"/>
-          </a:xfrm>
-          <a:prstGeom prst="rect">
-            <a:avLst/>
-          </a:prstGeom>
-          <a:noFill/>
-          <a:extLst>
-            <a:ext uri="{909E8E84-426E-40DD-AFC4-6F175D3DCCD1}">
-              <a14:hiddenFill xmlns:a14="http://schemas.microsoft.com/office/drawing/2010/main">
-                <a:solidFill>
-                  <a:srgbClr val="FFFFFF"/>
-                </a:solidFill>
-              </a14:hiddenFill>
-            </a:ext>
-          </a:extLst>
-        </p:spPr>
-      </p:pic>
-      <p:sp>
-        <p:nvSpPr>
-          <p:cNvPr id="10" name="雲朵形圖說文字 9"/>
-          <p:cNvSpPr/>
-          <p:nvPr/>
-        </p:nvSpPr>
-        <p:spPr>
-          <a:xfrm>
-            <a:off x="509222" y="4547504"/>
-            <a:ext cx="1819073" cy="1429966"/>
-          </a:xfrm>
-          <a:prstGeom prst="cloudCallout">
-            <a:avLst>
-              <a:gd name="adj1" fmla="val 17976"/>
-              <a:gd name="adj2" fmla="val -86693"/>
-            </a:avLst>
-          </a:prstGeom>
-          <a:ln/>
-        </p:spPr>
-        <p:style>
-          <a:lnRef idx="2">
-            <a:schemeClr val="accent3"/>
-          </a:lnRef>
-          <a:fillRef idx="1">
-            <a:schemeClr val="lt1"/>
-          </a:fillRef>
-          <a:effectRef idx="0">
-            <a:schemeClr val="accent3"/>
-          </a:effectRef>
-          <a:fontRef idx="minor">
-            <a:schemeClr val="dk1"/>
-          </a:fontRef>
-        </p:style>
-        <p:txBody>
-          <a:bodyPr rot="0" spcFirstLastPara="0" vertOverflow="overflow" horzOverflow="overflow" vert="horz" wrap="square" lIns="91440" tIns="45720" rIns="91440" bIns="45720" numCol="1" spcCol="0" rtlCol="0" fromWordArt="0" anchor="ctr" anchorCtr="0" forceAA="0" compatLnSpc="1">
-            <a:prstTxWarp prst="textNoShape">
-              <a:avLst/>
-            </a:prstTxWarp>
-            <a:noAutofit/>
-          </a:bodyPr>
-          <a:lstStyle/>
-          <a:p>
-            <a:pPr algn="ctr"/>
-            <a:endParaRPr lang="zh-TW" altLang="en-US"/>
-          </a:p>
-        </p:txBody>
-      </p:sp>
-      <p:pic>
-        <p:nvPicPr>
-          <p:cNvPr id="9218" name="Picture 2" descr="http://images.sodahead.com/polls/004172369/2419671582_Thinking_answer_103_xlarge.png"/>
-          <p:cNvPicPr>
-            <a:picLocks noChangeAspect="1" noChangeArrowheads="1"/>
-          </p:cNvPicPr>
-          <p:nvPr/>
-        </p:nvPicPr>
-        <p:blipFill>
-          <a:blip r:embed="rId5">
-            <a:extLst>
-              <a:ext uri="{28A0092B-C50C-407E-A947-70E740481C1C}">
-                <a14:useLocalDpi xmlns:a14="http://schemas.microsoft.com/office/drawing/2010/main" val="0"/>
-              </a:ext>
-            </a:extLst>
-          </a:blip>
-          <a:srcRect/>
-          <a:stretch>
-            <a:fillRect/>
-          </a:stretch>
-        </p:blipFill>
-        <p:spPr bwMode="auto">
-          <a:xfrm>
-            <a:off x="904409" y="4768231"/>
-            <a:ext cx="1020883" cy="1384919"/>
-          </a:xfrm>
-          <a:prstGeom prst="rect">
-            <a:avLst/>
-          </a:prstGeom>
-          <a:noFill/>
-          <a:extLst>
-            <a:ext uri="{909E8E84-426E-40DD-AFC4-6F175D3DCCD1}">
-              <a14:hiddenFill xmlns:a14="http://schemas.microsoft.com/office/drawing/2010/main">
-                <a:solidFill>
-                  <a:srgbClr val="FFFFFF"/>
-                </a:solidFill>
-              </a14:hiddenFill>
-            </a:ext>
-          </a:extLst>
-        </p:spPr>
-      </p:pic>
-      <p:sp>
-        <p:nvSpPr>
-          <p:cNvPr id="5" name="橢圓 4"/>
-          <p:cNvSpPr/>
-          <p:nvPr/>
-        </p:nvSpPr>
-        <p:spPr>
-          <a:xfrm>
-            <a:off x="2212731" y="2047875"/>
-            <a:ext cx="661887" cy="409575"/>
-          </a:xfrm>
-          <a:prstGeom prst="ellipse">
-            <a:avLst/>
-          </a:prstGeom>
-          <a:ln>
-            <a:solidFill>
-              <a:schemeClr val="bg1"/>
-            </a:solidFill>
-          </a:ln>
-        </p:spPr>
-        <p:style>
-          <a:lnRef idx="2">
-            <a:schemeClr val="dk1"/>
-          </a:lnRef>
-          <a:fillRef idx="1">
-            <a:schemeClr val="lt1"/>
-          </a:fillRef>
-          <a:effectRef idx="0">
-            <a:schemeClr val="dk1"/>
-          </a:effectRef>
-          <a:fontRef idx="minor">
-            <a:schemeClr val="dk1"/>
-          </a:fontRef>
-        </p:style>
-        <p:txBody>
-          <a:bodyPr rot="0" spcFirstLastPara="0" vertOverflow="overflow" horzOverflow="overflow" vert="horz" wrap="square" lIns="91440" tIns="45720" rIns="91440" bIns="45720" numCol="1" spcCol="0" rtlCol="0" fromWordArt="0" anchor="ctr" anchorCtr="0" forceAA="0" compatLnSpc="1">
-            <a:prstTxWarp prst="textNoShape">
-              <a:avLst/>
-            </a:prstTxWarp>
-            <a:noAutofit/>
-          </a:bodyPr>
-          <a:lstStyle/>
-          <a:p>
-            <a:pPr algn="ctr"/>
-            <a:endParaRPr lang="zh-TW" altLang="en-US" sz="1800"/>
-          </a:p>
-        </p:txBody>
-      </p:sp>
-      <p:sp>
-        <p:nvSpPr>
-          <p:cNvPr id="12" name="橢圓 11"/>
-          <p:cNvSpPr/>
-          <p:nvPr/>
-        </p:nvSpPr>
-        <p:spPr>
-          <a:xfrm>
-            <a:off x="2566172" y="2317378"/>
-            <a:ext cx="661887" cy="409575"/>
-          </a:xfrm>
-          <a:prstGeom prst="ellipse">
-            <a:avLst/>
-          </a:prstGeom>
-          <a:ln>
-            <a:solidFill>
-              <a:schemeClr val="bg1"/>
-            </a:solidFill>
-          </a:ln>
-        </p:spPr>
-        <p:style>
-          <a:lnRef idx="2">
-            <a:schemeClr val="dk1"/>
-          </a:lnRef>
-          <a:fillRef idx="1">
-            <a:schemeClr val="lt1"/>
-          </a:fillRef>
-          <a:effectRef idx="0">
-            <a:schemeClr val="dk1"/>
-          </a:effectRef>
-          <a:fontRef idx="minor">
-            <a:schemeClr val="dk1"/>
-          </a:fontRef>
-        </p:style>
-        <p:txBody>
-          <a:bodyPr rot="0" spcFirstLastPara="0" vertOverflow="overflow" horzOverflow="overflow" vert="horz" wrap="square" lIns="91440" tIns="45720" rIns="91440" bIns="45720" numCol="1" spcCol="0" rtlCol="0" fromWordArt="0" anchor="ctr" anchorCtr="0" forceAA="0" compatLnSpc="1">
-            <a:prstTxWarp prst="textNoShape">
-              <a:avLst/>
-            </a:prstTxWarp>
-            <a:noAutofit/>
-          </a:bodyPr>
-          <a:lstStyle/>
-          <a:p>
-            <a:pPr algn="ctr"/>
-            <a:endParaRPr lang="zh-TW" altLang="en-US" sz="1800"/>
-          </a:p>
-        </p:txBody>
-      </p:sp>
-      <p:sp>
-        <p:nvSpPr>
-          <p:cNvPr id="13" name="橢圓 12"/>
-          <p:cNvSpPr/>
-          <p:nvPr/>
-        </p:nvSpPr>
-        <p:spPr>
-          <a:xfrm>
-            <a:off x="2568320" y="2522165"/>
-            <a:ext cx="661887" cy="409575"/>
-          </a:xfrm>
-          <a:prstGeom prst="ellipse">
-            <a:avLst/>
-          </a:prstGeom>
-          <a:ln>
-            <a:solidFill>
-              <a:schemeClr val="bg1"/>
-            </a:solidFill>
-          </a:ln>
-        </p:spPr>
-        <p:style>
-          <a:lnRef idx="2">
-            <a:schemeClr val="dk1"/>
-          </a:lnRef>
-          <a:fillRef idx="1">
-            <a:schemeClr val="lt1"/>
-          </a:fillRef>
-          <a:effectRef idx="0">
-            <a:schemeClr val="dk1"/>
-          </a:effectRef>
-          <a:fontRef idx="minor">
-            <a:schemeClr val="dk1"/>
-          </a:fontRef>
-        </p:style>
-        <p:txBody>
-          <a:bodyPr rot="0" spcFirstLastPara="0" vertOverflow="overflow" horzOverflow="overflow" vert="horz" wrap="square" lIns="91440" tIns="45720" rIns="91440" bIns="45720" numCol="1" spcCol="0" rtlCol="0" fromWordArt="0" anchor="ctr" anchorCtr="0" forceAA="0" compatLnSpc="1">
-            <a:prstTxWarp prst="textNoShape">
-              <a:avLst/>
-            </a:prstTxWarp>
-            <a:noAutofit/>
-          </a:bodyPr>
-          <a:lstStyle/>
-          <a:p>
-            <a:pPr algn="ctr"/>
-            <a:endParaRPr lang="zh-TW" altLang="en-US" sz="1800"/>
-          </a:p>
-        </p:txBody>
-      </p:sp>
-      <p:sp>
-        <p:nvSpPr>
-          <p:cNvPr id="3" name="文字方塊 2"/>
-          <p:cNvSpPr txBox="1"/>
-          <p:nvPr/>
-        </p:nvSpPr>
-        <p:spPr>
-          <a:xfrm>
-            <a:off x="1549228" y="2019090"/>
-            <a:ext cx="2498381" cy="369332"/>
-          </a:xfrm>
-          <a:prstGeom prst="rect">
-            <a:avLst/>
-          </a:prstGeom>
-          <a:noFill/>
-        </p:spPr>
-        <p:txBody>
-          <a:bodyPr wrap="square" rtlCol="0">
-            <a:spAutoFit/>
-          </a:bodyPr>
-          <a:lstStyle/>
-          <a:p>
-            <a:pPr algn="ctr"/>
-            <a:r>
-              <a:rPr lang="zh-TW" altLang="en-US" sz="1800" dirty="0" smtClean="0"/>
-              <a:t>步驟好多啊</a:t>
-            </a:r>
-            <a:r>
-              <a:rPr lang="en-US" altLang="zh-TW" sz="1800" dirty="0" smtClean="0"/>
-              <a:t>…</a:t>
-            </a:r>
-            <a:endParaRPr lang="zh-TW" altLang="en-US" sz="1800" dirty="0" smtClean="0"/>
-          </a:p>
-        </p:txBody>
-      </p:sp>
-    </p:spTree>
-    <p:extLst>
-      <p:ext uri="{BB962C8B-B14F-4D97-AF65-F5344CB8AC3E}">
-        <p14:creationId xmlns:p14="http://schemas.microsoft.com/office/powerpoint/2010/main" val="3988679280"/>
-      </p:ext>
-    </p:extLst>
-  </p:cSld>
-  <p:clrMapOvr>
-    <a:masterClrMapping/>
-  </p:clrMapOvr>
-  <p:timing>
-    <p:tnLst>
-      <p:par>
-        <p:cTn id="1" dur="indefinite" restart="never" nodeType="tmRoot"/>
-      </p:par>
-    </p:tnLst>
-  </p:timing>
-</p:sld>
-</file>
-
-<file path=ppt/slides/slide44.xml><?xml version="1.0" encoding="utf-8"?>
-<p:sld xmlns:a="http://schemas.openxmlformats.org/drawingml/2006/main" xmlns:r="http://schemas.openxmlformats.org/officeDocument/2006/relationships" xmlns:p="http://schemas.openxmlformats.org/presentationml/2006/main">
-  <p:cSld>
-    <p:spTree>
-      <p:nvGrpSpPr>
-        <p:cNvPr id="1" name=""/>
-        <p:cNvGrpSpPr/>
-        <p:nvPr/>
-      </p:nvGrpSpPr>
-      <p:grpSpPr>
-        <a:xfrm>
-          <a:off x="0" y="0"/>
-          <a:ext cx="0" cy="0"/>
-          <a:chOff x="0" y="0"/>
-          <a:chExt cx="0" cy="0"/>
-        </a:xfrm>
-      </p:grpSpPr>
-      <p:sp>
-        <p:nvSpPr>
-          <p:cNvPr id="2" name="標題 1"/>
-          <p:cNvSpPr>
-            <a:spLocks noGrp="1"/>
-          </p:cNvSpPr>
-          <p:nvPr>
-            <p:ph type="title"/>
-          </p:nvPr>
-        </p:nvSpPr>
-        <p:spPr/>
-        <p:txBody>
-          <a:bodyPr/>
-          <a:lstStyle/>
-          <a:p>
-            <a:r>
-              <a:rPr lang="zh-TW" altLang="en-US" dirty="0" smtClean="0"/>
-              <a:t>思考問題：</a:t>
-            </a:r>
-            <a:r>
-              <a:rPr lang="en-US" altLang="zh-TW" dirty="0" smtClean="0"/>
-              <a:t/>
-            </a:r>
-            <a:br>
-              <a:rPr lang="en-US" altLang="zh-TW" dirty="0" smtClean="0"/>
-            </a:br>
-            <a:r>
-              <a:rPr lang="zh-TW" altLang="en-US" sz="4000" dirty="0" smtClean="0"/>
-              <a:t>如何區別不同來源的資料？</a:t>
-            </a:r>
             <a:endParaRPr lang="zh-TW" altLang="en-US" sz="4000" dirty="0"/>
           </a:p>
         </p:txBody>
@@ -22266,7 +20818,7 @@
           <a:p>
             <a:fld id="{A0CF5734-5191-4A1A-B94E-B3464C9CF480}" type="slidenum">
               <a:rPr lang="zh-TW" altLang="en-US" smtClean="0"/>
-              <a:t>44</a:t>
+              <a:t>39</a:t>
             </a:fld>
             <a:endParaRPr lang="zh-TW" altLang="en-US" dirty="0"/>
           </a:p>
@@ -22762,6 +21314,114 @@
           </a:fontRef>
         </p:style>
       </p:cxnSp>
+      <p:sp>
+        <p:nvSpPr>
+          <p:cNvPr id="4" name="圓角矩形圖說文字 3"/>
+          <p:cNvSpPr/>
+          <p:nvPr/>
+        </p:nvSpPr>
+        <p:spPr>
+          <a:xfrm>
+            <a:off x="3187700" y="4168233"/>
+            <a:ext cx="3081713" cy="568489"/>
+          </a:xfrm>
+          <a:prstGeom prst="wedgeRoundRectCallout">
+            <a:avLst>
+              <a:gd name="adj1" fmla="val -1052"/>
+              <a:gd name="adj2" fmla="val 78138"/>
+              <a:gd name="adj3" fmla="val 16667"/>
+            </a:avLst>
+          </a:prstGeom>
+          <a:ln/>
+        </p:spPr>
+        <p:style>
+          <a:lnRef idx="0">
+            <a:schemeClr val="accent6"/>
+          </a:lnRef>
+          <a:fillRef idx="3">
+            <a:schemeClr val="accent6"/>
+          </a:fillRef>
+          <a:effectRef idx="3">
+            <a:schemeClr val="accent6"/>
+          </a:effectRef>
+          <a:fontRef idx="minor">
+            <a:schemeClr val="lt1"/>
+          </a:fontRef>
+        </p:style>
+        <p:txBody>
+          <a:bodyPr rot="0" spcFirstLastPara="0" vertOverflow="overflow" horzOverflow="overflow" vert="horz" wrap="square" lIns="91440" tIns="45720" rIns="91440" bIns="45720" numCol="1" spcCol="0" rtlCol="0" fromWordArt="0" anchor="ctr" anchorCtr="0" forceAA="0" compatLnSpc="1">
+            <a:prstTxWarp prst="textNoShape">
+              <a:avLst/>
+            </a:prstTxWarp>
+            <a:noAutofit/>
+          </a:bodyPr>
+          <a:lstStyle/>
+          <a:p>
+            <a:pPr algn="ctr"/>
+            <a:r>
+              <a:rPr lang="zh-TW" altLang="en-US" sz="1800" dirty="0"/>
+              <a:t>如何區別不同來源的資料？</a:t>
+            </a:r>
+            <a:endParaRPr lang="zh-TW" altLang="en-US" sz="1800" dirty="0"/>
+          </a:p>
+        </p:txBody>
+      </p:sp>
+      <p:sp>
+        <p:nvSpPr>
+          <p:cNvPr id="14" name="圓角矩形圖說文字 13"/>
+          <p:cNvSpPr/>
+          <p:nvPr/>
+        </p:nvSpPr>
+        <p:spPr>
+          <a:xfrm>
+            <a:off x="4216400" y="2602654"/>
+            <a:ext cx="1956600" cy="568489"/>
+          </a:xfrm>
+          <a:prstGeom prst="wedgeRoundRectCallout">
+            <a:avLst>
+              <a:gd name="adj1" fmla="val 22315"/>
+              <a:gd name="adj2" fmla="val 102712"/>
+              <a:gd name="adj3" fmla="val 16667"/>
+            </a:avLst>
+          </a:prstGeom>
+          <a:ln/>
+        </p:spPr>
+        <p:style>
+          <a:lnRef idx="0">
+            <a:schemeClr val="accent6"/>
+          </a:lnRef>
+          <a:fillRef idx="3">
+            <a:schemeClr val="accent6"/>
+          </a:fillRef>
+          <a:effectRef idx="3">
+            <a:schemeClr val="accent6"/>
+          </a:effectRef>
+          <a:fontRef idx="minor">
+            <a:schemeClr val="lt1"/>
+          </a:fontRef>
+        </p:style>
+        <p:txBody>
+          <a:bodyPr rot="0" spcFirstLastPara="0" vertOverflow="overflow" horzOverflow="overflow" vert="horz" wrap="square" lIns="91440" tIns="45720" rIns="91440" bIns="45720" numCol="1" spcCol="0" rtlCol="0" fromWordArt="0" anchor="ctr" anchorCtr="0" forceAA="0" compatLnSpc="1">
+            <a:prstTxWarp prst="textNoShape">
+              <a:avLst/>
+            </a:prstTxWarp>
+            <a:noAutofit/>
+          </a:bodyPr>
+          <a:lstStyle/>
+          <a:p>
+            <a:pPr algn="ctr"/>
+            <a:r>
+              <a:rPr lang="zh-TW" altLang="en-US" sz="1800" dirty="0" smtClean="0"/>
+              <a:t>如何避免重複</a:t>
+            </a:r>
+            <a:r>
+              <a:rPr lang="en-US" altLang="zh-TW" sz="1800" dirty="0" smtClean="0"/>
+              <a:t>id?</a:t>
+            </a:r>
+            <a:endParaRPr lang="zh-TW" altLang="en-US" sz="1800" dirty="0"/>
+          </a:p>
+        </p:txBody>
+      </p:sp>
     </p:spTree>
     <p:extLst>
       <p:ext uri="{BB962C8B-B14F-4D97-AF65-F5344CB8AC3E}">
@@ -22772,6 +21432,2273 @@
   <p:clrMapOvr>
     <a:masterClrMapping/>
   </p:clrMapOvr>
+</p:sld>
+</file>
+
+<file path=ppt/slides/slide4.xml><?xml version="1.0" encoding="utf-8"?>
+<p:sld xmlns:a="http://schemas.openxmlformats.org/drawingml/2006/main" xmlns:r="http://schemas.openxmlformats.org/officeDocument/2006/relationships" xmlns:p="http://schemas.openxmlformats.org/presentationml/2006/main">
+  <p:cSld>
+    <p:spTree>
+      <p:nvGrpSpPr>
+        <p:cNvPr id="1" name=""/>
+        <p:cNvGrpSpPr/>
+        <p:nvPr/>
+      </p:nvGrpSpPr>
+      <p:grpSpPr>
+        <a:xfrm>
+          <a:off x="0" y="0"/>
+          <a:ext cx="0" cy="0"/>
+          <a:chOff x="0" y="0"/>
+          <a:chExt cx="0" cy="0"/>
+        </a:xfrm>
+      </p:grpSpPr>
+      <p:sp>
+        <p:nvSpPr>
+          <p:cNvPr id="2" name="標題 1"/>
+          <p:cNvSpPr>
+            <a:spLocks noGrp="1"/>
+          </p:cNvSpPr>
+          <p:nvPr>
+            <p:ph type="title"/>
+          </p:nvPr>
+        </p:nvSpPr>
+        <p:spPr/>
+        <p:txBody>
+          <a:bodyPr/>
+          <a:lstStyle/>
+          <a:p>
+            <a:r>
+              <a:rPr lang="zh-TW" altLang="en-US" dirty="0" smtClean="0"/>
+              <a:t>作業說明</a:t>
+            </a:r>
+            <a:endParaRPr lang="zh-TW" altLang="en-US" dirty="0"/>
+          </a:p>
+        </p:txBody>
+      </p:sp>
+      <p:sp>
+        <p:nvSpPr>
+          <p:cNvPr id="3" name="內容版面配置區 2"/>
+          <p:cNvSpPr>
+            <a:spLocks noGrp="1"/>
+          </p:cNvSpPr>
+          <p:nvPr>
+            <p:ph idx="1"/>
+          </p:nvPr>
+        </p:nvSpPr>
+        <p:spPr>
+          <a:xfrm>
+            <a:off x="822959" y="1845734"/>
+            <a:ext cx="7543801" cy="4345516"/>
+          </a:xfrm>
+        </p:spPr>
+        <p:txBody>
+          <a:bodyPr>
+            <a:normAutofit/>
+          </a:bodyPr>
+          <a:lstStyle/>
+          <a:p>
+            <a:r>
+              <a:rPr lang="zh-TW" altLang="en-US" dirty="0" smtClean="0"/>
+              <a:t>個人作業：</a:t>
+            </a:r>
+            <a:endParaRPr lang="en-US" altLang="zh-TW" dirty="0" smtClean="0"/>
+          </a:p>
+          <a:p>
+            <a:pPr lvl="1"/>
+            <a:r>
+              <a:rPr lang="zh-TW" altLang="en-US" dirty="0"/>
+              <a:t>請</a:t>
+            </a:r>
+            <a:r>
+              <a:rPr lang="zh-TW" altLang="en-US" dirty="0" smtClean="0"/>
+              <a:t>以隨身碟保存您的</a:t>
+            </a:r>
+            <a:r>
+              <a:rPr lang="en-US" altLang="zh-TW" dirty="0" smtClean="0"/>
+              <a:t>Solr</a:t>
+            </a:r>
+            <a:r>
+              <a:rPr lang="zh-TW" altLang="en-US" dirty="0" smtClean="0"/>
+              <a:t>系統</a:t>
+            </a:r>
+            <a:endParaRPr lang="en-US" altLang="zh-TW" dirty="0" smtClean="0"/>
+          </a:p>
+          <a:p>
+            <a:r>
+              <a:rPr lang="zh-TW" altLang="en-US" dirty="0" smtClean="0"/>
+              <a:t>完成等級：</a:t>
+            </a:r>
+            <a:endParaRPr lang="en-US" altLang="zh-TW" dirty="0" smtClean="0"/>
+          </a:p>
+          <a:p>
+            <a:pPr marL="658368" lvl="1" indent="-457200">
+              <a:buFont typeface="+mj-lt"/>
+              <a:buAutoNum type="arabicPeriod"/>
+            </a:pPr>
+            <a:r>
+              <a:rPr lang="zh-TW" altLang="en-US" dirty="0" smtClean="0"/>
+              <a:t>照講義地建置了</a:t>
+            </a:r>
+            <a:r>
+              <a:rPr lang="en-US" altLang="zh-TW" dirty="0" smtClean="0"/>
+              <a:t>Solr</a:t>
+            </a:r>
+            <a:r>
+              <a:rPr lang="zh-TW" altLang="en-US" dirty="0" smtClean="0"/>
+              <a:t>系統、匯入了資料與修改了網頁標題</a:t>
+            </a:r>
+            <a:endParaRPr lang="en-US" altLang="zh-TW" dirty="0" smtClean="0"/>
+          </a:p>
+          <a:p>
+            <a:pPr marL="658368" lvl="1" indent="-457200">
+              <a:buFont typeface="+mj-lt"/>
+              <a:buAutoNum type="arabicPeriod"/>
+            </a:pPr>
+            <a:r>
+              <a:rPr lang="zh-TW" altLang="en-US" dirty="0" smtClean="0"/>
+              <a:t>規劃主題建置資料，並且資料超過</a:t>
+            </a:r>
+            <a:r>
+              <a:rPr lang="en-US" altLang="zh-TW" dirty="0" smtClean="0"/>
+              <a:t>500</a:t>
+            </a:r>
+            <a:r>
+              <a:rPr lang="zh-TW" altLang="en-US" dirty="0" smtClean="0"/>
+              <a:t>筆以上</a:t>
+            </a:r>
+            <a:endParaRPr lang="en-US" altLang="zh-TW" dirty="0" smtClean="0"/>
+          </a:p>
+          <a:p>
+            <a:pPr marL="658368" lvl="1" indent="-457200">
+              <a:buFont typeface="+mj-lt"/>
+              <a:buAutoNum type="arabicPeriod"/>
+            </a:pPr>
+            <a:r>
+              <a:rPr lang="zh-TW" altLang="en-US" dirty="0" smtClean="0"/>
+              <a:t>修改了資料欄位與層面檢索</a:t>
+            </a:r>
+            <a:endParaRPr lang="en-US" altLang="zh-TW" dirty="0" smtClean="0"/>
+          </a:p>
+          <a:p>
+            <a:pPr marL="658368" lvl="1" indent="-457200">
+              <a:buFont typeface="+mj-lt"/>
+              <a:buAutoNum type="arabicPeriod"/>
+            </a:pPr>
+            <a:r>
+              <a:rPr lang="zh-TW" altLang="en-US" dirty="0" smtClean="0"/>
+              <a:t>大幅度地調整了系統版面</a:t>
+            </a:r>
+            <a:endParaRPr lang="en-US" altLang="zh-TW" dirty="0" smtClean="0"/>
+          </a:p>
+          <a:p>
+            <a:pPr marL="658368" lvl="1" indent="-457200">
+              <a:buFont typeface="+mj-lt"/>
+              <a:buAutoNum type="arabicPeriod"/>
+            </a:pPr>
+            <a:r>
+              <a:rPr lang="zh-TW" altLang="en-US" dirty="0" smtClean="0"/>
+              <a:t>找出講義沒提及的功能</a:t>
+            </a:r>
+            <a:endParaRPr lang="en-US" altLang="zh-TW" dirty="0" smtClean="0"/>
+          </a:p>
+          <a:p>
+            <a:r>
+              <a:rPr lang="zh-TW" altLang="en-US" dirty="0"/>
+              <a:t>作業呈現：</a:t>
+            </a:r>
+            <a:r>
+              <a:rPr lang="en-US" altLang="zh-TW" b="1" dirty="0">
+                <a:solidFill>
+                  <a:srgbClr val="FF0000"/>
+                </a:solidFill>
+              </a:rPr>
+              <a:t>5/22(</a:t>
+            </a:r>
+            <a:r>
+              <a:rPr lang="zh-TW" altLang="en-US" b="1" dirty="0">
+                <a:solidFill>
+                  <a:srgbClr val="FF0000"/>
+                </a:solidFill>
+              </a:rPr>
+              <a:t>五</a:t>
+            </a:r>
+            <a:r>
+              <a:rPr lang="en-US" altLang="zh-TW" b="1" dirty="0">
+                <a:solidFill>
+                  <a:srgbClr val="FF0000"/>
+                </a:solidFill>
+              </a:rPr>
+              <a:t>)</a:t>
+            </a:r>
+          </a:p>
+          <a:p>
+            <a:pPr lvl="1"/>
+            <a:r>
+              <a:rPr lang="zh-TW" altLang="en-US" dirty="0"/>
+              <a:t>以隨身碟儲存系統，帶到教師電腦來展示</a:t>
+            </a:r>
+            <a:endParaRPr lang="en-US" altLang="zh-TW" dirty="0"/>
+          </a:p>
+          <a:p>
+            <a:pPr lvl="1"/>
+            <a:r>
+              <a:rPr lang="zh-TW" altLang="en-US" dirty="0"/>
+              <a:t>展示重點：收錄資料主題、講義之外的系統</a:t>
+            </a:r>
+            <a:r>
+              <a:rPr lang="zh-TW" altLang="en-US" dirty="0" smtClean="0"/>
+              <a:t>調整</a:t>
+            </a:r>
+            <a:endParaRPr lang="zh-TW" altLang="en-US" dirty="0"/>
+          </a:p>
+        </p:txBody>
+      </p:sp>
+      <p:sp>
+        <p:nvSpPr>
+          <p:cNvPr id="4" name="投影片編號版面配置區 3"/>
+          <p:cNvSpPr>
+            <a:spLocks noGrp="1"/>
+          </p:cNvSpPr>
+          <p:nvPr>
+            <p:ph type="sldNum" sz="quarter" idx="12"/>
+          </p:nvPr>
+        </p:nvSpPr>
+        <p:spPr/>
+        <p:txBody>
+          <a:bodyPr/>
+          <a:lstStyle/>
+          <a:p>
+            <a:fld id="{A0CF5734-5191-4A1A-B94E-B3464C9CF480}" type="slidenum">
+              <a:rPr lang="zh-TW" altLang="en-US" smtClean="0"/>
+              <a:t>4</a:t>
+            </a:fld>
+            <a:endParaRPr lang="zh-TW" altLang="en-US" dirty="0"/>
+          </a:p>
+        </p:txBody>
+      </p:sp>
+    </p:spTree>
+    <p:extLst>
+      <p:ext uri="{BB962C8B-B14F-4D97-AF65-F5344CB8AC3E}">
+        <p14:creationId xmlns:p14="http://schemas.microsoft.com/office/powerpoint/2010/main" val="109055671"/>
+      </p:ext>
+    </p:extLst>
+  </p:cSld>
+  <p:clrMapOvr>
+    <a:masterClrMapping/>
+  </p:clrMapOvr>
+  <p:timing>
+    <p:tnLst>
+      <p:par>
+        <p:cTn id="1" dur="indefinite" restart="never" nodeType="tmRoot"/>
+      </p:par>
+    </p:tnLst>
+  </p:timing>
+</p:sld>
+</file>
+
+<file path=ppt/slides/slide40.xml><?xml version="1.0" encoding="utf-8"?>
+<p:sld xmlns:a="http://schemas.openxmlformats.org/drawingml/2006/main" xmlns:r="http://schemas.openxmlformats.org/officeDocument/2006/relationships" xmlns:p="http://schemas.openxmlformats.org/presentationml/2006/main">
+  <p:cSld>
+    <p:spTree>
+      <p:nvGrpSpPr>
+        <p:cNvPr id="1" name=""/>
+        <p:cNvGrpSpPr/>
+        <p:nvPr/>
+      </p:nvGrpSpPr>
+      <p:grpSpPr>
+        <a:xfrm>
+          <a:off x="0" y="0"/>
+          <a:ext cx="0" cy="0"/>
+          <a:chOff x="0" y="0"/>
+          <a:chExt cx="0" cy="0"/>
+        </a:xfrm>
+      </p:grpSpPr>
+      <p:sp>
+        <p:nvSpPr>
+          <p:cNvPr id="6" name="標題 5"/>
+          <p:cNvSpPr>
+            <a:spLocks noGrp="1"/>
+          </p:cNvSpPr>
+          <p:nvPr>
+            <p:ph type="title"/>
+          </p:nvPr>
+        </p:nvSpPr>
+        <p:spPr/>
+        <p:txBody>
+          <a:bodyPr/>
+          <a:lstStyle/>
+          <a:p>
+            <a:r>
+              <a:rPr lang="zh-TW" altLang="en-US" dirty="0" smtClean="0"/>
+              <a:t>顯示與搜尋</a:t>
+            </a:r>
+            <a:r>
+              <a:rPr lang="en-US" altLang="zh-TW" dirty="0" smtClean="0"/>
+              <a:t/>
+            </a:r>
+            <a:br>
+              <a:rPr lang="en-US" altLang="zh-TW" dirty="0" smtClean="0"/>
+            </a:br>
+            <a:r>
+              <a:rPr lang="zh-TW" altLang="en-US" dirty="0" smtClean="0"/>
+              <a:t>的設定</a:t>
+            </a:r>
+            <a:endParaRPr lang="zh-TW" altLang="en-US" dirty="0"/>
+          </a:p>
+        </p:txBody>
+      </p:sp>
+      <p:sp>
+        <p:nvSpPr>
+          <p:cNvPr id="7" name="文字版面配置區 6"/>
+          <p:cNvSpPr>
+            <a:spLocks noGrp="1"/>
+          </p:cNvSpPr>
+          <p:nvPr>
+            <p:ph type="body" idx="1"/>
+          </p:nvPr>
+        </p:nvSpPr>
+        <p:spPr/>
+        <p:txBody>
+          <a:bodyPr/>
+          <a:lstStyle/>
+          <a:p>
+            <a:r>
+              <a:rPr lang="en-US" altLang="zh-TW" dirty="0" smtClean="0"/>
+              <a:t>Part 3.</a:t>
+            </a:r>
+            <a:endParaRPr lang="zh-TW" altLang="en-US" dirty="0"/>
+          </a:p>
+        </p:txBody>
+      </p:sp>
+      <p:sp>
+        <p:nvSpPr>
+          <p:cNvPr id="4" name="投影片編號版面配置區 3"/>
+          <p:cNvSpPr>
+            <a:spLocks noGrp="1"/>
+          </p:cNvSpPr>
+          <p:nvPr>
+            <p:ph type="sldNum" sz="quarter" idx="12"/>
+          </p:nvPr>
+        </p:nvSpPr>
+        <p:spPr/>
+        <p:txBody>
+          <a:bodyPr/>
+          <a:lstStyle/>
+          <a:p>
+            <a:fld id="{A0CF5734-5191-4A1A-B94E-B3464C9CF480}" type="slidenum">
+              <a:rPr lang="zh-TW" altLang="en-US" smtClean="0"/>
+              <a:t>40</a:t>
+            </a:fld>
+            <a:endParaRPr lang="zh-TW" altLang="en-US" dirty="0"/>
+          </a:p>
+        </p:txBody>
+      </p:sp>
+    </p:spTree>
+    <p:extLst>
+      <p:ext uri="{BB962C8B-B14F-4D97-AF65-F5344CB8AC3E}">
+        <p14:creationId xmlns:p14="http://schemas.microsoft.com/office/powerpoint/2010/main" val="2982134092"/>
+      </p:ext>
+    </p:extLst>
+  </p:cSld>
+  <p:clrMapOvr>
+    <a:masterClrMapping/>
+  </p:clrMapOvr>
+  <p:timing>
+    <p:tnLst>
+      <p:par>
+        <p:cTn id="1" dur="indefinite" restart="never" nodeType="tmRoot"/>
+      </p:par>
+    </p:tnLst>
+  </p:timing>
+</p:sld>
+</file>
+
+<file path=ppt/slides/slide41.xml><?xml version="1.0" encoding="utf-8"?>
+<p:sld xmlns:a="http://schemas.openxmlformats.org/drawingml/2006/main" xmlns:r="http://schemas.openxmlformats.org/officeDocument/2006/relationships" xmlns:p="http://schemas.openxmlformats.org/presentationml/2006/main">
+  <p:cSld>
+    <p:spTree>
+      <p:nvGrpSpPr>
+        <p:cNvPr id="1" name=""/>
+        <p:cNvGrpSpPr/>
+        <p:nvPr/>
+      </p:nvGrpSpPr>
+      <p:grpSpPr>
+        <a:xfrm>
+          <a:off x="0" y="0"/>
+          <a:ext cx="0" cy="0"/>
+          <a:chOff x="0" y="0"/>
+          <a:chExt cx="0" cy="0"/>
+        </a:xfrm>
+      </p:grpSpPr>
+      <p:sp>
+        <p:nvSpPr>
+          <p:cNvPr id="6" name="標題 5"/>
+          <p:cNvSpPr>
+            <a:spLocks noGrp="1"/>
+          </p:cNvSpPr>
+          <p:nvPr>
+            <p:ph type="title"/>
+          </p:nvPr>
+        </p:nvSpPr>
+        <p:spPr/>
+        <p:txBody>
+          <a:bodyPr/>
+          <a:lstStyle/>
+          <a:p>
+            <a:r>
+              <a:rPr lang="en-US" altLang="zh-TW" dirty="0" smtClean="0"/>
+              <a:t>Solr</a:t>
+            </a:r>
+            <a:r>
+              <a:rPr lang="zh-TW" altLang="en-US" dirty="0" smtClean="0"/>
+              <a:t>核心設定檔</a:t>
+            </a:r>
+            <a:endParaRPr lang="zh-TW" altLang="en-US" dirty="0"/>
+          </a:p>
+        </p:txBody>
+      </p:sp>
+      <p:sp>
+        <p:nvSpPr>
+          <p:cNvPr id="7" name="文字版面配置區 6"/>
+          <p:cNvSpPr>
+            <a:spLocks noGrp="1"/>
+          </p:cNvSpPr>
+          <p:nvPr>
+            <p:ph type="body" idx="1"/>
+          </p:nvPr>
+        </p:nvSpPr>
+        <p:spPr>
+          <a:xfrm>
+            <a:off x="822960" y="2265152"/>
+            <a:ext cx="3703320" cy="736282"/>
+          </a:xfrm>
+        </p:spPr>
+        <p:txBody>
+          <a:bodyPr anchor="b"/>
+          <a:lstStyle/>
+          <a:p>
+            <a:pPr algn="ctr"/>
+            <a:r>
+              <a:rPr lang="en-US" altLang="zh-TW" cap="none" dirty="0" smtClean="0"/>
+              <a:t>schema.xml</a:t>
+            </a:r>
+            <a:endParaRPr lang="zh-TW" altLang="en-US" cap="none" dirty="0"/>
+          </a:p>
+        </p:txBody>
+      </p:sp>
+      <p:sp>
+        <p:nvSpPr>
+          <p:cNvPr id="8" name="內容版面配置區 7"/>
+          <p:cNvSpPr>
+            <a:spLocks noGrp="1"/>
+          </p:cNvSpPr>
+          <p:nvPr>
+            <p:ph sz="half" idx="2"/>
+          </p:nvPr>
+        </p:nvSpPr>
+        <p:spPr>
+          <a:xfrm>
+            <a:off x="822960" y="3001434"/>
+            <a:ext cx="3703320" cy="2840566"/>
+          </a:xfrm>
+        </p:spPr>
+        <p:txBody>
+          <a:bodyPr/>
+          <a:lstStyle/>
+          <a:p>
+            <a:r>
+              <a:rPr lang="zh-TW" altLang="en-US" dirty="0" smtClean="0"/>
+              <a:t>檔案位置：</a:t>
+            </a:r>
+            <a:r>
+              <a:rPr lang="en-US" altLang="zh-TW" u="sng" dirty="0" smtClean="0">
+                <a:solidFill>
+                  <a:schemeClr val="bg2">
+                    <a:lumMod val="50000"/>
+                  </a:schemeClr>
+                </a:solidFill>
+              </a:rPr>
+              <a:t>[</a:t>
+            </a:r>
+            <a:r>
+              <a:rPr lang="en-US" altLang="zh-TW" u="sng" dirty="0" err="1" smtClean="0">
+                <a:solidFill>
+                  <a:schemeClr val="bg2">
+                    <a:lumMod val="50000"/>
+                  </a:schemeClr>
+                </a:solidFill>
+              </a:rPr>
+              <a:t>solr</a:t>
+            </a:r>
+            <a:r>
+              <a:rPr lang="en-US" altLang="zh-TW" u="sng" dirty="0" smtClean="0">
+                <a:solidFill>
+                  <a:schemeClr val="bg2">
+                    <a:lumMod val="50000"/>
+                  </a:schemeClr>
+                </a:solidFill>
+              </a:rPr>
+              <a:t>]\example\</a:t>
+            </a:r>
+            <a:r>
+              <a:rPr lang="en-US" altLang="zh-TW" u="sng" dirty="0" err="1" smtClean="0">
+                <a:solidFill>
+                  <a:schemeClr val="bg2">
+                    <a:lumMod val="50000"/>
+                  </a:schemeClr>
+                </a:solidFill>
+              </a:rPr>
+              <a:t>solr</a:t>
+            </a:r>
+            <a:r>
+              <a:rPr lang="en-US" altLang="zh-TW" u="sng" dirty="0" smtClean="0">
+                <a:solidFill>
+                  <a:schemeClr val="bg2">
+                    <a:lumMod val="50000"/>
+                  </a:schemeClr>
+                </a:solidFill>
+              </a:rPr>
+              <a:t>\collection1\</a:t>
+            </a:r>
+            <a:r>
+              <a:rPr lang="en-US" altLang="zh-TW" u="sng" dirty="0" err="1" smtClean="0">
+                <a:solidFill>
+                  <a:schemeClr val="bg2">
+                    <a:lumMod val="50000"/>
+                  </a:schemeClr>
+                </a:solidFill>
+              </a:rPr>
+              <a:t>conf</a:t>
+            </a:r>
+            <a:r>
+              <a:rPr lang="en-US" altLang="zh-TW" u="sng" dirty="0" smtClean="0">
+                <a:solidFill>
+                  <a:schemeClr val="bg2">
+                    <a:lumMod val="50000"/>
+                  </a:schemeClr>
+                </a:solidFill>
+              </a:rPr>
+              <a:t>\schema.xml</a:t>
+            </a:r>
+          </a:p>
+          <a:p>
+            <a:r>
+              <a:rPr lang="zh-TW" altLang="en-US" dirty="0" smtClean="0"/>
+              <a:t>資料欄位設定</a:t>
+            </a:r>
+            <a:endParaRPr lang="en-US" altLang="zh-TW" dirty="0" smtClean="0"/>
+          </a:p>
+          <a:p>
+            <a:r>
+              <a:rPr lang="zh-TW" altLang="en-US" dirty="0" smtClean="0"/>
+              <a:t>資料類型與分析器設定</a:t>
+            </a:r>
+            <a:endParaRPr lang="zh-TW" altLang="en-US" dirty="0"/>
+          </a:p>
+        </p:txBody>
+      </p:sp>
+      <p:sp>
+        <p:nvSpPr>
+          <p:cNvPr id="9" name="文字版面配置區 8"/>
+          <p:cNvSpPr>
+            <a:spLocks noGrp="1"/>
+          </p:cNvSpPr>
+          <p:nvPr>
+            <p:ph type="body" sz="quarter" idx="3"/>
+          </p:nvPr>
+        </p:nvSpPr>
+        <p:spPr>
+          <a:xfrm>
+            <a:off x="4663440" y="2265152"/>
+            <a:ext cx="3703320" cy="736282"/>
+          </a:xfrm>
+        </p:spPr>
+        <p:txBody>
+          <a:bodyPr anchor="b"/>
+          <a:lstStyle/>
+          <a:p>
+            <a:pPr algn="ctr"/>
+            <a:r>
+              <a:rPr lang="en-US" altLang="zh-TW" cap="none" dirty="0"/>
+              <a:t>s</a:t>
+            </a:r>
+            <a:r>
+              <a:rPr lang="en-US" altLang="zh-TW" cap="none" dirty="0" smtClean="0"/>
+              <a:t>olrconfig.xml</a:t>
+            </a:r>
+            <a:endParaRPr lang="zh-TW" altLang="en-US" cap="none" dirty="0"/>
+          </a:p>
+        </p:txBody>
+      </p:sp>
+      <p:sp>
+        <p:nvSpPr>
+          <p:cNvPr id="10" name="內容版面配置區 9"/>
+          <p:cNvSpPr>
+            <a:spLocks noGrp="1"/>
+          </p:cNvSpPr>
+          <p:nvPr>
+            <p:ph sz="quarter" idx="4"/>
+          </p:nvPr>
+        </p:nvSpPr>
+        <p:spPr>
+          <a:xfrm>
+            <a:off x="4663440" y="3001434"/>
+            <a:ext cx="3703320" cy="2840566"/>
+          </a:xfrm>
+        </p:spPr>
+        <p:txBody>
+          <a:bodyPr/>
+          <a:lstStyle/>
+          <a:p>
+            <a:r>
+              <a:rPr lang="zh-TW" altLang="en-US" dirty="0"/>
+              <a:t>檔案位置：</a:t>
+            </a:r>
+            <a:r>
+              <a:rPr lang="en-US" altLang="zh-TW" u="sng" dirty="0">
+                <a:solidFill>
+                  <a:schemeClr val="bg2">
+                    <a:lumMod val="50000"/>
+                  </a:schemeClr>
+                </a:solidFill>
+              </a:rPr>
+              <a:t>[</a:t>
+            </a:r>
+            <a:r>
+              <a:rPr lang="en-US" altLang="zh-TW" u="sng" dirty="0" err="1">
+                <a:solidFill>
+                  <a:schemeClr val="bg2">
+                    <a:lumMod val="50000"/>
+                  </a:schemeClr>
+                </a:solidFill>
+              </a:rPr>
+              <a:t>solr</a:t>
+            </a:r>
+            <a:r>
+              <a:rPr lang="en-US" altLang="zh-TW" u="sng" dirty="0">
+                <a:solidFill>
+                  <a:schemeClr val="bg2">
+                    <a:lumMod val="50000"/>
+                  </a:schemeClr>
+                </a:solidFill>
+              </a:rPr>
+              <a:t>]\example\</a:t>
+            </a:r>
+            <a:r>
+              <a:rPr lang="en-US" altLang="zh-TW" u="sng" dirty="0" err="1">
+                <a:solidFill>
+                  <a:schemeClr val="bg2">
+                    <a:lumMod val="50000"/>
+                  </a:schemeClr>
+                </a:solidFill>
+              </a:rPr>
+              <a:t>solr</a:t>
+            </a:r>
+            <a:r>
+              <a:rPr lang="en-US" altLang="zh-TW" u="sng" dirty="0">
+                <a:solidFill>
+                  <a:schemeClr val="bg2">
+                    <a:lumMod val="50000"/>
+                  </a:schemeClr>
+                </a:solidFill>
+              </a:rPr>
+              <a:t>\collection1\</a:t>
+            </a:r>
+            <a:r>
+              <a:rPr lang="en-US" altLang="zh-TW" u="sng" dirty="0" err="1">
+                <a:solidFill>
+                  <a:schemeClr val="bg2">
+                    <a:lumMod val="50000"/>
+                  </a:schemeClr>
+                </a:solidFill>
+              </a:rPr>
+              <a:t>conf</a:t>
+            </a:r>
+            <a:r>
+              <a:rPr lang="en-US" altLang="zh-TW" u="sng" dirty="0">
+                <a:solidFill>
+                  <a:schemeClr val="bg2">
+                    <a:lumMod val="50000"/>
+                  </a:schemeClr>
+                </a:solidFill>
+              </a:rPr>
+              <a:t>\schema.xml</a:t>
+            </a:r>
+          </a:p>
+          <a:p>
+            <a:r>
+              <a:rPr lang="en-US" altLang="zh-TW" dirty="0" smtClean="0"/>
+              <a:t>Search UI</a:t>
+            </a:r>
+            <a:r>
+              <a:rPr lang="zh-TW" altLang="en-US" dirty="0" smtClean="0"/>
+              <a:t>網站設定</a:t>
+            </a:r>
+            <a:endParaRPr lang="en-US" altLang="zh-TW" dirty="0" smtClean="0"/>
+          </a:p>
+          <a:p>
+            <a:pPr lvl="1"/>
+            <a:r>
+              <a:rPr lang="zh-TW" altLang="en-US" dirty="0" smtClean="0"/>
+              <a:t>標題</a:t>
+            </a:r>
+            <a:endParaRPr lang="en-US" altLang="zh-TW" dirty="0" smtClean="0"/>
+          </a:p>
+          <a:p>
+            <a:pPr lvl="1"/>
+            <a:r>
+              <a:rPr lang="zh-TW" altLang="en-US" dirty="0" smtClean="0"/>
+              <a:t>層面檢索</a:t>
+            </a:r>
+            <a:endParaRPr lang="zh-TW" altLang="en-US" dirty="0"/>
+          </a:p>
+        </p:txBody>
+      </p:sp>
+      <p:sp>
+        <p:nvSpPr>
+          <p:cNvPr id="4" name="投影片編號版面配置區 3"/>
+          <p:cNvSpPr>
+            <a:spLocks noGrp="1"/>
+          </p:cNvSpPr>
+          <p:nvPr>
+            <p:ph type="sldNum" sz="quarter" idx="12"/>
+          </p:nvPr>
+        </p:nvSpPr>
+        <p:spPr/>
+        <p:txBody>
+          <a:bodyPr/>
+          <a:lstStyle/>
+          <a:p>
+            <a:fld id="{A0CF5734-5191-4A1A-B94E-B3464C9CF480}" type="slidenum">
+              <a:rPr lang="zh-TW" altLang="en-US" smtClean="0"/>
+              <a:t>41</a:t>
+            </a:fld>
+            <a:endParaRPr lang="zh-TW" altLang="en-US" dirty="0"/>
+          </a:p>
+        </p:txBody>
+      </p:sp>
+      <p:pic>
+        <p:nvPicPr>
+          <p:cNvPr id="12" name="Picture 2" descr="crystal,xml"/>
+          <p:cNvPicPr>
+            <a:picLocks noChangeAspect="1" noChangeArrowheads="1"/>
+          </p:cNvPicPr>
+          <p:nvPr/>
+        </p:nvPicPr>
+        <p:blipFill>
+          <a:blip r:embed="rId2">
+            <a:extLst>
+              <a:ext uri="{28A0092B-C50C-407E-A947-70E740481C1C}">
+                <a14:useLocalDpi xmlns:a14="http://schemas.microsoft.com/office/drawing/2010/main" val="0"/>
+              </a:ext>
+            </a:extLst>
+          </a:blip>
+          <a:srcRect/>
+          <a:stretch>
+            <a:fillRect/>
+          </a:stretch>
+        </p:blipFill>
+        <p:spPr bwMode="auto">
+          <a:xfrm>
+            <a:off x="2315066" y="1914183"/>
+            <a:ext cx="719108" cy="719110"/>
+          </a:xfrm>
+          <a:prstGeom prst="rect">
+            <a:avLst/>
+          </a:prstGeom>
+          <a:noFill/>
+          <a:extLst>
+            <a:ext uri="{909E8E84-426E-40DD-AFC4-6F175D3DCCD1}">
+              <a14:hiddenFill xmlns:a14="http://schemas.microsoft.com/office/drawing/2010/main">
+                <a:solidFill>
+                  <a:srgbClr val="FFFFFF"/>
+                </a:solidFill>
+              </a14:hiddenFill>
+            </a:ext>
+          </a:extLst>
+        </p:spPr>
+      </p:pic>
+      <p:pic>
+        <p:nvPicPr>
+          <p:cNvPr id="13" name="Picture 2" descr="crystal,xml"/>
+          <p:cNvPicPr>
+            <a:picLocks noChangeAspect="1" noChangeArrowheads="1"/>
+          </p:cNvPicPr>
+          <p:nvPr/>
+        </p:nvPicPr>
+        <p:blipFill>
+          <a:blip r:embed="rId2">
+            <a:extLst>
+              <a:ext uri="{28A0092B-C50C-407E-A947-70E740481C1C}">
+                <a14:useLocalDpi xmlns:a14="http://schemas.microsoft.com/office/drawing/2010/main" val="0"/>
+              </a:ext>
+            </a:extLst>
+          </a:blip>
+          <a:srcRect/>
+          <a:stretch>
+            <a:fillRect/>
+          </a:stretch>
+        </p:blipFill>
+        <p:spPr bwMode="auto">
+          <a:xfrm>
+            <a:off x="6155546" y="1914183"/>
+            <a:ext cx="719108" cy="719110"/>
+          </a:xfrm>
+          <a:prstGeom prst="rect">
+            <a:avLst/>
+          </a:prstGeom>
+          <a:noFill/>
+          <a:extLst>
+            <a:ext uri="{909E8E84-426E-40DD-AFC4-6F175D3DCCD1}">
+              <a14:hiddenFill xmlns:a14="http://schemas.microsoft.com/office/drawing/2010/main">
+                <a:solidFill>
+                  <a:srgbClr val="FFFFFF"/>
+                </a:solidFill>
+              </a14:hiddenFill>
+            </a:ext>
+          </a:extLst>
+        </p:spPr>
+      </p:pic>
+    </p:spTree>
+    <p:extLst>
+      <p:ext uri="{BB962C8B-B14F-4D97-AF65-F5344CB8AC3E}">
+        <p14:creationId xmlns:p14="http://schemas.microsoft.com/office/powerpoint/2010/main" val="2182575255"/>
+      </p:ext>
+    </p:extLst>
+  </p:cSld>
+  <p:clrMapOvr>
+    <a:masterClrMapping/>
+  </p:clrMapOvr>
+</p:sld>
+</file>
+
+<file path=ppt/slides/slide42.xml><?xml version="1.0" encoding="utf-8"?>
+<p:sld xmlns:a="http://schemas.openxmlformats.org/drawingml/2006/main" xmlns:r="http://schemas.openxmlformats.org/officeDocument/2006/relationships" xmlns:p="http://schemas.openxmlformats.org/presentationml/2006/main">
+  <p:cSld>
+    <p:spTree>
+      <p:nvGrpSpPr>
+        <p:cNvPr id="1" name=""/>
+        <p:cNvGrpSpPr/>
+        <p:nvPr/>
+      </p:nvGrpSpPr>
+      <p:grpSpPr>
+        <a:xfrm>
+          <a:off x="0" y="0"/>
+          <a:ext cx="0" cy="0"/>
+          <a:chOff x="0" y="0"/>
+          <a:chExt cx="0" cy="0"/>
+        </a:xfrm>
+      </p:grpSpPr>
+      <p:sp>
+        <p:nvSpPr>
+          <p:cNvPr id="2" name="標題 1"/>
+          <p:cNvSpPr>
+            <a:spLocks noGrp="1"/>
+          </p:cNvSpPr>
+          <p:nvPr>
+            <p:ph type="title"/>
+          </p:nvPr>
+        </p:nvSpPr>
+        <p:spPr>
+          <a:xfrm>
+            <a:off x="822960" y="357952"/>
+            <a:ext cx="7543800" cy="807721"/>
+          </a:xfrm>
+        </p:spPr>
+        <p:txBody>
+          <a:bodyPr/>
+          <a:lstStyle/>
+          <a:p>
+            <a:r>
+              <a:rPr lang="zh-TW" altLang="en-US" dirty="0" smtClean="0"/>
+              <a:t>簡易檢索</a:t>
+            </a:r>
+            <a:r>
+              <a:rPr lang="en-US" altLang="zh-TW" dirty="0" smtClean="0"/>
+              <a:t>(</a:t>
+            </a:r>
+            <a:r>
+              <a:rPr lang="zh-TW" altLang="en-US" dirty="0" smtClean="0"/>
+              <a:t>首頁</a:t>
+            </a:r>
+            <a:r>
+              <a:rPr lang="en-US" altLang="zh-TW" dirty="0" smtClean="0"/>
+              <a:t>)</a:t>
+            </a:r>
+            <a:endParaRPr lang="zh-TW" altLang="en-US" dirty="0"/>
+          </a:p>
+        </p:txBody>
+      </p:sp>
+      <p:pic>
+        <p:nvPicPr>
+          <p:cNvPr id="6" name="內容版面配置區 5"/>
+          <p:cNvPicPr>
+            <a:picLocks noGrp="1" noChangeAspect="1"/>
+          </p:cNvPicPr>
+          <p:nvPr>
+            <p:ph idx="1"/>
+          </p:nvPr>
+        </p:nvPicPr>
+        <p:blipFill>
+          <a:blip r:embed="rId2"/>
+          <a:stretch>
+            <a:fillRect/>
+          </a:stretch>
+        </p:blipFill>
+        <p:spPr>
+          <a:xfrm>
+            <a:off x="1513377" y="2178449"/>
+            <a:ext cx="6161696" cy="4022725"/>
+          </a:xfrm>
+          <a:prstGeom prst="rect">
+            <a:avLst/>
+          </a:prstGeom>
+        </p:spPr>
+      </p:pic>
+      <p:sp>
+        <p:nvSpPr>
+          <p:cNvPr id="4" name="投影片編號版面配置區 3"/>
+          <p:cNvSpPr>
+            <a:spLocks noGrp="1"/>
+          </p:cNvSpPr>
+          <p:nvPr>
+            <p:ph type="sldNum" sz="quarter" idx="12"/>
+          </p:nvPr>
+        </p:nvSpPr>
+        <p:spPr/>
+        <p:txBody>
+          <a:bodyPr/>
+          <a:lstStyle/>
+          <a:p>
+            <a:fld id="{A0CF5734-5191-4A1A-B94E-B3464C9CF480}" type="slidenum">
+              <a:rPr lang="zh-TW" altLang="en-US" smtClean="0"/>
+              <a:t>42</a:t>
+            </a:fld>
+            <a:endParaRPr lang="zh-TW" altLang="en-US" dirty="0"/>
+          </a:p>
+        </p:txBody>
+      </p:sp>
+      <p:sp>
+        <p:nvSpPr>
+          <p:cNvPr id="7" name="圓角矩形 6"/>
+          <p:cNvSpPr/>
+          <p:nvPr/>
+        </p:nvSpPr>
+        <p:spPr>
+          <a:xfrm>
+            <a:off x="1637202" y="3429000"/>
+            <a:ext cx="1391748" cy="2754313"/>
+          </a:xfrm>
+          <a:prstGeom prst="roundRect">
+            <a:avLst/>
+          </a:prstGeom>
+          <a:noFill/>
+          <a:ln w="38100">
+            <a:solidFill>
+              <a:srgbClr val="FF0000"/>
+            </a:solidFill>
+          </a:ln>
+          <a:effectLst>
+            <a:outerShdw blurRad="50800" dist="38100" dir="2700000" algn="tl" rotWithShape="0">
+              <a:prstClr val="black">
+                <a:alpha val="40000"/>
+              </a:prstClr>
+            </a:outerShdw>
+          </a:effectLst>
+        </p:spPr>
+        <p:style>
+          <a:lnRef idx="2">
+            <a:schemeClr val="accent1">
+              <a:shade val="50000"/>
+            </a:schemeClr>
+          </a:lnRef>
+          <a:fillRef idx="1">
+            <a:schemeClr val="accent1"/>
+          </a:fillRef>
+          <a:effectRef idx="0">
+            <a:schemeClr val="accent1"/>
+          </a:effectRef>
+          <a:fontRef idx="minor">
+            <a:schemeClr val="lt1"/>
+          </a:fontRef>
+        </p:style>
+        <p:txBody>
+          <a:bodyPr rot="0" spcFirstLastPara="0" vertOverflow="overflow" horzOverflow="overflow" vert="horz" wrap="square" lIns="91440" tIns="45720" rIns="91440" bIns="45720" numCol="1" spcCol="0" rtlCol="0" fromWordArt="0" anchor="ctr" anchorCtr="0" forceAA="0" compatLnSpc="1">
+            <a:prstTxWarp prst="textNoShape">
+              <a:avLst/>
+            </a:prstTxWarp>
+            <a:noAutofit/>
+          </a:bodyPr>
+          <a:lstStyle/>
+          <a:p>
+            <a:pPr algn="ctr"/>
+            <a:endParaRPr lang="zh-TW" altLang="en-US" sz="1800"/>
+          </a:p>
+        </p:txBody>
+      </p:sp>
+      <p:sp>
+        <p:nvSpPr>
+          <p:cNvPr id="10" name="圓角矩形 9"/>
+          <p:cNvSpPr/>
+          <p:nvPr/>
+        </p:nvSpPr>
+        <p:spPr>
+          <a:xfrm>
+            <a:off x="3704127" y="2178449"/>
+            <a:ext cx="1048848" cy="200022"/>
+          </a:xfrm>
+          <a:prstGeom prst="roundRect">
+            <a:avLst/>
+          </a:prstGeom>
+          <a:noFill/>
+          <a:ln w="38100">
+            <a:solidFill>
+              <a:srgbClr val="FF0000"/>
+            </a:solidFill>
+          </a:ln>
+          <a:effectLst>
+            <a:outerShdw blurRad="50800" dist="38100" dir="2700000" algn="tl" rotWithShape="0">
+              <a:prstClr val="black">
+                <a:alpha val="40000"/>
+              </a:prstClr>
+            </a:outerShdw>
+          </a:effectLst>
+        </p:spPr>
+        <p:style>
+          <a:lnRef idx="2">
+            <a:schemeClr val="accent1">
+              <a:shade val="50000"/>
+            </a:schemeClr>
+          </a:lnRef>
+          <a:fillRef idx="1">
+            <a:schemeClr val="accent1"/>
+          </a:fillRef>
+          <a:effectRef idx="0">
+            <a:schemeClr val="accent1"/>
+          </a:effectRef>
+          <a:fontRef idx="minor">
+            <a:schemeClr val="lt1"/>
+          </a:fontRef>
+        </p:style>
+        <p:txBody>
+          <a:bodyPr rot="0" spcFirstLastPara="0" vertOverflow="overflow" horzOverflow="overflow" vert="horz" wrap="square" lIns="91440" tIns="45720" rIns="91440" bIns="45720" numCol="1" spcCol="0" rtlCol="0" fromWordArt="0" anchor="ctr" anchorCtr="0" forceAA="0" compatLnSpc="1">
+            <a:prstTxWarp prst="textNoShape">
+              <a:avLst/>
+            </a:prstTxWarp>
+            <a:noAutofit/>
+          </a:bodyPr>
+          <a:lstStyle/>
+          <a:p>
+            <a:pPr algn="ctr"/>
+            <a:endParaRPr lang="zh-TW" altLang="en-US" sz="1800"/>
+          </a:p>
+        </p:txBody>
+      </p:sp>
+      <p:sp>
+        <p:nvSpPr>
+          <p:cNvPr id="11" name="圓角矩形 10"/>
+          <p:cNvSpPr/>
+          <p:nvPr/>
+        </p:nvSpPr>
+        <p:spPr>
+          <a:xfrm>
+            <a:off x="3361226" y="2931375"/>
+            <a:ext cx="2372823" cy="364276"/>
+          </a:xfrm>
+          <a:prstGeom prst="roundRect">
+            <a:avLst/>
+          </a:prstGeom>
+          <a:noFill/>
+          <a:ln w="38100">
+            <a:solidFill>
+              <a:srgbClr val="FF0000"/>
+            </a:solidFill>
+          </a:ln>
+          <a:effectLst>
+            <a:outerShdw blurRad="50800" dist="38100" dir="2700000" algn="tl" rotWithShape="0">
+              <a:prstClr val="black">
+                <a:alpha val="40000"/>
+              </a:prstClr>
+            </a:outerShdw>
+          </a:effectLst>
+        </p:spPr>
+        <p:style>
+          <a:lnRef idx="2">
+            <a:schemeClr val="accent1">
+              <a:shade val="50000"/>
+            </a:schemeClr>
+          </a:lnRef>
+          <a:fillRef idx="1">
+            <a:schemeClr val="accent1"/>
+          </a:fillRef>
+          <a:effectRef idx="0">
+            <a:schemeClr val="accent1"/>
+          </a:effectRef>
+          <a:fontRef idx="minor">
+            <a:schemeClr val="lt1"/>
+          </a:fontRef>
+        </p:style>
+        <p:txBody>
+          <a:bodyPr rot="0" spcFirstLastPara="0" vertOverflow="overflow" horzOverflow="overflow" vert="horz" wrap="square" lIns="91440" tIns="45720" rIns="91440" bIns="45720" numCol="1" spcCol="0" rtlCol="0" fromWordArt="0" anchor="ctr" anchorCtr="0" forceAA="0" compatLnSpc="1">
+            <a:prstTxWarp prst="textNoShape">
+              <a:avLst/>
+            </a:prstTxWarp>
+            <a:noAutofit/>
+          </a:bodyPr>
+          <a:lstStyle/>
+          <a:p>
+            <a:pPr algn="ctr"/>
+            <a:endParaRPr lang="zh-TW" altLang="en-US" sz="1800"/>
+          </a:p>
+        </p:txBody>
+      </p:sp>
+      <p:sp>
+        <p:nvSpPr>
+          <p:cNvPr id="12" name="圓角矩形 11"/>
+          <p:cNvSpPr/>
+          <p:nvPr/>
+        </p:nvSpPr>
+        <p:spPr>
+          <a:xfrm>
+            <a:off x="3042139" y="3948906"/>
+            <a:ext cx="2815736" cy="1156493"/>
+          </a:xfrm>
+          <a:prstGeom prst="roundRect">
+            <a:avLst/>
+          </a:prstGeom>
+          <a:noFill/>
+          <a:ln w="38100">
+            <a:solidFill>
+              <a:srgbClr val="FF0000"/>
+            </a:solidFill>
+          </a:ln>
+          <a:effectLst>
+            <a:outerShdw blurRad="50800" dist="38100" dir="2700000" algn="tl" rotWithShape="0">
+              <a:prstClr val="black">
+                <a:alpha val="40000"/>
+              </a:prstClr>
+            </a:outerShdw>
+          </a:effectLst>
+        </p:spPr>
+        <p:style>
+          <a:lnRef idx="2">
+            <a:schemeClr val="accent1">
+              <a:shade val="50000"/>
+            </a:schemeClr>
+          </a:lnRef>
+          <a:fillRef idx="1">
+            <a:schemeClr val="accent1"/>
+          </a:fillRef>
+          <a:effectRef idx="0">
+            <a:schemeClr val="accent1"/>
+          </a:effectRef>
+          <a:fontRef idx="minor">
+            <a:schemeClr val="lt1"/>
+          </a:fontRef>
+        </p:style>
+        <p:txBody>
+          <a:bodyPr rot="0" spcFirstLastPara="0" vertOverflow="overflow" horzOverflow="overflow" vert="horz" wrap="square" lIns="91440" tIns="45720" rIns="91440" bIns="45720" numCol="1" spcCol="0" rtlCol="0" fromWordArt="0" anchor="ctr" anchorCtr="0" forceAA="0" compatLnSpc="1">
+            <a:prstTxWarp prst="textNoShape">
+              <a:avLst/>
+            </a:prstTxWarp>
+            <a:noAutofit/>
+          </a:bodyPr>
+          <a:lstStyle/>
+          <a:p>
+            <a:pPr algn="ctr"/>
+            <a:endParaRPr lang="zh-TW" altLang="en-US" sz="1800"/>
+          </a:p>
+        </p:txBody>
+      </p:sp>
+      <p:sp>
+        <p:nvSpPr>
+          <p:cNvPr id="13" name="圓角矩形圖說文字 12"/>
+          <p:cNvSpPr/>
+          <p:nvPr/>
+        </p:nvSpPr>
+        <p:spPr>
+          <a:xfrm>
+            <a:off x="2431120" y="1261147"/>
+            <a:ext cx="1472014" cy="691692"/>
+          </a:xfrm>
+          <a:prstGeom prst="wedgeRoundRectCallout">
+            <a:avLst>
+              <a:gd name="adj1" fmla="val 44552"/>
+              <a:gd name="adj2" fmla="val 73749"/>
+              <a:gd name="adj3" fmla="val 16667"/>
+            </a:avLst>
+          </a:prstGeom>
+          <a:ln/>
+        </p:spPr>
+        <p:style>
+          <a:lnRef idx="2">
+            <a:schemeClr val="accent2"/>
+          </a:lnRef>
+          <a:fillRef idx="1">
+            <a:schemeClr val="lt1"/>
+          </a:fillRef>
+          <a:effectRef idx="0">
+            <a:schemeClr val="accent2"/>
+          </a:effectRef>
+          <a:fontRef idx="minor">
+            <a:schemeClr val="dk1"/>
+          </a:fontRef>
+        </p:style>
+        <p:txBody>
+          <a:bodyPr rot="0" spcFirstLastPara="0" vertOverflow="overflow" horzOverflow="overflow" vert="horz" wrap="square" lIns="91440" tIns="45720" rIns="91440" bIns="45720" numCol="1" spcCol="0" rtlCol="0" fromWordArt="0" anchor="ctr" anchorCtr="0" forceAA="0" compatLnSpc="1">
+            <a:prstTxWarp prst="textNoShape">
+              <a:avLst/>
+            </a:prstTxWarp>
+            <a:noAutofit/>
+          </a:bodyPr>
+          <a:lstStyle/>
+          <a:p>
+            <a:pPr algn="ctr"/>
+            <a:r>
+              <a:rPr lang="zh-TW" altLang="en-US" sz="1800" dirty="0" smtClean="0"/>
+              <a:t>進階檢索</a:t>
+            </a:r>
+            <a:endParaRPr lang="zh-TW" altLang="en-US" sz="1800" dirty="0"/>
+          </a:p>
+        </p:txBody>
+      </p:sp>
+      <p:sp>
+        <p:nvSpPr>
+          <p:cNvPr id="14" name="圓角矩形圖說文字 13"/>
+          <p:cNvSpPr/>
+          <p:nvPr/>
+        </p:nvSpPr>
+        <p:spPr>
+          <a:xfrm>
+            <a:off x="6048557" y="2521578"/>
+            <a:ext cx="2140085" cy="691692"/>
+          </a:xfrm>
+          <a:prstGeom prst="wedgeRoundRectCallout">
+            <a:avLst>
+              <a:gd name="adj1" fmla="val -62263"/>
+              <a:gd name="adj2" fmla="val 24043"/>
+              <a:gd name="adj3" fmla="val 16667"/>
+            </a:avLst>
+          </a:prstGeom>
+          <a:ln/>
+        </p:spPr>
+        <p:style>
+          <a:lnRef idx="2">
+            <a:schemeClr val="accent2"/>
+          </a:lnRef>
+          <a:fillRef idx="1">
+            <a:schemeClr val="lt1"/>
+          </a:fillRef>
+          <a:effectRef idx="0">
+            <a:schemeClr val="accent2"/>
+          </a:effectRef>
+          <a:fontRef idx="minor">
+            <a:schemeClr val="dk1"/>
+          </a:fontRef>
+        </p:style>
+        <p:txBody>
+          <a:bodyPr rot="0" spcFirstLastPara="0" vertOverflow="overflow" horzOverflow="overflow" vert="horz" wrap="square" lIns="91440" tIns="45720" rIns="91440" bIns="45720" numCol="1" spcCol="0" rtlCol="0" fromWordArt="0" anchor="ctr" anchorCtr="0" forceAA="0" compatLnSpc="1">
+            <a:prstTxWarp prst="textNoShape">
+              <a:avLst/>
+            </a:prstTxWarp>
+            <a:noAutofit/>
+          </a:bodyPr>
+          <a:lstStyle/>
+          <a:p>
+            <a:pPr algn="ctr"/>
+            <a:r>
+              <a:rPr lang="zh-TW" altLang="en-US" sz="1800" dirty="0" smtClean="0"/>
+              <a:t>簡易檢索</a:t>
+            </a:r>
+            <a:endParaRPr lang="zh-TW" altLang="en-US" sz="1800" dirty="0"/>
+          </a:p>
+        </p:txBody>
+      </p:sp>
+      <p:sp>
+        <p:nvSpPr>
+          <p:cNvPr id="15" name="圓角矩形圖說文字 14"/>
+          <p:cNvSpPr/>
+          <p:nvPr/>
+        </p:nvSpPr>
+        <p:spPr>
+          <a:xfrm>
+            <a:off x="666751" y="2571502"/>
+            <a:ext cx="1666326" cy="552511"/>
+          </a:xfrm>
+          <a:prstGeom prst="wedgeRoundRectCallout">
+            <a:avLst>
+              <a:gd name="adj1" fmla="val 26098"/>
+              <a:gd name="adj2" fmla="val 99897"/>
+              <a:gd name="adj3" fmla="val 16667"/>
+            </a:avLst>
+          </a:prstGeom>
+          <a:ln/>
+        </p:spPr>
+        <p:style>
+          <a:lnRef idx="2">
+            <a:schemeClr val="accent2"/>
+          </a:lnRef>
+          <a:fillRef idx="1">
+            <a:schemeClr val="lt1"/>
+          </a:fillRef>
+          <a:effectRef idx="0">
+            <a:schemeClr val="accent2"/>
+          </a:effectRef>
+          <a:fontRef idx="minor">
+            <a:schemeClr val="dk1"/>
+          </a:fontRef>
+        </p:style>
+        <p:txBody>
+          <a:bodyPr rot="0" spcFirstLastPara="0" vertOverflow="overflow" horzOverflow="overflow" vert="horz" wrap="square" lIns="91440" tIns="45720" rIns="91440" bIns="45720" numCol="1" spcCol="0" rtlCol="0" fromWordArt="0" anchor="ctr" anchorCtr="0" forceAA="0" compatLnSpc="1">
+            <a:prstTxWarp prst="textNoShape">
+              <a:avLst/>
+            </a:prstTxWarp>
+            <a:noAutofit/>
+          </a:bodyPr>
+          <a:lstStyle/>
+          <a:p>
+            <a:pPr algn="ctr"/>
+            <a:r>
+              <a:rPr lang="en-US" altLang="zh-TW" sz="1800" dirty="0" smtClean="0"/>
+              <a:t>3-3. </a:t>
+            </a:r>
+            <a:r>
+              <a:rPr lang="zh-TW" altLang="en-US" sz="1800" dirty="0" smtClean="0"/>
+              <a:t>層面檢索</a:t>
+            </a:r>
+            <a:endParaRPr lang="zh-TW" altLang="en-US" sz="1800" dirty="0"/>
+          </a:p>
+        </p:txBody>
+      </p:sp>
+      <p:sp>
+        <p:nvSpPr>
+          <p:cNvPr id="16" name="圓角矩形圖說文字 15"/>
+          <p:cNvSpPr/>
+          <p:nvPr/>
+        </p:nvSpPr>
+        <p:spPr>
+          <a:xfrm>
+            <a:off x="6535135" y="4552888"/>
+            <a:ext cx="1874228" cy="552511"/>
+          </a:xfrm>
+          <a:prstGeom prst="wedgeRoundRectCallout">
+            <a:avLst>
+              <a:gd name="adj1" fmla="val -86808"/>
+              <a:gd name="adj2" fmla="val -15608"/>
+              <a:gd name="adj3" fmla="val 16667"/>
+            </a:avLst>
+          </a:prstGeom>
+          <a:ln/>
+        </p:spPr>
+        <p:style>
+          <a:lnRef idx="2">
+            <a:schemeClr val="accent2"/>
+          </a:lnRef>
+          <a:fillRef idx="1">
+            <a:schemeClr val="lt1"/>
+          </a:fillRef>
+          <a:effectRef idx="0">
+            <a:schemeClr val="accent2"/>
+          </a:effectRef>
+          <a:fontRef idx="minor">
+            <a:schemeClr val="dk1"/>
+          </a:fontRef>
+        </p:style>
+        <p:txBody>
+          <a:bodyPr rot="0" spcFirstLastPara="0" vertOverflow="overflow" horzOverflow="overflow" vert="horz" wrap="square" lIns="91440" tIns="45720" rIns="91440" bIns="45720" numCol="1" spcCol="0" rtlCol="0" fromWordArt="0" anchor="ctr" anchorCtr="0" forceAA="0" compatLnSpc="1">
+            <a:prstTxWarp prst="textNoShape">
+              <a:avLst/>
+            </a:prstTxWarp>
+            <a:noAutofit/>
+          </a:bodyPr>
+          <a:lstStyle/>
+          <a:p>
+            <a:pPr algn="ctr"/>
+            <a:r>
+              <a:rPr lang="en-US" altLang="zh-TW" sz="1800" dirty="0" smtClean="0"/>
+              <a:t>3-1. </a:t>
+            </a:r>
+            <a:r>
+              <a:rPr lang="zh-TW" altLang="en-US" sz="1800" dirty="0" smtClean="0"/>
+              <a:t>摘要欄位</a:t>
+            </a:r>
+            <a:endParaRPr lang="zh-TW" altLang="en-US" sz="1800" dirty="0"/>
+          </a:p>
+        </p:txBody>
+      </p:sp>
+      <p:sp>
+        <p:nvSpPr>
+          <p:cNvPr id="19" name="圓角矩形 18"/>
+          <p:cNvSpPr/>
+          <p:nvPr/>
+        </p:nvSpPr>
+        <p:spPr>
+          <a:xfrm>
+            <a:off x="3790583" y="2467429"/>
+            <a:ext cx="1957074" cy="374988"/>
+          </a:xfrm>
+          <a:prstGeom prst="roundRect">
+            <a:avLst/>
+          </a:prstGeom>
+          <a:noFill/>
+          <a:ln w="38100">
+            <a:solidFill>
+              <a:srgbClr val="FF0000"/>
+            </a:solidFill>
+          </a:ln>
+          <a:effectLst>
+            <a:outerShdw blurRad="50800" dist="38100" dir="2700000" algn="tl" rotWithShape="0">
+              <a:prstClr val="black">
+                <a:alpha val="40000"/>
+              </a:prstClr>
+            </a:outerShdw>
+          </a:effectLst>
+        </p:spPr>
+        <p:style>
+          <a:lnRef idx="2">
+            <a:schemeClr val="accent1">
+              <a:shade val="50000"/>
+            </a:schemeClr>
+          </a:lnRef>
+          <a:fillRef idx="1">
+            <a:schemeClr val="accent1"/>
+          </a:fillRef>
+          <a:effectRef idx="0">
+            <a:schemeClr val="accent1"/>
+          </a:effectRef>
+          <a:fontRef idx="minor">
+            <a:schemeClr val="lt1"/>
+          </a:fontRef>
+        </p:style>
+        <p:txBody>
+          <a:bodyPr rot="0" spcFirstLastPara="0" vertOverflow="overflow" horzOverflow="overflow" vert="horz" wrap="square" lIns="91440" tIns="45720" rIns="91440" bIns="45720" numCol="1" spcCol="0" rtlCol="0" fromWordArt="0" anchor="ctr" anchorCtr="0" forceAA="0" compatLnSpc="1">
+            <a:prstTxWarp prst="textNoShape">
+              <a:avLst/>
+            </a:prstTxWarp>
+            <a:noAutofit/>
+          </a:bodyPr>
+          <a:lstStyle/>
+          <a:p>
+            <a:pPr algn="ctr"/>
+            <a:endParaRPr lang="zh-TW" altLang="en-US" sz="1800"/>
+          </a:p>
+        </p:txBody>
+      </p:sp>
+      <p:sp>
+        <p:nvSpPr>
+          <p:cNvPr id="20" name="圓角矩形圖說文字 19"/>
+          <p:cNvSpPr/>
+          <p:nvPr/>
+        </p:nvSpPr>
+        <p:spPr>
+          <a:xfrm>
+            <a:off x="5535967" y="1261147"/>
+            <a:ext cx="2140085" cy="691692"/>
+          </a:xfrm>
+          <a:prstGeom prst="wedgeRoundRectCallout">
+            <a:avLst>
+              <a:gd name="adj1" fmla="val -44221"/>
+              <a:gd name="adj2" fmla="val 141421"/>
+              <a:gd name="adj3" fmla="val 16667"/>
+            </a:avLst>
+          </a:prstGeom>
+          <a:ln/>
+        </p:spPr>
+        <p:style>
+          <a:lnRef idx="2">
+            <a:schemeClr val="accent2"/>
+          </a:lnRef>
+          <a:fillRef idx="1">
+            <a:schemeClr val="lt1"/>
+          </a:fillRef>
+          <a:effectRef idx="0">
+            <a:schemeClr val="accent2"/>
+          </a:effectRef>
+          <a:fontRef idx="minor">
+            <a:schemeClr val="dk1"/>
+          </a:fontRef>
+        </p:style>
+        <p:txBody>
+          <a:bodyPr rot="0" spcFirstLastPara="0" vertOverflow="overflow" horzOverflow="overflow" vert="horz" wrap="square" lIns="91440" tIns="45720" rIns="91440" bIns="45720" numCol="1" spcCol="0" rtlCol="0" fromWordArt="0" anchor="ctr" anchorCtr="0" forceAA="0" compatLnSpc="1">
+            <a:prstTxWarp prst="textNoShape">
+              <a:avLst/>
+            </a:prstTxWarp>
+            <a:noAutofit/>
+          </a:bodyPr>
+          <a:lstStyle/>
+          <a:p>
+            <a:pPr algn="ctr"/>
+            <a:r>
+              <a:rPr lang="en-US" altLang="zh-TW" sz="1800" dirty="0" smtClean="0"/>
+              <a:t>3-3. </a:t>
+            </a:r>
+            <a:r>
+              <a:rPr lang="zh-TW" altLang="en-US" sz="1800" dirty="0" smtClean="0"/>
+              <a:t>網站標題</a:t>
+            </a:r>
+            <a:endParaRPr lang="zh-TW" altLang="en-US" sz="1800" dirty="0"/>
+          </a:p>
+        </p:txBody>
+      </p:sp>
+      <p:sp>
+        <p:nvSpPr>
+          <p:cNvPr id="17" name="圓角矩形 16"/>
+          <p:cNvSpPr/>
+          <p:nvPr/>
+        </p:nvSpPr>
+        <p:spPr>
+          <a:xfrm>
+            <a:off x="4752974" y="2178449"/>
+            <a:ext cx="651933" cy="200022"/>
+          </a:xfrm>
+          <a:prstGeom prst="roundRect">
+            <a:avLst/>
+          </a:prstGeom>
+          <a:noFill/>
+          <a:ln w="38100">
+            <a:solidFill>
+              <a:srgbClr val="FF0000"/>
+            </a:solidFill>
+          </a:ln>
+          <a:effectLst>
+            <a:outerShdw blurRad="50800" dist="38100" dir="2700000" algn="tl" rotWithShape="0">
+              <a:prstClr val="black">
+                <a:alpha val="40000"/>
+              </a:prstClr>
+            </a:outerShdw>
+          </a:effectLst>
+        </p:spPr>
+        <p:style>
+          <a:lnRef idx="2">
+            <a:schemeClr val="accent1">
+              <a:shade val="50000"/>
+            </a:schemeClr>
+          </a:lnRef>
+          <a:fillRef idx="1">
+            <a:schemeClr val="accent1"/>
+          </a:fillRef>
+          <a:effectRef idx="0">
+            <a:schemeClr val="accent1"/>
+          </a:effectRef>
+          <a:fontRef idx="minor">
+            <a:schemeClr val="lt1"/>
+          </a:fontRef>
+        </p:style>
+        <p:txBody>
+          <a:bodyPr rot="0" spcFirstLastPara="0" vertOverflow="overflow" horzOverflow="overflow" vert="horz" wrap="square" lIns="91440" tIns="45720" rIns="91440" bIns="45720" numCol="1" spcCol="0" rtlCol="0" fromWordArt="0" anchor="ctr" anchorCtr="0" forceAA="0" compatLnSpc="1">
+            <a:prstTxWarp prst="textNoShape">
+              <a:avLst/>
+            </a:prstTxWarp>
+            <a:noAutofit/>
+          </a:bodyPr>
+          <a:lstStyle/>
+          <a:p>
+            <a:pPr algn="ctr"/>
+            <a:endParaRPr lang="zh-TW" altLang="en-US" sz="1800"/>
+          </a:p>
+        </p:txBody>
+      </p:sp>
+      <p:sp>
+        <p:nvSpPr>
+          <p:cNvPr id="21" name="圓角矩形圖說文字 20"/>
+          <p:cNvSpPr/>
+          <p:nvPr/>
+        </p:nvSpPr>
+        <p:spPr>
+          <a:xfrm>
+            <a:off x="3938876" y="1261147"/>
+            <a:ext cx="1472014" cy="691692"/>
+          </a:xfrm>
+          <a:prstGeom prst="wedgeRoundRectCallout">
+            <a:avLst>
+              <a:gd name="adj1" fmla="val 29023"/>
+              <a:gd name="adj2" fmla="val 73749"/>
+              <a:gd name="adj3" fmla="val 16667"/>
+            </a:avLst>
+          </a:prstGeom>
+          <a:ln/>
+        </p:spPr>
+        <p:style>
+          <a:lnRef idx="2">
+            <a:schemeClr val="accent2"/>
+          </a:lnRef>
+          <a:fillRef idx="1">
+            <a:schemeClr val="lt1"/>
+          </a:fillRef>
+          <a:effectRef idx="0">
+            <a:schemeClr val="accent2"/>
+          </a:effectRef>
+          <a:fontRef idx="minor">
+            <a:schemeClr val="dk1"/>
+          </a:fontRef>
+        </p:style>
+        <p:txBody>
+          <a:bodyPr rot="0" spcFirstLastPara="0" vertOverflow="overflow" horzOverflow="overflow" vert="horz" wrap="square" lIns="91440" tIns="45720" rIns="91440" bIns="45720" numCol="1" spcCol="0" rtlCol="0" fromWordArt="0" anchor="ctr" anchorCtr="0" forceAA="0" compatLnSpc="1">
+            <a:prstTxWarp prst="textNoShape">
+              <a:avLst/>
+            </a:prstTxWarp>
+            <a:noAutofit/>
+          </a:bodyPr>
+          <a:lstStyle/>
+          <a:p>
+            <a:pPr algn="ctr"/>
+            <a:r>
+              <a:rPr lang="zh-TW" altLang="en-US" sz="1800" dirty="0" smtClean="0"/>
+              <a:t>管理介面</a:t>
+            </a:r>
+            <a:endParaRPr lang="zh-TW" altLang="en-US" sz="1800" dirty="0"/>
+          </a:p>
+        </p:txBody>
+      </p:sp>
+    </p:spTree>
+    <p:extLst>
+      <p:ext uri="{BB962C8B-B14F-4D97-AF65-F5344CB8AC3E}">
+        <p14:creationId xmlns:p14="http://schemas.microsoft.com/office/powerpoint/2010/main" val="1432130451"/>
+      </p:ext>
+    </p:extLst>
+  </p:cSld>
+  <p:clrMapOvr>
+    <a:masterClrMapping/>
+  </p:clrMapOvr>
+  <p:timing>
+    <p:tnLst>
+      <p:par>
+        <p:cTn id="1" dur="indefinite" restart="never" nodeType="tmRoot"/>
+      </p:par>
+    </p:tnLst>
+  </p:timing>
+</p:sld>
+</file>
+
+<file path=ppt/slides/slide43.xml><?xml version="1.0" encoding="utf-8"?>
+<p:sld xmlns:a="http://schemas.openxmlformats.org/drawingml/2006/main" xmlns:r="http://schemas.openxmlformats.org/officeDocument/2006/relationships" xmlns:p="http://schemas.openxmlformats.org/presentationml/2006/main">
+  <p:cSld>
+    <p:spTree>
+      <p:nvGrpSpPr>
+        <p:cNvPr id="1" name=""/>
+        <p:cNvGrpSpPr/>
+        <p:nvPr/>
+      </p:nvGrpSpPr>
+      <p:grpSpPr>
+        <a:xfrm>
+          <a:off x="0" y="0"/>
+          <a:ext cx="0" cy="0"/>
+          <a:chOff x="0" y="0"/>
+          <a:chExt cx="0" cy="0"/>
+        </a:xfrm>
+      </p:grpSpPr>
+      <p:sp>
+        <p:nvSpPr>
+          <p:cNvPr id="8" name="標題 7"/>
+          <p:cNvSpPr>
+            <a:spLocks noGrp="1"/>
+          </p:cNvSpPr>
+          <p:nvPr>
+            <p:ph type="title"/>
+          </p:nvPr>
+        </p:nvSpPr>
+        <p:spPr/>
+        <p:txBody>
+          <a:bodyPr/>
+          <a:lstStyle/>
+          <a:p>
+            <a:r>
+              <a:rPr lang="zh-TW" altLang="en-US" dirty="0" smtClean="0"/>
+              <a:t>詳細欄位</a:t>
+            </a:r>
+            <a:endParaRPr lang="zh-TW" altLang="en-US" dirty="0"/>
+          </a:p>
+        </p:txBody>
+      </p:sp>
+      <p:sp>
+        <p:nvSpPr>
+          <p:cNvPr id="9" name="內容版面配置區 8"/>
+          <p:cNvSpPr>
+            <a:spLocks noGrp="1"/>
+          </p:cNvSpPr>
+          <p:nvPr>
+            <p:ph idx="1"/>
+          </p:nvPr>
+        </p:nvSpPr>
+        <p:spPr/>
+        <p:txBody>
+          <a:bodyPr/>
+          <a:lstStyle/>
+          <a:p>
+            <a:endParaRPr lang="zh-TW" altLang="en-US"/>
+          </a:p>
+        </p:txBody>
+      </p:sp>
+      <p:sp>
+        <p:nvSpPr>
+          <p:cNvPr id="2" name="投影片編號版面配置區 1"/>
+          <p:cNvSpPr>
+            <a:spLocks noGrp="1"/>
+          </p:cNvSpPr>
+          <p:nvPr>
+            <p:ph type="sldNum" sz="quarter" idx="12"/>
+          </p:nvPr>
+        </p:nvSpPr>
+        <p:spPr/>
+        <p:txBody>
+          <a:bodyPr/>
+          <a:lstStyle/>
+          <a:p>
+            <a:fld id="{A0CF5734-5191-4A1A-B94E-B3464C9CF480}" type="slidenum">
+              <a:rPr lang="zh-TW" altLang="en-US" smtClean="0"/>
+              <a:t>43</a:t>
+            </a:fld>
+            <a:endParaRPr lang="zh-TW" altLang="en-US"/>
+          </a:p>
+        </p:txBody>
+      </p:sp>
+      <p:sp>
+        <p:nvSpPr>
+          <p:cNvPr id="10" name="文字版面配置區 9"/>
+          <p:cNvSpPr>
+            <a:spLocks noGrp="1"/>
+          </p:cNvSpPr>
+          <p:nvPr>
+            <p:ph type="body" sz="quarter" idx="13"/>
+          </p:nvPr>
+        </p:nvSpPr>
+        <p:spPr/>
+        <p:txBody>
+          <a:bodyPr/>
+          <a:lstStyle/>
+          <a:p>
+            <a:endParaRPr lang="zh-TW" altLang="en-US"/>
+          </a:p>
+        </p:txBody>
+      </p:sp>
+      <p:pic>
+        <p:nvPicPr>
+          <p:cNvPr id="3" name="圖片 2"/>
+          <p:cNvPicPr>
+            <a:picLocks noChangeAspect="1"/>
+          </p:cNvPicPr>
+          <p:nvPr/>
+        </p:nvPicPr>
+        <p:blipFill>
+          <a:blip r:embed="rId2"/>
+          <a:stretch>
+            <a:fillRect/>
+          </a:stretch>
+        </p:blipFill>
+        <p:spPr>
+          <a:xfrm>
+            <a:off x="1238250" y="1972859"/>
+            <a:ext cx="6610350" cy="4315632"/>
+          </a:xfrm>
+          <a:prstGeom prst="rect">
+            <a:avLst/>
+          </a:prstGeom>
+        </p:spPr>
+      </p:pic>
+      <p:sp>
+        <p:nvSpPr>
+          <p:cNvPr id="4" name="圓角矩形 3"/>
+          <p:cNvSpPr/>
+          <p:nvPr/>
+        </p:nvSpPr>
+        <p:spPr>
+          <a:xfrm>
+            <a:off x="1162051" y="4587875"/>
+            <a:ext cx="2524124" cy="1773238"/>
+          </a:xfrm>
+          <a:prstGeom prst="roundRect">
+            <a:avLst/>
+          </a:prstGeom>
+          <a:noFill/>
+          <a:ln w="38100">
+            <a:solidFill>
+              <a:srgbClr val="FF0000"/>
+            </a:solidFill>
+          </a:ln>
+          <a:effectLst>
+            <a:outerShdw blurRad="50800" dist="38100" dir="2700000" algn="tl" rotWithShape="0">
+              <a:prstClr val="black">
+                <a:alpha val="40000"/>
+              </a:prstClr>
+            </a:outerShdw>
+          </a:effectLst>
+        </p:spPr>
+        <p:style>
+          <a:lnRef idx="2">
+            <a:schemeClr val="accent1">
+              <a:shade val="50000"/>
+            </a:schemeClr>
+          </a:lnRef>
+          <a:fillRef idx="1">
+            <a:schemeClr val="accent1"/>
+          </a:fillRef>
+          <a:effectRef idx="0">
+            <a:schemeClr val="accent1"/>
+          </a:effectRef>
+          <a:fontRef idx="minor">
+            <a:schemeClr val="lt1"/>
+          </a:fontRef>
+        </p:style>
+        <p:txBody>
+          <a:bodyPr rot="0" spcFirstLastPara="0" vertOverflow="overflow" horzOverflow="overflow" vert="horz" wrap="square" lIns="91440" tIns="45720" rIns="91440" bIns="45720" numCol="1" spcCol="0" rtlCol="0" fromWordArt="0" anchor="ctr" anchorCtr="0" forceAA="0" compatLnSpc="1">
+            <a:prstTxWarp prst="textNoShape">
+              <a:avLst/>
+            </a:prstTxWarp>
+            <a:noAutofit/>
+          </a:bodyPr>
+          <a:lstStyle/>
+          <a:p>
+            <a:pPr algn="ctr"/>
+            <a:endParaRPr lang="zh-TW" altLang="en-US" sz="1800"/>
+          </a:p>
+        </p:txBody>
+      </p:sp>
+      <p:sp>
+        <p:nvSpPr>
+          <p:cNvPr id="5" name="圓角矩形 4"/>
+          <p:cNvSpPr/>
+          <p:nvPr/>
+        </p:nvSpPr>
+        <p:spPr>
+          <a:xfrm>
+            <a:off x="1162050" y="2949575"/>
+            <a:ext cx="3181349" cy="1638300"/>
+          </a:xfrm>
+          <a:prstGeom prst="roundRect">
+            <a:avLst/>
+          </a:prstGeom>
+          <a:noFill/>
+          <a:ln w="38100">
+            <a:solidFill>
+              <a:srgbClr val="FF0000"/>
+            </a:solidFill>
+          </a:ln>
+          <a:effectLst>
+            <a:outerShdw blurRad="50800" dist="38100" dir="2700000" algn="tl" rotWithShape="0">
+              <a:prstClr val="black">
+                <a:alpha val="40000"/>
+              </a:prstClr>
+            </a:outerShdw>
+          </a:effectLst>
+        </p:spPr>
+        <p:style>
+          <a:lnRef idx="2">
+            <a:schemeClr val="accent1">
+              <a:shade val="50000"/>
+            </a:schemeClr>
+          </a:lnRef>
+          <a:fillRef idx="1">
+            <a:schemeClr val="accent1"/>
+          </a:fillRef>
+          <a:effectRef idx="0">
+            <a:schemeClr val="accent1"/>
+          </a:effectRef>
+          <a:fontRef idx="minor">
+            <a:schemeClr val="lt1"/>
+          </a:fontRef>
+        </p:style>
+        <p:txBody>
+          <a:bodyPr rot="0" spcFirstLastPara="0" vertOverflow="overflow" horzOverflow="overflow" vert="horz" wrap="square" lIns="91440" tIns="45720" rIns="91440" bIns="45720" numCol="1" spcCol="0" rtlCol="0" fromWordArt="0" anchor="ctr" anchorCtr="0" forceAA="0" compatLnSpc="1">
+            <a:prstTxWarp prst="textNoShape">
+              <a:avLst/>
+            </a:prstTxWarp>
+            <a:noAutofit/>
+          </a:bodyPr>
+          <a:lstStyle/>
+          <a:p>
+            <a:pPr algn="ctr"/>
+            <a:endParaRPr lang="zh-TW" altLang="en-US" sz="1800"/>
+          </a:p>
+        </p:txBody>
+      </p:sp>
+      <p:sp>
+        <p:nvSpPr>
+          <p:cNvPr id="6" name="圓角矩形圖說文字 5"/>
+          <p:cNvSpPr/>
+          <p:nvPr/>
+        </p:nvSpPr>
+        <p:spPr>
+          <a:xfrm>
+            <a:off x="4731229" y="3358902"/>
+            <a:ext cx="1669571" cy="552511"/>
+          </a:xfrm>
+          <a:prstGeom prst="wedgeRoundRectCallout">
+            <a:avLst>
+              <a:gd name="adj1" fmla="val -74536"/>
+              <a:gd name="adj2" fmla="val -5264"/>
+              <a:gd name="adj3" fmla="val 16667"/>
+            </a:avLst>
+          </a:prstGeom>
+          <a:ln/>
+        </p:spPr>
+        <p:style>
+          <a:lnRef idx="2">
+            <a:schemeClr val="accent2"/>
+          </a:lnRef>
+          <a:fillRef idx="1">
+            <a:schemeClr val="lt1"/>
+          </a:fillRef>
+          <a:effectRef idx="0">
+            <a:schemeClr val="accent2"/>
+          </a:effectRef>
+          <a:fontRef idx="minor">
+            <a:schemeClr val="dk1"/>
+          </a:fontRef>
+        </p:style>
+        <p:txBody>
+          <a:bodyPr rot="0" spcFirstLastPara="0" vertOverflow="overflow" horzOverflow="overflow" vert="horz" wrap="square" lIns="91440" tIns="45720" rIns="91440" bIns="45720" numCol="1" spcCol="0" rtlCol="0" fromWordArt="0" anchor="ctr" anchorCtr="0" forceAA="0" compatLnSpc="1">
+            <a:prstTxWarp prst="textNoShape">
+              <a:avLst/>
+            </a:prstTxWarp>
+            <a:noAutofit/>
+          </a:bodyPr>
+          <a:lstStyle/>
+          <a:p>
+            <a:pPr algn="ctr"/>
+            <a:r>
+              <a:rPr lang="en-US" altLang="zh-TW" sz="1800" dirty="0" smtClean="0"/>
+              <a:t>3-2. </a:t>
+            </a:r>
+            <a:r>
+              <a:rPr lang="zh-TW" altLang="en-US" sz="1800" dirty="0" smtClean="0"/>
+              <a:t>詳細欄位</a:t>
+            </a:r>
+            <a:endParaRPr lang="zh-TW" altLang="en-US" sz="1800" dirty="0"/>
+          </a:p>
+        </p:txBody>
+      </p:sp>
+      <p:sp>
+        <p:nvSpPr>
+          <p:cNvPr id="7" name="圓角矩形圖說文字 6"/>
+          <p:cNvSpPr/>
+          <p:nvPr/>
+        </p:nvSpPr>
+        <p:spPr>
+          <a:xfrm>
+            <a:off x="4100431" y="5198238"/>
+            <a:ext cx="2024144" cy="552511"/>
+          </a:xfrm>
+          <a:prstGeom prst="wedgeRoundRectCallout">
+            <a:avLst>
+              <a:gd name="adj1" fmla="val -74536"/>
+              <a:gd name="adj2" fmla="val -5264"/>
+              <a:gd name="adj3" fmla="val 16667"/>
+            </a:avLst>
+          </a:prstGeom>
+          <a:ln/>
+        </p:spPr>
+        <p:style>
+          <a:lnRef idx="2">
+            <a:schemeClr val="accent2"/>
+          </a:lnRef>
+          <a:fillRef idx="1">
+            <a:schemeClr val="lt1"/>
+          </a:fillRef>
+          <a:effectRef idx="0">
+            <a:schemeClr val="accent2"/>
+          </a:effectRef>
+          <a:fontRef idx="minor">
+            <a:schemeClr val="dk1"/>
+          </a:fontRef>
+        </p:style>
+        <p:txBody>
+          <a:bodyPr rot="0" spcFirstLastPara="0" vertOverflow="overflow" horzOverflow="overflow" vert="horz" wrap="square" lIns="91440" tIns="45720" rIns="91440" bIns="45720" numCol="1" spcCol="0" rtlCol="0" fromWordArt="0" anchor="ctr" anchorCtr="0" forceAA="0" compatLnSpc="1">
+            <a:prstTxWarp prst="textNoShape">
+              <a:avLst/>
+            </a:prstTxWarp>
+            <a:noAutofit/>
+          </a:bodyPr>
+          <a:lstStyle/>
+          <a:p>
+            <a:pPr algn="ctr"/>
+            <a:r>
+              <a:rPr lang="en-US" altLang="zh-TW" sz="1800" dirty="0" smtClean="0"/>
+              <a:t>3-4. </a:t>
+            </a:r>
+            <a:r>
+              <a:rPr lang="zh-TW" altLang="en-US" sz="1800" dirty="0" smtClean="0"/>
+              <a:t>類似物件</a:t>
+            </a:r>
+            <a:endParaRPr lang="zh-TW" altLang="en-US" sz="1800" dirty="0"/>
+          </a:p>
+        </p:txBody>
+      </p:sp>
+    </p:spTree>
+    <p:extLst>
+      <p:ext uri="{BB962C8B-B14F-4D97-AF65-F5344CB8AC3E}">
+        <p14:creationId xmlns:p14="http://schemas.microsoft.com/office/powerpoint/2010/main" val="1013627697"/>
+      </p:ext>
+    </p:extLst>
+  </p:cSld>
+  <p:clrMapOvr>
+    <a:masterClrMapping/>
+  </p:clrMapOvr>
+  <p:timing>
+    <p:tnLst>
+      <p:par>
+        <p:cTn id="1" dur="indefinite" restart="never" nodeType="tmRoot"/>
+      </p:par>
+    </p:tnLst>
+  </p:timing>
+</p:sld>
+</file>
+
+<file path=ppt/slides/slide44.xml><?xml version="1.0" encoding="utf-8"?>
+<p:sld xmlns:a="http://schemas.openxmlformats.org/drawingml/2006/main" xmlns:r="http://schemas.openxmlformats.org/officeDocument/2006/relationships" xmlns:p="http://schemas.openxmlformats.org/presentationml/2006/main">
+  <p:cSld>
+    <p:spTree>
+      <p:nvGrpSpPr>
+        <p:cNvPr id="1" name=""/>
+        <p:cNvGrpSpPr/>
+        <p:nvPr/>
+      </p:nvGrpSpPr>
+      <p:grpSpPr>
+        <a:xfrm>
+          <a:off x="0" y="0"/>
+          <a:ext cx="0" cy="0"/>
+          <a:chOff x="0" y="0"/>
+          <a:chExt cx="0" cy="0"/>
+        </a:xfrm>
+      </p:grpSpPr>
+      <p:sp>
+        <p:nvSpPr>
+          <p:cNvPr id="6" name="標題 5"/>
+          <p:cNvSpPr>
+            <a:spLocks noGrp="1"/>
+          </p:cNvSpPr>
+          <p:nvPr>
+            <p:ph type="title"/>
+          </p:nvPr>
+        </p:nvSpPr>
+        <p:spPr/>
+        <p:txBody>
+          <a:bodyPr/>
+          <a:lstStyle/>
+          <a:p>
+            <a:r>
+              <a:rPr lang="zh-TW" altLang="en-US" dirty="0" smtClean="0"/>
+              <a:t>進階檢索</a:t>
+            </a:r>
+            <a:endParaRPr lang="zh-TW" altLang="en-US" dirty="0"/>
+          </a:p>
+        </p:txBody>
+      </p:sp>
+      <p:sp>
+        <p:nvSpPr>
+          <p:cNvPr id="7" name="內容版面配置區 6"/>
+          <p:cNvSpPr>
+            <a:spLocks noGrp="1"/>
+          </p:cNvSpPr>
+          <p:nvPr>
+            <p:ph idx="1"/>
+          </p:nvPr>
+        </p:nvSpPr>
+        <p:spPr/>
+        <p:txBody>
+          <a:bodyPr/>
+          <a:lstStyle/>
+          <a:p>
+            <a:endParaRPr lang="zh-TW" altLang="en-US"/>
+          </a:p>
+        </p:txBody>
+      </p:sp>
+      <p:sp>
+        <p:nvSpPr>
+          <p:cNvPr id="2" name="投影片編號版面配置區 1"/>
+          <p:cNvSpPr>
+            <a:spLocks noGrp="1"/>
+          </p:cNvSpPr>
+          <p:nvPr>
+            <p:ph type="sldNum" sz="quarter" idx="12"/>
+          </p:nvPr>
+        </p:nvSpPr>
+        <p:spPr/>
+        <p:txBody>
+          <a:bodyPr/>
+          <a:lstStyle/>
+          <a:p>
+            <a:fld id="{A0CF5734-5191-4A1A-B94E-B3464C9CF480}" type="slidenum">
+              <a:rPr lang="zh-TW" altLang="en-US" smtClean="0"/>
+              <a:t>44</a:t>
+            </a:fld>
+            <a:endParaRPr lang="zh-TW" altLang="en-US"/>
+          </a:p>
+        </p:txBody>
+      </p:sp>
+      <p:sp>
+        <p:nvSpPr>
+          <p:cNvPr id="8" name="文字版面配置區 7"/>
+          <p:cNvSpPr>
+            <a:spLocks noGrp="1"/>
+          </p:cNvSpPr>
+          <p:nvPr>
+            <p:ph type="body" sz="quarter" idx="13"/>
+          </p:nvPr>
+        </p:nvSpPr>
+        <p:spPr/>
+        <p:txBody>
+          <a:bodyPr/>
+          <a:lstStyle/>
+          <a:p>
+            <a:endParaRPr lang="zh-TW" altLang="en-US"/>
+          </a:p>
+        </p:txBody>
+      </p:sp>
+      <p:pic>
+        <p:nvPicPr>
+          <p:cNvPr id="3" name="圖片 2"/>
+          <p:cNvPicPr>
+            <a:picLocks noChangeAspect="1"/>
+          </p:cNvPicPr>
+          <p:nvPr/>
+        </p:nvPicPr>
+        <p:blipFill>
+          <a:blip r:embed="rId2"/>
+          <a:stretch>
+            <a:fillRect/>
+          </a:stretch>
+        </p:blipFill>
+        <p:spPr>
+          <a:xfrm>
+            <a:off x="957943" y="1725600"/>
+            <a:ext cx="7228114" cy="4718946"/>
+          </a:xfrm>
+          <a:prstGeom prst="rect">
+            <a:avLst/>
+          </a:prstGeom>
+        </p:spPr>
+      </p:pic>
+      <p:sp>
+        <p:nvSpPr>
+          <p:cNvPr id="4" name="圓角矩形 3"/>
+          <p:cNvSpPr/>
+          <p:nvPr/>
+        </p:nvSpPr>
+        <p:spPr>
+          <a:xfrm>
+            <a:off x="1901371" y="2659044"/>
+            <a:ext cx="1741716" cy="1494972"/>
+          </a:xfrm>
+          <a:prstGeom prst="roundRect">
+            <a:avLst/>
+          </a:prstGeom>
+          <a:noFill/>
+          <a:ln w="38100">
+            <a:solidFill>
+              <a:srgbClr val="FF0000"/>
+            </a:solidFill>
+          </a:ln>
+          <a:effectLst>
+            <a:outerShdw blurRad="50800" dist="38100" dir="2700000" algn="tl" rotWithShape="0">
+              <a:prstClr val="black">
+                <a:alpha val="40000"/>
+              </a:prstClr>
+            </a:outerShdw>
+          </a:effectLst>
+        </p:spPr>
+        <p:style>
+          <a:lnRef idx="2">
+            <a:schemeClr val="accent1">
+              <a:shade val="50000"/>
+            </a:schemeClr>
+          </a:lnRef>
+          <a:fillRef idx="1">
+            <a:schemeClr val="accent1"/>
+          </a:fillRef>
+          <a:effectRef idx="0">
+            <a:schemeClr val="accent1"/>
+          </a:effectRef>
+          <a:fontRef idx="minor">
+            <a:schemeClr val="lt1"/>
+          </a:fontRef>
+        </p:style>
+        <p:txBody>
+          <a:bodyPr rot="0" spcFirstLastPara="0" vertOverflow="overflow" horzOverflow="overflow" vert="horz" wrap="square" lIns="91440" tIns="45720" rIns="91440" bIns="45720" numCol="1" spcCol="0" rtlCol="0" fromWordArt="0" anchor="ctr" anchorCtr="0" forceAA="0" compatLnSpc="1">
+            <a:prstTxWarp prst="textNoShape">
+              <a:avLst/>
+            </a:prstTxWarp>
+            <a:noAutofit/>
+          </a:bodyPr>
+          <a:lstStyle/>
+          <a:p>
+            <a:pPr algn="ctr"/>
+            <a:endParaRPr lang="zh-TW" altLang="en-US" sz="1800"/>
+          </a:p>
+        </p:txBody>
+      </p:sp>
+      <p:sp>
+        <p:nvSpPr>
+          <p:cNvPr id="5" name="圓角矩形圖說文字 4"/>
+          <p:cNvSpPr/>
+          <p:nvPr/>
+        </p:nvSpPr>
+        <p:spPr>
+          <a:xfrm>
+            <a:off x="417584" y="1902797"/>
+            <a:ext cx="2311101" cy="552511"/>
+          </a:xfrm>
+          <a:prstGeom prst="wedgeRoundRectCallout">
+            <a:avLst>
+              <a:gd name="adj1" fmla="val 24692"/>
+              <a:gd name="adj2" fmla="val 107696"/>
+              <a:gd name="adj3" fmla="val 16667"/>
+            </a:avLst>
+          </a:prstGeom>
+          <a:ln/>
+        </p:spPr>
+        <p:style>
+          <a:lnRef idx="2">
+            <a:schemeClr val="accent2"/>
+          </a:lnRef>
+          <a:fillRef idx="1">
+            <a:schemeClr val="lt1"/>
+          </a:fillRef>
+          <a:effectRef idx="0">
+            <a:schemeClr val="accent2"/>
+          </a:effectRef>
+          <a:fontRef idx="minor">
+            <a:schemeClr val="dk1"/>
+          </a:fontRef>
+        </p:style>
+        <p:txBody>
+          <a:bodyPr rot="0" spcFirstLastPara="0" vertOverflow="overflow" horzOverflow="overflow" vert="horz" wrap="square" lIns="91440" tIns="45720" rIns="91440" bIns="45720" numCol="1" spcCol="0" rtlCol="0" fromWordArt="0" anchor="ctr" anchorCtr="0" forceAA="0" compatLnSpc="1">
+            <a:prstTxWarp prst="textNoShape">
+              <a:avLst/>
+            </a:prstTxWarp>
+            <a:noAutofit/>
+          </a:bodyPr>
+          <a:lstStyle/>
+          <a:p>
+            <a:pPr algn="ctr"/>
+            <a:r>
+              <a:rPr lang="en-US" altLang="zh-TW" sz="1800" dirty="0" smtClean="0"/>
+              <a:t>3-1. </a:t>
+            </a:r>
+            <a:r>
+              <a:rPr lang="zh-TW" altLang="en-US" sz="1800" dirty="0" smtClean="0"/>
+              <a:t>進階檢索欄位</a:t>
+            </a:r>
+            <a:endParaRPr lang="zh-TW" altLang="en-US" sz="1800" dirty="0"/>
+          </a:p>
+        </p:txBody>
+      </p:sp>
+    </p:spTree>
+    <p:extLst>
+      <p:ext uri="{BB962C8B-B14F-4D97-AF65-F5344CB8AC3E}">
+        <p14:creationId xmlns:p14="http://schemas.microsoft.com/office/powerpoint/2010/main" val="2819086100"/>
+      </p:ext>
+    </p:extLst>
+  </p:cSld>
+  <p:clrMapOvr>
+    <a:masterClrMapping/>
+  </p:clrMapOvr>
+  <p:timing>
+    <p:tnLst>
+      <p:par>
+        <p:cTn id="1" dur="indefinite" restart="never" nodeType="tmRoot"/>
+      </p:par>
+    </p:tnLst>
+  </p:timing>
 </p:sld>
 </file>
 
@@ -22794,7 +23721,7 @@
       </p:grpSpPr>
       <p:sp>
         <p:nvSpPr>
-          <p:cNvPr id="6" name="標題 5"/>
+          <p:cNvPr id="4" name="標題 3"/>
           <p:cNvSpPr>
             <a:spLocks noGrp="1"/>
           </p:cNvSpPr>
@@ -22808,19 +23735,12 @@
           <a:lstStyle/>
           <a:p>
             <a:r>
+              <a:rPr lang="en-US" altLang="zh-TW" dirty="0" smtClean="0"/>
+              <a:t>Solr</a:t>
+            </a:r>
+            <a:r>
               <a:rPr lang="zh-TW" altLang="en-US" dirty="0" smtClean="0"/>
-              <a:t>顯示與搜尋</a:t>
-            </a:r>
-            <a:r>
-              <a:rPr lang="en-US" altLang="zh-TW" dirty="0" smtClean="0"/>
-              <a:t/>
-            </a:r>
-            <a:br>
-              <a:rPr lang="en-US" altLang="zh-TW" dirty="0" smtClean="0"/>
-            </a:br>
-            <a:r>
-              <a:rPr lang="zh-TW" altLang="en-US" dirty="0" smtClean="0"/>
-              <a:t>的設定</a:t>
+              <a:t>管理介面</a:t>
             </a:r>
             <a:endParaRPr lang="zh-TW" altLang="en-US" dirty="0"/>
           </a:p>
@@ -22828,30 +23748,7 @@
       </p:sp>
       <p:sp>
         <p:nvSpPr>
-          <p:cNvPr id="7" name="文字版面配置區 6"/>
-          <p:cNvSpPr>
-            <a:spLocks noGrp="1"/>
-          </p:cNvSpPr>
-          <p:nvPr>
-            <p:ph type="body" idx="1"/>
-          </p:nvPr>
-        </p:nvSpPr>
-        <p:spPr/>
-        <p:txBody>
-          <a:bodyPr/>
-          <a:lstStyle/>
-          <a:p>
-            <a:r>
-              <a:rPr lang="en-US" altLang="zh-TW" dirty="0" smtClean="0"/>
-              <a:t>Part 3.</a:t>
-            </a:r>
-            <a:endParaRPr lang="zh-TW" altLang="en-US" dirty="0"/>
-          </a:p>
-        </p:txBody>
-      </p:sp>
-      <p:sp>
-        <p:nvSpPr>
-          <p:cNvPr id="4" name="投影片編號版面配置區 3"/>
+          <p:cNvPr id="2" name="投影片編號版面配置區 1"/>
           <p:cNvSpPr>
             <a:spLocks noGrp="1"/>
           </p:cNvSpPr>
@@ -22868,27 +23765,65 @@
               <a:rPr lang="zh-TW" altLang="en-US" smtClean="0"/>
               <a:t>45</a:t>
             </a:fld>
-            <a:endParaRPr lang="zh-TW" altLang="en-US" dirty="0"/>
-          </a:p>
-        </p:txBody>
-      </p:sp>
+            <a:endParaRPr lang="zh-TW" altLang="en-US"/>
+          </a:p>
+        </p:txBody>
+      </p:sp>
+      <p:sp>
+        <p:nvSpPr>
+          <p:cNvPr id="6" name="文字版面配置區 5"/>
+          <p:cNvSpPr>
+            <a:spLocks noGrp="1"/>
+          </p:cNvSpPr>
+          <p:nvPr>
+            <p:ph type="body" sz="quarter" idx="13"/>
+          </p:nvPr>
+        </p:nvSpPr>
+        <p:spPr/>
+        <p:txBody>
+          <a:bodyPr/>
+          <a:lstStyle/>
+          <a:p>
+            <a:endParaRPr lang="zh-TW" altLang="en-US"/>
+          </a:p>
+        </p:txBody>
+      </p:sp>
+      <p:pic>
+        <p:nvPicPr>
+          <p:cNvPr id="7" name="內容版面配置區 6"/>
+          <p:cNvPicPr>
+            <a:picLocks noGrp="1" noChangeAspect="1"/>
+          </p:cNvPicPr>
+          <p:nvPr>
+            <p:ph idx="1"/>
+          </p:nvPr>
+        </p:nvPicPr>
+        <p:blipFill>
+          <a:blip r:embed="rId2"/>
+          <a:stretch>
+            <a:fillRect/>
+          </a:stretch>
+        </p:blipFill>
+        <p:spPr>
+          <a:xfrm>
+            <a:off x="1537897" y="1846263"/>
+            <a:ext cx="6112656" cy="4022725"/>
+          </a:xfrm>
+          <a:prstGeom prst="rect">
+            <a:avLst/>
+          </a:prstGeom>
+        </p:spPr>
+      </p:pic>
     </p:spTree>
     <p:extLst>
       <p:ext uri="{BB962C8B-B14F-4D97-AF65-F5344CB8AC3E}">
-        <p14:creationId xmlns:p14="http://schemas.microsoft.com/office/powerpoint/2010/main" val="2982134092"/>
+        <p14:creationId xmlns:p14="http://schemas.microsoft.com/office/powerpoint/2010/main" val="1073457802"/>
       </p:ext>
     </p:extLst>
   </p:cSld>
   <p:clrMapOvr>
     <a:masterClrMapping/>
   </p:clrMapOvr>
-  <p:timing>
-    <p:tnLst>
-      <p:par>
-        <p:cTn id="1" dur="indefinite" restart="never" nodeType="tmRoot"/>
-      </p:par>
-    </p:tnLst>
-  </p:timing>
 </p:sld>
 </file>
 
@@ -23151,7 +24086,7 @@
                   </a:schemeClr>
                 </a:solidFill>
               </a:rPr>
-              <a:t>PRACTICE\3-1\edit_display_fields.vm</a:t>
+              <a:t>PRACTICE\3-1\edit_display_fields.vm.bat</a:t>
             </a:r>
             <a:endParaRPr lang="en-US" altLang="zh-TW" u="sng" dirty="0">
               <a:solidFill>
@@ -23168,8 +24103,16 @@
               <a:t>開啟</a:t>
             </a:r>
             <a:r>
+              <a:rPr lang="en-US" altLang="zh-TW" sz="1600" dirty="0" smtClean="0"/>
+              <a:t>[</a:t>
+            </a:r>
+            <a:r>
+              <a:rPr lang="en-US" altLang="zh-TW" sz="1600" dirty="0" err="1" smtClean="0"/>
+              <a:t>solr</a:t>
+            </a:r>
+            <a:r>
               <a:rPr lang="en-US" altLang="zh-TW" sz="1600" dirty="0"/>
-              <a:t>[Solr]\example\</a:t>
+              <a:t>]\example\</a:t>
             </a:r>
             <a:r>
               <a:rPr lang="en-US" altLang="zh-TW" sz="1600" dirty="0" err="1"/>
@@ -23493,6 +24436,47 @@
           </p:spPr>
         </p:pic>
       </p:grpSp>
+      <p:pic>
+        <p:nvPicPr>
+          <p:cNvPr id="10" name="Picture 2" descr="bat"/>
+          <p:cNvPicPr>
+            <a:picLocks noChangeAspect="1" noChangeArrowheads="1"/>
+          </p:cNvPicPr>
+          <p:nvPr/>
+        </p:nvPicPr>
+        <p:blipFill>
+          <a:blip r:embed="rId4">
+            <a:extLst>
+              <a:ext uri="{28A0092B-C50C-407E-A947-70E740481C1C}">
+                <a14:useLocalDpi xmlns:a14="http://schemas.microsoft.com/office/drawing/2010/main" val="0"/>
+              </a:ext>
+            </a:extLst>
+          </a:blip>
+          <a:srcRect/>
+          <a:stretch>
+            <a:fillRect/>
+          </a:stretch>
+        </p:blipFill>
+        <p:spPr bwMode="auto">
+          <a:xfrm>
+            <a:off x="355397" y="1845734"/>
+            <a:ext cx="666008" cy="666009"/>
+          </a:xfrm>
+          <a:prstGeom prst="rect">
+            <a:avLst/>
+          </a:prstGeom>
+          <a:noFill/>
+          <a:extLst>
+            <a:ext uri="{909E8E84-426E-40DD-AFC4-6F175D3DCCD1}">
+              <a14:hiddenFill xmlns:a14="http://schemas.microsoft.com/office/drawing/2010/main">
+                <a:solidFill>
+                  <a:srgbClr val="FFFFFF"/>
+                </a:solidFill>
+              </a14:hiddenFill>
+            </a:ext>
+          </a:extLst>
+        </p:spPr>
+      </p:pic>
     </p:spTree>
     <p:extLst>
       <p:ext uri="{BB962C8B-B14F-4D97-AF65-F5344CB8AC3E}">
@@ -24186,6 +25170,7 @@
           </a:bodyPr>
           <a:lstStyle/>
           <a:p>
+            <a:pPr marL="812800"/>
             <a:r>
               <a:rPr lang="en-US" altLang="zh-TW" u="sng" dirty="0" smtClean="0">
                 <a:solidFill>
@@ -24228,7 +25213,7 @@
             </a:r>
           </a:p>
           <a:p>
-            <a:pPr lvl="1"/>
+            <a:pPr marL="812800" lvl="1" indent="-342900"/>
             <a:r>
               <a:rPr lang="zh-TW" altLang="en-US" dirty="0" smtClean="0"/>
               <a:t>開啟</a:t>
@@ -24575,6 +25560,47 @@
           </a:p>
         </p:txBody>
       </p:sp>
+      <p:pic>
+        <p:nvPicPr>
+          <p:cNvPr id="9" name="Picture 2" descr="bat"/>
+          <p:cNvPicPr>
+            <a:picLocks noChangeAspect="1" noChangeArrowheads="1"/>
+          </p:cNvPicPr>
+          <p:nvPr/>
+        </p:nvPicPr>
+        <p:blipFill>
+          <a:blip r:embed="rId3">
+            <a:extLst>
+              <a:ext uri="{28A0092B-C50C-407E-A947-70E740481C1C}">
+                <a14:useLocalDpi xmlns:a14="http://schemas.microsoft.com/office/drawing/2010/main" val="0"/>
+              </a:ext>
+            </a:extLst>
+          </a:blip>
+          <a:srcRect/>
+          <a:stretch>
+            <a:fillRect/>
+          </a:stretch>
+        </p:blipFill>
+        <p:spPr bwMode="auto">
+          <a:xfrm>
+            <a:off x="355397" y="1845734"/>
+            <a:ext cx="666008" cy="666009"/>
+          </a:xfrm>
+          <a:prstGeom prst="rect">
+            <a:avLst/>
+          </a:prstGeom>
+          <a:noFill/>
+          <a:extLst>
+            <a:ext uri="{909E8E84-426E-40DD-AFC4-6F175D3DCCD1}">
+              <a14:hiddenFill xmlns:a14="http://schemas.microsoft.com/office/drawing/2010/main">
+                <a:solidFill>
+                  <a:srgbClr val="FFFFFF"/>
+                </a:solidFill>
+              </a14:hiddenFill>
+            </a:ext>
+          </a:extLst>
+        </p:spPr>
+      </p:pic>
     </p:spTree>
     <p:extLst>
       <p:ext uri="{BB962C8B-B14F-4D97-AF65-F5344CB8AC3E}">
@@ -24739,291 +25765,6 @@
           </a:p>
         </p:txBody>
       </p:sp>
-      <p:grpSp>
-        <p:nvGrpSpPr>
-          <p:cNvPr id="5" name="群組 4"/>
-          <p:cNvGrpSpPr/>
-          <p:nvPr/>
-        </p:nvGrpSpPr>
-        <p:grpSpPr>
-          <a:xfrm>
-            <a:off x="6896100" y="4061065"/>
-            <a:ext cx="1748444" cy="1219201"/>
-            <a:chOff x="6896100" y="476293"/>
-            <a:chExt cx="1748444" cy="1219201"/>
-          </a:xfrm>
-        </p:grpSpPr>
-        <p:sp>
-          <p:nvSpPr>
-            <p:cNvPr id="6" name="圓角矩形 5"/>
-            <p:cNvSpPr/>
-            <p:nvPr/>
-          </p:nvSpPr>
-          <p:spPr>
-            <a:xfrm>
-              <a:off x="6896100" y="929639"/>
-              <a:ext cx="1021253" cy="493467"/>
-            </a:xfrm>
-            <a:prstGeom prst="roundRect">
-              <a:avLst/>
-            </a:prstGeom>
-            <a:ln/>
-          </p:spPr>
-          <p:style>
-            <a:lnRef idx="0">
-              <a:schemeClr val="accent1"/>
-            </a:lnRef>
-            <a:fillRef idx="3">
-              <a:schemeClr val="accent1"/>
-            </a:fillRef>
-            <a:effectRef idx="3">
-              <a:schemeClr val="accent1"/>
-            </a:effectRef>
-            <a:fontRef idx="minor">
-              <a:schemeClr val="lt1"/>
-            </a:fontRef>
-          </p:style>
-          <p:txBody>
-            <a:bodyPr rot="0" spcFirstLastPara="0" vertOverflow="overflow" horzOverflow="overflow" vert="horz" wrap="square" lIns="91440" tIns="45720" rIns="91440" bIns="45720" numCol="1" spcCol="0" rtlCol="0" fromWordArt="0" anchor="ctr" anchorCtr="0" forceAA="0" compatLnSpc="1">
-              <a:prstTxWarp prst="textNoShape">
-                <a:avLst/>
-              </a:prstTxWarp>
-              <a:noAutofit/>
-            </a:bodyPr>
-            <a:lstStyle/>
-            <a:p>
-              <a:r>
-                <a:rPr lang="zh-TW" altLang="en-US" sz="1800" b="1" dirty="0" smtClean="0"/>
-                <a:t>實作</a:t>
-              </a:r>
-              <a:r>
-                <a:rPr lang="en-US" altLang="zh-TW" sz="1800" b="1" dirty="0" smtClean="0"/>
-                <a:t>!</a:t>
-              </a:r>
-              <a:endParaRPr lang="zh-TW" altLang="en-US" sz="1800" b="1" dirty="0"/>
-            </a:p>
-          </p:txBody>
-        </p:sp>
-        <p:pic>
-          <p:nvPicPr>
-            <p:cNvPr id="7" name="Picture 2" descr="man,black,account,male,person,people,profile,human,member,user"/>
-            <p:cNvPicPr>
-              <a:picLocks noChangeAspect="1" noChangeArrowheads="1"/>
-            </p:cNvPicPr>
-            <p:nvPr/>
-          </p:nvPicPr>
-          <p:blipFill>
-            <a:blip r:embed="rId2">
-              <a:extLst>
-                <a:ext uri="{28A0092B-C50C-407E-A947-70E740481C1C}">
-                  <a14:useLocalDpi xmlns:a14="http://schemas.microsoft.com/office/drawing/2010/main" val="0"/>
-                </a:ext>
-              </a:extLst>
-            </a:blip>
-            <a:srcRect/>
-            <a:stretch>
-              <a:fillRect/>
-            </a:stretch>
-          </p:blipFill>
-          <p:spPr bwMode="auto">
-            <a:xfrm>
-              <a:off x="7425344" y="476293"/>
-              <a:ext cx="1219200" cy="1219201"/>
-            </a:xfrm>
-            <a:prstGeom prst="rect">
-              <a:avLst/>
-            </a:prstGeom>
-            <a:noFill/>
-            <a:extLst>
-              <a:ext uri="{909E8E84-426E-40DD-AFC4-6F175D3DCCD1}">
-                <a14:hiddenFill xmlns:a14="http://schemas.microsoft.com/office/drawing/2010/main">
-                  <a:solidFill>
-                    <a:srgbClr val="FFFFFF"/>
-                  </a:solidFill>
-                </a14:hiddenFill>
-              </a:ext>
-            </a:extLst>
-          </p:spPr>
-        </p:pic>
-      </p:grpSp>
-      <p:sp>
-        <p:nvSpPr>
-          <p:cNvPr id="8" name="文字方塊 7"/>
-          <p:cNvSpPr txBox="1"/>
-          <p:nvPr/>
-        </p:nvSpPr>
-        <p:spPr>
-          <a:xfrm>
-            <a:off x="5696793" y="5280266"/>
-            <a:ext cx="2947751" cy="369332"/>
-          </a:xfrm>
-          <a:prstGeom prst="rect">
-            <a:avLst/>
-          </a:prstGeom>
-          <a:noFill/>
-        </p:spPr>
-        <p:txBody>
-          <a:bodyPr wrap="square" rtlCol="0">
-            <a:spAutoFit/>
-          </a:bodyPr>
-          <a:lstStyle/>
-          <a:p>
-            <a:pPr algn="r"/>
-            <a:r>
-              <a:rPr lang="zh-TW" altLang="en-US" sz="1800" dirty="0" smtClean="0"/>
-              <a:t>這個步驟將在課堂實作！</a:t>
-            </a:r>
-            <a:endParaRPr lang="zh-TW" altLang="en-US" sz="1800" dirty="0" smtClean="0"/>
-          </a:p>
-        </p:txBody>
-      </p:sp>
-      <p:grpSp>
-        <p:nvGrpSpPr>
-          <p:cNvPr id="9" name="群組 8"/>
-          <p:cNvGrpSpPr/>
-          <p:nvPr/>
-        </p:nvGrpSpPr>
-        <p:grpSpPr>
-          <a:xfrm>
-            <a:off x="6896099" y="2328052"/>
-            <a:ext cx="1513264" cy="900897"/>
-            <a:chOff x="6896099" y="2328052"/>
-            <a:chExt cx="1513264" cy="900897"/>
-          </a:xfrm>
-        </p:grpSpPr>
-        <p:sp>
-          <p:nvSpPr>
-            <p:cNvPr id="11" name="圓角矩形 10"/>
-            <p:cNvSpPr/>
-            <p:nvPr/>
-          </p:nvSpPr>
-          <p:spPr>
-            <a:xfrm>
-              <a:off x="6896099" y="2531766"/>
-              <a:ext cx="1021253" cy="493467"/>
-            </a:xfrm>
-            <a:prstGeom prst="roundRect">
-              <a:avLst/>
-            </a:prstGeom>
-            <a:solidFill>
-              <a:schemeClr val="bg2">
-                <a:lumMod val="50000"/>
-              </a:schemeClr>
-            </a:solidFill>
-            <a:ln/>
-          </p:spPr>
-          <p:style>
-            <a:lnRef idx="0">
-              <a:schemeClr val="accent1"/>
-            </a:lnRef>
-            <a:fillRef idx="3">
-              <a:schemeClr val="accent1"/>
-            </a:fillRef>
-            <a:effectRef idx="3">
-              <a:schemeClr val="accent1"/>
-            </a:effectRef>
-            <a:fontRef idx="minor">
-              <a:schemeClr val="lt1"/>
-            </a:fontRef>
-          </p:style>
-          <p:txBody>
-            <a:bodyPr rot="0" spcFirstLastPara="0" vertOverflow="overflow" horzOverflow="overflow" vert="horz" wrap="square" lIns="91440" tIns="45720" rIns="91440" bIns="45720" numCol="1" spcCol="0" rtlCol="0" fromWordArt="0" anchor="ctr" anchorCtr="0" forceAA="0" compatLnSpc="1">
-              <a:prstTxWarp prst="textNoShape">
-                <a:avLst/>
-              </a:prstTxWarp>
-              <a:noAutofit/>
-            </a:bodyPr>
-            <a:lstStyle/>
-            <a:p>
-              <a:r>
-                <a:rPr lang="en-US" altLang="zh-TW" sz="1800" b="1" dirty="0" smtClean="0"/>
-                <a:t>BAT</a:t>
-              </a:r>
-              <a:endParaRPr lang="zh-TW" altLang="en-US" sz="1800" b="1" dirty="0"/>
-            </a:p>
-          </p:txBody>
-        </p:sp>
-        <p:pic>
-          <p:nvPicPr>
-            <p:cNvPr id="1026" name="Picture 2" descr="bat"/>
-            <p:cNvPicPr>
-              <a:picLocks noChangeAspect="1" noChangeArrowheads="1"/>
-            </p:cNvPicPr>
-            <p:nvPr/>
-          </p:nvPicPr>
-          <p:blipFill>
-            <a:blip r:embed="rId3">
-              <a:extLst>
-                <a:ext uri="{28A0092B-C50C-407E-A947-70E740481C1C}">
-                  <a14:useLocalDpi xmlns:a14="http://schemas.microsoft.com/office/drawing/2010/main" val="0"/>
-                </a:ext>
-              </a:extLst>
-            </a:blip>
-            <a:srcRect/>
-            <a:stretch>
-              <a:fillRect/>
-            </a:stretch>
-          </p:blipFill>
-          <p:spPr bwMode="auto">
-            <a:xfrm>
-              <a:off x="7508467" y="2328052"/>
-              <a:ext cx="900896" cy="900897"/>
-            </a:xfrm>
-            <a:prstGeom prst="rect">
-              <a:avLst/>
-            </a:prstGeom>
-            <a:noFill/>
-            <a:extLst>
-              <a:ext uri="{909E8E84-426E-40DD-AFC4-6F175D3DCCD1}">
-                <a14:hiddenFill xmlns:a14="http://schemas.microsoft.com/office/drawing/2010/main">
-                  <a:solidFill>
-                    <a:srgbClr val="FFFFFF"/>
-                  </a:solidFill>
-                </a14:hiddenFill>
-              </a:ext>
-            </a:extLst>
-          </p:spPr>
-        </p:pic>
-      </p:grpSp>
-      <p:sp>
-        <p:nvSpPr>
-          <p:cNvPr id="10" name="文字方塊 9"/>
-          <p:cNvSpPr txBox="1"/>
-          <p:nvPr/>
-        </p:nvSpPr>
-        <p:spPr>
-          <a:xfrm>
-            <a:off x="5696793" y="3193668"/>
-            <a:ext cx="2947751" cy="646331"/>
-          </a:xfrm>
-          <a:prstGeom prst="rect">
-            <a:avLst/>
-          </a:prstGeom>
-          <a:noFill/>
-        </p:spPr>
-        <p:txBody>
-          <a:bodyPr wrap="square" rtlCol="0">
-            <a:spAutoFit/>
-          </a:bodyPr>
-          <a:lstStyle/>
-          <a:p>
-            <a:pPr algn="r"/>
-            <a:r>
-              <a:rPr lang="zh-TW" altLang="en-US" sz="1800" dirty="0" smtClean="0"/>
-              <a:t>這個鏈結是批次檔！</a:t>
-            </a:r>
-            <a:endParaRPr lang="en-US" altLang="zh-TW" sz="1800" dirty="0" smtClean="0"/>
-          </a:p>
-          <a:p>
-            <a:pPr algn="r"/>
-            <a:r>
-              <a:rPr lang="zh-TW" altLang="en-US" sz="1800" dirty="0" smtClean="0"/>
-              <a:t>點兩下執行即可</a:t>
-            </a:r>
-            <a:endParaRPr lang="zh-TW" altLang="en-US" sz="1800" dirty="0" smtClean="0"/>
-          </a:p>
-        </p:txBody>
-      </p:sp>
     </p:spTree>
     <p:extLst>
       <p:ext uri="{BB962C8B-B14F-4D97-AF65-F5344CB8AC3E}">
@@ -25108,6 +25849,7 @@
           </a:bodyPr>
           <a:lstStyle/>
           <a:p>
+            <a:pPr marL="990600" indent="-990600"/>
             <a:r>
               <a:rPr lang="en-US" altLang="zh-TW" u="sng" dirty="0" smtClean="0">
                 <a:solidFill>
@@ -25150,7 +25892,7 @@
             </a:r>
           </a:p>
           <a:p>
-            <a:pPr lvl="1"/>
+            <a:pPr marL="990600" lvl="1" indent="-990600"/>
             <a:r>
               <a:rPr lang="zh-TW" altLang="en-US" dirty="0" smtClean="0"/>
               <a:t>開啟</a:t>
@@ -25531,6 +26273,47 @@
           </p:spPr>
         </p:pic>
       </p:grpSp>
+      <p:pic>
+        <p:nvPicPr>
+          <p:cNvPr id="13" name="Picture 2" descr="bat"/>
+          <p:cNvPicPr>
+            <a:picLocks noChangeAspect="1" noChangeArrowheads="1"/>
+          </p:cNvPicPr>
+          <p:nvPr/>
+        </p:nvPicPr>
+        <p:blipFill>
+          <a:blip r:embed="rId4">
+            <a:extLst>
+              <a:ext uri="{28A0092B-C50C-407E-A947-70E740481C1C}">
+                <a14:useLocalDpi xmlns:a14="http://schemas.microsoft.com/office/drawing/2010/main" val="0"/>
+              </a:ext>
+            </a:extLst>
+          </a:blip>
+          <a:srcRect/>
+          <a:stretch>
+            <a:fillRect/>
+          </a:stretch>
+        </p:blipFill>
+        <p:spPr bwMode="auto">
+          <a:xfrm>
+            <a:off x="355397" y="1845734"/>
+            <a:ext cx="666008" cy="666009"/>
+          </a:xfrm>
+          <a:prstGeom prst="rect">
+            <a:avLst/>
+          </a:prstGeom>
+          <a:noFill/>
+          <a:extLst>
+            <a:ext uri="{909E8E84-426E-40DD-AFC4-6F175D3DCCD1}">
+              <a14:hiddenFill xmlns:a14="http://schemas.microsoft.com/office/drawing/2010/main">
+                <a:solidFill>
+                  <a:srgbClr val="FFFFFF"/>
+                </a:solidFill>
+              </a14:hiddenFill>
+            </a:ext>
+          </a:extLst>
+        </p:spPr>
+      </p:pic>
     </p:spTree>
     <p:extLst>
       <p:ext uri="{BB962C8B-B14F-4D97-AF65-F5344CB8AC3E}">
@@ -25967,6 +26750,47 @@
           </a:p>
         </p:txBody>
       </p:sp>
+      <p:pic>
+        <p:nvPicPr>
+          <p:cNvPr id="8" name="Picture 2" descr="bat"/>
+          <p:cNvPicPr>
+            <a:picLocks noChangeAspect="1" noChangeArrowheads="1"/>
+          </p:cNvPicPr>
+          <p:nvPr/>
+        </p:nvPicPr>
+        <p:blipFill>
+          <a:blip r:embed="rId2">
+            <a:extLst>
+              <a:ext uri="{28A0092B-C50C-407E-A947-70E740481C1C}">
+                <a14:useLocalDpi xmlns:a14="http://schemas.microsoft.com/office/drawing/2010/main" val="0"/>
+              </a:ext>
+            </a:extLst>
+          </a:blip>
+          <a:srcRect/>
+          <a:stretch>
+            <a:fillRect/>
+          </a:stretch>
+        </p:blipFill>
+        <p:spPr bwMode="auto">
+          <a:xfrm>
+            <a:off x="355397" y="1845734"/>
+            <a:ext cx="666008" cy="666009"/>
+          </a:xfrm>
+          <a:prstGeom prst="rect">
+            <a:avLst/>
+          </a:prstGeom>
+          <a:noFill/>
+          <a:extLst>
+            <a:ext uri="{909E8E84-426E-40DD-AFC4-6F175D3DCCD1}">
+              <a14:hiddenFill xmlns:a14="http://schemas.microsoft.com/office/drawing/2010/main">
+                <a:solidFill>
+                  <a:srgbClr val="FFFFFF"/>
+                </a:solidFill>
+              </a14:hiddenFill>
+            </a:ext>
+          </a:extLst>
+        </p:spPr>
+      </p:pic>
     </p:spTree>
     <p:extLst>
       <p:ext uri="{BB962C8B-B14F-4D97-AF65-F5344CB8AC3E}">
@@ -26418,6 +27242,47 @@
           </a:p>
         </p:txBody>
       </p:sp>
+      <p:pic>
+        <p:nvPicPr>
+          <p:cNvPr id="8" name="Picture 2" descr="bat"/>
+          <p:cNvPicPr>
+            <a:picLocks noChangeAspect="1" noChangeArrowheads="1"/>
+          </p:cNvPicPr>
+          <p:nvPr/>
+        </p:nvPicPr>
+        <p:blipFill>
+          <a:blip r:embed="rId2">
+            <a:extLst>
+              <a:ext uri="{28A0092B-C50C-407E-A947-70E740481C1C}">
+                <a14:useLocalDpi xmlns:a14="http://schemas.microsoft.com/office/drawing/2010/main" val="0"/>
+              </a:ext>
+            </a:extLst>
+          </a:blip>
+          <a:srcRect/>
+          <a:stretch>
+            <a:fillRect/>
+          </a:stretch>
+        </p:blipFill>
+        <p:spPr bwMode="auto">
+          <a:xfrm>
+            <a:off x="355397" y="1845734"/>
+            <a:ext cx="666008" cy="666009"/>
+          </a:xfrm>
+          <a:prstGeom prst="rect">
+            <a:avLst/>
+          </a:prstGeom>
+          <a:noFill/>
+          <a:extLst>
+            <a:ext uri="{909E8E84-426E-40DD-AFC4-6F175D3DCCD1}">
+              <a14:hiddenFill xmlns:a14="http://schemas.microsoft.com/office/drawing/2010/main">
+                <a:solidFill>
+                  <a:srgbClr val="FFFFFF"/>
+                </a:solidFill>
+              </a14:hiddenFill>
+            </a:ext>
+          </a:extLst>
+        </p:spPr>
+      </p:pic>
     </p:spTree>
     <p:extLst>
       <p:ext uri="{BB962C8B-B14F-4D97-AF65-F5344CB8AC3E}">
@@ -26474,6 +27339,10 @@
               <a:rPr lang="zh-TW" altLang="en-US" dirty="0" smtClean="0"/>
               <a:t>這資料庫排序都不相關啊</a:t>
             </a:r>
+            <a:r>
+              <a:rPr lang="en-US" altLang="zh-TW" dirty="0" smtClean="0"/>
+              <a:t>?</a:t>
+            </a:r>
             <a:endParaRPr lang="zh-TW" altLang="en-US" dirty="0"/>
           </a:p>
         </p:txBody>
@@ -26516,7 +27385,11 @@
           <a:bodyPr/>
           <a:lstStyle/>
           <a:p>
-            <a:endParaRPr lang="zh-TW" altLang="en-US"/>
+            <a:r>
+              <a:rPr lang="zh-TW" altLang="en-US" dirty="0" smtClean="0"/>
+              <a:t>你還在問</a:t>
+            </a:r>
+            <a:endParaRPr lang="zh-TW" altLang="en-US" dirty="0"/>
           </a:p>
         </p:txBody>
       </p:sp>
@@ -26605,7 +27478,7 @@
         </p:nvSpPr>
         <p:spPr>
           <a:xfrm>
-            <a:off x="2247667" y="4752272"/>
+            <a:off x="2742967" y="5001374"/>
             <a:ext cx="2895698" cy="753583"/>
           </a:xfrm>
           <a:prstGeom prst="wedgeRoundRectCallout">
@@ -26642,10 +27515,10 @@
           <a:p>
             <a:pPr algn="ctr"/>
             <a:r>
-              <a:rPr lang="zh-TW" altLang="en-US" sz="1800" dirty="0"/>
+              <a:rPr lang="zh-TW" altLang="en-US" sz="2400" dirty="0"/>
               <a:t>自己的排序自己救！</a:t>
             </a:r>
-            <a:endParaRPr lang="zh-TW" altLang="en-US" sz="1800" dirty="0"/>
+            <a:endParaRPr lang="zh-TW" altLang="en-US" sz="2400" dirty="0"/>
           </a:p>
         </p:txBody>
       </p:sp>
@@ -28879,6 +29752,47 @@
           <a:prstGeom prst="rect">
             <a:avLst/>
           </a:prstGeom>
+        </p:spPr>
+      </p:pic>
+      <p:pic>
+        <p:nvPicPr>
+          <p:cNvPr id="7" name="Picture 2" descr="bat"/>
+          <p:cNvPicPr>
+            <a:picLocks noChangeAspect="1" noChangeArrowheads="1"/>
+          </p:cNvPicPr>
+          <p:nvPr/>
+        </p:nvPicPr>
+        <p:blipFill>
+          <a:blip r:embed="rId3">
+            <a:extLst>
+              <a:ext uri="{28A0092B-C50C-407E-A947-70E740481C1C}">
+                <a14:useLocalDpi xmlns:a14="http://schemas.microsoft.com/office/drawing/2010/main" val="0"/>
+              </a:ext>
+            </a:extLst>
+          </a:blip>
+          <a:srcRect/>
+          <a:stretch>
+            <a:fillRect/>
+          </a:stretch>
+        </p:blipFill>
+        <p:spPr bwMode="auto">
+          <a:xfrm>
+            <a:off x="355397" y="1845734"/>
+            <a:ext cx="666008" cy="666009"/>
+          </a:xfrm>
+          <a:prstGeom prst="rect">
+            <a:avLst/>
+          </a:prstGeom>
+          <a:noFill/>
+          <a:extLst>
+            <a:ext uri="{909E8E84-426E-40DD-AFC4-6F175D3DCCD1}">
+              <a14:hiddenFill xmlns:a14="http://schemas.microsoft.com/office/drawing/2010/main">
+                <a:solidFill>
+                  <a:srgbClr val="FFFFFF"/>
+                </a:solidFill>
+              </a14:hiddenFill>
+            </a:ext>
+          </a:extLst>
         </p:spPr>
       </p:pic>
     </p:spTree>
@@ -30531,6 +31445,47 @@
           </p:spPr>
         </p:pic>
       </p:grpSp>
+      <p:pic>
+        <p:nvPicPr>
+          <p:cNvPr id="17" name="Picture 2" descr="bat"/>
+          <p:cNvPicPr>
+            <a:picLocks noChangeAspect="1" noChangeArrowheads="1"/>
+          </p:cNvPicPr>
+          <p:nvPr/>
+        </p:nvPicPr>
+        <p:blipFill>
+          <a:blip r:embed="rId4">
+            <a:extLst>
+              <a:ext uri="{28A0092B-C50C-407E-A947-70E740481C1C}">
+                <a14:useLocalDpi xmlns:a14="http://schemas.microsoft.com/office/drawing/2010/main" val="0"/>
+              </a:ext>
+            </a:extLst>
+          </a:blip>
+          <a:srcRect/>
+          <a:stretch>
+            <a:fillRect/>
+          </a:stretch>
+        </p:blipFill>
+        <p:spPr bwMode="auto">
+          <a:xfrm>
+            <a:off x="355397" y="1845734"/>
+            <a:ext cx="666008" cy="666009"/>
+          </a:xfrm>
+          <a:prstGeom prst="rect">
+            <a:avLst/>
+          </a:prstGeom>
+          <a:noFill/>
+          <a:extLst>
+            <a:ext uri="{909E8E84-426E-40DD-AFC4-6F175D3DCCD1}">
+              <a14:hiddenFill xmlns:a14="http://schemas.microsoft.com/office/drawing/2010/main">
+                <a:solidFill>
+                  <a:srgbClr val="FFFFFF"/>
+                </a:solidFill>
+              </a14:hiddenFill>
+            </a:ext>
+          </a:extLst>
+        </p:spPr>
+      </p:pic>
     </p:spTree>
     <p:extLst>
       <p:ext uri="{BB962C8B-B14F-4D97-AF65-F5344CB8AC3E}">
@@ -31157,7 +32112,7 @@
             <a:endParaRPr lang="en-US" altLang="zh-TW" dirty="0" smtClean="0"/>
           </a:p>
           <a:p>
-            <a:pPr marL="0" indent="0">
+            <a:pPr marL="533400" indent="0">
               <a:buNone/>
             </a:pPr>
             <a:r>
@@ -31608,6 +32563,47 @@
           </p:spPr>
         </p:pic>
       </p:grpSp>
+      <p:pic>
+        <p:nvPicPr>
+          <p:cNvPr id="13" name="Picture 2" descr="bat"/>
+          <p:cNvPicPr>
+            <a:picLocks noChangeAspect="1" noChangeArrowheads="1"/>
+          </p:cNvPicPr>
+          <p:nvPr/>
+        </p:nvPicPr>
+        <p:blipFill>
+          <a:blip r:embed="rId4">
+            <a:extLst>
+              <a:ext uri="{28A0092B-C50C-407E-A947-70E740481C1C}">
+                <a14:useLocalDpi xmlns:a14="http://schemas.microsoft.com/office/drawing/2010/main" val="0"/>
+              </a:ext>
+            </a:extLst>
+          </a:blip>
+          <a:srcRect/>
+          <a:stretch>
+            <a:fillRect/>
+          </a:stretch>
+        </p:blipFill>
+        <p:spPr bwMode="auto">
+          <a:xfrm>
+            <a:off x="178889" y="4145982"/>
+            <a:ext cx="666008" cy="666009"/>
+          </a:xfrm>
+          <a:prstGeom prst="rect">
+            <a:avLst/>
+          </a:prstGeom>
+          <a:noFill/>
+          <a:extLst>
+            <a:ext uri="{909E8E84-426E-40DD-AFC4-6F175D3DCCD1}">
+              <a14:hiddenFill xmlns:a14="http://schemas.microsoft.com/office/drawing/2010/main">
+                <a:solidFill>
+                  <a:srgbClr val="FFFFFF"/>
+                </a:solidFill>
+              </a14:hiddenFill>
+            </a:ext>
+          </a:extLst>
+        </p:spPr>
+      </p:pic>
     </p:spTree>
     <p:extLst>
       <p:ext uri="{BB962C8B-B14F-4D97-AF65-F5344CB8AC3E}">
@@ -31661,11 +32657,11 @@
           <a:lstStyle/>
           <a:p>
             <a:r>
-              <a:rPr lang="en-US" altLang="zh-TW" dirty="0" err="1" smtClean="0"/>
+              <a:rPr lang="en-US" altLang="zh-TW" smtClean="0"/>
               <a:t>text_general</a:t>
             </a:r>
             <a:r>
-              <a:rPr lang="zh-TW" altLang="en-US" dirty="0" smtClean="0"/>
+              <a:rPr lang="zh-TW" altLang="en-US" smtClean="0"/>
               <a:t>的停用字</a:t>
             </a:r>
             <a:endParaRPr lang="zh-TW" altLang="en-US" dirty="0"/>
@@ -31674,12 +32670,12 @@
       </p:sp>
       <p:sp>
         <p:nvSpPr>
-          <p:cNvPr id="3" name="內容版面配置區 2"/>
+          <p:cNvPr id="9" name="內容版面配置區 8"/>
           <p:cNvSpPr>
             <a:spLocks noGrp="1"/>
           </p:cNvSpPr>
           <p:nvPr>
-            <p:ph idx="1"/>
+            <p:ph sz="half" idx="1"/>
           </p:nvPr>
         </p:nvSpPr>
         <p:spPr/>
@@ -31687,10 +32683,156 @@
           <a:bodyPr/>
           <a:lstStyle/>
           <a:p>
-            <a:endParaRPr lang="zh-TW" altLang="en-US"/>
-          </a:p>
-        </p:txBody>
-      </p:sp>
+            <a:pPr marL="533400" indent="0">
+              <a:buNone/>
+            </a:pPr>
+            <a:r>
+              <a:rPr lang="en-US" altLang="zh-TW" u="sng" dirty="0" smtClean="0">
+                <a:solidFill>
+                  <a:schemeClr val="bg2">
+                    <a:lumMod val="50000"/>
+                  </a:schemeClr>
+                </a:solidFill>
+              </a:rPr>
+              <a:t>[</a:t>
+            </a:r>
+            <a:r>
+              <a:rPr lang="en-US" altLang="zh-TW" u="sng" dirty="0" err="1" smtClean="0">
+                <a:solidFill>
+                  <a:schemeClr val="bg2">
+                    <a:lumMod val="50000"/>
+                  </a:schemeClr>
+                </a:solidFill>
+              </a:rPr>
+              <a:t>solr</a:t>
+            </a:r>
+            <a:r>
+              <a:rPr lang="en-US" altLang="zh-TW" u="sng" dirty="0" smtClean="0">
+                <a:solidFill>
+                  <a:schemeClr val="bg2">
+                    <a:lumMod val="50000"/>
+                  </a:schemeClr>
+                </a:solidFill>
+              </a:rPr>
+              <a:t>]\PRACTICE\4-3</a:t>
+            </a:r>
+            <a:br>
+              <a:rPr lang="en-US" altLang="zh-TW" u="sng" dirty="0" smtClean="0">
+                <a:solidFill>
+                  <a:schemeClr val="bg2">
+                    <a:lumMod val="50000"/>
+                  </a:schemeClr>
+                </a:solidFill>
+              </a:rPr>
+            </a:br>
+            <a:r>
+              <a:rPr lang="en-US" altLang="zh-TW" u="sng" dirty="0" smtClean="0">
+                <a:solidFill>
+                  <a:schemeClr val="bg2">
+                    <a:lumMod val="50000"/>
+                  </a:schemeClr>
+                </a:solidFill>
+              </a:rPr>
+              <a:t>\edit_stopwords.txt.bat</a:t>
+            </a:r>
+          </a:p>
+          <a:p>
+            <a:r>
+              <a:rPr lang="zh-TW" altLang="en-US" dirty="0" smtClean="0"/>
+              <a:t>檔案位置：</a:t>
+            </a:r>
+            <a:r>
+              <a:rPr lang="en-US" altLang="zh-TW" dirty="0" smtClean="0"/>
+              <a:t>[</a:t>
+            </a:r>
+            <a:r>
+              <a:rPr lang="en-US" altLang="zh-TW" dirty="0" err="1" smtClean="0"/>
+              <a:t>solr</a:t>
+            </a:r>
+            <a:r>
+              <a:rPr lang="en-US" altLang="zh-TW" dirty="0" smtClean="0"/>
+              <a:t>]\example\</a:t>
+            </a:r>
+            <a:r>
+              <a:rPr lang="en-US" altLang="zh-TW" dirty="0" err="1" smtClean="0"/>
+              <a:t>solr</a:t>
+            </a:r>
+            <a:r>
+              <a:rPr lang="en-US" altLang="zh-TW" dirty="0" smtClean="0"/>
+              <a:t>\</a:t>
+            </a:r>
+            <a:r>
+              <a:rPr lang="en-US" altLang="zh-TW" dirty="0" err="1" smtClean="0"/>
+              <a:t>config</a:t>
+            </a:r>
+            <a:r>
+              <a:rPr lang="en-US" altLang="zh-TW" dirty="0" smtClean="0"/>
+              <a:t>\stopwords.txt</a:t>
+            </a:r>
+          </a:p>
+          <a:p>
+            <a:r>
+              <a:rPr lang="zh-TW" altLang="en-US" dirty="0" smtClean="0"/>
+              <a:t>由於</a:t>
+            </a:r>
+            <a:r>
+              <a:rPr lang="en-US" altLang="zh-TW" dirty="0" smtClean="0"/>
+              <a:t>Search UI</a:t>
+            </a:r>
+            <a:r>
+              <a:rPr lang="zh-TW" altLang="en-US" dirty="0" smtClean="0"/>
+              <a:t>欄位預設多為</a:t>
+            </a:r>
+            <a:r>
+              <a:rPr lang="en-US" altLang="zh-TW" dirty="0" err="1" smtClean="0"/>
+              <a:t>text_general</a:t>
+            </a:r>
+            <a:r>
+              <a:rPr lang="zh-TW" altLang="en-US" dirty="0" smtClean="0"/>
+              <a:t>而非</a:t>
+            </a:r>
+            <a:r>
+              <a:rPr lang="en-US" altLang="zh-TW" dirty="0" err="1" smtClean="0"/>
+              <a:t>text_en</a:t>
+            </a:r>
+            <a:r>
+              <a:rPr lang="zh-TW" altLang="en-US" dirty="0" smtClean="0"/>
+              <a:t>，因此應設定</a:t>
+            </a:r>
+            <a:r>
+              <a:rPr lang="en-US" altLang="zh-TW" dirty="0" smtClean="0"/>
+              <a:t>stopwords.txt</a:t>
+            </a:r>
+            <a:endParaRPr lang="zh-TW" altLang="en-US" dirty="0"/>
+          </a:p>
+        </p:txBody>
+      </p:sp>
+      <p:pic>
+        <p:nvPicPr>
+          <p:cNvPr id="12" name="內容版面配置區 11"/>
+          <p:cNvPicPr>
+            <a:picLocks noGrp="1" noChangeAspect="1"/>
+          </p:cNvPicPr>
+          <p:nvPr>
+            <p:ph sz="half" idx="2"/>
+          </p:nvPr>
+        </p:nvPicPr>
+        <p:blipFill>
+          <a:blip r:embed="rId2"/>
+          <a:stretch>
+            <a:fillRect/>
+          </a:stretch>
+        </p:blipFill>
+        <p:spPr>
+          <a:xfrm>
+            <a:off x="4664075" y="3267397"/>
+            <a:ext cx="3702050" cy="2272657"/>
+          </a:xfrm>
+          <a:prstGeom prst="rect">
+            <a:avLst/>
+          </a:prstGeom>
+        </p:spPr>
+      </p:pic>
       <p:sp>
         <p:nvSpPr>
           <p:cNvPr id="4" name="投影片編號版面配置區 3"/>
@@ -31716,7 +32858,7 @@
       </p:sp>
       <p:sp>
         <p:nvSpPr>
-          <p:cNvPr id="5" name="文字版面配置區 4"/>
+          <p:cNvPr id="11" name="文字版面配置區 10"/>
           <p:cNvSpPr>
             <a:spLocks noGrp="1"/>
           </p:cNvSpPr>
@@ -31729,52 +32871,50 @@
           <a:bodyPr/>
           <a:lstStyle/>
           <a:p>
-            <a:endParaRPr lang="zh-TW" altLang="en-US"/>
-          </a:p>
-        </p:txBody>
-      </p:sp>
-      <p:sp>
-        <p:nvSpPr>
-          <p:cNvPr id="6" name="禁止標誌 5"/>
+            <a:r>
+              <a:rPr lang="en-US" altLang="zh-TW" smtClean="0"/>
+              <a:t>STEP 4-3.</a:t>
+            </a:r>
+            <a:r>
+              <a:rPr lang="zh-TW" altLang="en-US" smtClean="0"/>
+              <a:t>認識斷詞器與過濾器</a:t>
+            </a:r>
+            <a:endParaRPr lang="zh-TW" altLang="en-US" dirty="0"/>
+          </a:p>
+        </p:txBody>
+      </p:sp>
+      <p:sp>
+        <p:nvSpPr>
+          <p:cNvPr id="13" name="圓角矩形圖說文字 12"/>
           <p:cNvSpPr/>
           <p:nvPr/>
         </p:nvSpPr>
         <p:spPr>
           <a:xfrm>
-            <a:off x="6271327" y="388418"/>
-            <a:ext cx="1723604" cy="1294725"/>
-          </a:xfrm>
-          <a:prstGeom prst="noSmoking">
-            <a:avLst/>
+            <a:off x="5588000" y="2387352"/>
+            <a:ext cx="2070100" cy="663293"/>
+          </a:xfrm>
+          <a:prstGeom prst="wedgeRoundRectCallout">
+            <a:avLst>
+              <a:gd name="adj1" fmla="val -11631"/>
+              <a:gd name="adj2" fmla="val 104623"/>
+              <a:gd name="adj3" fmla="val 16667"/>
+            </a:avLst>
           </a:prstGeom>
-          <a:noFill/>
-          <a:ln w="38100">
-            <a:solidFill>
-              <a:srgbClr val="FF0000"/>
-            </a:solidFill>
-          </a:ln>
-          <a:effectLst>
-            <a:outerShdw blurRad="50800" dist="38100" dir="2700000" algn="tl" rotWithShape="0">
-              <a:prstClr val="black">
-                <a:alpha val="40000"/>
-              </a:prstClr>
-            </a:outerShdw>
-          </a:effectLst>
+          <a:ln/>
         </p:spPr>
         <p:style>
-          <a:lnRef idx="2">
-            <a:schemeClr val="accent1">
-              <a:shade val="50000"/>
-            </a:schemeClr>
+          <a:lnRef idx="1">
+            <a:schemeClr val="accent2"/>
           </a:lnRef>
-          <a:fillRef idx="1">
-            <a:schemeClr val="accent1"/>
+          <a:fillRef idx="2">
+            <a:schemeClr val="accent2"/>
           </a:fillRef>
-          <a:effectRef idx="0">
-            <a:schemeClr val="accent1"/>
+          <a:effectRef idx="1">
+            <a:schemeClr val="accent2"/>
           </a:effectRef>
           <a:fontRef idx="minor">
-            <a:schemeClr val="lt1"/>
+            <a:schemeClr val="dk1"/>
           </a:fontRef>
         </p:style>
         <p:txBody>
@@ -31787,11 +32927,120 @@
           <a:lstStyle/>
           <a:p>
             <a:pPr algn="ctr"/>
-            <a:endParaRPr lang="zh-TW" altLang="en-US" sz="1800">
-              <a:solidFill>
-                <a:schemeClr val="tx1"/>
-              </a:solidFill>
-            </a:endParaRPr>
+            <a:r>
+              <a:rPr lang="zh-TW" altLang="en-US" sz="1800" dirty="0" smtClean="0"/>
+              <a:t>搜尋</a:t>
+            </a:r>
+            <a:r>
+              <a:rPr lang="en-US" altLang="zh-TW" sz="1800" dirty="0" smtClean="0"/>
+              <a:t>are</a:t>
+            </a:r>
+            <a:r>
+              <a:rPr lang="zh-TW" altLang="en-US" sz="1800" dirty="0" smtClean="0"/>
+              <a:t>找不到</a:t>
+            </a:r>
+            <a:endParaRPr lang="zh-TW" altLang="en-US" sz="1800" dirty="0"/>
+          </a:p>
+        </p:txBody>
+      </p:sp>
+      <p:pic>
+        <p:nvPicPr>
+          <p:cNvPr id="19" name="Picture 2" descr="bat"/>
+          <p:cNvPicPr>
+            <a:picLocks noChangeAspect="1" noChangeArrowheads="1"/>
+          </p:cNvPicPr>
+          <p:nvPr/>
+        </p:nvPicPr>
+        <p:blipFill>
+          <a:blip r:embed="rId3">
+            <a:extLst>
+              <a:ext uri="{28A0092B-C50C-407E-A947-70E740481C1C}">
+                <a14:useLocalDpi xmlns:a14="http://schemas.microsoft.com/office/drawing/2010/main" val="0"/>
+              </a:ext>
+            </a:extLst>
+          </a:blip>
+          <a:srcRect/>
+          <a:stretch>
+            <a:fillRect/>
+          </a:stretch>
+        </p:blipFill>
+        <p:spPr bwMode="auto">
+          <a:xfrm>
+            <a:off x="489321" y="1845734"/>
+            <a:ext cx="666008" cy="666009"/>
+          </a:xfrm>
+          <a:prstGeom prst="rect">
+            <a:avLst/>
+          </a:prstGeom>
+          <a:noFill/>
+          <a:extLst>
+            <a:ext uri="{909E8E84-426E-40DD-AFC4-6F175D3DCCD1}">
+              <a14:hiddenFill xmlns:a14="http://schemas.microsoft.com/office/drawing/2010/main">
+                <a:solidFill>
+                  <a:srgbClr val="FFFFFF"/>
+                </a:solidFill>
+              </a14:hiddenFill>
+            </a:ext>
+          </a:extLst>
+        </p:spPr>
+      </p:pic>
+      <p:sp>
+        <p:nvSpPr>
+          <p:cNvPr id="20" name="圓角矩形圖說文字 19"/>
+          <p:cNvSpPr/>
+          <p:nvPr/>
+        </p:nvSpPr>
+        <p:spPr>
+          <a:xfrm>
+            <a:off x="6339263" y="242891"/>
+            <a:ext cx="2070100" cy="663293"/>
+          </a:xfrm>
+          <a:prstGeom prst="wedgeRoundRectCallout">
+            <a:avLst>
+              <a:gd name="adj1" fmla="val -11631"/>
+              <a:gd name="adj2" fmla="val 104623"/>
+              <a:gd name="adj3" fmla="val 16667"/>
+            </a:avLst>
+          </a:prstGeom>
+          <a:ln/>
+        </p:spPr>
+        <p:style>
+          <a:lnRef idx="1">
+            <a:schemeClr val="accent2"/>
+          </a:lnRef>
+          <a:fillRef idx="2">
+            <a:schemeClr val="accent2"/>
+          </a:fillRef>
+          <a:effectRef idx="1">
+            <a:schemeClr val="accent2"/>
+          </a:effectRef>
+          <a:fontRef idx="minor">
+            <a:schemeClr val="dk1"/>
+          </a:fontRef>
+        </p:style>
+        <p:txBody>
+          <a:bodyPr rot="0" spcFirstLastPara="0" vertOverflow="overflow" horzOverflow="overflow" vert="horz" wrap="square" lIns="91440" tIns="45720" rIns="91440" bIns="45720" numCol="1" spcCol="0" rtlCol="0" fromWordArt="0" anchor="ctr" anchorCtr="0" forceAA="0" compatLnSpc="1">
+            <a:prstTxWarp prst="textNoShape">
+              <a:avLst/>
+            </a:prstTxWarp>
+            <a:noAutofit/>
+          </a:bodyPr>
+          <a:lstStyle/>
+          <a:p>
+            <a:pPr algn="ctr"/>
+            <a:r>
+              <a:rPr lang="zh-TW" altLang="en-US" sz="1800" dirty="0" smtClean="0"/>
+              <a:t>給</a:t>
+            </a:r>
+            <a:r>
+              <a:rPr lang="en-US" altLang="zh-TW" sz="1800" dirty="0" smtClean="0"/>
+              <a:t>Search UI</a:t>
+            </a:r>
+            <a:r>
+              <a:rPr lang="zh-TW" altLang="en-US" sz="1800" dirty="0" smtClean="0"/>
+              <a:t>用</a:t>
+            </a:r>
+            <a:endParaRPr lang="zh-TW" altLang="en-US" sz="1800" dirty="0"/>
           </a:p>
         </p:txBody>
       </p:sp>
@@ -31876,7 +33125,7 @@
           </a:bodyPr>
           <a:lstStyle/>
           <a:p>
-            <a:pPr marL="0" indent="0">
+            <a:pPr marL="723900" indent="0">
               <a:buNone/>
             </a:pPr>
             <a:r>
@@ -32365,6 +33614,47 @@
           </p:spPr>
         </p:pic>
       </p:grpSp>
+      <p:pic>
+        <p:nvPicPr>
+          <p:cNvPr id="14" name="Picture 2" descr="bat"/>
+          <p:cNvPicPr>
+            <a:picLocks noChangeAspect="1" noChangeArrowheads="1"/>
+          </p:cNvPicPr>
+          <p:nvPr/>
+        </p:nvPicPr>
+        <p:blipFill>
+          <a:blip r:embed="rId4">
+            <a:extLst>
+              <a:ext uri="{28A0092B-C50C-407E-A947-70E740481C1C}">
+                <a14:useLocalDpi xmlns:a14="http://schemas.microsoft.com/office/drawing/2010/main" val="0"/>
+              </a:ext>
+            </a:extLst>
+          </a:blip>
+          <a:srcRect/>
+          <a:stretch>
+            <a:fillRect/>
+          </a:stretch>
+        </p:blipFill>
+        <p:spPr bwMode="auto">
+          <a:xfrm>
+            <a:off x="279197" y="3683000"/>
+            <a:ext cx="666008" cy="666009"/>
+          </a:xfrm>
+          <a:prstGeom prst="rect">
+            <a:avLst/>
+          </a:prstGeom>
+          <a:noFill/>
+          <a:extLst>
+            <a:ext uri="{909E8E84-426E-40DD-AFC4-6F175D3DCCD1}">
+              <a14:hiddenFill xmlns:a14="http://schemas.microsoft.com/office/drawing/2010/main">
+                <a:solidFill>
+                  <a:srgbClr val="FFFFFF"/>
+                </a:solidFill>
+              </a14:hiddenFill>
+            </a:ext>
+          </a:extLst>
+        </p:spPr>
+      </p:pic>
     </p:spTree>
     <p:extLst>
       <p:ext uri="{BB962C8B-B14F-4D97-AF65-F5344CB8AC3E}">
@@ -34250,7 +35540,15 @@
             </a:r>
             <a:r>
               <a:rPr lang="en-US" altLang="zh-TW" dirty="0" smtClean="0"/>
-              <a:t>[Solr]\example\</a:t>
+              <a:t>[</a:t>
+            </a:r>
+            <a:r>
+              <a:rPr lang="en-US" altLang="zh-TW" dirty="0" err="1" smtClean="0"/>
+              <a:t>solr</a:t>
+            </a:r>
+            <a:r>
+              <a:rPr lang="en-US" altLang="zh-TW" dirty="0" smtClean="0"/>
+              <a:t>]\example\</a:t>
             </a:r>
             <a:r>
               <a:rPr lang="en-US" altLang="zh-TW" dirty="0" err="1" smtClean="0"/>
@@ -34393,6 +35691,47 @@
           </a:p>
         </p:txBody>
       </p:sp>
+      <p:pic>
+        <p:nvPicPr>
+          <p:cNvPr id="6" name="Picture 2" descr="bat"/>
+          <p:cNvPicPr>
+            <a:picLocks noChangeAspect="1" noChangeArrowheads="1"/>
+          </p:cNvPicPr>
+          <p:nvPr/>
+        </p:nvPicPr>
+        <p:blipFill>
+          <a:blip r:embed="rId3">
+            <a:extLst>
+              <a:ext uri="{28A0092B-C50C-407E-A947-70E740481C1C}">
+                <a14:useLocalDpi xmlns:a14="http://schemas.microsoft.com/office/drawing/2010/main" val="0"/>
+              </a:ext>
+            </a:extLst>
+          </a:blip>
+          <a:srcRect/>
+          <a:stretch>
+            <a:fillRect/>
+          </a:stretch>
+        </p:blipFill>
+        <p:spPr bwMode="auto">
+          <a:xfrm>
+            <a:off x="355397" y="1845734"/>
+            <a:ext cx="666008" cy="666009"/>
+          </a:xfrm>
+          <a:prstGeom prst="rect">
+            <a:avLst/>
+          </a:prstGeom>
+          <a:noFill/>
+          <a:extLst>
+            <a:ext uri="{909E8E84-426E-40DD-AFC4-6F175D3DCCD1}">
+              <a14:hiddenFill xmlns:a14="http://schemas.microsoft.com/office/drawing/2010/main">
+                <a:solidFill>
+                  <a:srgbClr val="FFFFFF"/>
+                </a:solidFill>
+              </a14:hiddenFill>
+            </a:ext>
+          </a:extLst>
+        </p:spPr>
+      </p:pic>
     </p:spTree>
     <p:extLst>
       <p:ext uri="{BB962C8B-B14F-4D97-AF65-F5344CB8AC3E}">
@@ -36265,6 +37604,47 @@
           </p:txBody>
         </p:sp>
       </p:grpSp>
+      <p:pic>
+        <p:nvPicPr>
+          <p:cNvPr id="9" name="Picture 2" descr="bat"/>
+          <p:cNvPicPr>
+            <a:picLocks noChangeAspect="1" noChangeArrowheads="1"/>
+          </p:cNvPicPr>
+          <p:nvPr/>
+        </p:nvPicPr>
+        <p:blipFill>
+          <a:blip r:embed="rId4">
+            <a:extLst>
+              <a:ext uri="{28A0092B-C50C-407E-A947-70E740481C1C}">
+                <a14:useLocalDpi xmlns:a14="http://schemas.microsoft.com/office/drawing/2010/main" val="0"/>
+              </a:ext>
+            </a:extLst>
+          </a:blip>
+          <a:srcRect/>
+          <a:stretch>
+            <a:fillRect/>
+          </a:stretch>
+        </p:blipFill>
+        <p:spPr bwMode="auto">
+          <a:xfrm>
+            <a:off x="355397" y="1845734"/>
+            <a:ext cx="666008" cy="666009"/>
+          </a:xfrm>
+          <a:prstGeom prst="rect">
+            <a:avLst/>
+          </a:prstGeom>
+          <a:noFill/>
+          <a:extLst>
+            <a:ext uri="{909E8E84-426E-40DD-AFC4-6F175D3DCCD1}">
+              <a14:hiddenFill xmlns:a14="http://schemas.microsoft.com/office/drawing/2010/main">
+                <a:solidFill>
+                  <a:srgbClr val="FFFFFF"/>
+                </a:solidFill>
+              </a14:hiddenFill>
+            </a:ext>
+          </a:extLst>
+        </p:spPr>
+      </p:pic>
     </p:spTree>
     <p:extLst>
       <p:ext uri="{BB962C8B-B14F-4D97-AF65-F5344CB8AC3E}">
@@ -36754,6 +38134,88 @@
           </p:spPr>
         </p:pic>
       </p:grpSp>
+      <p:pic>
+        <p:nvPicPr>
+          <p:cNvPr id="11" name="Picture 2" descr="bat"/>
+          <p:cNvPicPr>
+            <a:picLocks noChangeAspect="1" noChangeArrowheads="1"/>
+          </p:cNvPicPr>
+          <p:nvPr/>
+        </p:nvPicPr>
+        <p:blipFill>
+          <a:blip r:embed="rId5">
+            <a:extLst>
+              <a:ext uri="{28A0092B-C50C-407E-A947-70E740481C1C}">
+                <a14:useLocalDpi xmlns:a14="http://schemas.microsoft.com/office/drawing/2010/main" val="0"/>
+              </a:ext>
+            </a:extLst>
+          </a:blip>
+          <a:srcRect/>
+          <a:stretch>
+            <a:fillRect/>
+          </a:stretch>
+        </p:blipFill>
+        <p:spPr bwMode="auto">
+          <a:xfrm>
+            <a:off x="355397" y="1845734"/>
+            <a:ext cx="666008" cy="666009"/>
+          </a:xfrm>
+          <a:prstGeom prst="rect">
+            <a:avLst/>
+          </a:prstGeom>
+          <a:noFill/>
+          <a:extLst>
+            <a:ext uri="{909E8E84-426E-40DD-AFC4-6F175D3DCCD1}">
+              <a14:hiddenFill xmlns:a14="http://schemas.microsoft.com/office/drawing/2010/main">
+                <a:solidFill>
+                  <a:srgbClr val="FFFFFF"/>
+                </a:solidFill>
+              </a14:hiddenFill>
+            </a:ext>
+          </a:extLst>
+        </p:spPr>
+      </p:pic>
+      <p:pic>
+        <p:nvPicPr>
+          <p:cNvPr id="12" name="Picture 2" descr="bat"/>
+          <p:cNvPicPr>
+            <a:picLocks noChangeAspect="1" noChangeArrowheads="1"/>
+          </p:cNvPicPr>
+          <p:nvPr/>
+        </p:nvPicPr>
+        <p:blipFill>
+          <a:blip r:embed="rId5">
+            <a:extLst>
+              <a:ext uri="{28A0092B-C50C-407E-A947-70E740481C1C}">
+                <a14:useLocalDpi xmlns:a14="http://schemas.microsoft.com/office/drawing/2010/main" val="0"/>
+              </a:ext>
+            </a:extLst>
+          </a:blip>
+          <a:srcRect/>
+          <a:stretch>
+            <a:fillRect/>
+          </a:stretch>
+        </p:blipFill>
+        <p:spPr bwMode="auto">
+          <a:xfrm>
+            <a:off x="355397" y="2670389"/>
+            <a:ext cx="666008" cy="666009"/>
+          </a:xfrm>
+          <a:prstGeom prst="rect">
+            <a:avLst/>
+          </a:prstGeom>
+          <a:noFill/>
+          <a:extLst>
+            <a:ext uri="{909E8E84-426E-40DD-AFC4-6F175D3DCCD1}">
+              <a14:hiddenFill xmlns:a14="http://schemas.microsoft.com/office/drawing/2010/main">
+                <a:solidFill>
+                  <a:srgbClr val="FFFFFF"/>
+                </a:solidFill>
+              </a14:hiddenFill>
+            </a:ext>
+          </a:extLst>
+        </p:spPr>
+      </p:pic>
     </p:spTree>
     <p:extLst>
       <p:ext uri="{BB962C8B-B14F-4D97-AF65-F5344CB8AC3E}">
